--- a/Docs/Prototype_v0.1/Barroc-IT Prototype.pptx
+++ b/Docs/Prototype_v0.1/Barroc-IT Prototype.pptx
@@ -11,6 +11,12 @@
     <p:sldId id="262" r:id="rId5"/>
     <p:sldId id="259" r:id="rId6"/>
     <p:sldId id="260" r:id="rId7"/>
+    <p:sldId id="263" r:id="rId8"/>
+    <p:sldId id="264" r:id="rId9"/>
+    <p:sldId id="265" r:id="rId10"/>
+    <p:sldId id="266" r:id="rId11"/>
+    <p:sldId id="267" r:id="rId12"/>
+    <p:sldId id="268" r:id="rId13"/>
   </p:sldIdLst>
   <p:sldSz cx="9144000" cy="6858000" type="screen4x3"/>
   <p:notesSz cx="6858000" cy="9144000"/>
@@ -293,7 +299,7 @@
           <a:p>
             <a:fld id="{A4596DDB-5EBB-4D5B-8C35-D384F2E8AF16}" type="datetimeFigureOut">
               <a:rPr lang="nl-NL" smtClean="0"/>
-              <a:t>17-9-2014</a:t>
+              <a:t>18-9-2014</a:t>
             </a:fld>
             <a:endParaRPr lang="nl-NL"/>
           </a:p>
@@ -463,7 +469,7 @@
           <a:p>
             <a:fld id="{A4596DDB-5EBB-4D5B-8C35-D384F2E8AF16}" type="datetimeFigureOut">
               <a:rPr lang="nl-NL" smtClean="0"/>
-              <a:t>17-9-2014</a:t>
+              <a:t>18-9-2014</a:t>
             </a:fld>
             <a:endParaRPr lang="nl-NL"/>
           </a:p>
@@ -643,7 +649,7 @@
           <a:p>
             <a:fld id="{A4596DDB-5EBB-4D5B-8C35-D384F2E8AF16}" type="datetimeFigureOut">
               <a:rPr lang="nl-NL" smtClean="0"/>
-              <a:t>17-9-2014</a:t>
+              <a:t>18-9-2014</a:t>
             </a:fld>
             <a:endParaRPr lang="nl-NL"/>
           </a:p>
@@ -813,7 +819,7 @@
           <a:p>
             <a:fld id="{A4596DDB-5EBB-4D5B-8C35-D384F2E8AF16}" type="datetimeFigureOut">
               <a:rPr lang="nl-NL" smtClean="0"/>
-              <a:t>17-9-2014</a:t>
+              <a:t>18-9-2014</a:t>
             </a:fld>
             <a:endParaRPr lang="nl-NL"/>
           </a:p>
@@ -1059,7 +1065,7 @@
           <a:p>
             <a:fld id="{A4596DDB-5EBB-4D5B-8C35-D384F2E8AF16}" type="datetimeFigureOut">
               <a:rPr lang="nl-NL" smtClean="0"/>
-              <a:t>17-9-2014</a:t>
+              <a:t>18-9-2014</a:t>
             </a:fld>
             <a:endParaRPr lang="nl-NL"/>
           </a:p>
@@ -1347,7 +1353,7 @@
           <a:p>
             <a:fld id="{A4596DDB-5EBB-4D5B-8C35-D384F2E8AF16}" type="datetimeFigureOut">
               <a:rPr lang="nl-NL" smtClean="0"/>
-              <a:t>17-9-2014</a:t>
+              <a:t>18-9-2014</a:t>
             </a:fld>
             <a:endParaRPr lang="nl-NL"/>
           </a:p>
@@ -1769,7 +1775,7 @@
           <a:p>
             <a:fld id="{A4596DDB-5EBB-4D5B-8C35-D384F2E8AF16}" type="datetimeFigureOut">
               <a:rPr lang="nl-NL" smtClean="0"/>
-              <a:t>17-9-2014</a:t>
+              <a:t>18-9-2014</a:t>
             </a:fld>
             <a:endParaRPr lang="nl-NL"/>
           </a:p>
@@ -1887,7 +1893,7 @@
           <a:p>
             <a:fld id="{A4596DDB-5EBB-4D5B-8C35-D384F2E8AF16}" type="datetimeFigureOut">
               <a:rPr lang="nl-NL" smtClean="0"/>
-              <a:t>17-9-2014</a:t>
+              <a:t>18-9-2014</a:t>
             </a:fld>
             <a:endParaRPr lang="nl-NL"/>
           </a:p>
@@ -1982,7 +1988,7 @@
           <a:p>
             <a:fld id="{A4596DDB-5EBB-4D5B-8C35-D384F2E8AF16}" type="datetimeFigureOut">
               <a:rPr lang="nl-NL" smtClean="0"/>
-              <a:t>17-9-2014</a:t>
+              <a:t>18-9-2014</a:t>
             </a:fld>
             <a:endParaRPr lang="nl-NL"/>
           </a:p>
@@ -2259,7 +2265,7 @@
           <a:p>
             <a:fld id="{A4596DDB-5EBB-4D5B-8C35-D384F2E8AF16}" type="datetimeFigureOut">
               <a:rPr lang="nl-NL" smtClean="0"/>
-              <a:t>17-9-2014</a:t>
+              <a:t>18-9-2014</a:t>
             </a:fld>
             <a:endParaRPr lang="nl-NL"/>
           </a:p>
@@ -2512,7 +2518,7 @@
           <a:p>
             <a:fld id="{A4596DDB-5EBB-4D5B-8C35-D384F2E8AF16}" type="datetimeFigureOut">
               <a:rPr lang="nl-NL" smtClean="0"/>
-              <a:t>17-9-2014</a:t>
+              <a:t>18-9-2014</a:t>
             </a:fld>
             <a:endParaRPr lang="nl-NL"/>
           </a:p>
@@ -2725,7 +2731,7 @@
           <a:p>
             <a:fld id="{A4596DDB-5EBB-4D5B-8C35-D384F2E8AF16}" type="datetimeFigureOut">
               <a:rPr lang="nl-NL" smtClean="0"/>
-              <a:t>17-9-2014</a:t>
+              <a:t>18-9-2014</a:t>
             </a:fld>
             <a:endParaRPr lang="nl-NL"/>
           </a:p>
@@ -3112,7 +3118,7 @@
         </p:nvSpPr>
         <p:spPr>
           <a:xfrm>
-            <a:off x="899592" y="764704"/>
+            <a:off x="685800" y="764704"/>
             <a:ext cx="7772400" cy="1470025"/>
           </a:xfrm>
         </p:spPr>
@@ -3369,6 +3375,2352 @@
     <p:extLst>
       <p:ext uri="{BB962C8B-B14F-4D97-AF65-F5344CB8AC3E}">
         <p14:creationId xmlns:p14="http://schemas.microsoft.com/office/powerpoint/2010/main" val="1575743318"/>
+      </p:ext>
+    </p:extLst>
+  </p:cSld>
+  <p:clrMapOvr>
+    <a:masterClrMapping/>
+  </p:clrMapOvr>
+  <p:timing>
+    <p:tnLst>
+      <p:par>
+        <p:cTn id="1" dur="indefinite" restart="never" nodeType="tmRoot"/>
+      </p:par>
+    </p:tnLst>
+  </p:timing>
+</p:sld>
+</file>
+
+<file path=ppt/slides/slide10.xml><?xml version="1.0" encoding="utf-8"?>
+<p:sld xmlns:a="http://schemas.openxmlformats.org/drawingml/2006/main" xmlns:r="http://schemas.openxmlformats.org/officeDocument/2006/relationships" xmlns:p="http://schemas.openxmlformats.org/presentationml/2006/main">
+  <p:cSld>
+    <p:spTree>
+      <p:nvGrpSpPr>
+        <p:cNvPr id="1" name=""/>
+        <p:cNvGrpSpPr/>
+        <p:nvPr/>
+      </p:nvGrpSpPr>
+      <p:grpSpPr>
+        <a:xfrm>
+          <a:off x="0" y="0"/>
+          <a:ext cx="0" cy="0"/>
+          <a:chOff x="0" y="0"/>
+          <a:chExt cx="0" cy="0"/>
+        </a:xfrm>
+      </p:grpSpPr>
+      <p:sp>
+        <p:nvSpPr>
+          <p:cNvPr id="13" name="Rectangle 12"/>
+          <p:cNvSpPr/>
+          <p:nvPr/>
+        </p:nvSpPr>
+        <p:spPr>
+          <a:xfrm>
+            <a:off x="251520" y="548680"/>
+            <a:ext cx="8640960" cy="576064"/>
+          </a:xfrm>
+          <a:prstGeom prst="rect">
+            <a:avLst/>
+          </a:prstGeom>
+          <a:noFill/>
+          <a:ln>
+            <a:solidFill>
+              <a:schemeClr val="tx1"/>
+            </a:solidFill>
+          </a:ln>
+        </p:spPr>
+        <p:style>
+          <a:lnRef idx="2">
+            <a:schemeClr val="accent1">
+              <a:shade val="50000"/>
+            </a:schemeClr>
+          </a:lnRef>
+          <a:fillRef idx="1">
+            <a:schemeClr val="accent1"/>
+          </a:fillRef>
+          <a:effectRef idx="0">
+            <a:schemeClr val="accent1"/>
+          </a:effectRef>
+          <a:fontRef idx="minor">
+            <a:schemeClr val="lt1"/>
+          </a:fontRef>
+        </p:style>
+        <p:txBody>
+          <a:bodyPr rtlCol="0" anchor="ctr"/>
+          <a:lstStyle/>
+          <a:p>
+            <a:pPr algn="ctr"/>
+            <a:endParaRPr lang="nl-NL"/>
+          </a:p>
+        </p:txBody>
+      </p:sp>
+      <p:sp>
+        <p:nvSpPr>
+          <p:cNvPr id="3" name="Content Placeholder 2"/>
+          <p:cNvSpPr>
+            <a:spLocks noGrp="1"/>
+          </p:cNvSpPr>
+          <p:nvPr>
+            <p:ph idx="1"/>
+          </p:nvPr>
+        </p:nvSpPr>
+        <p:spPr>
+          <a:xfrm>
+            <a:off x="457200" y="548681"/>
+            <a:ext cx="8229600" cy="648072"/>
+          </a:xfrm>
+        </p:spPr>
+        <p:txBody>
+          <a:bodyPr/>
+          <a:lstStyle/>
+          <a:p>
+            <a:pPr marL="0" indent="0" algn="ctr">
+              <a:buNone/>
+            </a:pPr>
+            <a:r>
+              <a:rPr lang="nl-NL" b="1" dirty="0" smtClean="0">
+                <a:solidFill>
+                  <a:schemeClr val="tx1">
+                    <a:lumMod val="75000"/>
+                    <a:lumOff val="25000"/>
+                  </a:schemeClr>
+                </a:solidFill>
+              </a:rPr>
+              <a:t>Sales</a:t>
+            </a:r>
+            <a:endParaRPr lang="nl-NL" b="1" dirty="0">
+              <a:solidFill>
+                <a:schemeClr val="tx1">
+                  <a:lumMod val="75000"/>
+                  <a:lumOff val="25000"/>
+                </a:schemeClr>
+              </a:solidFill>
+            </a:endParaRPr>
+          </a:p>
+        </p:txBody>
+      </p:sp>
+      <p:sp>
+        <p:nvSpPr>
+          <p:cNvPr id="5" name="Rectangle 4"/>
+          <p:cNvSpPr/>
+          <p:nvPr/>
+        </p:nvSpPr>
+        <p:spPr>
+          <a:xfrm>
+            <a:off x="251520" y="1124744"/>
+            <a:ext cx="2304256" cy="5112568"/>
+          </a:xfrm>
+          <a:prstGeom prst="rect">
+            <a:avLst/>
+          </a:prstGeom>
+          <a:noFill/>
+          <a:ln>
+            <a:solidFill>
+              <a:schemeClr val="tx1"/>
+            </a:solidFill>
+          </a:ln>
+        </p:spPr>
+        <p:style>
+          <a:lnRef idx="2">
+            <a:schemeClr val="accent1">
+              <a:shade val="50000"/>
+            </a:schemeClr>
+          </a:lnRef>
+          <a:fillRef idx="1">
+            <a:schemeClr val="accent1"/>
+          </a:fillRef>
+          <a:effectRef idx="0">
+            <a:schemeClr val="accent1"/>
+          </a:effectRef>
+          <a:fontRef idx="minor">
+            <a:schemeClr val="lt1"/>
+          </a:fontRef>
+        </p:style>
+        <p:txBody>
+          <a:bodyPr rtlCol="0" anchor="ctr"/>
+          <a:lstStyle/>
+          <a:p>
+            <a:pPr algn="ctr"/>
+            <a:endParaRPr lang="nl-NL"/>
+          </a:p>
+        </p:txBody>
+      </p:sp>
+      <p:sp>
+        <p:nvSpPr>
+          <p:cNvPr id="4" name="TextBox 3"/>
+          <p:cNvSpPr txBox="1"/>
+          <p:nvPr/>
+        </p:nvSpPr>
+        <p:spPr>
+          <a:xfrm>
+            <a:off x="431540" y="1299372"/>
+            <a:ext cx="1944216" cy="4801314"/>
+          </a:xfrm>
+          <a:prstGeom prst="rect">
+            <a:avLst/>
+          </a:prstGeom>
+          <a:noFill/>
+        </p:spPr>
+        <p:txBody>
+          <a:bodyPr wrap="square" rtlCol="0">
+            <a:spAutoFit/>
+          </a:bodyPr>
+          <a:lstStyle/>
+          <a:p>
+            <a:r>
+              <a:rPr lang="nl-NL" b="1" dirty="0" smtClean="0"/>
+              <a:t>Home</a:t>
+            </a:r>
+          </a:p>
+          <a:p>
+            <a:endParaRPr lang="nl-NL" b="1" dirty="0" smtClean="0"/>
+          </a:p>
+          <a:p>
+            <a:r>
+              <a:rPr lang="nl-NL" b="1" dirty="0" smtClean="0"/>
+              <a:t>Add Customer</a:t>
+            </a:r>
+            <a:endParaRPr lang="nl-NL" b="1" dirty="0" smtClean="0"/>
+          </a:p>
+          <a:p>
+            <a:endParaRPr lang="nl-NL" b="1" dirty="0" smtClean="0"/>
+          </a:p>
+          <a:p>
+            <a:r>
+              <a:rPr lang="nl-NL" b="1" dirty="0" smtClean="0"/>
+              <a:t>Manage Customer</a:t>
+            </a:r>
+            <a:endParaRPr lang="nl-NL" b="1" dirty="0" smtClean="0"/>
+          </a:p>
+          <a:p>
+            <a:endParaRPr lang="nl-NL" b="1" dirty="0" smtClean="0"/>
+          </a:p>
+          <a:p>
+            <a:r>
+              <a:rPr lang="nl-NL" b="1" dirty="0" smtClean="0"/>
+              <a:t>Manage Project</a:t>
+            </a:r>
+            <a:endParaRPr lang="nl-NL" b="1" dirty="0" smtClean="0"/>
+          </a:p>
+          <a:p>
+            <a:endParaRPr lang="nl-NL" b="1" dirty="0"/>
+          </a:p>
+          <a:p>
+            <a:r>
+              <a:rPr lang="nl-NL" b="1" dirty="0" smtClean="0"/>
+              <a:t>Deactivate Customer</a:t>
+            </a:r>
+            <a:endParaRPr lang="nl-NL" b="1" dirty="0"/>
+          </a:p>
+          <a:p>
+            <a:endParaRPr lang="nl-NL" b="1" dirty="0" smtClean="0"/>
+          </a:p>
+          <a:p>
+            <a:endParaRPr lang="nl-NL" b="1" dirty="0"/>
+          </a:p>
+          <a:p>
+            <a:endParaRPr lang="nl-NL" b="1" dirty="0" smtClean="0"/>
+          </a:p>
+          <a:p>
+            <a:endParaRPr lang="nl-NL" b="1" dirty="0"/>
+          </a:p>
+          <a:p>
+            <a:endParaRPr lang="nl-NL" b="1" dirty="0" smtClean="0"/>
+          </a:p>
+          <a:p>
+            <a:endParaRPr lang="nl-NL" b="1" dirty="0"/>
+          </a:p>
+          <a:p>
+            <a:r>
+              <a:rPr lang="nl-NL" b="1" dirty="0" smtClean="0"/>
+              <a:t>Logout</a:t>
+            </a:r>
+            <a:endParaRPr lang="nl-NL" b="1" dirty="0"/>
+          </a:p>
+        </p:txBody>
+      </p:sp>
+      <p:sp>
+        <p:nvSpPr>
+          <p:cNvPr id="7" name="Rectangle 6">
+            <a:hlinkClick r:id="rId2" action="ppaction://hlinksldjump"/>
+          </p:cNvPr>
+          <p:cNvSpPr/>
+          <p:nvPr/>
+        </p:nvSpPr>
+        <p:spPr>
+          <a:xfrm>
+            <a:off x="431540" y="2921350"/>
+            <a:ext cx="1944216" cy="363634"/>
+          </a:xfrm>
+          <a:prstGeom prst="rect">
+            <a:avLst/>
+          </a:prstGeom>
+          <a:noFill/>
+          <a:ln>
+            <a:solidFill>
+              <a:schemeClr val="tx1"/>
+            </a:solidFill>
+          </a:ln>
+        </p:spPr>
+        <p:style>
+          <a:lnRef idx="2">
+            <a:schemeClr val="accent1">
+              <a:shade val="50000"/>
+            </a:schemeClr>
+          </a:lnRef>
+          <a:fillRef idx="1">
+            <a:schemeClr val="accent1"/>
+          </a:fillRef>
+          <a:effectRef idx="0">
+            <a:schemeClr val="accent1"/>
+          </a:effectRef>
+          <a:fontRef idx="minor">
+            <a:schemeClr val="lt1"/>
+          </a:fontRef>
+        </p:style>
+        <p:txBody>
+          <a:bodyPr rtlCol="0" anchor="ctr"/>
+          <a:lstStyle/>
+          <a:p>
+            <a:pPr algn="ctr"/>
+            <a:endParaRPr lang="nl-NL"/>
+          </a:p>
+        </p:txBody>
+      </p:sp>
+      <p:sp>
+        <p:nvSpPr>
+          <p:cNvPr id="10" name="Rectangle 9">
+            <a:hlinkClick r:id="rId3" action="ppaction://hlinksldjump"/>
+          </p:cNvPr>
+          <p:cNvSpPr/>
+          <p:nvPr/>
+        </p:nvSpPr>
+        <p:spPr>
+          <a:xfrm>
+            <a:off x="431540" y="1337174"/>
+            <a:ext cx="1944216" cy="363634"/>
+          </a:xfrm>
+          <a:prstGeom prst="rect">
+            <a:avLst/>
+          </a:prstGeom>
+          <a:noFill/>
+          <a:ln>
+            <a:solidFill>
+              <a:schemeClr val="tx1"/>
+            </a:solidFill>
+          </a:ln>
+        </p:spPr>
+        <p:style>
+          <a:lnRef idx="2">
+            <a:schemeClr val="accent1">
+              <a:shade val="50000"/>
+            </a:schemeClr>
+          </a:lnRef>
+          <a:fillRef idx="1">
+            <a:schemeClr val="accent1"/>
+          </a:fillRef>
+          <a:effectRef idx="0">
+            <a:schemeClr val="accent1"/>
+          </a:effectRef>
+          <a:fontRef idx="minor">
+            <a:schemeClr val="lt1"/>
+          </a:fontRef>
+        </p:style>
+        <p:txBody>
+          <a:bodyPr rtlCol="0" anchor="ctr"/>
+          <a:lstStyle/>
+          <a:p>
+            <a:pPr algn="ctr"/>
+            <a:endParaRPr lang="nl-NL"/>
+          </a:p>
+        </p:txBody>
+      </p:sp>
+      <p:sp>
+        <p:nvSpPr>
+          <p:cNvPr id="11" name="Rectangle 10">
+            <a:hlinkClick r:id="rId4" action="ppaction://hlinksldjump"/>
+          </p:cNvPr>
+          <p:cNvSpPr/>
+          <p:nvPr/>
+        </p:nvSpPr>
+        <p:spPr>
+          <a:xfrm>
+            <a:off x="431540" y="1841230"/>
+            <a:ext cx="1944216" cy="363634"/>
+          </a:xfrm>
+          <a:prstGeom prst="rect">
+            <a:avLst/>
+          </a:prstGeom>
+          <a:noFill/>
+          <a:ln>
+            <a:solidFill>
+              <a:schemeClr val="tx1"/>
+            </a:solidFill>
+          </a:ln>
+        </p:spPr>
+        <p:style>
+          <a:lnRef idx="2">
+            <a:schemeClr val="accent1">
+              <a:shade val="50000"/>
+            </a:schemeClr>
+          </a:lnRef>
+          <a:fillRef idx="1">
+            <a:schemeClr val="accent1"/>
+          </a:fillRef>
+          <a:effectRef idx="0">
+            <a:schemeClr val="accent1"/>
+          </a:effectRef>
+          <a:fontRef idx="minor">
+            <a:schemeClr val="lt1"/>
+          </a:fontRef>
+        </p:style>
+        <p:txBody>
+          <a:bodyPr rtlCol="0" anchor="ctr"/>
+          <a:lstStyle/>
+          <a:p>
+            <a:pPr algn="ctr"/>
+            <a:endParaRPr lang="nl-NL" dirty="0"/>
+          </a:p>
+        </p:txBody>
+      </p:sp>
+      <p:sp>
+        <p:nvSpPr>
+          <p:cNvPr id="12" name="Rectangle 11">
+            <a:hlinkClick r:id="rId5" action="ppaction://hlinksldjump"/>
+          </p:cNvPr>
+          <p:cNvSpPr/>
+          <p:nvPr/>
+        </p:nvSpPr>
+        <p:spPr>
+          <a:xfrm>
+            <a:off x="431540" y="2417294"/>
+            <a:ext cx="1944216" cy="363634"/>
+          </a:xfrm>
+          <a:prstGeom prst="rect">
+            <a:avLst/>
+          </a:prstGeom>
+          <a:noFill/>
+          <a:ln>
+            <a:solidFill>
+              <a:schemeClr val="tx1"/>
+            </a:solidFill>
+          </a:ln>
+        </p:spPr>
+        <p:style>
+          <a:lnRef idx="2">
+            <a:schemeClr val="accent1">
+              <a:shade val="50000"/>
+            </a:schemeClr>
+          </a:lnRef>
+          <a:fillRef idx="1">
+            <a:schemeClr val="accent1"/>
+          </a:fillRef>
+          <a:effectRef idx="0">
+            <a:schemeClr val="accent1"/>
+          </a:effectRef>
+          <a:fontRef idx="minor">
+            <a:schemeClr val="lt1"/>
+          </a:fontRef>
+        </p:style>
+        <p:txBody>
+          <a:bodyPr rtlCol="0" anchor="ctr"/>
+          <a:lstStyle/>
+          <a:p>
+            <a:pPr algn="ctr"/>
+            <a:endParaRPr lang="nl-NL"/>
+          </a:p>
+        </p:txBody>
+      </p:sp>
+      <p:sp>
+        <p:nvSpPr>
+          <p:cNvPr id="14" name="Rectangle 13"/>
+          <p:cNvSpPr/>
+          <p:nvPr/>
+        </p:nvSpPr>
+        <p:spPr>
+          <a:xfrm>
+            <a:off x="2555776" y="1124744"/>
+            <a:ext cx="6336704" cy="5112568"/>
+          </a:xfrm>
+          <a:prstGeom prst="rect">
+            <a:avLst/>
+          </a:prstGeom>
+          <a:noFill/>
+          <a:ln>
+            <a:solidFill>
+              <a:schemeClr val="tx1"/>
+            </a:solidFill>
+          </a:ln>
+        </p:spPr>
+        <p:style>
+          <a:lnRef idx="2">
+            <a:schemeClr val="accent1">
+              <a:shade val="50000"/>
+            </a:schemeClr>
+          </a:lnRef>
+          <a:fillRef idx="1">
+            <a:schemeClr val="accent1"/>
+          </a:fillRef>
+          <a:effectRef idx="0">
+            <a:schemeClr val="accent1"/>
+          </a:effectRef>
+          <a:fontRef idx="minor">
+            <a:schemeClr val="lt1"/>
+          </a:fontRef>
+        </p:style>
+        <p:txBody>
+          <a:bodyPr rtlCol="0" anchor="ctr"/>
+          <a:lstStyle/>
+          <a:p>
+            <a:pPr algn="ctr"/>
+            <a:endParaRPr lang="nl-NL"/>
+          </a:p>
+        </p:txBody>
+      </p:sp>
+      <p:sp>
+        <p:nvSpPr>
+          <p:cNvPr id="16" name="Rectangle 15">
+            <a:hlinkClick r:id="rId6" action="ppaction://hlinksldjump"/>
+          </p:cNvPr>
+          <p:cNvSpPr/>
+          <p:nvPr/>
+        </p:nvSpPr>
+        <p:spPr>
+          <a:xfrm>
+            <a:off x="431540" y="5724654"/>
+            <a:ext cx="1944216" cy="363634"/>
+          </a:xfrm>
+          <a:prstGeom prst="rect">
+            <a:avLst/>
+          </a:prstGeom>
+          <a:noFill/>
+          <a:ln>
+            <a:solidFill>
+              <a:schemeClr val="tx1"/>
+            </a:solidFill>
+          </a:ln>
+        </p:spPr>
+        <p:style>
+          <a:lnRef idx="2">
+            <a:schemeClr val="accent1">
+              <a:shade val="50000"/>
+            </a:schemeClr>
+          </a:lnRef>
+          <a:fillRef idx="1">
+            <a:schemeClr val="accent1"/>
+          </a:fillRef>
+          <a:effectRef idx="0">
+            <a:schemeClr val="accent1"/>
+          </a:effectRef>
+          <a:fontRef idx="minor">
+            <a:schemeClr val="lt1"/>
+          </a:fontRef>
+        </p:style>
+        <p:txBody>
+          <a:bodyPr rtlCol="0" anchor="ctr"/>
+          <a:lstStyle/>
+          <a:p>
+            <a:pPr algn="ctr"/>
+            <a:endParaRPr lang="nl-NL"/>
+          </a:p>
+        </p:txBody>
+      </p:sp>
+      <p:sp>
+        <p:nvSpPr>
+          <p:cNvPr id="17" name="Rectangle 16">
+            <a:hlinkClick r:id="rId2" action="ppaction://hlinksldjump"/>
+          </p:cNvPr>
+          <p:cNvSpPr/>
+          <p:nvPr/>
+        </p:nvSpPr>
+        <p:spPr>
+          <a:xfrm>
+            <a:off x="449377" y="3480404"/>
+            <a:ext cx="1944216" cy="668676"/>
+          </a:xfrm>
+          <a:prstGeom prst="rect">
+            <a:avLst/>
+          </a:prstGeom>
+          <a:noFill/>
+          <a:ln>
+            <a:solidFill>
+              <a:schemeClr val="tx1"/>
+            </a:solidFill>
+          </a:ln>
+        </p:spPr>
+        <p:style>
+          <a:lnRef idx="2">
+            <a:schemeClr val="accent1">
+              <a:shade val="50000"/>
+            </a:schemeClr>
+          </a:lnRef>
+          <a:fillRef idx="1">
+            <a:schemeClr val="accent1"/>
+          </a:fillRef>
+          <a:effectRef idx="0">
+            <a:schemeClr val="accent1"/>
+          </a:effectRef>
+          <a:fontRef idx="minor">
+            <a:schemeClr val="lt1"/>
+          </a:fontRef>
+        </p:style>
+        <p:txBody>
+          <a:bodyPr rtlCol="0" anchor="ctr"/>
+          <a:lstStyle/>
+          <a:p>
+            <a:pPr algn="ctr"/>
+            <a:endParaRPr lang="nl-NL"/>
+          </a:p>
+        </p:txBody>
+      </p:sp>
+      <p:sp>
+        <p:nvSpPr>
+          <p:cNvPr id="18" name="TextBox 17"/>
+          <p:cNvSpPr txBox="1"/>
+          <p:nvPr/>
+        </p:nvSpPr>
+        <p:spPr>
+          <a:xfrm>
+            <a:off x="3203848" y="1268760"/>
+            <a:ext cx="5184576" cy="584775"/>
+          </a:xfrm>
+          <a:prstGeom prst="rect">
+            <a:avLst/>
+          </a:prstGeom>
+          <a:noFill/>
+        </p:spPr>
+        <p:txBody>
+          <a:bodyPr wrap="square" rtlCol="0">
+            <a:spAutoFit/>
+          </a:bodyPr>
+          <a:lstStyle/>
+          <a:p>
+            <a:pPr algn="ctr"/>
+            <a:r>
+              <a:rPr lang="nl-NL" sz="3200" b="1" dirty="0" smtClean="0">
+                <a:solidFill>
+                  <a:schemeClr val="tx1">
+                    <a:lumMod val="75000"/>
+                    <a:lumOff val="25000"/>
+                  </a:schemeClr>
+                </a:solidFill>
+              </a:rPr>
+              <a:t>Manage Project</a:t>
+            </a:r>
+            <a:endParaRPr lang="nl-NL" sz="3200" b="1" dirty="0">
+              <a:solidFill>
+                <a:schemeClr val="tx1">
+                  <a:lumMod val="75000"/>
+                  <a:lumOff val="25000"/>
+                </a:schemeClr>
+              </a:solidFill>
+            </a:endParaRPr>
+          </a:p>
+        </p:txBody>
+      </p:sp>
+      <p:graphicFrame>
+        <p:nvGraphicFramePr>
+          <p:cNvPr id="6" name="Table 5"/>
+          <p:cNvGraphicFramePr>
+            <a:graphicFrameLocks noGrp="1"/>
+          </p:cNvGraphicFramePr>
+          <p:nvPr>
+            <p:extLst>
+              <p:ext uri="{D42A27DB-BD31-4B8C-83A1-F6EECF244321}">
+                <p14:modId xmlns:p14="http://schemas.microsoft.com/office/powerpoint/2010/main" val="2200958427"/>
+              </p:ext>
+            </p:extLst>
+          </p:nvPr>
+        </p:nvGraphicFramePr>
+        <p:xfrm>
+          <a:off x="2699792" y="2023047"/>
+          <a:ext cx="6096000" cy="1010920"/>
+        </p:xfrm>
+        <a:graphic>
+          <a:graphicData uri="http://schemas.openxmlformats.org/drawingml/2006/table">
+            <a:tbl>
+              <a:tblPr firstRow="1" bandRow="1">
+                <a:tableStyleId>{5940675A-B579-460E-94D1-54222C63F5DA}</a:tableStyleId>
+              </a:tblPr>
+              <a:tblGrid>
+                <a:gridCol w="432048"/>
+                <a:gridCol w="1080120"/>
+                <a:gridCol w="1080120"/>
+                <a:gridCol w="1224136"/>
+                <a:gridCol w="792088"/>
+                <a:gridCol w="1487488"/>
+              </a:tblGrid>
+              <a:tr h="370840">
+                <a:tc>
+                  <a:txBody>
+                    <a:bodyPr/>
+                    <a:lstStyle/>
+                    <a:p>
+                      <a:r>
+                        <a:rPr lang="nl-NL" dirty="0" smtClean="0"/>
+                        <a:t>ID</a:t>
+                      </a:r>
+                      <a:endParaRPr lang="nl-NL" dirty="0"/>
+                    </a:p>
+                  </a:txBody>
+                  <a:tcPr/>
+                </a:tc>
+                <a:tc>
+                  <a:txBody>
+                    <a:bodyPr/>
+                    <a:lstStyle/>
+                    <a:p>
+                      <a:r>
+                        <a:rPr lang="nl-NL" dirty="0" smtClean="0"/>
+                        <a:t>Company name</a:t>
+                      </a:r>
+                      <a:endParaRPr lang="nl-NL" dirty="0"/>
+                    </a:p>
+                  </a:txBody>
+                  <a:tcPr/>
+                </a:tc>
+                <a:tc>
+                  <a:txBody>
+                    <a:bodyPr/>
+                    <a:lstStyle/>
+                    <a:p>
+                      <a:r>
+                        <a:rPr lang="nl-NL" dirty="0" smtClean="0"/>
+                        <a:t>Zipcode</a:t>
+                      </a:r>
+                      <a:endParaRPr lang="nl-NL" dirty="0"/>
+                    </a:p>
+                  </a:txBody>
+                  <a:tcPr/>
+                </a:tc>
+                <a:tc>
+                  <a:txBody>
+                    <a:bodyPr/>
+                    <a:lstStyle/>
+                    <a:p>
+                      <a:r>
+                        <a:rPr lang="nl-NL" dirty="0" smtClean="0"/>
+                        <a:t>Residence</a:t>
+                      </a:r>
+                      <a:endParaRPr lang="nl-NL" dirty="0"/>
+                    </a:p>
+                  </a:txBody>
+                  <a:tcPr/>
+                </a:tc>
+                <a:tc>
+                  <a:txBody>
+                    <a:bodyPr/>
+                    <a:lstStyle/>
+                    <a:p>
+                      <a:r>
+                        <a:rPr lang="nl-NL" dirty="0" smtClean="0"/>
+                        <a:t>Street</a:t>
+                      </a:r>
+                      <a:endParaRPr lang="nl-NL" dirty="0"/>
+                    </a:p>
+                  </a:txBody>
+                  <a:tcPr/>
+                </a:tc>
+                <a:tc>
+                  <a:txBody>
+                    <a:bodyPr/>
+                    <a:lstStyle/>
+                    <a:p>
+                      <a:r>
+                        <a:rPr lang="nl-NL" dirty="0" smtClean="0"/>
+                        <a:t>Create Project</a:t>
+                      </a:r>
+                      <a:endParaRPr lang="nl-NL" dirty="0"/>
+                    </a:p>
+                  </a:txBody>
+                  <a:tcPr/>
+                </a:tc>
+              </a:tr>
+              <a:tr h="370840">
+                <a:tc>
+                  <a:txBody>
+                    <a:bodyPr/>
+                    <a:lstStyle/>
+                    <a:p>
+                      <a:endParaRPr lang="nl-NL" dirty="0"/>
+                    </a:p>
+                  </a:txBody>
+                  <a:tcPr/>
+                </a:tc>
+                <a:tc>
+                  <a:txBody>
+                    <a:bodyPr/>
+                    <a:lstStyle/>
+                    <a:p>
+                      <a:endParaRPr lang="nl-NL" dirty="0"/>
+                    </a:p>
+                  </a:txBody>
+                  <a:tcPr/>
+                </a:tc>
+                <a:tc>
+                  <a:txBody>
+                    <a:bodyPr/>
+                    <a:lstStyle/>
+                    <a:p>
+                      <a:endParaRPr lang="nl-NL" dirty="0"/>
+                    </a:p>
+                  </a:txBody>
+                  <a:tcPr/>
+                </a:tc>
+                <a:tc>
+                  <a:txBody>
+                    <a:bodyPr/>
+                    <a:lstStyle/>
+                    <a:p>
+                      <a:endParaRPr lang="nl-NL" dirty="0"/>
+                    </a:p>
+                  </a:txBody>
+                  <a:tcPr/>
+                </a:tc>
+                <a:tc>
+                  <a:txBody>
+                    <a:bodyPr/>
+                    <a:lstStyle/>
+                    <a:p>
+                      <a:endParaRPr lang="nl-NL" dirty="0"/>
+                    </a:p>
+                  </a:txBody>
+                  <a:tcPr/>
+                </a:tc>
+                <a:tc>
+                  <a:txBody>
+                    <a:bodyPr/>
+                    <a:lstStyle/>
+                    <a:p>
+                      <a:endParaRPr lang="nl-NL" dirty="0"/>
+                    </a:p>
+                  </a:txBody>
+                  <a:tcPr/>
+                </a:tc>
+              </a:tr>
+            </a:tbl>
+          </a:graphicData>
+        </a:graphic>
+      </p:graphicFrame>
+    </p:spTree>
+    <p:extLst>
+      <p:ext uri="{BB962C8B-B14F-4D97-AF65-F5344CB8AC3E}">
+        <p14:creationId xmlns:p14="http://schemas.microsoft.com/office/powerpoint/2010/main" val="2582085898"/>
+      </p:ext>
+    </p:extLst>
+  </p:cSld>
+  <p:clrMapOvr>
+    <a:masterClrMapping/>
+  </p:clrMapOvr>
+  <p:timing>
+    <p:tnLst>
+      <p:par>
+        <p:cTn id="1" dur="indefinite" restart="never" nodeType="tmRoot"/>
+      </p:par>
+    </p:tnLst>
+  </p:timing>
+</p:sld>
+</file>
+
+<file path=ppt/slides/slide11.xml><?xml version="1.0" encoding="utf-8"?>
+<p:sld xmlns:a="http://schemas.openxmlformats.org/drawingml/2006/main" xmlns:r="http://schemas.openxmlformats.org/officeDocument/2006/relationships" xmlns:p="http://schemas.openxmlformats.org/presentationml/2006/main">
+  <p:cSld>
+    <p:spTree>
+      <p:nvGrpSpPr>
+        <p:cNvPr id="1" name=""/>
+        <p:cNvGrpSpPr/>
+        <p:nvPr/>
+      </p:nvGrpSpPr>
+      <p:grpSpPr>
+        <a:xfrm>
+          <a:off x="0" y="0"/>
+          <a:ext cx="0" cy="0"/>
+          <a:chOff x="0" y="0"/>
+          <a:chExt cx="0" cy="0"/>
+        </a:xfrm>
+      </p:grpSpPr>
+      <p:sp>
+        <p:nvSpPr>
+          <p:cNvPr id="13" name="Rectangle 12"/>
+          <p:cNvSpPr/>
+          <p:nvPr/>
+        </p:nvSpPr>
+        <p:spPr>
+          <a:xfrm>
+            <a:off x="251520" y="548680"/>
+            <a:ext cx="8640960" cy="576064"/>
+          </a:xfrm>
+          <a:prstGeom prst="rect">
+            <a:avLst/>
+          </a:prstGeom>
+          <a:noFill/>
+          <a:ln>
+            <a:solidFill>
+              <a:schemeClr val="tx1"/>
+            </a:solidFill>
+          </a:ln>
+        </p:spPr>
+        <p:style>
+          <a:lnRef idx="2">
+            <a:schemeClr val="accent1">
+              <a:shade val="50000"/>
+            </a:schemeClr>
+          </a:lnRef>
+          <a:fillRef idx="1">
+            <a:schemeClr val="accent1"/>
+          </a:fillRef>
+          <a:effectRef idx="0">
+            <a:schemeClr val="accent1"/>
+          </a:effectRef>
+          <a:fontRef idx="minor">
+            <a:schemeClr val="lt1"/>
+          </a:fontRef>
+        </p:style>
+        <p:txBody>
+          <a:bodyPr rtlCol="0" anchor="ctr"/>
+          <a:lstStyle/>
+          <a:p>
+            <a:pPr algn="ctr"/>
+            <a:endParaRPr lang="nl-NL"/>
+          </a:p>
+        </p:txBody>
+      </p:sp>
+      <p:sp>
+        <p:nvSpPr>
+          <p:cNvPr id="3" name="Content Placeholder 2"/>
+          <p:cNvSpPr>
+            <a:spLocks noGrp="1"/>
+          </p:cNvSpPr>
+          <p:nvPr>
+            <p:ph idx="1"/>
+          </p:nvPr>
+        </p:nvSpPr>
+        <p:spPr>
+          <a:xfrm>
+            <a:off x="457200" y="548681"/>
+            <a:ext cx="8229600" cy="648072"/>
+          </a:xfrm>
+        </p:spPr>
+        <p:txBody>
+          <a:bodyPr/>
+          <a:lstStyle/>
+          <a:p>
+            <a:pPr marL="0" indent="0" algn="ctr">
+              <a:buNone/>
+            </a:pPr>
+            <a:r>
+              <a:rPr lang="nl-NL" b="1" dirty="0" smtClean="0">
+                <a:solidFill>
+                  <a:schemeClr val="tx1">
+                    <a:lumMod val="75000"/>
+                    <a:lumOff val="25000"/>
+                  </a:schemeClr>
+                </a:solidFill>
+              </a:rPr>
+              <a:t>Sales</a:t>
+            </a:r>
+            <a:endParaRPr lang="nl-NL" b="1" dirty="0">
+              <a:solidFill>
+                <a:schemeClr val="tx1">
+                  <a:lumMod val="75000"/>
+                  <a:lumOff val="25000"/>
+                </a:schemeClr>
+              </a:solidFill>
+            </a:endParaRPr>
+          </a:p>
+        </p:txBody>
+      </p:sp>
+      <p:sp>
+        <p:nvSpPr>
+          <p:cNvPr id="5" name="Rectangle 4"/>
+          <p:cNvSpPr/>
+          <p:nvPr/>
+        </p:nvSpPr>
+        <p:spPr>
+          <a:xfrm>
+            <a:off x="251520" y="1124744"/>
+            <a:ext cx="2304256" cy="5112568"/>
+          </a:xfrm>
+          <a:prstGeom prst="rect">
+            <a:avLst/>
+          </a:prstGeom>
+          <a:noFill/>
+          <a:ln>
+            <a:solidFill>
+              <a:schemeClr val="tx1"/>
+            </a:solidFill>
+          </a:ln>
+        </p:spPr>
+        <p:style>
+          <a:lnRef idx="2">
+            <a:schemeClr val="accent1">
+              <a:shade val="50000"/>
+            </a:schemeClr>
+          </a:lnRef>
+          <a:fillRef idx="1">
+            <a:schemeClr val="accent1"/>
+          </a:fillRef>
+          <a:effectRef idx="0">
+            <a:schemeClr val="accent1"/>
+          </a:effectRef>
+          <a:fontRef idx="minor">
+            <a:schemeClr val="lt1"/>
+          </a:fontRef>
+        </p:style>
+        <p:txBody>
+          <a:bodyPr rtlCol="0" anchor="ctr"/>
+          <a:lstStyle/>
+          <a:p>
+            <a:pPr algn="ctr"/>
+            <a:endParaRPr lang="nl-NL"/>
+          </a:p>
+        </p:txBody>
+      </p:sp>
+      <p:sp>
+        <p:nvSpPr>
+          <p:cNvPr id="4" name="TextBox 3"/>
+          <p:cNvSpPr txBox="1"/>
+          <p:nvPr/>
+        </p:nvSpPr>
+        <p:spPr>
+          <a:xfrm>
+            <a:off x="431540" y="1299372"/>
+            <a:ext cx="1944216" cy="4801314"/>
+          </a:xfrm>
+          <a:prstGeom prst="rect">
+            <a:avLst/>
+          </a:prstGeom>
+          <a:noFill/>
+        </p:spPr>
+        <p:txBody>
+          <a:bodyPr wrap="square" rtlCol="0">
+            <a:spAutoFit/>
+          </a:bodyPr>
+          <a:lstStyle/>
+          <a:p>
+            <a:r>
+              <a:rPr lang="nl-NL" b="1" dirty="0" smtClean="0"/>
+              <a:t>Home</a:t>
+            </a:r>
+          </a:p>
+          <a:p>
+            <a:endParaRPr lang="nl-NL" b="1" dirty="0" smtClean="0"/>
+          </a:p>
+          <a:p>
+            <a:r>
+              <a:rPr lang="nl-NL" b="1" dirty="0" smtClean="0"/>
+              <a:t>Add Customer</a:t>
+            </a:r>
+            <a:endParaRPr lang="nl-NL" b="1" dirty="0" smtClean="0"/>
+          </a:p>
+          <a:p>
+            <a:endParaRPr lang="nl-NL" b="1" dirty="0" smtClean="0"/>
+          </a:p>
+          <a:p>
+            <a:r>
+              <a:rPr lang="nl-NL" b="1" dirty="0" smtClean="0"/>
+              <a:t>Manage Customer</a:t>
+            </a:r>
+            <a:endParaRPr lang="nl-NL" b="1" dirty="0" smtClean="0"/>
+          </a:p>
+          <a:p>
+            <a:endParaRPr lang="nl-NL" b="1" dirty="0" smtClean="0"/>
+          </a:p>
+          <a:p>
+            <a:r>
+              <a:rPr lang="nl-NL" b="1" dirty="0" smtClean="0"/>
+              <a:t>Manage Project</a:t>
+            </a:r>
+            <a:endParaRPr lang="nl-NL" b="1" dirty="0" smtClean="0"/>
+          </a:p>
+          <a:p>
+            <a:endParaRPr lang="nl-NL" b="1" dirty="0"/>
+          </a:p>
+          <a:p>
+            <a:r>
+              <a:rPr lang="nl-NL" b="1" dirty="0" smtClean="0"/>
+              <a:t>Deactivate Customer</a:t>
+            </a:r>
+            <a:endParaRPr lang="nl-NL" b="1" dirty="0"/>
+          </a:p>
+          <a:p>
+            <a:endParaRPr lang="nl-NL" b="1" dirty="0" smtClean="0"/>
+          </a:p>
+          <a:p>
+            <a:endParaRPr lang="nl-NL" b="1" dirty="0"/>
+          </a:p>
+          <a:p>
+            <a:endParaRPr lang="nl-NL" b="1" dirty="0" smtClean="0"/>
+          </a:p>
+          <a:p>
+            <a:endParaRPr lang="nl-NL" b="1" dirty="0"/>
+          </a:p>
+          <a:p>
+            <a:endParaRPr lang="nl-NL" b="1" dirty="0" smtClean="0"/>
+          </a:p>
+          <a:p>
+            <a:endParaRPr lang="nl-NL" b="1" dirty="0"/>
+          </a:p>
+          <a:p>
+            <a:r>
+              <a:rPr lang="nl-NL" b="1" dirty="0" smtClean="0"/>
+              <a:t>Logout</a:t>
+            </a:r>
+            <a:endParaRPr lang="nl-NL" b="1" dirty="0"/>
+          </a:p>
+        </p:txBody>
+      </p:sp>
+      <p:sp>
+        <p:nvSpPr>
+          <p:cNvPr id="7" name="Rectangle 6">
+            <a:hlinkClick r:id="rId2" action="ppaction://hlinksldjump"/>
+          </p:cNvPr>
+          <p:cNvSpPr/>
+          <p:nvPr/>
+        </p:nvSpPr>
+        <p:spPr>
+          <a:xfrm>
+            <a:off x="431540" y="2921350"/>
+            <a:ext cx="1944216" cy="363634"/>
+          </a:xfrm>
+          <a:prstGeom prst="rect">
+            <a:avLst/>
+          </a:prstGeom>
+          <a:noFill/>
+          <a:ln>
+            <a:solidFill>
+              <a:schemeClr val="tx1"/>
+            </a:solidFill>
+          </a:ln>
+        </p:spPr>
+        <p:style>
+          <a:lnRef idx="2">
+            <a:schemeClr val="accent1">
+              <a:shade val="50000"/>
+            </a:schemeClr>
+          </a:lnRef>
+          <a:fillRef idx="1">
+            <a:schemeClr val="accent1"/>
+          </a:fillRef>
+          <a:effectRef idx="0">
+            <a:schemeClr val="accent1"/>
+          </a:effectRef>
+          <a:fontRef idx="minor">
+            <a:schemeClr val="lt1"/>
+          </a:fontRef>
+        </p:style>
+        <p:txBody>
+          <a:bodyPr rtlCol="0" anchor="ctr"/>
+          <a:lstStyle/>
+          <a:p>
+            <a:pPr algn="ctr"/>
+            <a:endParaRPr lang="nl-NL"/>
+          </a:p>
+        </p:txBody>
+      </p:sp>
+      <p:sp>
+        <p:nvSpPr>
+          <p:cNvPr id="10" name="Rectangle 9">
+            <a:hlinkClick r:id="rId3" action="ppaction://hlinksldjump"/>
+          </p:cNvPr>
+          <p:cNvSpPr/>
+          <p:nvPr/>
+        </p:nvSpPr>
+        <p:spPr>
+          <a:xfrm>
+            <a:off x="431540" y="1337174"/>
+            <a:ext cx="1944216" cy="363634"/>
+          </a:xfrm>
+          <a:prstGeom prst="rect">
+            <a:avLst/>
+          </a:prstGeom>
+          <a:noFill/>
+          <a:ln>
+            <a:solidFill>
+              <a:schemeClr val="tx1"/>
+            </a:solidFill>
+          </a:ln>
+        </p:spPr>
+        <p:style>
+          <a:lnRef idx="2">
+            <a:schemeClr val="accent1">
+              <a:shade val="50000"/>
+            </a:schemeClr>
+          </a:lnRef>
+          <a:fillRef idx="1">
+            <a:schemeClr val="accent1"/>
+          </a:fillRef>
+          <a:effectRef idx="0">
+            <a:schemeClr val="accent1"/>
+          </a:effectRef>
+          <a:fontRef idx="minor">
+            <a:schemeClr val="lt1"/>
+          </a:fontRef>
+        </p:style>
+        <p:txBody>
+          <a:bodyPr rtlCol="0" anchor="ctr"/>
+          <a:lstStyle/>
+          <a:p>
+            <a:pPr algn="ctr"/>
+            <a:endParaRPr lang="nl-NL"/>
+          </a:p>
+        </p:txBody>
+      </p:sp>
+      <p:sp>
+        <p:nvSpPr>
+          <p:cNvPr id="11" name="Rectangle 10">
+            <a:hlinkClick r:id="rId4" action="ppaction://hlinksldjump"/>
+          </p:cNvPr>
+          <p:cNvSpPr/>
+          <p:nvPr/>
+        </p:nvSpPr>
+        <p:spPr>
+          <a:xfrm>
+            <a:off x="431540" y="1841230"/>
+            <a:ext cx="1944216" cy="363634"/>
+          </a:xfrm>
+          <a:prstGeom prst="rect">
+            <a:avLst/>
+          </a:prstGeom>
+          <a:noFill/>
+          <a:ln>
+            <a:solidFill>
+              <a:schemeClr val="tx1"/>
+            </a:solidFill>
+          </a:ln>
+        </p:spPr>
+        <p:style>
+          <a:lnRef idx="2">
+            <a:schemeClr val="accent1">
+              <a:shade val="50000"/>
+            </a:schemeClr>
+          </a:lnRef>
+          <a:fillRef idx="1">
+            <a:schemeClr val="accent1"/>
+          </a:fillRef>
+          <a:effectRef idx="0">
+            <a:schemeClr val="accent1"/>
+          </a:effectRef>
+          <a:fontRef idx="minor">
+            <a:schemeClr val="lt1"/>
+          </a:fontRef>
+        </p:style>
+        <p:txBody>
+          <a:bodyPr rtlCol="0" anchor="ctr"/>
+          <a:lstStyle/>
+          <a:p>
+            <a:pPr algn="ctr"/>
+            <a:endParaRPr lang="nl-NL" dirty="0"/>
+          </a:p>
+        </p:txBody>
+      </p:sp>
+      <p:sp>
+        <p:nvSpPr>
+          <p:cNvPr id="12" name="Rectangle 11">
+            <a:hlinkClick r:id="rId5" action="ppaction://hlinksldjump"/>
+          </p:cNvPr>
+          <p:cNvSpPr/>
+          <p:nvPr/>
+        </p:nvSpPr>
+        <p:spPr>
+          <a:xfrm>
+            <a:off x="431540" y="2417294"/>
+            <a:ext cx="1944216" cy="363634"/>
+          </a:xfrm>
+          <a:prstGeom prst="rect">
+            <a:avLst/>
+          </a:prstGeom>
+          <a:noFill/>
+          <a:ln>
+            <a:solidFill>
+              <a:schemeClr val="tx1"/>
+            </a:solidFill>
+          </a:ln>
+        </p:spPr>
+        <p:style>
+          <a:lnRef idx="2">
+            <a:schemeClr val="accent1">
+              <a:shade val="50000"/>
+            </a:schemeClr>
+          </a:lnRef>
+          <a:fillRef idx="1">
+            <a:schemeClr val="accent1"/>
+          </a:fillRef>
+          <a:effectRef idx="0">
+            <a:schemeClr val="accent1"/>
+          </a:effectRef>
+          <a:fontRef idx="minor">
+            <a:schemeClr val="lt1"/>
+          </a:fontRef>
+        </p:style>
+        <p:txBody>
+          <a:bodyPr rtlCol="0" anchor="ctr"/>
+          <a:lstStyle/>
+          <a:p>
+            <a:pPr algn="ctr"/>
+            <a:endParaRPr lang="nl-NL"/>
+          </a:p>
+        </p:txBody>
+      </p:sp>
+      <p:sp>
+        <p:nvSpPr>
+          <p:cNvPr id="14" name="Rectangle 13"/>
+          <p:cNvSpPr/>
+          <p:nvPr/>
+        </p:nvSpPr>
+        <p:spPr>
+          <a:xfrm>
+            <a:off x="2555776" y="1124744"/>
+            <a:ext cx="6336704" cy="5112568"/>
+          </a:xfrm>
+          <a:prstGeom prst="rect">
+            <a:avLst/>
+          </a:prstGeom>
+          <a:noFill/>
+          <a:ln>
+            <a:solidFill>
+              <a:schemeClr val="tx1"/>
+            </a:solidFill>
+          </a:ln>
+        </p:spPr>
+        <p:style>
+          <a:lnRef idx="2">
+            <a:schemeClr val="accent1">
+              <a:shade val="50000"/>
+            </a:schemeClr>
+          </a:lnRef>
+          <a:fillRef idx="1">
+            <a:schemeClr val="accent1"/>
+          </a:fillRef>
+          <a:effectRef idx="0">
+            <a:schemeClr val="accent1"/>
+          </a:effectRef>
+          <a:fontRef idx="minor">
+            <a:schemeClr val="lt1"/>
+          </a:fontRef>
+        </p:style>
+        <p:txBody>
+          <a:bodyPr rtlCol="0" anchor="ctr"/>
+          <a:lstStyle/>
+          <a:p>
+            <a:pPr algn="ctr"/>
+            <a:endParaRPr lang="nl-NL"/>
+          </a:p>
+        </p:txBody>
+      </p:sp>
+      <p:sp>
+        <p:nvSpPr>
+          <p:cNvPr id="16" name="Rectangle 15">
+            <a:hlinkClick r:id="rId6" action="ppaction://hlinksldjump"/>
+          </p:cNvPr>
+          <p:cNvSpPr/>
+          <p:nvPr/>
+        </p:nvSpPr>
+        <p:spPr>
+          <a:xfrm>
+            <a:off x="431540" y="5724654"/>
+            <a:ext cx="1944216" cy="363634"/>
+          </a:xfrm>
+          <a:prstGeom prst="rect">
+            <a:avLst/>
+          </a:prstGeom>
+          <a:noFill/>
+          <a:ln>
+            <a:solidFill>
+              <a:schemeClr val="tx1"/>
+            </a:solidFill>
+          </a:ln>
+        </p:spPr>
+        <p:style>
+          <a:lnRef idx="2">
+            <a:schemeClr val="accent1">
+              <a:shade val="50000"/>
+            </a:schemeClr>
+          </a:lnRef>
+          <a:fillRef idx="1">
+            <a:schemeClr val="accent1"/>
+          </a:fillRef>
+          <a:effectRef idx="0">
+            <a:schemeClr val="accent1"/>
+          </a:effectRef>
+          <a:fontRef idx="minor">
+            <a:schemeClr val="lt1"/>
+          </a:fontRef>
+        </p:style>
+        <p:txBody>
+          <a:bodyPr rtlCol="0" anchor="ctr"/>
+          <a:lstStyle/>
+          <a:p>
+            <a:pPr algn="ctr"/>
+            <a:endParaRPr lang="nl-NL"/>
+          </a:p>
+        </p:txBody>
+      </p:sp>
+      <p:sp>
+        <p:nvSpPr>
+          <p:cNvPr id="17" name="Rectangle 16">
+            <a:hlinkClick r:id="rId2" action="ppaction://hlinksldjump"/>
+          </p:cNvPr>
+          <p:cNvSpPr/>
+          <p:nvPr/>
+        </p:nvSpPr>
+        <p:spPr>
+          <a:xfrm>
+            <a:off x="449377" y="3480404"/>
+            <a:ext cx="1944216" cy="668676"/>
+          </a:xfrm>
+          <a:prstGeom prst="rect">
+            <a:avLst/>
+          </a:prstGeom>
+          <a:noFill/>
+          <a:ln>
+            <a:solidFill>
+              <a:schemeClr val="tx1"/>
+            </a:solidFill>
+          </a:ln>
+        </p:spPr>
+        <p:style>
+          <a:lnRef idx="2">
+            <a:schemeClr val="accent1">
+              <a:shade val="50000"/>
+            </a:schemeClr>
+          </a:lnRef>
+          <a:fillRef idx="1">
+            <a:schemeClr val="accent1"/>
+          </a:fillRef>
+          <a:effectRef idx="0">
+            <a:schemeClr val="accent1"/>
+          </a:effectRef>
+          <a:fontRef idx="minor">
+            <a:schemeClr val="lt1"/>
+          </a:fontRef>
+        </p:style>
+        <p:txBody>
+          <a:bodyPr rtlCol="0" anchor="ctr"/>
+          <a:lstStyle/>
+          <a:p>
+            <a:pPr algn="ctr"/>
+            <a:endParaRPr lang="nl-NL"/>
+          </a:p>
+        </p:txBody>
+      </p:sp>
+      <p:sp>
+        <p:nvSpPr>
+          <p:cNvPr id="18" name="TextBox 17"/>
+          <p:cNvSpPr txBox="1"/>
+          <p:nvPr/>
+        </p:nvSpPr>
+        <p:spPr>
+          <a:xfrm>
+            <a:off x="3203848" y="1256455"/>
+            <a:ext cx="5184576" cy="584775"/>
+          </a:xfrm>
+          <a:prstGeom prst="rect">
+            <a:avLst/>
+          </a:prstGeom>
+          <a:noFill/>
+        </p:spPr>
+        <p:txBody>
+          <a:bodyPr wrap="square" rtlCol="0">
+            <a:spAutoFit/>
+          </a:bodyPr>
+          <a:lstStyle/>
+          <a:p>
+            <a:pPr algn="ctr"/>
+            <a:r>
+              <a:rPr lang="nl-NL" sz="3200" b="1" dirty="0" smtClean="0">
+                <a:solidFill>
+                  <a:schemeClr val="tx1">
+                    <a:lumMod val="75000"/>
+                    <a:lumOff val="25000"/>
+                  </a:schemeClr>
+                </a:solidFill>
+              </a:rPr>
+              <a:t>Deactivated Customers</a:t>
+            </a:r>
+            <a:endParaRPr lang="nl-NL" sz="3200" b="1" dirty="0">
+              <a:solidFill>
+                <a:schemeClr val="tx1">
+                  <a:lumMod val="75000"/>
+                  <a:lumOff val="25000"/>
+                </a:schemeClr>
+              </a:solidFill>
+            </a:endParaRPr>
+          </a:p>
+        </p:txBody>
+      </p:sp>
+      <p:graphicFrame>
+        <p:nvGraphicFramePr>
+          <p:cNvPr id="2" name="Table 1"/>
+          <p:cNvGraphicFramePr>
+            <a:graphicFrameLocks noGrp="1"/>
+          </p:cNvGraphicFramePr>
+          <p:nvPr>
+            <p:extLst>
+              <p:ext uri="{D42A27DB-BD31-4B8C-83A1-F6EECF244321}">
+                <p14:modId xmlns:p14="http://schemas.microsoft.com/office/powerpoint/2010/main" val="4255941091"/>
+              </p:ext>
+            </p:extLst>
+          </p:nvPr>
+        </p:nvGraphicFramePr>
+        <p:xfrm>
+          <a:off x="2676128" y="2046454"/>
+          <a:ext cx="6095999" cy="828040"/>
+        </p:xfrm>
+        <a:graphic>
+          <a:graphicData uri="http://schemas.openxmlformats.org/drawingml/2006/table">
+            <a:tbl>
+              <a:tblPr firstRow="1" bandRow="1">
+                <a:tableStyleId>{5940675A-B579-460E-94D1-54222C63F5DA}</a:tableStyleId>
+              </a:tblPr>
+              <a:tblGrid>
+                <a:gridCol w="455712"/>
+                <a:gridCol w="1080120"/>
+                <a:gridCol w="936104"/>
+                <a:gridCol w="1152128"/>
+                <a:gridCol w="792088"/>
+                <a:gridCol w="808990"/>
+                <a:gridCol w="870857"/>
+              </a:tblGrid>
+              <a:tr h="370840">
+                <a:tc>
+                  <a:txBody>
+                    <a:bodyPr/>
+                    <a:lstStyle/>
+                    <a:p>
+                      <a:r>
+                        <a:rPr lang="nl-NL" sz="1200" dirty="0" smtClean="0"/>
+                        <a:t>ID</a:t>
+                      </a:r>
+                      <a:endParaRPr lang="nl-NL" sz="1200" dirty="0"/>
+                    </a:p>
+                  </a:txBody>
+                  <a:tcPr/>
+                </a:tc>
+                <a:tc>
+                  <a:txBody>
+                    <a:bodyPr/>
+                    <a:lstStyle/>
+                    <a:p>
+                      <a:r>
+                        <a:rPr lang="nl-NL" sz="1200" dirty="0" smtClean="0"/>
+                        <a:t>Company name</a:t>
+                      </a:r>
+                      <a:endParaRPr lang="nl-NL" sz="1200" dirty="0"/>
+                    </a:p>
+                  </a:txBody>
+                  <a:tcPr/>
+                </a:tc>
+                <a:tc>
+                  <a:txBody>
+                    <a:bodyPr/>
+                    <a:lstStyle/>
+                    <a:p>
+                      <a:r>
+                        <a:rPr lang="nl-NL" sz="1200" dirty="0" smtClean="0"/>
+                        <a:t>Zipcode</a:t>
+                      </a:r>
+                      <a:endParaRPr lang="nl-NL" sz="1200" dirty="0"/>
+                    </a:p>
+                  </a:txBody>
+                  <a:tcPr/>
+                </a:tc>
+                <a:tc>
+                  <a:txBody>
+                    <a:bodyPr/>
+                    <a:lstStyle/>
+                    <a:p>
+                      <a:r>
+                        <a:rPr lang="nl-NL" sz="1200" dirty="0" smtClean="0"/>
+                        <a:t>Residence</a:t>
+                      </a:r>
+                      <a:endParaRPr lang="nl-NL" sz="1200" dirty="0"/>
+                    </a:p>
+                  </a:txBody>
+                  <a:tcPr/>
+                </a:tc>
+                <a:tc>
+                  <a:txBody>
+                    <a:bodyPr/>
+                    <a:lstStyle/>
+                    <a:p>
+                      <a:r>
+                        <a:rPr lang="nl-NL" sz="1200" dirty="0" smtClean="0"/>
+                        <a:t>Street</a:t>
+                      </a:r>
+                      <a:endParaRPr lang="nl-NL" sz="1200" dirty="0"/>
+                    </a:p>
+                  </a:txBody>
+                  <a:tcPr/>
+                </a:tc>
+                <a:tc>
+                  <a:txBody>
+                    <a:bodyPr/>
+                    <a:lstStyle/>
+                    <a:p>
+                      <a:r>
+                        <a:rPr lang="nl-NL" sz="1200" dirty="0" smtClean="0"/>
+                        <a:t>BKR-Worthy</a:t>
+                      </a:r>
+                      <a:endParaRPr lang="nl-NL" sz="1200" dirty="0"/>
+                    </a:p>
+                  </a:txBody>
+                  <a:tcPr/>
+                </a:tc>
+                <a:tc>
+                  <a:txBody>
+                    <a:bodyPr/>
+                    <a:lstStyle/>
+                    <a:p>
+                      <a:r>
+                        <a:rPr lang="nl-NL" sz="1200" dirty="0" smtClean="0"/>
+                        <a:t>Deactivate</a:t>
+                      </a:r>
+                      <a:endParaRPr lang="nl-NL" sz="1200" dirty="0"/>
+                    </a:p>
+                  </a:txBody>
+                  <a:tcPr/>
+                </a:tc>
+              </a:tr>
+              <a:tr h="370840">
+                <a:tc>
+                  <a:txBody>
+                    <a:bodyPr/>
+                    <a:lstStyle/>
+                    <a:p>
+                      <a:endParaRPr lang="nl-NL"/>
+                    </a:p>
+                  </a:txBody>
+                  <a:tcPr/>
+                </a:tc>
+                <a:tc>
+                  <a:txBody>
+                    <a:bodyPr/>
+                    <a:lstStyle/>
+                    <a:p>
+                      <a:endParaRPr lang="nl-NL"/>
+                    </a:p>
+                  </a:txBody>
+                  <a:tcPr/>
+                </a:tc>
+                <a:tc>
+                  <a:txBody>
+                    <a:bodyPr/>
+                    <a:lstStyle/>
+                    <a:p>
+                      <a:endParaRPr lang="nl-NL"/>
+                    </a:p>
+                  </a:txBody>
+                  <a:tcPr/>
+                </a:tc>
+                <a:tc>
+                  <a:txBody>
+                    <a:bodyPr/>
+                    <a:lstStyle/>
+                    <a:p>
+                      <a:endParaRPr lang="nl-NL"/>
+                    </a:p>
+                  </a:txBody>
+                  <a:tcPr/>
+                </a:tc>
+                <a:tc>
+                  <a:txBody>
+                    <a:bodyPr/>
+                    <a:lstStyle/>
+                    <a:p>
+                      <a:endParaRPr lang="nl-NL"/>
+                    </a:p>
+                  </a:txBody>
+                  <a:tcPr/>
+                </a:tc>
+                <a:tc>
+                  <a:txBody>
+                    <a:bodyPr/>
+                    <a:lstStyle/>
+                    <a:p>
+                      <a:endParaRPr lang="nl-NL" dirty="0"/>
+                    </a:p>
+                  </a:txBody>
+                  <a:tcPr/>
+                </a:tc>
+                <a:tc>
+                  <a:txBody>
+                    <a:bodyPr/>
+                    <a:lstStyle/>
+                    <a:p>
+                      <a:endParaRPr lang="nl-NL" dirty="0"/>
+                    </a:p>
+                  </a:txBody>
+                  <a:tcPr/>
+                </a:tc>
+              </a:tr>
+            </a:tbl>
+          </a:graphicData>
+        </a:graphic>
+      </p:graphicFrame>
+    </p:spTree>
+    <p:extLst>
+      <p:ext uri="{BB962C8B-B14F-4D97-AF65-F5344CB8AC3E}">
+        <p14:creationId xmlns:p14="http://schemas.microsoft.com/office/powerpoint/2010/main" val="508363390"/>
+      </p:ext>
+    </p:extLst>
+  </p:cSld>
+  <p:clrMapOvr>
+    <a:masterClrMapping/>
+  </p:clrMapOvr>
+  <p:timing>
+    <p:tnLst>
+      <p:par>
+        <p:cTn id="1" dur="indefinite" restart="never" nodeType="tmRoot"/>
+      </p:par>
+    </p:tnLst>
+  </p:timing>
+</p:sld>
+</file>
+
+<file path=ppt/slides/slide12.xml><?xml version="1.0" encoding="utf-8"?>
+<p:sld xmlns:a="http://schemas.openxmlformats.org/drawingml/2006/main" xmlns:r="http://schemas.openxmlformats.org/officeDocument/2006/relationships" xmlns:p="http://schemas.openxmlformats.org/presentationml/2006/main">
+  <p:cSld>
+    <p:spTree>
+      <p:nvGrpSpPr>
+        <p:cNvPr id="1" name=""/>
+        <p:cNvGrpSpPr/>
+        <p:nvPr/>
+      </p:nvGrpSpPr>
+      <p:grpSpPr>
+        <a:xfrm>
+          <a:off x="0" y="0"/>
+          <a:ext cx="0" cy="0"/>
+          <a:chOff x="0" y="0"/>
+          <a:chExt cx="0" cy="0"/>
+        </a:xfrm>
+      </p:grpSpPr>
+      <p:sp>
+        <p:nvSpPr>
+          <p:cNvPr id="13" name="Rectangle 12"/>
+          <p:cNvSpPr/>
+          <p:nvPr/>
+        </p:nvSpPr>
+        <p:spPr>
+          <a:xfrm>
+            <a:off x="251520" y="548680"/>
+            <a:ext cx="8640960" cy="576064"/>
+          </a:xfrm>
+          <a:prstGeom prst="rect">
+            <a:avLst/>
+          </a:prstGeom>
+          <a:noFill/>
+          <a:ln>
+            <a:solidFill>
+              <a:schemeClr val="tx1"/>
+            </a:solidFill>
+          </a:ln>
+        </p:spPr>
+        <p:style>
+          <a:lnRef idx="2">
+            <a:schemeClr val="accent1">
+              <a:shade val="50000"/>
+            </a:schemeClr>
+          </a:lnRef>
+          <a:fillRef idx="1">
+            <a:schemeClr val="accent1"/>
+          </a:fillRef>
+          <a:effectRef idx="0">
+            <a:schemeClr val="accent1"/>
+          </a:effectRef>
+          <a:fontRef idx="minor">
+            <a:schemeClr val="lt1"/>
+          </a:fontRef>
+        </p:style>
+        <p:txBody>
+          <a:bodyPr rtlCol="0" anchor="ctr"/>
+          <a:lstStyle/>
+          <a:p>
+            <a:pPr algn="ctr"/>
+            <a:endParaRPr lang="nl-NL"/>
+          </a:p>
+        </p:txBody>
+      </p:sp>
+      <p:sp>
+        <p:nvSpPr>
+          <p:cNvPr id="3" name="Content Placeholder 2"/>
+          <p:cNvSpPr>
+            <a:spLocks noGrp="1"/>
+          </p:cNvSpPr>
+          <p:nvPr>
+            <p:ph idx="1"/>
+          </p:nvPr>
+        </p:nvSpPr>
+        <p:spPr>
+          <a:xfrm>
+            <a:off x="457200" y="548681"/>
+            <a:ext cx="8229600" cy="648072"/>
+          </a:xfrm>
+        </p:spPr>
+        <p:txBody>
+          <a:bodyPr/>
+          <a:lstStyle/>
+          <a:p>
+            <a:pPr marL="0" indent="0" algn="ctr">
+              <a:buNone/>
+            </a:pPr>
+            <a:r>
+              <a:rPr lang="nl-NL" b="1" dirty="0" smtClean="0">
+                <a:solidFill>
+                  <a:schemeClr val="tx1">
+                    <a:lumMod val="75000"/>
+                    <a:lumOff val="25000"/>
+                  </a:schemeClr>
+                </a:solidFill>
+              </a:rPr>
+              <a:t>Finance</a:t>
+            </a:r>
+            <a:endParaRPr lang="nl-NL" b="1" dirty="0">
+              <a:solidFill>
+                <a:schemeClr val="tx1">
+                  <a:lumMod val="75000"/>
+                  <a:lumOff val="25000"/>
+                </a:schemeClr>
+              </a:solidFill>
+            </a:endParaRPr>
+          </a:p>
+        </p:txBody>
+      </p:sp>
+      <p:sp>
+        <p:nvSpPr>
+          <p:cNvPr id="5" name="Rectangle 4"/>
+          <p:cNvSpPr/>
+          <p:nvPr/>
+        </p:nvSpPr>
+        <p:spPr>
+          <a:xfrm>
+            <a:off x="251520" y="1124744"/>
+            <a:ext cx="2304256" cy="5112568"/>
+          </a:xfrm>
+          <a:prstGeom prst="rect">
+            <a:avLst/>
+          </a:prstGeom>
+          <a:noFill/>
+          <a:ln>
+            <a:solidFill>
+              <a:schemeClr val="tx1"/>
+            </a:solidFill>
+          </a:ln>
+        </p:spPr>
+        <p:style>
+          <a:lnRef idx="2">
+            <a:schemeClr val="accent1">
+              <a:shade val="50000"/>
+            </a:schemeClr>
+          </a:lnRef>
+          <a:fillRef idx="1">
+            <a:schemeClr val="accent1"/>
+          </a:fillRef>
+          <a:effectRef idx="0">
+            <a:schemeClr val="accent1"/>
+          </a:effectRef>
+          <a:fontRef idx="minor">
+            <a:schemeClr val="lt1"/>
+          </a:fontRef>
+        </p:style>
+        <p:txBody>
+          <a:bodyPr rtlCol="0" anchor="ctr"/>
+          <a:lstStyle/>
+          <a:p>
+            <a:pPr algn="ctr"/>
+            <a:endParaRPr lang="nl-NL"/>
+          </a:p>
+        </p:txBody>
+      </p:sp>
+      <p:sp>
+        <p:nvSpPr>
+          <p:cNvPr id="4" name="TextBox 3"/>
+          <p:cNvSpPr txBox="1"/>
+          <p:nvPr/>
+        </p:nvSpPr>
+        <p:spPr>
+          <a:xfrm>
+            <a:off x="431540" y="1299372"/>
+            <a:ext cx="1944216" cy="4801314"/>
+          </a:xfrm>
+          <a:prstGeom prst="rect">
+            <a:avLst/>
+          </a:prstGeom>
+          <a:noFill/>
+        </p:spPr>
+        <p:txBody>
+          <a:bodyPr wrap="square" rtlCol="0">
+            <a:spAutoFit/>
+          </a:bodyPr>
+          <a:lstStyle/>
+          <a:p>
+            <a:r>
+              <a:rPr lang="nl-NL" b="1" dirty="0" smtClean="0"/>
+              <a:t>Home</a:t>
+            </a:r>
+          </a:p>
+          <a:p>
+            <a:endParaRPr lang="nl-NL" b="1" dirty="0" smtClean="0"/>
+          </a:p>
+          <a:p>
+            <a:r>
+              <a:rPr lang="nl-NL" b="1" dirty="0" smtClean="0"/>
+              <a:t>Send Invoice</a:t>
+            </a:r>
+            <a:endParaRPr lang="nl-NL" b="1" dirty="0" smtClean="0"/>
+          </a:p>
+          <a:p>
+            <a:endParaRPr lang="nl-NL" b="1" dirty="0" smtClean="0"/>
+          </a:p>
+          <a:p>
+            <a:r>
+              <a:rPr lang="nl-NL" b="1" dirty="0" smtClean="0"/>
+              <a:t>Finance Info</a:t>
+            </a:r>
+            <a:endParaRPr lang="nl-NL" b="1" dirty="0" smtClean="0"/>
+          </a:p>
+          <a:p>
+            <a:endParaRPr lang="nl-NL" b="1" dirty="0" smtClean="0"/>
+          </a:p>
+          <a:p>
+            <a:r>
+              <a:rPr lang="nl-NL" b="1" dirty="0" smtClean="0"/>
+              <a:t>BKR-Check</a:t>
+            </a:r>
+            <a:endParaRPr lang="nl-NL" b="1" dirty="0" smtClean="0"/>
+          </a:p>
+          <a:p>
+            <a:endParaRPr lang="nl-NL" b="1" dirty="0"/>
+          </a:p>
+          <a:p>
+            <a:r>
+              <a:rPr lang="nl-NL" b="1" dirty="0" smtClean="0"/>
+              <a:t>Over Limit</a:t>
+            </a:r>
+          </a:p>
+          <a:p>
+            <a:endParaRPr lang="nl-NL" b="1" dirty="0"/>
+          </a:p>
+          <a:p>
+            <a:endParaRPr lang="nl-NL" b="1" dirty="0" smtClean="0"/>
+          </a:p>
+          <a:p>
+            <a:endParaRPr lang="nl-NL" b="1" dirty="0"/>
+          </a:p>
+          <a:p>
+            <a:endParaRPr lang="nl-NL" b="1" dirty="0" smtClean="0"/>
+          </a:p>
+          <a:p>
+            <a:endParaRPr lang="nl-NL" b="1" dirty="0"/>
+          </a:p>
+          <a:p>
+            <a:endParaRPr lang="nl-NL" b="1" dirty="0" smtClean="0"/>
+          </a:p>
+          <a:p>
+            <a:endParaRPr lang="nl-NL" b="1" dirty="0"/>
+          </a:p>
+          <a:p>
+            <a:r>
+              <a:rPr lang="nl-NL" b="1" dirty="0" smtClean="0"/>
+              <a:t>Logout</a:t>
+            </a:r>
+            <a:endParaRPr lang="nl-NL" b="1" dirty="0"/>
+          </a:p>
+        </p:txBody>
+      </p:sp>
+      <p:sp>
+        <p:nvSpPr>
+          <p:cNvPr id="7" name="Rectangle 6">
+            <a:hlinkClick r:id="rId2" action="ppaction://hlinksldjump"/>
+          </p:cNvPr>
+          <p:cNvSpPr/>
+          <p:nvPr/>
+        </p:nvSpPr>
+        <p:spPr>
+          <a:xfrm>
+            <a:off x="431540" y="2921350"/>
+            <a:ext cx="1944216" cy="363634"/>
+          </a:xfrm>
+          <a:prstGeom prst="rect">
+            <a:avLst/>
+          </a:prstGeom>
+          <a:noFill/>
+          <a:ln>
+            <a:solidFill>
+              <a:schemeClr val="tx1"/>
+            </a:solidFill>
+          </a:ln>
+        </p:spPr>
+        <p:style>
+          <a:lnRef idx="2">
+            <a:schemeClr val="accent1">
+              <a:shade val="50000"/>
+            </a:schemeClr>
+          </a:lnRef>
+          <a:fillRef idx="1">
+            <a:schemeClr val="accent1"/>
+          </a:fillRef>
+          <a:effectRef idx="0">
+            <a:schemeClr val="accent1"/>
+          </a:effectRef>
+          <a:fontRef idx="minor">
+            <a:schemeClr val="lt1"/>
+          </a:fontRef>
+        </p:style>
+        <p:txBody>
+          <a:bodyPr rtlCol="0" anchor="ctr"/>
+          <a:lstStyle/>
+          <a:p>
+            <a:pPr algn="ctr"/>
+            <a:endParaRPr lang="nl-NL"/>
+          </a:p>
+        </p:txBody>
+      </p:sp>
+      <p:sp>
+        <p:nvSpPr>
+          <p:cNvPr id="10" name="Rectangle 9">
+            <a:hlinkClick r:id="rId3" action="ppaction://hlinksldjump"/>
+          </p:cNvPr>
+          <p:cNvSpPr/>
+          <p:nvPr/>
+        </p:nvSpPr>
+        <p:spPr>
+          <a:xfrm>
+            <a:off x="431540" y="1337174"/>
+            <a:ext cx="1944216" cy="363634"/>
+          </a:xfrm>
+          <a:prstGeom prst="rect">
+            <a:avLst/>
+          </a:prstGeom>
+          <a:noFill/>
+          <a:ln>
+            <a:solidFill>
+              <a:schemeClr val="tx1"/>
+            </a:solidFill>
+          </a:ln>
+        </p:spPr>
+        <p:style>
+          <a:lnRef idx="2">
+            <a:schemeClr val="accent1">
+              <a:shade val="50000"/>
+            </a:schemeClr>
+          </a:lnRef>
+          <a:fillRef idx="1">
+            <a:schemeClr val="accent1"/>
+          </a:fillRef>
+          <a:effectRef idx="0">
+            <a:schemeClr val="accent1"/>
+          </a:effectRef>
+          <a:fontRef idx="minor">
+            <a:schemeClr val="lt1"/>
+          </a:fontRef>
+        </p:style>
+        <p:txBody>
+          <a:bodyPr rtlCol="0" anchor="ctr"/>
+          <a:lstStyle/>
+          <a:p>
+            <a:pPr algn="ctr"/>
+            <a:endParaRPr lang="nl-NL"/>
+          </a:p>
+        </p:txBody>
+      </p:sp>
+      <p:sp>
+        <p:nvSpPr>
+          <p:cNvPr id="11" name="Rectangle 10">
+            <a:hlinkClick r:id="rId4" action="ppaction://hlinksldjump"/>
+          </p:cNvPr>
+          <p:cNvSpPr/>
+          <p:nvPr/>
+        </p:nvSpPr>
+        <p:spPr>
+          <a:xfrm>
+            <a:off x="431540" y="1841230"/>
+            <a:ext cx="1944216" cy="363634"/>
+          </a:xfrm>
+          <a:prstGeom prst="rect">
+            <a:avLst/>
+          </a:prstGeom>
+          <a:noFill/>
+          <a:ln>
+            <a:solidFill>
+              <a:schemeClr val="tx1"/>
+            </a:solidFill>
+          </a:ln>
+        </p:spPr>
+        <p:style>
+          <a:lnRef idx="2">
+            <a:schemeClr val="accent1">
+              <a:shade val="50000"/>
+            </a:schemeClr>
+          </a:lnRef>
+          <a:fillRef idx="1">
+            <a:schemeClr val="accent1"/>
+          </a:fillRef>
+          <a:effectRef idx="0">
+            <a:schemeClr val="accent1"/>
+          </a:effectRef>
+          <a:fontRef idx="minor">
+            <a:schemeClr val="lt1"/>
+          </a:fontRef>
+        </p:style>
+        <p:txBody>
+          <a:bodyPr rtlCol="0" anchor="ctr"/>
+          <a:lstStyle/>
+          <a:p>
+            <a:pPr algn="ctr"/>
+            <a:endParaRPr lang="nl-NL" dirty="0"/>
+          </a:p>
+        </p:txBody>
+      </p:sp>
+      <p:sp>
+        <p:nvSpPr>
+          <p:cNvPr id="12" name="Rectangle 11">
+            <a:hlinkClick r:id="rId5" action="ppaction://hlinksldjump"/>
+          </p:cNvPr>
+          <p:cNvSpPr/>
+          <p:nvPr/>
+        </p:nvSpPr>
+        <p:spPr>
+          <a:xfrm>
+            <a:off x="431540" y="2417294"/>
+            <a:ext cx="1944216" cy="363634"/>
+          </a:xfrm>
+          <a:prstGeom prst="rect">
+            <a:avLst/>
+          </a:prstGeom>
+          <a:noFill/>
+          <a:ln>
+            <a:solidFill>
+              <a:schemeClr val="tx1"/>
+            </a:solidFill>
+          </a:ln>
+        </p:spPr>
+        <p:style>
+          <a:lnRef idx="2">
+            <a:schemeClr val="accent1">
+              <a:shade val="50000"/>
+            </a:schemeClr>
+          </a:lnRef>
+          <a:fillRef idx="1">
+            <a:schemeClr val="accent1"/>
+          </a:fillRef>
+          <a:effectRef idx="0">
+            <a:schemeClr val="accent1"/>
+          </a:effectRef>
+          <a:fontRef idx="minor">
+            <a:schemeClr val="lt1"/>
+          </a:fontRef>
+        </p:style>
+        <p:txBody>
+          <a:bodyPr rtlCol="0" anchor="ctr"/>
+          <a:lstStyle/>
+          <a:p>
+            <a:pPr algn="ctr"/>
+            <a:endParaRPr lang="nl-NL"/>
+          </a:p>
+        </p:txBody>
+      </p:sp>
+      <p:sp>
+        <p:nvSpPr>
+          <p:cNvPr id="14" name="Rectangle 13"/>
+          <p:cNvSpPr/>
+          <p:nvPr/>
+        </p:nvSpPr>
+        <p:spPr>
+          <a:xfrm>
+            <a:off x="2555776" y="1124744"/>
+            <a:ext cx="6336704" cy="5112568"/>
+          </a:xfrm>
+          <a:prstGeom prst="rect">
+            <a:avLst/>
+          </a:prstGeom>
+          <a:noFill/>
+          <a:ln>
+            <a:solidFill>
+              <a:schemeClr val="tx1"/>
+            </a:solidFill>
+          </a:ln>
+        </p:spPr>
+        <p:style>
+          <a:lnRef idx="2">
+            <a:schemeClr val="accent1">
+              <a:shade val="50000"/>
+            </a:schemeClr>
+          </a:lnRef>
+          <a:fillRef idx="1">
+            <a:schemeClr val="accent1"/>
+          </a:fillRef>
+          <a:effectRef idx="0">
+            <a:schemeClr val="accent1"/>
+          </a:effectRef>
+          <a:fontRef idx="minor">
+            <a:schemeClr val="lt1"/>
+          </a:fontRef>
+        </p:style>
+        <p:txBody>
+          <a:bodyPr rtlCol="0" anchor="ctr"/>
+          <a:lstStyle/>
+          <a:p>
+            <a:pPr algn="ctr"/>
+            <a:endParaRPr lang="nl-NL"/>
+          </a:p>
+        </p:txBody>
+      </p:sp>
+      <p:sp>
+        <p:nvSpPr>
+          <p:cNvPr id="16" name="Rectangle 15">
+            <a:hlinkClick r:id="rId6" action="ppaction://hlinksldjump"/>
+          </p:cNvPr>
+          <p:cNvSpPr/>
+          <p:nvPr/>
+        </p:nvSpPr>
+        <p:spPr>
+          <a:xfrm>
+            <a:off x="431540" y="5724654"/>
+            <a:ext cx="1944216" cy="363634"/>
+          </a:xfrm>
+          <a:prstGeom prst="rect">
+            <a:avLst/>
+          </a:prstGeom>
+          <a:noFill/>
+          <a:ln>
+            <a:solidFill>
+              <a:schemeClr val="tx1"/>
+            </a:solidFill>
+          </a:ln>
+        </p:spPr>
+        <p:style>
+          <a:lnRef idx="2">
+            <a:schemeClr val="accent1">
+              <a:shade val="50000"/>
+            </a:schemeClr>
+          </a:lnRef>
+          <a:fillRef idx="1">
+            <a:schemeClr val="accent1"/>
+          </a:fillRef>
+          <a:effectRef idx="0">
+            <a:schemeClr val="accent1"/>
+          </a:effectRef>
+          <a:fontRef idx="minor">
+            <a:schemeClr val="lt1"/>
+          </a:fontRef>
+        </p:style>
+        <p:txBody>
+          <a:bodyPr rtlCol="0" anchor="ctr"/>
+          <a:lstStyle/>
+          <a:p>
+            <a:pPr algn="ctr"/>
+            <a:endParaRPr lang="nl-NL"/>
+          </a:p>
+        </p:txBody>
+      </p:sp>
+      <p:sp>
+        <p:nvSpPr>
+          <p:cNvPr id="15" name="TextBox 14"/>
+          <p:cNvSpPr txBox="1"/>
+          <p:nvPr/>
+        </p:nvSpPr>
+        <p:spPr>
+          <a:xfrm>
+            <a:off x="2987824" y="1337174"/>
+            <a:ext cx="5544616" cy="400110"/>
+          </a:xfrm>
+          <a:prstGeom prst="rect">
+            <a:avLst/>
+          </a:prstGeom>
+          <a:noFill/>
+        </p:spPr>
+        <p:txBody>
+          <a:bodyPr wrap="square" rtlCol="0">
+            <a:spAutoFit/>
+          </a:bodyPr>
+          <a:lstStyle/>
+          <a:p>
+            <a:r>
+              <a:rPr lang="nl-NL" sz="2000" b="1" dirty="0" smtClean="0">
+                <a:solidFill>
+                  <a:schemeClr val="tx1">
+                    <a:lumMod val="75000"/>
+                    <a:lumOff val="25000"/>
+                  </a:schemeClr>
+                </a:solidFill>
+              </a:rPr>
+              <a:t>Welcome, </a:t>
+            </a:r>
+            <a:r>
+              <a:rPr lang="nl-NL" sz="2000" b="1" dirty="0" smtClean="0">
+                <a:solidFill>
+                  <a:schemeClr val="tx1">
+                    <a:lumMod val="75000"/>
+                    <a:lumOff val="25000"/>
+                  </a:schemeClr>
+                </a:solidFill>
+              </a:rPr>
+              <a:t>Finance.</a:t>
+            </a:r>
+            <a:endParaRPr lang="nl-NL" sz="2000" b="1" dirty="0">
+              <a:solidFill>
+                <a:schemeClr val="tx1">
+                  <a:lumMod val="75000"/>
+                  <a:lumOff val="25000"/>
+                </a:schemeClr>
+              </a:solidFill>
+            </a:endParaRPr>
+          </a:p>
+        </p:txBody>
+      </p:sp>
+      <p:sp>
+        <p:nvSpPr>
+          <p:cNvPr id="19" name="Rectangle 18">
+            <a:hlinkClick r:id="rId2" action="ppaction://hlinksldjump"/>
+          </p:cNvPr>
+          <p:cNvSpPr/>
+          <p:nvPr/>
+        </p:nvSpPr>
+        <p:spPr>
+          <a:xfrm>
+            <a:off x="395536" y="3497414"/>
+            <a:ext cx="1944216" cy="363634"/>
+          </a:xfrm>
+          <a:prstGeom prst="rect">
+            <a:avLst/>
+          </a:prstGeom>
+          <a:noFill/>
+          <a:ln>
+            <a:solidFill>
+              <a:schemeClr val="tx1"/>
+            </a:solidFill>
+          </a:ln>
+        </p:spPr>
+        <p:style>
+          <a:lnRef idx="2">
+            <a:schemeClr val="accent1">
+              <a:shade val="50000"/>
+            </a:schemeClr>
+          </a:lnRef>
+          <a:fillRef idx="1">
+            <a:schemeClr val="accent1"/>
+          </a:fillRef>
+          <a:effectRef idx="0">
+            <a:schemeClr val="accent1"/>
+          </a:effectRef>
+          <a:fontRef idx="minor">
+            <a:schemeClr val="lt1"/>
+          </a:fontRef>
+        </p:style>
+        <p:txBody>
+          <a:bodyPr rtlCol="0" anchor="ctr"/>
+          <a:lstStyle/>
+          <a:p>
+            <a:pPr algn="ctr"/>
+            <a:endParaRPr lang="nl-NL"/>
+          </a:p>
+        </p:txBody>
+      </p:sp>
+    </p:spTree>
+    <p:extLst>
+      <p:ext uri="{BB962C8B-B14F-4D97-AF65-F5344CB8AC3E}">
+        <p14:creationId xmlns:p14="http://schemas.microsoft.com/office/powerpoint/2010/main" val="934066739"/>
       </p:ext>
     </p:extLst>
   </p:cSld>
@@ -8220,6 +10572,3917 @@
     <p:extLst>
       <p:ext uri="{BB962C8B-B14F-4D97-AF65-F5344CB8AC3E}">
         <p14:creationId xmlns:p14="http://schemas.microsoft.com/office/powerpoint/2010/main" val="2026419546"/>
+      </p:ext>
+    </p:extLst>
+  </p:cSld>
+  <p:clrMapOvr>
+    <a:masterClrMapping/>
+  </p:clrMapOvr>
+  <p:timing>
+    <p:tnLst>
+      <p:par>
+        <p:cTn id="1" dur="indefinite" restart="never" nodeType="tmRoot"/>
+      </p:par>
+    </p:tnLst>
+  </p:timing>
+</p:sld>
+</file>
+
+<file path=ppt/slides/slide7.xml><?xml version="1.0" encoding="utf-8"?>
+<p:sld xmlns:a="http://schemas.openxmlformats.org/drawingml/2006/main" xmlns:r="http://schemas.openxmlformats.org/officeDocument/2006/relationships" xmlns:p="http://schemas.openxmlformats.org/presentationml/2006/main">
+  <p:cSld>
+    <p:spTree>
+      <p:nvGrpSpPr>
+        <p:cNvPr id="1" name=""/>
+        <p:cNvGrpSpPr/>
+        <p:nvPr/>
+      </p:nvGrpSpPr>
+      <p:grpSpPr>
+        <a:xfrm>
+          <a:off x="0" y="0"/>
+          <a:ext cx="0" cy="0"/>
+          <a:chOff x="0" y="0"/>
+          <a:chExt cx="0" cy="0"/>
+        </a:xfrm>
+      </p:grpSpPr>
+      <p:sp>
+        <p:nvSpPr>
+          <p:cNvPr id="13" name="Rectangle 12"/>
+          <p:cNvSpPr/>
+          <p:nvPr/>
+        </p:nvSpPr>
+        <p:spPr>
+          <a:xfrm>
+            <a:off x="251520" y="548680"/>
+            <a:ext cx="8640960" cy="576064"/>
+          </a:xfrm>
+          <a:prstGeom prst="rect">
+            <a:avLst/>
+          </a:prstGeom>
+          <a:noFill/>
+          <a:ln>
+            <a:solidFill>
+              <a:schemeClr val="tx1"/>
+            </a:solidFill>
+          </a:ln>
+        </p:spPr>
+        <p:style>
+          <a:lnRef idx="2">
+            <a:schemeClr val="accent1">
+              <a:shade val="50000"/>
+            </a:schemeClr>
+          </a:lnRef>
+          <a:fillRef idx="1">
+            <a:schemeClr val="accent1"/>
+          </a:fillRef>
+          <a:effectRef idx="0">
+            <a:schemeClr val="accent1"/>
+          </a:effectRef>
+          <a:fontRef idx="minor">
+            <a:schemeClr val="lt1"/>
+          </a:fontRef>
+        </p:style>
+        <p:txBody>
+          <a:bodyPr rtlCol="0" anchor="ctr"/>
+          <a:lstStyle/>
+          <a:p>
+            <a:pPr algn="ctr"/>
+            <a:endParaRPr lang="nl-NL"/>
+          </a:p>
+        </p:txBody>
+      </p:sp>
+      <p:sp>
+        <p:nvSpPr>
+          <p:cNvPr id="3" name="Content Placeholder 2"/>
+          <p:cNvSpPr>
+            <a:spLocks noGrp="1"/>
+          </p:cNvSpPr>
+          <p:nvPr>
+            <p:ph idx="1"/>
+          </p:nvPr>
+        </p:nvSpPr>
+        <p:spPr>
+          <a:xfrm>
+            <a:off x="457200" y="548681"/>
+            <a:ext cx="8229600" cy="648072"/>
+          </a:xfrm>
+        </p:spPr>
+        <p:txBody>
+          <a:bodyPr/>
+          <a:lstStyle/>
+          <a:p>
+            <a:pPr marL="0" indent="0" algn="ctr">
+              <a:buNone/>
+            </a:pPr>
+            <a:r>
+              <a:rPr lang="nl-NL" b="1" dirty="0" smtClean="0">
+                <a:solidFill>
+                  <a:schemeClr val="tx1">
+                    <a:lumMod val="75000"/>
+                    <a:lumOff val="25000"/>
+                  </a:schemeClr>
+                </a:solidFill>
+              </a:rPr>
+              <a:t>Sales</a:t>
+            </a:r>
+            <a:endParaRPr lang="nl-NL" b="1" dirty="0">
+              <a:solidFill>
+                <a:schemeClr val="tx1">
+                  <a:lumMod val="75000"/>
+                  <a:lumOff val="25000"/>
+                </a:schemeClr>
+              </a:solidFill>
+            </a:endParaRPr>
+          </a:p>
+        </p:txBody>
+      </p:sp>
+      <p:sp>
+        <p:nvSpPr>
+          <p:cNvPr id="5" name="Rectangle 4"/>
+          <p:cNvSpPr/>
+          <p:nvPr/>
+        </p:nvSpPr>
+        <p:spPr>
+          <a:xfrm>
+            <a:off x="251520" y="1124744"/>
+            <a:ext cx="2304256" cy="5112568"/>
+          </a:xfrm>
+          <a:prstGeom prst="rect">
+            <a:avLst/>
+          </a:prstGeom>
+          <a:noFill/>
+          <a:ln>
+            <a:solidFill>
+              <a:schemeClr val="tx1"/>
+            </a:solidFill>
+          </a:ln>
+        </p:spPr>
+        <p:style>
+          <a:lnRef idx="2">
+            <a:schemeClr val="accent1">
+              <a:shade val="50000"/>
+            </a:schemeClr>
+          </a:lnRef>
+          <a:fillRef idx="1">
+            <a:schemeClr val="accent1"/>
+          </a:fillRef>
+          <a:effectRef idx="0">
+            <a:schemeClr val="accent1"/>
+          </a:effectRef>
+          <a:fontRef idx="minor">
+            <a:schemeClr val="lt1"/>
+          </a:fontRef>
+        </p:style>
+        <p:txBody>
+          <a:bodyPr rtlCol="0" anchor="ctr"/>
+          <a:lstStyle/>
+          <a:p>
+            <a:pPr algn="ctr"/>
+            <a:endParaRPr lang="nl-NL"/>
+          </a:p>
+        </p:txBody>
+      </p:sp>
+      <p:sp>
+        <p:nvSpPr>
+          <p:cNvPr id="4" name="TextBox 3"/>
+          <p:cNvSpPr txBox="1"/>
+          <p:nvPr/>
+        </p:nvSpPr>
+        <p:spPr>
+          <a:xfrm>
+            <a:off x="431540" y="1299372"/>
+            <a:ext cx="1944216" cy="4801314"/>
+          </a:xfrm>
+          <a:prstGeom prst="rect">
+            <a:avLst/>
+          </a:prstGeom>
+          <a:noFill/>
+        </p:spPr>
+        <p:txBody>
+          <a:bodyPr wrap="square" rtlCol="0">
+            <a:spAutoFit/>
+          </a:bodyPr>
+          <a:lstStyle/>
+          <a:p>
+            <a:r>
+              <a:rPr lang="nl-NL" b="1" dirty="0" smtClean="0"/>
+              <a:t>Home</a:t>
+            </a:r>
+          </a:p>
+          <a:p>
+            <a:endParaRPr lang="nl-NL" b="1" dirty="0" smtClean="0"/>
+          </a:p>
+          <a:p>
+            <a:r>
+              <a:rPr lang="nl-NL" b="1" dirty="0" smtClean="0"/>
+              <a:t>Add Customer</a:t>
+            </a:r>
+            <a:endParaRPr lang="nl-NL" b="1" dirty="0" smtClean="0"/>
+          </a:p>
+          <a:p>
+            <a:endParaRPr lang="nl-NL" b="1" dirty="0" smtClean="0"/>
+          </a:p>
+          <a:p>
+            <a:r>
+              <a:rPr lang="nl-NL" b="1" dirty="0" smtClean="0"/>
+              <a:t>Manage Customer</a:t>
+            </a:r>
+            <a:endParaRPr lang="nl-NL" b="1" dirty="0" smtClean="0"/>
+          </a:p>
+          <a:p>
+            <a:endParaRPr lang="nl-NL" b="1" dirty="0" smtClean="0"/>
+          </a:p>
+          <a:p>
+            <a:r>
+              <a:rPr lang="nl-NL" b="1" dirty="0" smtClean="0"/>
+              <a:t>Manage Project</a:t>
+            </a:r>
+            <a:endParaRPr lang="nl-NL" b="1" dirty="0" smtClean="0"/>
+          </a:p>
+          <a:p>
+            <a:endParaRPr lang="nl-NL" b="1" dirty="0"/>
+          </a:p>
+          <a:p>
+            <a:r>
+              <a:rPr lang="nl-NL" b="1" dirty="0" smtClean="0"/>
+              <a:t>Deactivate Customer</a:t>
+            </a:r>
+            <a:endParaRPr lang="nl-NL" b="1" dirty="0"/>
+          </a:p>
+          <a:p>
+            <a:endParaRPr lang="nl-NL" b="1" dirty="0" smtClean="0"/>
+          </a:p>
+          <a:p>
+            <a:endParaRPr lang="nl-NL" b="1" dirty="0"/>
+          </a:p>
+          <a:p>
+            <a:endParaRPr lang="nl-NL" b="1" dirty="0" smtClean="0"/>
+          </a:p>
+          <a:p>
+            <a:endParaRPr lang="nl-NL" b="1" dirty="0"/>
+          </a:p>
+          <a:p>
+            <a:endParaRPr lang="nl-NL" b="1" dirty="0" smtClean="0"/>
+          </a:p>
+          <a:p>
+            <a:endParaRPr lang="nl-NL" b="1" dirty="0"/>
+          </a:p>
+          <a:p>
+            <a:r>
+              <a:rPr lang="nl-NL" b="1" dirty="0" smtClean="0"/>
+              <a:t>Logout</a:t>
+            </a:r>
+            <a:endParaRPr lang="nl-NL" b="1" dirty="0"/>
+          </a:p>
+        </p:txBody>
+      </p:sp>
+      <p:sp>
+        <p:nvSpPr>
+          <p:cNvPr id="7" name="Rectangle 6">
+            <a:hlinkClick r:id="rId2" action="ppaction://hlinksldjump"/>
+          </p:cNvPr>
+          <p:cNvSpPr/>
+          <p:nvPr/>
+        </p:nvSpPr>
+        <p:spPr>
+          <a:xfrm>
+            <a:off x="431540" y="2921350"/>
+            <a:ext cx="1944216" cy="363634"/>
+          </a:xfrm>
+          <a:prstGeom prst="rect">
+            <a:avLst/>
+          </a:prstGeom>
+          <a:noFill/>
+          <a:ln>
+            <a:solidFill>
+              <a:schemeClr val="tx1"/>
+            </a:solidFill>
+          </a:ln>
+        </p:spPr>
+        <p:style>
+          <a:lnRef idx="2">
+            <a:schemeClr val="accent1">
+              <a:shade val="50000"/>
+            </a:schemeClr>
+          </a:lnRef>
+          <a:fillRef idx="1">
+            <a:schemeClr val="accent1"/>
+          </a:fillRef>
+          <a:effectRef idx="0">
+            <a:schemeClr val="accent1"/>
+          </a:effectRef>
+          <a:fontRef idx="minor">
+            <a:schemeClr val="lt1"/>
+          </a:fontRef>
+        </p:style>
+        <p:txBody>
+          <a:bodyPr rtlCol="0" anchor="ctr"/>
+          <a:lstStyle/>
+          <a:p>
+            <a:pPr algn="ctr"/>
+            <a:endParaRPr lang="nl-NL"/>
+          </a:p>
+        </p:txBody>
+      </p:sp>
+      <p:sp>
+        <p:nvSpPr>
+          <p:cNvPr id="10" name="Rectangle 9">
+            <a:hlinkClick r:id="rId3" action="ppaction://hlinksldjump"/>
+          </p:cNvPr>
+          <p:cNvSpPr/>
+          <p:nvPr/>
+        </p:nvSpPr>
+        <p:spPr>
+          <a:xfrm>
+            <a:off x="431540" y="1337174"/>
+            <a:ext cx="1944216" cy="363634"/>
+          </a:xfrm>
+          <a:prstGeom prst="rect">
+            <a:avLst/>
+          </a:prstGeom>
+          <a:noFill/>
+          <a:ln>
+            <a:solidFill>
+              <a:schemeClr val="tx1"/>
+            </a:solidFill>
+          </a:ln>
+        </p:spPr>
+        <p:style>
+          <a:lnRef idx="2">
+            <a:schemeClr val="accent1">
+              <a:shade val="50000"/>
+            </a:schemeClr>
+          </a:lnRef>
+          <a:fillRef idx="1">
+            <a:schemeClr val="accent1"/>
+          </a:fillRef>
+          <a:effectRef idx="0">
+            <a:schemeClr val="accent1"/>
+          </a:effectRef>
+          <a:fontRef idx="minor">
+            <a:schemeClr val="lt1"/>
+          </a:fontRef>
+        </p:style>
+        <p:txBody>
+          <a:bodyPr rtlCol="0" anchor="ctr"/>
+          <a:lstStyle/>
+          <a:p>
+            <a:pPr algn="ctr"/>
+            <a:endParaRPr lang="nl-NL"/>
+          </a:p>
+        </p:txBody>
+      </p:sp>
+      <p:sp>
+        <p:nvSpPr>
+          <p:cNvPr id="11" name="Rectangle 10">
+            <a:hlinkClick r:id="rId4" action="ppaction://hlinksldjump"/>
+          </p:cNvPr>
+          <p:cNvSpPr/>
+          <p:nvPr/>
+        </p:nvSpPr>
+        <p:spPr>
+          <a:xfrm>
+            <a:off x="431540" y="1841230"/>
+            <a:ext cx="1944216" cy="363634"/>
+          </a:xfrm>
+          <a:prstGeom prst="rect">
+            <a:avLst/>
+          </a:prstGeom>
+          <a:noFill/>
+          <a:ln>
+            <a:solidFill>
+              <a:schemeClr val="tx1"/>
+            </a:solidFill>
+          </a:ln>
+        </p:spPr>
+        <p:style>
+          <a:lnRef idx="2">
+            <a:schemeClr val="accent1">
+              <a:shade val="50000"/>
+            </a:schemeClr>
+          </a:lnRef>
+          <a:fillRef idx="1">
+            <a:schemeClr val="accent1"/>
+          </a:fillRef>
+          <a:effectRef idx="0">
+            <a:schemeClr val="accent1"/>
+          </a:effectRef>
+          <a:fontRef idx="minor">
+            <a:schemeClr val="lt1"/>
+          </a:fontRef>
+        </p:style>
+        <p:txBody>
+          <a:bodyPr rtlCol="0" anchor="ctr"/>
+          <a:lstStyle/>
+          <a:p>
+            <a:pPr algn="ctr"/>
+            <a:endParaRPr lang="nl-NL" dirty="0"/>
+          </a:p>
+        </p:txBody>
+      </p:sp>
+      <p:sp>
+        <p:nvSpPr>
+          <p:cNvPr id="12" name="Rectangle 11">
+            <a:hlinkClick r:id="rId5" action="ppaction://hlinksldjump"/>
+          </p:cNvPr>
+          <p:cNvSpPr/>
+          <p:nvPr/>
+        </p:nvSpPr>
+        <p:spPr>
+          <a:xfrm>
+            <a:off x="431540" y="2417294"/>
+            <a:ext cx="1944216" cy="363634"/>
+          </a:xfrm>
+          <a:prstGeom prst="rect">
+            <a:avLst/>
+          </a:prstGeom>
+          <a:noFill/>
+          <a:ln>
+            <a:solidFill>
+              <a:schemeClr val="tx1"/>
+            </a:solidFill>
+          </a:ln>
+        </p:spPr>
+        <p:style>
+          <a:lnRef idx="2">
+            <a:schemeClr val="accent1">
+              <a:shade val="50000"/>
+            </a:schemeClr>
+          </a:lnRef>
+          <a:fillRef idx="1">
+            <a:schemeClr val="accent1"/>
+          </a:fillRef>
+          <a:effectRef idx="0">
+            <a:schemeClr val="accent1"/>
+          </a:effectRef>
+          <a:fontRef idx="minor">
+            <a:schemeClr val="lt1"/>
+          </a:fontRef>
+        </p:style>
+        <p:txBody>
+          <a:bodyPr rtlCol="0" anchor="ctr"/>
+          <a:lstStyle/>
+          <a:p>
+            <a:pPr algn="ctr"/>
+            <a:endParaRPr lang="nl-NL"/>
+          </a:p>
+        </p:txBody>
+      </p:sp>
+      <p:sp>
+        <p:nvSpPr>
+          <p:cNvPr id="14" name="Rectangle 13"/>
+          <p:cNvSpPr/>
+          <p:nvPr/>
+        </p:nvSpPr>
+        <p:spPr>
+          <a:xfrm>
+            <a:off x="2555776" y="1124744"/>
+            <a:ext cx="6336704" cy="5112568"/>
+          </a:xfrm>
+          <a:prstGeom prst="rect">
+            <a:avLst/>
+          </a:prstGeom>
+          <a:noFill/>
+          <a:ln>
+            <a:solidFill>
+              <a:schemeClr val="tx1"/>
+            </a:solidFill>
+          </a:ln>
+        </p:spPr>
+        <p:style>
+          <a:lnRef idx="2">
+            <a:schemeClr val="accent1">
+              <a:shade val="50000"/>
+            </a:schemeClr>
+          </a:lnRef>
+          <a:fillRef idx="1">
+            <a:schemeClr val="accent1"/>
+          </a:fillRef>
+          <a:effectRef idx="0">
+            <a:schemeClr val="accent1"/>
+          </a:effectRef>
+          <a:fontRef idx="minor">
+            <a:schemeClr val="lt1"/>
+          </a:fontRef>
+        </p:style>
+        <p:txBody>
+          <a:bodyPr rtlCol="0" anchor="ctr"/>
+          <a:lstStyle/>
+          <a:p>
+            <a:pPr algn="ctr"/>
+            <a:endParaRPr lang="nl-NL"/>
+          </a:p>
+        </p:txBody>
+      </p:sp>
+      <p:sp>
+        <p:nvSpPr>
+          <p:cNvPr id="15" name="TextBox 14"/>
+          <p:cNvSpPr txBox="1"/>
+          <p:nvPr/>
+        </p:nvSpPr>
+        <p:spPr>
+          <a:xfrm>
+            <a:off x="2987824" y="1337174"/>
+            <a:ext cx="5544616" cy="400110"/>
+          </a:xfrm>
+          <a:prstGeom prst="rect">
+            <a:avLst/>
+          </a:prstGeom>
+          <a:noFill/>
+        </p:spPr>
+        <p:txBody>
+          <a:bodyPr wrap="square" rtlCol="0">
+            <a:spAutoFit/>
+          </a:bodyPr>
+          <a:lstStyle/>
+          <a:p>
+            <a:r>
+              <a:rPr lang="nl-NL" sz="2000" b="1" dirty="0" smtClean="0">
+                <a:solidFill>
+                  <a:schemeClr val="tx1">
+                    <a:lumMod val="75000"/>
+                    <a:lumOff val="25000"/>
+                  </a:schemeClr>
+                </a:solidFill>
+              </a:rPr>
+              <a:t>Welcome, </a:t>
+            </a:r>
+            <a:r>
+              <a:rPr lang="nl-NL" sz="2000" b="1" dirty="0" smtClean="0">
+                <a:solidFill>
+                  <a:schemeClr val="tx1">
+                    <a:lumMod val="75000"/>
+                    <a:lumOff val="25000"/>
+                  </a:schemeClr>
+                </a:solidFill>
+              </a:rPr>
+              <a:t>Sales.</a:t>
+            </a:r>
+            <a:endParaRPr lang="nl-NL" sz="2000" b="1" dirty="0">
+              <a:solidFill>
+                <a:schemeClr val="tx1">
+                  <a:lumMod val="75000"/>
+                  <a:lumOff val="25000"/>
+                </a:schemeClr>
+              </a:solidFill>
+            </a:endParaRPr>
+          </a:p>
+        </p:txBody>
+      </p:sp>
+      <p:sp>
+        <p:nvSpPr>
+          <p:cNvPr id="16" name="Rectangle 15">
+            <a:hlinkClick r:id="rId6" action="ppaction://hlinksldjump"/>
+          </p:cNvPr>
+          <p:cNvSpPr/>
+          <p:nvPr/>
+        </p:nvSpPr>
+        <p:spPr>
+          <a:xfrm>
+            <a:off x="431540" y="5724654"/>
+            <a:ext cx="1944216" cy="363634"/>
+          </a:xfrm>
+          <a:prstGeom prst="rect">
+            <a:avLst/>
+          </a:prstGeom>
+          <a:noFill/>
+          <a:ln>
+            <a:solidFill>
+              <a:schemeClr val="tx1"/>
+            </a:solidFill>
+          </a:ln>
+        </p:spPr>
+        <p:style>
+          <a:lnRef idx="2">
+            <a:schemeClr val="accent1">
+              <a:shade val="50000"/>
+            </a:schemeClr>
+          </a:lnRef>
+          <a:fillRef idx="1">
+            <a:schemeClr val="accent1"/>
+          </a:fillRef>
+          <a:effectRef idx="0">
+            <a:schemeClr val="accent1"/>
+          </a:effectRef>
+          <a:fontRef idx="minor">
+            <a:schemeClr val="lt1"/>
+          </a:fontRef>
+        </p:style>
+        <p:txBody>
+          <a:bodyPr rtlCol="0" anchor="ctr"/>
+          <a:lstStyle/>
+          <a:p>
+            <a:pPr algn="ctr"/>
+            <a:endParaRPr lang="nl-NL"/>
+          </a:p>
+        </p:txBody>
+      </p:sp>
+      <p:sp>
+        <p:nvSpPr>
+          <p:cNvPr id="17" name="Rectangle 16">
+            <a:hlinkClick r:id="rId2" action="ppaction://hlinksldjump"/>
+          </p:cNvPr>
+          <p:cNvSpPr/>
+          <p:nvPr/>
+        </p:nvSpPr>
+        <p:spPr>
+          <a:xfrm>
+            <a:off x="449377" y="3480404"/>
+            <a:ext cx="1944216" cy="668676"/>
+          </a:xfrm>
+          <a:prstGeom prst="rect">
+            <a:avLst/>
+          </a:prstGeom>
+          <a:noFill/>
+          <a:ln>
+            <a:solidFill>
+              <a:schemeClr val="tx1"/>
+            </a:solidFill>
+          </a:ln>
+        </p:spPr>
+        <p:style>
+          <a:lnRef idx="2">
+            <a:schemeClr val="accent1">
+              <a:shade val="50000"/>
+            </a:schemeClr>
+          </a:lnRef>
+          <a:fillRef idx="1">
+            <a:schemeClr val="accent1"/>
+          </a:fillRef>
+          <a:effectRef idx="0">
+            <a:schemeClr val="accent1"/>
+          </a:effectRef>
+          <a:fontRef idx="minor">
+            <a:schemeClr val="lt1"/>
+          </a:fontRef>
+        </p:style>
+        <p:txBody>
+          <a:bodyPr rtlCol="0" anchor="ctr"/>
+          <a:lstStyle/>
+          <a:p>
+            <a:pPr algn="ctr"/>
+            <a:endParaRPr lang="nl-NL"/>
+          </a:p>
+        </p:txBody>
+      </p:sp>
+    </p:spTree>
+    <p:extLst>
+      <p:ext uri="{BB962C8B-B14F-4D97-AF65-F5344CB8AC3E}">
+        <p14:creationId xmlns:p14="http://schemas.microsoft.com/office/powerpoint/2010/main" val="773708013"/>
+      </p:ext>
+    </p:extLst>
+  </p:cSld>
+  <p:clrMapOvr>
+    <a:masterClrMapping/>
+  </p:clrMapOvr>
+  <p:timing>
+    <p:tnLst>
+      <p:par>
+        <p:cTn id="1" dur="indefinite" restart="never" nodeType="tmRoot"/>
+      </p:par>
+    </p:tnLst>
+  </p:timing>
+</p:sld>
+</file>
+
+<file path=ppt/slides/slide8.xml><?xml version="1.0" encoding="utf-8"?>
+<p:sld xmlns:a="http://schemas.openxmlformats.org/drawingml/2006/main" xmlns:r="http://schemas.openxmlformats.org/officeDocument/2006/relationships" xmlns:p="http://schemas.openxmlformats.org/presentationml/2006/main">
+  <p:cSld>
+    <p:spTree>
+      <p:nvGrpSpPr>
+        <p:cNvPr id="1" name=""/>
+        <p:cNvGrpSpPr/>
+        <p:nvPr/>
+      </p:nvGrpSpPr>
+      <p:grpSpPr>
+        <a:xfrm>
+          <a:off x="0" y="0"/>
+          <a:ext cx="0" cy="0"/>
+          <a:chOff x="0" y="0"/>
+          <a:chExt cx="0" cy="0"/>
+        </a:xfrm>
+      </p:grpSpPr>
+      <p:sp>
+        <p:nvSpPr>
+          <p:cNvPr id="13" name="Rectangle 12"/>
+          <p:cNvSpPr/>
+          <p:nvPr/>
+        </p:nvSpPr>
+        <p:spPr>
+          <a:xfrm>
+            <a:off x="251520" y="548680"/>
+            <a:ext cx="8640960" cy="576064"/>
+          </a:xfrm>
+          <a:prstGeom prst="rect">
+            <a:avLst/>
+          </a:prstGeom>
+          <a:noFill/>
+          <a:ln>
+            <a:solidFill>
+              <a:schemeClr val="tx1"/>
+            </a:solidFill>
+          </a:ln>
+        </p:spPr>
+        <p:style>
+          <a:lnRef idx="2">
+            <a:schemeClr val="accent1">
+              <a:shade val="50000"/>
+            </a:schemeClr>
+          </a:lnRef>
+          <a:fillRef idx="1">
+            <a:schemeClr val="accent1"/>
+          </a:fillRef>
+          <a:effectRef idx="0">
+            <a:schemeClr val="accent1"/>
+          </a:effectRef>
+          <a:fontRef idx="minor">
+            <a:schemeClr val="lt1"/>
+          </a:fontRef>
+        </p:style>
+        <p:txBody>
+          <a:bodyPr rtlCol="0" anchor="ctr"/>
+          <a:lstStyle/>
+          <a:p>
+            <a:pPr algn="ctr"/>
+            <a:endParaRPr lang="nl-NL"/>
+          </a:p>
+        </p:txBody>
+      </p:sp>
+      <p:sp>
+        <p:nvSpPr>
+          <p:cNvPr id="3" name="Content Placeholder 2"/>
+          <p:cNvSpPr>
+            <a:spLocks noGrp="1"/>
+          </p:cNvSpPr>
+          <p:nvPr>
+            <p:ph idx="1"/>
+          </p:nvPr>
+        </p:nvSpPr>
+        <p:spPr>
+          <a:xfrm>
+            <a:off x="457200" y="548681"/>
+            <a:ext cx="8229600" cy="648072"/>
+          </a:xfrm>
+        </p:spPr>
+        <p:txBody>
+          <a:bodyPr/>
+          <a:lstStyle/>
+          <a:p>
+            <a:pPr marL="0" indent="0" algn="ctr">
+              <a:buNone/>
+            </a:pPr>
+            <a:r>
+              <a:rPr lang="nl-NL" b="1" dirty="0" smtClean="0">
+                <a:solidFill>
+                  <a:schemeClr val="tx1">
+                    <a:lumMod val="75000"/>
+                    <a:lumOff val="25000"/>
+                  </a:schemeClr>
+                </a:solidFill>
+              </a:rPr>
+              <a:t>Sales</a:t>
+            </a:r>
+            <a:endParaRPr lang="nl-NL" b="1" dirty="0">
+              <a:solidFill>
+                <a:schemeClr val="tx1">
+                  <a:lumMod val="75000"/>
+                  <a:lumOff val="25000"/>
+                </a:schemeClr>
+              </a:solidFill>
+            </a:endParaRPr>
+          </a:p>
+        </p:txBody>
+      </p:sp>
+      <p:sp>
+        <p:nvSpPr>
+          <p:cNvPr id="5" name="Rectangle 4"/>
+          <p:cNvSpPr/>
+          <p:nvPr/>
+        </p:nvSpPr>
+        <p:spPr>
+          <a:xfrm>
+            <a:off x="251520" y="1124744"/>
+            <a:ext cx="2304256" cy="5112568"/>
+          </a:xfrm>
+          <a:prstGeom prst="rect">
+            <a:avLst/>
+          </a:prstGeom>
+          <a:noFill/>
+          <a:ln>
+            <a:solidFill>
+              <a:schemeClr val="tx1"/>
+            </a:solidFill>
+          </a:ln>
+        </p:spPr>
+        <p:style>
+          <a:lnRef idx="2">
+            <a:schemeClr val="accent1">
+              <a:shade val="50000"/>
+            </a:schemeClr>
+          </a:lnRef>
+          <a:fillRef idx="1">
+            <a:schemeClr val="accent1"/>
+          </a:fillRef>
+          <a:effectRef idx="0">
+            <a:schemeClr val="accent1"/>
+          </a:effectRef>
+          <a:fontRef idx="minor">
+            <a:schemeClr val="lt1"/>
+          </a:fontRef>
+        </p:style>
+        <p:txBody>
+          <a:bodyPr rtlCol="0" anchor="ctr"/>
+          <a:lstStyle/>
+          <a:p>
+            <a:pPr algn="ctr"/>
+            <a:endParaRPr lang="nl-NL"/>
+          </a:p>
+        </p:txBody>
+      </p:sp>
+      <p:sp>
+        <p:nvSpPr>
+          <p:cNvPr id="4" name="TextBox 3"/>
+          <p:cNvSpPr txBox="1"/>
+          <p:nvPr/>
+        </p:nvSpPr>
+        <p:spPr>
+          <a:xfrm>
+            <a:off x="431540" y="1299372"/>
+            <a:ext cx="1944216" cy="4801314"/>
+          </a:xfrm>
+          <a:prstGeom prst="rect">
+            <a:avLst/>
+          </a:prstGeom>
+          <a:noFill/>
+        </p:spPr>
+        <p:txBody>
+          <a:bodyPr wrap="square" rtlCol="0">
+            <a:spAutoFit/>
+          </a:bodyPr>
+          <a:lstStyle/>
+          <a:p>
+            <a:r>
+              <a:rPr lang="nl-NL" b="1" dirty="0" smtClean="0"/>
+              <a:t>Home</a:t>
+            </a:r>
+          </a:p>
+          <a:p>
+            <a:endParaRPr lang="nl-NL" b="1" dirty="0" smtClean="0"/>
+          </a:p>
+          <a:p>
+            <a:r>
+              <a:rPr lang="nl-NL" b="1" dirty="0" smtClean="0"/>
+              <a:t>Add Customer</a:t>
+            </a:r>
+            <a:endParaRPr lang="nl-NL" b="1" dirty="0" smtClean="0"/>
+          </a:p>
+          <a:p>
+            <a:endParaRPr lang="nl-NL" b="1" dirty="0" smtClean="0"/>
+          </a:p>
+          <a:p>
+            <a:r>
+              <a:rPr lang="nl-NL" b="1" dirty="0" smtClean="0"/>
+              <a:t>Manage Customer</a:t>
+            </a:r>
+            <a:endParaRPr lang="nl-NL" b="1" dirty="0" smtClean="0"/>
+          </a:p>
+          <a:p>
+            <a:endParaRPr lang="nl-NL" b="1" dirty="0" smtClean="0"/>
+          </a:p>
+          <a:p>
+            <a:r>
+              <a:rPr lang="nl-NL" b="1" dirty="0" smtClean="0"/>
+              <a:t>Manage Project</a:t>
+            </a:r>
+            <a:endParaRPr lang="nl-NL" b="1" dirty="0" smtClean="0"/>
+          </a:p>
+          <a:p>
+            <a:endParaRPr lang="nl-NL" b="1" dirty="0"/>
+          </a:p>
+          <a:p>
+            <a:r>
+              <a:rPr lang="nl-NL" b="1" dirty="0" smtClean="0"/>
+              <a:t>Deactivate Customer</a:t>
+            </a:r>
+            <a:endParaRPr lang="nl-NL" b="1" dirty="0"/>
+          </a:p>
+          <a:p>
+            <a:endParaRPr lang="nl-NL" b="1" dirty="0" smtClean="0"/>
+          </a:p>
+          <a:p>
+            <a:endParaRPr lang="nl-NL" b="1" dirty="0"/>
+          </a:p>
+          <a:p>
+            <a:endParaRPr lang="nl-NL" b="1" dirty="0" smtClean="0"/>
+          </a:p>
+          <a:p>
+            <a:endParaRPr lang="nl-NL" b="1" dirty="0"/>
+          </a:p>
+          <a:p>
+            <a:endParaRPr lang="nl-NL" b="1" dirty="0" smtClean="0"/>
+          </a:p>
+          <a:p>
+            <a:endParaRPr lang="nl-NL" b="1" dirty="0"/>
+          </a:p>
+          <a:p>
+            <a:r>
+              <a:rPr lang="nl-NL" b="1" dirty="0" smtClean="0"/>
+              <a:t>Logout</a:t>
+            </a:r>
+            <a:endParaRPr lang="nl-NL" b="1" dirty="0"/>
+          </a:p>
+        </p:txBody>
+      </p:sp>
+      <p:sp>
+        <p:nvSpPr>
+          <p:cNvPr id="7" name="Rectangle 6">
+            <a:hlinkClick r:id="rId2" action="ppaction://hlinksldjump"/>
+          </p:cNvPr>
+          <p:cNvSpPr/>
+          <p:nvPr/>
+        </p:nvSpPr>
+        <p:spPr>
+          <a:xfrm>
+            <a:off x="431540" y="2921350"/>
+            <a:ext cx="1944216" cy="363634"/>
+          </a:xfrm>
+          <a:prstGeom prst="rect">
+            <a:avLst/>
+          </a:prstGeom>
+          <a:noFill/>
+          <a:ln>
+            <a:solidFill>
+              <a:schemeClr val="tx1"/>
+            </a:solidFill>
+          </a:ln>
+        </p:spPr>
+        <p:style>
+          <a:lnRef idx="2">
+            <a:schemeClr val="accent1">
+              <a:shade val="50000"/>
+            </a:schemeClr>
+          </a:lnRef>
+          <a:fillRef idx="1">
+            <a:schemeClr val="accent1"/>
+          </a:fillRef>
+          <a:effectRef idx="0">
+            <a:schemeClr val="accent1"/>
+          </a:effectRef>
+          <a:fontRef idx="minor">
+            <a:schemeClr val="lt1"/>
+          </a:fontRef>
+        </p:style>
+        <p:txBody>
+          <a:bodyPr rtlCol="0" anchor="ctr"/>
+          <a:lstStyle/>
+          <a:p>
+            <a:pPr algn="ctr"/>
+            <a:endParaRPr lang="nl-NL"/>
+          </a:p>
+        </p:txBody>
+      </p:sp>
+      <p:sp>
+        <p:nvSpPr>
+          <p:cNvPr id="10" name="Rectangle 9">
+            <a:hlinkClick r:id="rId3" action="ppaction://hlinksldjump"/>
+          </p:cNvPr>
+          <p:cNvSpPr/>
+          <p:nvPr/>
+        </p:nvSpPr>
+        <p:spPr>
+          <a:xfrm>
+            <a:off x="431540" y="1337174"/>
+            <a:ext cx="1944216" cy="363634"/>
+          </a:xfrm>
+          <a:prstGeom prst="rect">
+            <a:avLst/>
+          </a:prstGeom>
+          <a:noFill/>
+          <a:ln>
+            <a:solidFill>
+              <a:schemeClr val="tx1"/>
+            </a:solidFill>
+          </a:ln>
+        </p:spPr>
+        <p:style>
+          <a:lnRef idx="2">
+            <a:schemeClr val="accent1">
+              <a:shade val="50000"/>
+            </a:schemeClr>
+          </a:lnRef>
+          <a:fillRef idx="1">
+            <a:schemeClr val="accent1"/>
+          </a:fillRef>
+          <a:effectRef idx="0">
+            <a:schemeClr val="accent1"/>
+          </a:effectRef>
+          <a:fontRef idx="minor">
+            <a:schemeClr val="lt1"/>
+          </a:fontRef>
+        </p:style>
+        <p:txBody>
+          <a:bodyPr rtlCol="0" anchor="ctr"/>
+          <a:lstStyle/>
+          <a:p>
+            <a:pPr algn="ctr"/>
+            <a:endParaRPr lang="nl-NL"/>
+          </a:p>
+        </p:txBody>
+      </p:sp>
+      <p:sp>
+        <p:nvSpPr>
+          <p:cNvPr id="11" name="Rectangle 10">
+            <a:hlinkClick r:id="rId4" action="ppaction://hlinksldjump"/>
+          </p:cNvPr>
+          <p:cNvSpPr/>
+          <p:nvPr/>
+        </p:nvSpPr>
+        <p:spPr>
+          <a:xfrm>
+            <a:off x="431540" y="1841230"/>
+            <a:ext cx="1944216" cy="363634"/>
+          </a:xfrm>
+          <a:prstGeom prst="rect">
+            <a:avLst/>
+          </a:prstGeom>
+          <a:noFill/>
+          <a:ln>
+            <a:solidFill>
+              <a:schemeClr val="tx1"/>
+            </a:solidFill>
+          </a:ln>
+        </p:spPr>
+        <p:style>
+          <a:lnRef idx="2">
+            <a:schemeClr val="accent1">
+              <a:shade val="50000"/>
+            </a:schemeClr>
+          </a:lnRef>
+          <a:fillRef idx="1">
+            <a:schemeClr val="accent1"/>
+          </a:fillRef>
+          <a:effectRef idx="0">
+            <a:schemeClr val="accent1"/>
+          </a:effectRef>
+          <a:fontRef idx="minor">
+            <a:schemeClr val="lt1"/>
+          </a:fontRef>
+        </p:style>
+        <p:txBody>
+          <a:bodyPr rtlCol="0" anchor="ctr"/>
+          <a:lstStyle/>
+          <a:p>
+            <a:pPr algn="ctr"/>
+            <a:endParaRPr lang="nl-NL" dirty="0"/>
+          </a:p>
+        </p:txBody>
+      </p:sp>
+      <p:sp>
+        <p:nvSpPr>
+          <p:cNvPr id="12" name="Rectangle 11">
+            <a:hlinkClick r:id="rId5" action="ppaction://hlinksldjump"/>
+          </p:cNvPr>
+          <p:cNvSpPr/>
+          <p:nvPr/>
+        </p:nvSpPr>
+        <p:spPr>
+          <a:xfrm>
+            <a:off x="431540" y="2417294"/>
+            <a:ext cx="1944216" cy="363634"/>
+          </a:xfrm>
+          <a:prstGeom prst="rect">
+            <a:avLst/>
+          </a:prstGeom>
+          <a:noFill/>
+          <a:ln>
+            <a:solidFill>
+              <a:schemeClr val="tx1"/>
+            </a:solidFill>
+          </a:ln>
+        </p:spPr>
+        <p:style>
+          <a:lnRef idx="2">
+            <a:schemeClr val="accent1">
+              <a:shade val="50000"/>
+            </a:schemeClr>
+          </a:lnRef>
+          <a:fillRef idx="1">
+            <a:schemeClr val="accent1"/>
+          </a:fillRef>
+          <a:effectRef idx="0">
+            <a:schemeClr val="accent1"/>
+          </a:effectRef>
+          <a:fontRef idx="minor">
+            <a:schemeClr val="lt1"/>
+          </a:fontRef>
+        </p:style>
+        <p:txBody>
+          <a:bodyPr rtlCol="0" anchor="ctr"/>
+          <a:lstStyle/>
+          <a:p>
+            <a:pPr algn="ctr"/>
+            <a:endParaRPr lang="nl-NL"/>
+          </a:p>
+        </p:txBody>
+      </p:sp>
+      <p:sp>
+        <p:nvSpPr>
+          <p:cNvPr id="14" name="Rectangle 13"/>
+          <p:cNvSpPr/>
+          <p:nvPr/>
+        </p:nvSpPr>
+        <p:spPr>
+          <a:xfrm>
+            <a:off x="2555776" y="1124744"/>
+            <a:ext cx="6336704" cy="5112568"/>
+          </a:xfrm>
+          <a:prstGeom prst="rect">
+            <a:avLst/>
+          </a:prstGeom>
+          <a:noFill/>
+          <a:ln>
+            <a:solidFill>
+              <a:schemeClr val="tx1"/>
+            </a:solidFill>
+          </a:ln>
+        </p:spPr>
+        <p:style>
+          <a:lnRef idx="2">
+            <a:schemeClr val="accent1">
+              <a:shade val="50000"/>
+            </a:schemeClr>
+          </a:lnRef>
+          <a:fillRef idx="1">
+            <a:schemeClr val="accent1"/>
+          </a:fillRef>
+          <a:effectRef idx="0">
+            <a:schemeClr val="accent1"/>
+          </a:effectRef>
+          <a:fontRef idx="minor">
+            <a:schemeClr val="lt1"/>
+          </a:fontRef>
+        </p:style>
+        <p:txBody>
+          <a:bodyPr rtlCol="0" anchor="ctr"/>
+          <a:lstStyle/>
+          <a:p>
+            <a:pPr algn="ctr"/>
+            <a:endParaRPr lang="nl-NL"/>
+          </a:p>
+        </p:txBody>
+      </p:sp>
+      <p:sp>
+        <p:nvSpPr>
+          <p:cNvPr id="16" name="Rectangle 15">
+            <a:hlinkClick r:id="rId6" action="ppaction://hlinksldjump"/>
+          </p:cNvPr>
+          <p:cNvSpPr/>
+          <p:nvPr/>
+        </p:nvSpPr>
+        <p:spPr>
+          <a:xfrm>
+            <a:off x="431540" y="5724654"/>
+            <a:ext cx="1944216" cy="363634"/>
+          </a:xfrm>
+          <a:prstGeom prst="rect">
+            <a:avLst/>
+          </a:prstGeom>
+          <a:noFill/>
+          <a:ln>
+            <a:solidFill>
+              <a:schemeClr val="tx1"/>
+            </a:solidFill>
+          </a:ln>
+        </p:spPr>
+        <p:style>
+          <a:lnRef idx="2">
+            <a:schemeClr val="accent1">
+              <a:shade val="50000"/>
+            </a:schemeClr>
+          </a:lnRef>
+          <a:fillRef idx="1">
+            <a:schemeClr val="accent1"/>
+          </a:fillRef>
+          <a:effectRef idx="0">
+            <a:schemeClr val="accent1"/>
+          </a:effectRef>
+          <a:fontRef idx="minor">
+            <a:schemeClr val="lt1"/>
+          </a:fontRef>
+        </p:style>
+        <p:txBody>
+          <a:bodyPr rtlCol="0" anchor="ctr"/>
+          <a:lstStyle/>
+          <a:p>
+            <a:pPr algn="ctr"/>
+            <a:endParaRPr lang="nl-NL"/>
+          </a:p>
+        </p:txBody>
+      </p:sp>
+      <p:sp>
+        <p:nvSpPr>
+          <p:cNvPr id="17" name="Rectangle 16">
+            <a:hlinkClick r:id="rId2" action="ppaction://hlinksldjump"/>
+          </p:cNvPr>
+          <p:cNvSpPr/>
+          <p:nvPr/>
+        </p:nvSpPr>
+        <p:spPr>
+          <a:xfrm>
+            <a:off x="449377" y="3480404"/>
+            <a:ext cx="1944216" cy="668676"/>
+          </a:xfrm>
+          <a:prstGeom prst="rect">
+            <a:avLst/>
+          </a:prstGeom>
+          <a:noFill/>
+          <a:ln>
+            <a:solidFill>
+              <a:schemeClr val="tx1"/>
+            </a:solidFill>
+          </a:ln>
+        </p:spPr>
+        <p:style>
+          <a:lnRef idx="2">
+            <a:schemeClr val="accent1">
+              <a:shade val="50000"/>
+            </a:schemeClr>
+          </a:lnRef>
+          <a:fillRef idx="1">
+            <a:schemeClr val="accent1"/>
+          </a:fillRef>
+          <a:effectRef idx="0">
+            <a:schemeClr val="accent1"/>
+          </a:effectRef>
+          <a:fontRef idx="minor">
+            <a:schemeClr val="lt1"/>
+          </a:fontRef>
+        </p:style>
+        <p:txBody>
+          <a:bodyPr rtlCol="0" anchor="ctr"/>
+          <a:lstStyle/>
+          <a:p>
+            <a:pPr algn="ctr"/>
+            <a:endParaRPr lang="nl-NL"/>
+          </a:p>
+        </p:txBody>
+      </p:sp>
+      <p:sp>
+        <p:nvSpPr>
+          <p:cNvPr id="18" name="TextBox 17"/>
+          <p:cNvSpPr txBox="1"/>
+          <p:nvPr/>
+        </p:nvSpPr>
+        <p:spPr>
+          <a:xfrm>
+            <a:off x="3203848" y="1268760"/>
+            <a:ext cx="5184576" cy="584775"/>
+          </a:xfrm>
+          <a:prstGeom prst="rect">
+            <a:avLst/>
+          </a:prstGeom>
+          <a:noFill/>
+        </p:spPr>
+        <p:txBody>
+          <a:bodyPr wrap="square" rtlCol="0">
+            <a:spAutoFit/>
+          </a:bodyPr>
+          <a:lstStyle/>
+          <a:p>
+            <a:pPr algn="ctr"/>
+            <a:r>
+              <a:rPr lang="nl-NL" sz="3200" b="1" dirty="0" smtClean="0">
+                <a:solidFill>
+                  <a:schemeClr val="tx1">
+                    <a:lumMod val="75000"/>
+                    <a:lumOff val="25000"/>
+                  </a:schemeClr>
+                </a:solidFill>
+              </a:rPr>
+              <a:t>Add Customer</a:t>
+            </a:r>
+            <a:endParaRPr lang="nl-NL" sz="3200" b="1" dirty="0">
+              <a:solidFill>
+                <a:schemeClr val="tx1">
+                  <a:lumMod val="75000"/>
+                  <a:lumOff val="25000"/>
+                </a:schemeClr>
+              </a:solidFill>
+            </a:endParaRPr>
+          </a:p>
+        </p:txBody>
+      </p:sp>
+      <p:sp>
+        <p:nvSpPr>
+          <p:cNvPr id="19" name="Rectangle 18"/>
+          <p:cNvSpPr/>
+          <p:nvPr/>
+        </p:nvSpPr>
+        <p:spPr>
+          <a:xfrm>
+            <a:off x="4355976" y="1876182"/>
+            <a:ext cx="1368152" cy="180020"/>
+          </a:xfrm>
+          <a:prstGeom prst="rect">
+            <a:avLst/>
+          </a:prstGeom>
+          <a:solidFill>
+            <a:schemeClr val="bg1"/>
+          </a:solidFill>
+          <a:ln>
+            <a:solidFill>
+              <a:schemeClr val="tx1"/>
+            </a:solidFill>
+          </a:ln>
+        </p:spPr>
+        <p:style>
+          <a:lnRef idx="2">
+            <a:schemeClr val="accent1">
+              <a:shade val="50000"/>
+            </a:schemeClr>
+          </a:lnRef>
+          <a:fillRef idx="1">
+            <a:schemeClr val="accent1"/>
+          </a:fillRef>
+          <a:effectRef idx="0">
+            <a:schemeClr val="accent1"/>
+          </a:effectRef>
+          <a:fontRef idx="minor">
+            <a:schemeClr val="lt1"/>
+          </a:fontRef>
+        </p:style>
+        <p:txBody>
+          <a:bodyPr rtlCol="0" anchor="ctr"/>
+          <a:lstStyle/>
+          <a:p>
+            <a:pPr algn="ctr"/>
+            <a:endParaRPr lang="nl-NL"/>
+          </a:p>
+        </p:txBody>
+      </p:sp>
+      <p:sp>
+        <p:nvSpPr>
+          <p:cNvPr id="20" name="TextBox 19"/>
+          <p:cNvSpPr txBox="1"/>
+          <p:nvPr/>
+        </p:nvSpPr>
+        <p:spPr>
+          <a:xfrm>
+            <a:off x="2627784" y="1772816"/>
+            <a:ext cx="1728192" cy="369332"/>
+          </a:xfrm>
+          <a:prstGeom prst="rect">
+            <a:avLst/>
+          </a:prstGeom>
+          <a:noFill/>
+        </p:spPr>
+        <p:txBody>
+          <a:bodyPr wrap="square" rtlCol="0">
+            <a:spAutoFit/>
+          </a:bodyPr>
+          <a:lstStyle/>
+          <a:p>
+            <a:r>
+              <a:rPr lang="nl-NL" dirty="0" smtClean="0"/>
+              <a:t>Company name:</a:t>
+            </a:r>
+            <a:endParaRPr lang="nl-NL" dirty="0"/>
+          </a:p>
+        </p:txBody>
+      </p:sp>
+      <p:sp>
+        <p:nvSpPr>
+          <p:cNvPr id="21" name="Rectangle 20"/>
+          <p:cNvSpPr/>
+          <p:nvPr/>
+        </p:nvSpPr>
+        <p:spPr>
+          <a:xfrm>
+            <a:off x="4355976" y="2272226"/>
+            <a:ext cx="1368152" cy="180020"/>
+          </a:xfrm>
+          <a:prstGeom prst="rect">
+            <a:avLst/>
+          </a:prstGeom>
+          <a:solidFill>
+            <a:schemeClr val="bg1"/>
+          </a:solidFill>
+          <a:ln>
+            <a:solidFill>
+              <a:schemeClr val="tx1"/>
+            </a:solidFill>
+          </a:ln>
+        </p:spPr>
+        <p:style>
+          <a:lnRef idx="2">
+            <a:schemeClr val="accent1">
+              <a:shade val="50000"/>
+            </a:schemeClr>
+          </a:lnRef>
+          <a:fillRef idx="1">
+            <a:schemeClr val="accent1"/>
+          </a:fillRef>
+          <a:effectRef idx="0">
+            <a:schemeClr val="accent1"/>
+          </a:effectRef>
+          <a:fontRef idx="minor">
+            <a:schemeClr val="lt1"/>
+          </a:fontRef>
+        </p:style>
+        <p:txBody>
+          <a:bodyPr rtlCol="0" anchor="ctr"/>
+          <a:lstStyle/>
+          <a:p>
+            <a:pPr algn="ctr"/>
+            <a:endParaRPr lang="nl-NL"/>
+          </a:p>
+        </p:txBody>
+      </p:sp>
+      <p:sp>
+        <p:nvSpPr>
+          <p:cNvPr id="22" name="TextBox 21"/>
+          <p:cNvSpPr txBox="1"/>
+          <p:nvPr/>
+        </p:nvSpPr>
+        <p:spPr>
+          <a:xfrm>
+            <a:off x="2627784" y="2120371"/>
+            <a:ext cx="1728192" cy="369332"/>
+          </a:xfrm>
+          <a:prstGeom prst="rect">
+            <a:avLst/>
+          </a:prstGeom>
+          <a:noFill/>
+        </p:spPr>
+        <p:txBody>
+          <a:bodyPr wrap="square" rtlCol="0">
+            <a:spAutoFit/>
+          </a:bodyPr>
+          <a:lstStyle/>
+          <a:p>
+            <a:r>
+              <a:rPr lang="nl-NL" dirty="0" smtClean="0"/>
+              <a:t>Address 1:</a:t>
+            </a:r>
+            <a:endParaRPr lang="nl-NL" dirty="0"/>
+          </a:p>
+        </p:txBody>
+      </p:sp>
+      <p:sp>
+        <p:nvSpPr>
+          <p:cNvPr id="23" name="TextBox 22"/>
+          <p:cNvSpPr txBox="1"/>
+          <p:nvPr/>
+        </p:nvSpPr>
+        <p:spPr>
+          <a:xfrm>
+            <a:off x="2627784" y="2514618"/>
+            <a:ext cx="1728192" cy="369332"/>
+          </a:xfrm>
+          <a:prstGeom prst="rect">
+            <a:avLst/>
+          </a:prstGeom>
+          <a:noFill/>
+        </p:spPr>
+        <p:txBody>
+          <a:bodyPr wrap="square" rtlCol="0">
+            <a:spAutoFit/>
+          </a:bodyPr>
+          <a:lstStyle/>
+          <a:p>
+            <a:r>
+              <a:rPr lang="nl-NL" dirty="0" smtClean="0"/>
+              <a:t>Zip code 1:</a:t>
+            </a:r>
+            <a:endParaRPr lang="nl-NL" dirty="0"/>
+          </a:p>
+        </p:txBody>
+      </p:sp>
+      <p:sp>
+        <p:nvSpPr>
+          <p:cNvPr id="24" name="Rectangle 23"/>
+          <p:cNvSpPr/>
+          <p:nvPr/>
+        </p:nvSpPr>
+        <p:spPr>
+          <a:xfrm>
+            <a:off x="4355976" y="2632266"/>
+            <a:ext cx="1368152" cy="180020"/>
+          </a:xfrm>
+          <a:prstGeom prst="rect">
+            <a:avLst/>
+          </a:prstGeom>
+          <a:solidFill>
+            <a:schemeClr val="bg1"/>
+          </a:solidFill>
+          <a:ln>
+            <a:solidFill>
+              <a:schemeClr val="tx1"/>
+            </a:solidFill>
+          </a:ln>
+        </p:spPr>
+        <p:style>
+          <a:lnRef idx="2">
+            <a:schemeClr val="accent1">
+              <a:shade val="50000"/>
+            </a:schemeClr>
+          </a:lnRef>
+          <a:fillRef idx="1">
+            <a:schemeClr val="accent1"/>
+          </a:fillRef>
+          <a:effectRef idx="0">
+            <a:schemeClr val="accent1"/>
+          </a:effectRef>
+          <a:fontRef idx="minor">
+            <a:schemeClr val="lt1"/>
+          </a:fontRef>
+        </p:style>
+        <p:txBody>
+          <a:bodyPr rtlCol="0" anchor="ctr"/>
+          <a:lstStyle/>
+          <a:p>
+            <a:pPr algn="ctr"/>
+            <a:endParaRPr lang="nl-NL"/>
+          </a:p>
+        </p:txBody>
+      </p:sp>
+      <p:sp>
+        <p:nvSpPr>
+          <p:cNvPr id="25" name="Rectangle 24"/>
+          <p:cNvSpPr/>
+          <p:nvPr/>
+        </p:nvSpPr>
+        <p:spPr>
+          <a:xfrm>
+            <a:off x="4355976" y="2992306"/>
+            <a:ext cx="1368152" cy="180020"/>
+          </a:xfrm>
+          <a:prstGeom prst="rect">
+            <a:avLst/>
+          </a:prstGeom>
+          <a:solidFill>
+            <a:schemeClr val="bg1"/>
+          </a:solidFill>
+          <a:ln>
+            <a:solidFill>
+              <a:schemeClr val="tx1"/>
+            </a:solidFill>
+          </a:ln>
+        </p:spPr>
+        <p:style>
+          <a:lnRef idx="2">
+            <a:schemeClr val="accent1">
+              <a:shade val="50000"/>
+            </a:schemeClr>
+          </a:lnRef>
+          <a:fillRef idx="1">
+            <a:schemeClr val="accent1"/>
+          </a:fillRef>
+          <a:effectRef idx="0">
+            <a:schemeClr val="accent1"/>
+          </a:effectRef>
+          <a:fontRef idx="minor">
+            <a:schemeClr val="lt1"/>
+          </a:fontRef>
+        </p:style>
+        <p:txBody>
+          <a:bodyPr rtlCol="0" anchor="ctr"/>
+          <a:lstStyle/>
+          <a:p>
+            <a:pPr algn="ctr"/>
+            <a:endParaRPr lang="nl-NL"/>
+          </a:p>
+        </p:txBody>
+      </p:sp>
+      <p:sp>
+        <p:nvSpPr>
+          <p:cNvPr id="26" name="TextBox 25"/>
+          <p:cNvSpPr txBox="1"/>
+          <p:nvPr/>
+        </p:nvSpPr>
+        <p:spPr>
+          <a:xfrm>
+            <a:off x="2627784" y="2912459"/>
+            <a:ext cx="1728192" cy="369332"/>
+          </a:xfrm>
+          <a:prstGeom prst="rect">
+            <a:avLst/>
+          </a:prstGeom>
+          <a:noFill/>
+        </p:spPr>
+        <p:txBody>
+          <a:bodyPr wrap="square" rtlCol="0">
+            <a:spAutoFit/>
+          </a:bodyPr>
+          <a:lstStyle/>
+          <a:p>
+            <a:r>
+              <a:rPr lang="nl-NL" dirty="0" smtClean="0"/>
+              <a:t>City 1:</a:t>
+            </a:r>
+            <a:endParaRPr lang="nl-NL" dirty="0"/>
+          </a:p>
+        </p:txBody>
+      </p:sp>
+      <p:sp>
+        <p:nvSpPr>
+          <p:cNvPr id="27" name="Rectangle 26"/>
+          <p:cNvSpPr/>
+          <p:nvPr/>
+        </p:nvSpPr>
+        <p:spPr>
+          <a:xfrm>
+            <a:off x="7452320" y="2272226"/>
+            <a:ext cx="1368152" cy="180020"/>
+          </a:xfrm>
+          <a:prstGeom prst="rect">
+            <a:avLst/>
+          </a:prstGeom>
+          <a:solidFill>
+            <a:schemeClr val="bg1"/>
+          </a:solidFill>
+          <a:ln>
+            <a:solidFill>
+              <a:schemeClr val="tx1"/>
+            </a:solidFill>
+          </a:ln>
+        </p:spPr>
+        <p:style>
+          <a:lnRef idx="2">
+            <a:schemeClr val="accent1">
+              <a:shade val="50000"/>
+            </a:schemeClr>
+          </a:lnRef>
+          <a:fillRef idx="1">
+            <a:schemeClr val="accent1"/>
+          </a:fillRef>
+          <a:effectRef idx="0">
+            <a:schemeClr val="accent1"/>
+          </a:effectRef>
+          <a:fontRef idx="minor">
+            <a:schemeClr val="lt1"/>
+          </a:fontRef>
+        </p:style>
+        <p:txBody>
+          <a:bodyPr rtlCol="0" anchor="ctr"/>
+          <a:lstStyle/>
+          <a:p>
+            <a:pPr algn="ctr"/>
+            <a:endParaRPr lang="nl-NL"/>
+          </a:p>
+        </p:txBody>
+      </p:sp>
+      <p:sp>
+        <p:nvSpPr>
+          <p:cNvPr id="28" name="Rectangle 27"/>
+          <p:cNvSpPr/>
+          <p:nvPr/>
+        </p:nvSpPr>
+        <p:spPr>
+          <a:xfrm>
+            <a:off x="7452320" y="2632266"/>
+            <a:ext cx="1368152" cy="180020"/>
+          </a:xfrm>
+          <a:prstGeom prst="rect">
+            <a:avLst/>
+          </a:prstGeom>
+          <a:solidFill>
+            <a:schemeClr val="bg1"/>
+          </a:solidFill>
+          <a:ln>
+            <a:solidFill>
+              <a:schemeClr val="tx1"/>
+            </a:solidFill>
+          </a:ln>
+        </p:spPr>
+        <p:style>
+          <a:lnRef idx="2">
+            <a:schemeClr val="accent1">
+              <a:shade val="50000"/>
+            </a:schemeClr>
+          </a:lnRef>
+          <a:fillRef idx="1">
+            <a:schemeClr val="accent1"/>
+          </a:fillRef>
+          <a:effectRef idx="0">
+            <a:schemeClr val="accent1"/>
+          </a:effectRef>
+          <a:fontRef idx="minor">
+            <a:schemeClr val="lt1"/>
+          </a:fontRef>
+        </p:style>
+        <p:txBody>
+          <a:bodyPr rtlCol="0" anchor="ctr"/>
+          <a:lstStyle/>
+          <a:p>
+            <a:pPr algn="ctr"/>
+            <a:endParaRPr lang="nl-NL"/>
+          </a:p>
+        </p:txBody>
+      </p:sp>
+      <p:sp>
+        <p:nvSpPr>
+          <p:cNvPr id="29" name="Rectangle 28"/>
+          <p:cNvSpPr/>
+          <p:nvPr/>
+        </p:nvSpPr>
+        <p:spPr>
+          <a:xfrm>
+            <a:off x="7452320" y="2992306"/>
+            <a:ext cx="1368152" cy="180020"/>
+          </a:xfrm>
+          <a:prstGeom prst="rect">
+            <a:avLst/>
+          </a:prstGeom>
+          <a:solidFill>
+            <a:schemeClr val="bg1"/>
+          </a:solidFill>
+          <a:ln>
+            <a:solidFill>
+              <a:schemeClr val="tx1"/>
+            </a:solidFill>
+          </a:ln>
+        </p:spPr>
+        <p:style>
+          <a:lnRef idx="2">
+            <a:schemeClr val="accent1">
+              <a:shade val="50000"/>
+            </a:schemeClr>
+          </a:lnRef>
+          <a:fillRef idx="1">
+            <a:schemeClr val="accent1"/>
+          </a:fillRef>
+          <a:effectRef idx="0">
+            <a:schemeClr val="accent1"/>
+          </a:effectRef>
+          <a:fontRef idx="minor">
+            <a:schemeClr val="lt1"/>
+          </a:fontRef>
+        </p:style>
+        <p:txBody>
+          <a:bodyPr rtlCol="0" anchor="ctr"/>
+          <a:lstStyle/>
+          <a:p>
+            <a:pPr algn="ctr"/>
+            <a:endParaRPr lang="nl-NL"/>
+          </a:p>
+        </p:txBody>
+      </p:sp>
+      <p:sp>
+        <p:nvSpPr>
+          <p:cNvPr id="30" name="TextBox 29"/>
+          <p:cNvSpPr txBox="1"/>
+          <p:nvPr/>
+        </p:nvSpPr>
+        <p:spPr>
+          <a:xfrm>
+            <a:off x="5724128" y="2164214"/>
+            <a:ext cx="1728192" cy="369332"/>
+          </a:xfrm>
+          <a:prstGeom prst="rect">
+            <a:avLst/>
+          </a:prstGeom>
+          <a:noFill/>
+        </p:spPr>
+        <p:txBody>
+          <a:bodyPr wrap="square" rtlCol="0">
+            <a:spAutoFit/>
+          </a:bodyPr>
+          <a:lstStyle/>
+          <a:p>
+            <a:r>
+              <a:rPr lang="nl-NL" dirty="0" smtClean="0"/>
+              <a:t>Address 2:</a:t>
+            </a:r>
+            <a:endParaRPr lang="nl-NL" dirty="0"/>
+          </a:p>
+        </p:txBody>
+      </p:sp>
+      <p:sp>
+        <p:nvSpPr>
+          <p:cNvPr id="31" name="TextBox 30"/>
+          <p:cNvSpPr txBox="1"/>
+          <p:nvPr/>
+        </p:nvSpPr>
+        <p:spPr>
+          <a:xfrm>
+            <a:off x="5724128" y="2524254"/>
+            <a:ext cx="1728192" cy="369332"/>
+          </a:xfrm>
+          <a:prstGeom prst="rect">
+            <a:avLst/>
+          </a:prstGeom>
+          <a:noFill/>
+        </p:spPr>
+        <p:txBody>
+          <a:bodyPr wrap="square" rtlCol="0">
+            <a:spAutoFit/>
+          </a:bodyPr>
+          <a:lstStyle/>
+          <a:p>
+            <a:r>
+              <a:rPr lang="nl-NL" dirty="0" smtClean="0"/>
+              <a:t>Zip code 2:</a:t>
+            </a:r>
+            <a:endParaRPr lang="nl-NL" dirty="0"/>
+          </a:p>
+        </p:txBody>
+      </p:sp>
+      <p:sp>
+        <p:nvSpPr>
+          <p:cNvPr id="32" name="TextBox 31"/>
+          <p:cNvSpPr txBox="1"/>
+          <p:nvPr/>
+        </p:nvSpPr>
+        <p:spPr>
+          <a:xfrm>
+            <a:off x="5724128" y="2884294"/>
+            <a:ext cx="1728192" cy="369332"/>
+          </a:xfrm>
+          <a:prstGeom prst="rect">
+            <a:avLst/>
+          </a:prstGeom>
+          <a:noFill/>
+        </p:spPr>
+        <p:txBody>
+          <a:bodyPr wrap="square" rtlCol="0">
+            <a:spAutoFit/>
+          </a:bodyPr>
+          <a:lstStyle/>
+          <a:p>
+            <a:r>
+              <a:rPr lang="nl-NL" dirty="0" smtClean="0"/>
+              <a:t>City 2:</a:t>
+            </a:r>
+            <a:endParaRPr lang="nl-NL" dirty="0"/>
+          </a:p>
+        </p:txBody>
+      </p:sp>
+      <p:sp>
+        <p:nvSpPr>
+          <p:cNvPr id="33" name="Rectangle 32"/>
+          <p:cNvSpPr/>
+          <p:nvPr/>
+        </p:nvSpPr>
+        <p:spPr>
+          <a:xfrm>
+            <a:off x="4355976" y="3649670"/>
+            <a:ext cx="1368152" cy="180020"/>
+          </a:xfrm>
+          <a:prstGeom prst="rect">
+            <a:avLst/>
+          </a:prstGeom>
+          <a:solidFill>
+            <a:schemeClr val="bg1"/>
+          </a:solidFill>
+          <a:ln>
+            <a:solidFill>
+              <a:schemeClr val="tx1"/>
+            </a:solidFill>
+          </a:ln>
+        </p:spPr>
+        <p:style>
+          <a:lnRef idx="2">
+            <a:schemeClr val="accent1">
+              <a:shade val="50000"/>
+            </a:schemeClr>
+          </a:lnRef>
+          <a:fillRef idx="1">
+            <a:schemeClr val="accent1"/>
+          </a:fillRef>
+          <a:effectRef idx="0">
+            <a:schemeClr val="accent1"/>
+          </a:effectRef>
+          <a:fontRef idx="minor">
+            <a:schemeClr val="lt1"/>
+          </a:fontRef>
+        </p:style>
+        <p:txBody>
+          <a:bodyPr rtlCol="0" anchor="ctr"/>
+          <a:lstStyle/>
+          <a:p>
+            <a:pPr algn="ctr"/>
+            <a:endParaRPr lang="nl-NL"/>
+          </a:p>
+        </p:txBody>
+      </p:sp>
+      <p:sp>
+        <p:nvSpPr>
+          <p:cNvPr id="34" name="TextBox 33"/>
+          <p:cNvSpPr txBox="1"/>
+          <p:nvPr/>
+        </p:nvSpPr>
+        <p:spPr>
+          <a:xfrm>
+            <a:off x="2627784" y="3569823"/>
+            <a:ext cx="1728192" cy="369332"/>
+          </a:xfrm>
+          <a:prstGeom prst="rect">
+            <a:avLst/>
+          </a:prstGeom>
+          <a:noFill/>
+        </p:spPr>
+        <p:txBody>
+          <a:bodyPr wrap="square" rtlCol="0">
+            <a:spAutoFit/>
+          </a:bodyPr>
+          <a:lstStyle/>
+          <a:p>
+            <a:r>
+              <a:rPr lang="nl-NL" dirty="0" smtClean="0"/>
+              <a:t>Contact Person:</a:t>
+            </a:r>
+            <a:endParaRPr lang="nl-NL" dirty="0"/>
+          </a:p>
+        </p:txBody>
+      </p:sp>
+      <p:sp>
+        <p:nvSpPr>
+          <p:cNvPr id="35" name="Rectangle 34"/>
+          <p:cNvSpPr/>
+          <p:nvPr/>
+        </p:nvSpPr>
+        <p:spPr>
+          <a:xfrm>
+            <a:off x="4355976" y="4016311"/>
+            <a:ext cx="1368152" cy="180020"/>
+          </a:xfrm>
+          <a:prstGeom prst="rect">
+            <a:avLst/>
+          </a:prstGeom>
+          <a:solidFill>
+            <a:schemeClr val="bg1"/>
+          </a:solidFill>
+          <a:ln>
+            <a:solidFill>
+              <a:schemeClr val="tx1"/>
+            </a:solidFill>
+          </a:ln>
+        </p:spPr>
+        <p:style>
+          <a:lnRef idx="2">
+            <a:schemeClr val="accent1">
+              <a:shade val="50000"/>
+            </a:schemeClr>
+          </a:lnRef>
+          <a:fillRef idx="1">
+            <a:schemeClr val="accent1"/>
+          </a:fillRef>
+          <a:effectRef idx="0">
+            <a:schemeClr val="accent1"/>
+          </a:effectRef>
+          <a:fontRef idx="minor">
+            <a:schemeClr val="lt1"/>
+          </a:fontRef>
+        </p:style>
+        <p:txBody>
+          <a:bodyPr rtlCol="0" anchor="ctr"/>
+          <a:lstStyle/>
+          <a:p>
+            <a:pPr algn="ctr"/>
+            <a:endParaRPr lang="nl-NL"/>
+          </a:p>
+        </p:txBody>
+      </p:sp>
+      <p:sp>
+        <p:nvSpPr>
+          <p:cNvPr id="36" name="TextBox 35"/>
+          <p:cNvSpPr txBox="1"/>
+          <p:nvPr/>
+        </p:nvSpPr>
+        <p:spPr>
+          <a:xfrm>
+            <a:off x="2627784" y="3936464"/>
+            <a:ext cx="1728192" cy="369332"/>
+          </a:xfrm>
+          <a:prstGeom prst="rect">
+            <a:avLst/>
+          </a:prstGeom>
+          <a:noFill/>
+        </p:spPr>
+        <p:txBody>
+          <a:bodyPr wrap="square" rtlCol="0">
+            <a:spAutoFit/>
+          </a:bodyPr>
+          <a:lstStyle/>
+          <a:p>
+            <a:r>
+              <a:rPr lang="nl-NL" dirty="0" smtClean="0"/>
+              <a:t>Initials:</a:t>
+            </a:r>
+            <a:endParaRPr lang="nl-NL" dirty="0"/>
+          </a:p>
+        </p:txBody>
+      </p:sp>
+      <p:sp>
+        <p:nvSpPr>
+          <p:cNvPr id="37" name="Rectangle 36"/>
+          <p:cNvSpPr/>
+          <p:nvPr/>
+        </p:nvSpPr>
+        <p:spPr>
+          <a:xfrm>
+            <a:off x="4355976" y="3352346"/>
+            <a:ext cx="1368152" cy="180020"/>
+          </a:xfrm>
+          <a:prstGeom prst="rect">
+            <a:avLst/>
+          </a:prstGeom>
+          <a:solidFill>
+            <a:schemeClr val="bg1"/>
+          </a:solidFill>
+          <a:ln>
+            <a:solidFill>
+              <a:schemeClr val="tx1"/>
+            </a:solidFill>
+          </a:ln>
+        </p:spPr>
+        <p:style>
+          <a:lnRef idx="2">
+            <a:schemeClr val="accent1">
+              <a:shade val="50000"/>
+            </a:schemeClr>
+          </a:lnRef>
+          <a:fillRef idx="1">
+            <a:schemeClr val="accent1"/>
+          </a:fillRef>
+          <a:effectRef idx="0">
+            <a:schemeClr val="accent1"/>
+          </a:effectRef>
+          <a:fontRef idx="minor">
+            <a:schemeClr val="lt1"/>
+          </a:fontRef>
+        </p:style>
+        <p:txBody>
+          <a:bodyPr rtlCol="0" anchor="ctr"/>
+          <a:lstStyle/>
+          <a:p>
+            <a:pPr algn="ctr"/>
+            <a:endParaRPr lang="nl-NL"/>
+          </a:p>
+        </p:txBody>
+      </p:sp>
+      <p:sp>
+        <p:nvSpPr>
+          <p:cNvPr id="38" name="TextBox 37"/>
+          <p:cNvSpPr txBox="1"/>
+          <p:nvPr/>
+        </p:nvSpPr>
+        <p:spPr>
+          <a:xfrm>
+            <a:off x="2627784" y="3272499"/>
+            <a:ext cx="1800200" cy="369332"/>
+          </a:xfrm>
+          <a:prstGeom prst="rect">
+            <a:avLst/>
+          </a:prstGeom>
+          <a:noFill/>
+        </p:spPr>
+        <p:txBody>
+          <a:bodyPr wrap="square" rtlCol="0">
+            <a:spAutoFit/>
+          </a:bodyPr>
+          <a:lstStyle/>
+          <a:p>
+            <a:r>
+              <a:rPr lang="nl-NL" dirty="0" smtClean="0"/>
+              <a:t>Phone number 1:</a:t>
+            </a:r>
+            <a:endParaRPr lang="nl-NL" dirty="0"/>
+          </a:p>
+        </p:txBody>
+      </p:sp>
+      <p:sp>
+        <p:nvSpPr>
+          <p:cNvPr id="39" name="Rectangle 38"/>
+          <p:cNvSpPr/>
+          <p:nvPr/>
+        </p:nvSpPr>
+        <p:spPr>
+          <a:xfrm>
+            <a:off x="7452320" y="3289630"/>
+            <a:ext cx="1368152" cy="180020"/>
+          </a:xfrm>
+          <a:prstGeom prst="rect">
+            <a:avLst/>
+          </a:prstGeom>
+          <a:solidFill>
+            <a:schemeClr val="bg1"/>
+          </a:solidFill>
+          <a:ln>
+            <a:solidFill>
+              <a:schemeClr val="tx1"/>
+            </a:solidFill>
+          </a:ln>
+        </p:spPr>
+        <p:style>
+          <a:lnRef idx="2">
+            <a:schemeClr val="accent1">
+              <a:shade val="50000"/>
+            </a:schemeClr>
+          </a:lnRef>
+          <a:fillRef idx="1">
+            <a:schemeClr val="accent1"/>
+          </a:fillRef>
+          <a:effectRef idx="0">
+            <a:schemeClr val="accent1"/>
+          </a:effectRef>
+          <a:fontRef idx="minor">
+            <a:schemeClr val="lt1"/>
+          </a:fontRef>
+        </p:style>
+        <p:txBody>
+          <a:bodyPr rtlCol="0" anchor="ctr"/>
+          <a:lstStyle/>
+          <a:p>
+            <a:pPr algn="ctr"/>
+            <a:endParaRPr lang="nl-NL"/>
+          </a:p>
+        </p:txBody>
+      </p:sp>
+      <p:sp>
+        <p:nvSpPr>
+          <p:cNvPr id="40" name="TextBox 39"/>
+          <p:cNvSpPr txBox="1"/>
+          <p:nvPr/>
+        </p:nvSpPr>
+        <p:spPr>
+          <a:xfrm>
+            <a:off x="5724128" y="3244334"/>
+            <a:ext cx="1800200" cy="369332"/>
+          </a:xfrm>
+          <a:prstGeom prst="rect">
+            <a:avLst/>
+          </a:prstGeom>
+          <a:noFill/>
+        </p:spPr>
+        <p:txBody>
+          <a:bodyPr wrap="square" rtlCol="0">
+            <a:spAutoFit/>
+          </a:bodyPr>
+          <a:lstStyle/>
+          <a:p>
+            <a:r>
+              <a:rPr lang="nl-NL" dirty="0" smtClean="0"/>
+              <a:t>Phone number 2:</a:t>
+            </a:r>
+            <a:endParaRPr lang="nl-NL" dirty="0"/>
+          </a:p>
+        </p:txBody>
+      </p:sp>
+      <p:sp>
+        <p:nvSpPr>
+          <p:cNvPr id="41" name="Rectangle 40"/>
+          <p:cNvSpPr/>
+          <p:nvPr/>
+        </p:nvSpPr>
+        <p:spPr>
+          <a:xfrm>
+            <a:off x="7452320" y="1863697"/>
+            <a:ext cx="1368152" cy="180020"/>
+          </a:xfrm>
+          <a:prstGeom prst="rect">
+            <a:avLst/>
+          </a:prstGeom>
+          <a:solidFill>
+            <a:schemeClr val="bg1"/>
+          </a:solidFill>
+          <a:ln>
+            <a:solidFill>
+              <a:schemeClr val="tx1"/>
+            </a:solidFill>
+          </a:ln>
+        </p:spPr>
+        <p:style>
+          <a:lnRef idx="2">
+            <a:schemeClr val="accent1">
+              <a:shade val="50000"/>
+            </a:schemeClr>
+          </a:lnRef>
+          <a:fillRef idx="1">
+            <a:schemeClr val="accent1"/>
+          </a:fillRef>
+          <a:effectRef idx="0">
+            <a:schemeClr val="accent1"/>
+          </a:effectRef>
+          <a:fontRef idx="minor">
+            <a:schemeClr val="lt1"/>
+          </a:fontRef>
+        </p:style>
+        <p:txBody>
+          <a:bodyPr rtlCol="0" anchor="ctr"/>
+          <a:lstStyle/>
+          <a:p>
+            <a:pPr algn="ctr"/>
+            <a:endParaRPr lang="nl-NL"/>
+          </a:p>
+        </p:txBody>
+      </p:sp>
+      <p:sp>
+        <p:nvSpPr>
+          <p:cNvPr id="42" name="TextBox 41"/>
+          <p:cNvSpPr txBox="1"/>
+          <p:nvPr/>
+        </p:nvSpPr>
+        <p:spPr>
+          <a:xfrm>
+            <a:off x="5724128" y="1794882"/>
+            <a:ext cx="1728192" cy="369332"/>
+          </a:xfrm>
+          <a:prstGeom prst="rect">
+            <a:avLst/>
+          </a:prstGeom>
+          <a:noFill/>
+        </p:spPr>
+        <p:txBody>
+          <a:bodyPr wrap="square" rtlCol="0">
+            <a:spAutoFit/>
+          </a:bodyPr>
+          <a:lstStyle/>
+          <a:p>
+            <a:r>
+              <a:rPr lang="nl-NL" dirty="0" smtClean="0"/>
+              <a:t>E-mail:</a:t>
+            </a:r>
+            <a:endParaRPr lang="nl-NL" dirty="0"/>
+          </a:p>
+        </p:txBody>
+      </p:sp>
+      <p:sp>
+        <p:nvSpPr>
+          <p:cNvPr id="43" name="Rectangle 42"/>
+          <p:cNvSpPr/>
+          <p:nvPr/>
+        </p:nvSpPr>
+        <p:spPr>
+          <a:xfrm>
+            <a:off x="7452320" y="3656271"/>
+            <a:ext cx="1368152" cy="180020"/>
+          </a:xfrm>
+          <a:prstGeom prst="rect">
+            <a:avLst/>
+          </a:prstGeom>
+          <a:solidFill>
+            <a:schemeClr val="bg1"/>
+          </a:solidFill>
+          <a:ln>
+            <a:solidFill>
+              <a:schemeClr val="tx1"/>
+            </a:solidFill>
+          </a:ln>
+        </p:spPr>
+        <p:style>
+          <a:lnRef idx="2">
+            <a:schemeClr val="accent1">
+              <a:shade val="50000"/>
+            </a:schemeClr>
+          </a:lnRef>
+          <a:fillRef idx="1">
+            <a:schemeClr val="accent1"/>
+          </a:fillRef>
+          <a:effectRef idx="0">
+            <a:schemeClr val="accent1"/>
+          </a:effectRef>
+          <a:fontRef idx="minor">
+            <a:schemeClr val="lt1"/>
+          </a:fontRef>
+        </p:style>
+        <p:txBody>
+          <a:bodyPr rtlCol="0" anchor="ctr"/>
+          <a:lstStyle/>
+          <a:p>
+            <a:pPr algn="ctr"/>
+            <a:endParaRPr lang="nl-NL"/>
+          </a:p>
+        </p:txBody>
+      </p:sp>
+      <p:sp>
+        <p:nvSpPr>
+          <p:cNvPr id="44" name="TextBox 43"/>
+          <p:cNvSpPr txBox="1"/>
+          <p:nvPr/>
+        </p:nvSpPr>
+        <p:spPr>
+          <a:xfrm>
+            <a:off x="5724128" y="3610975"/>
+            <a:ext cx="1728192" cy="369332"/>
+          </a:xfrm>
+          <a:prstGeom prst="rect">
+            <a:avLst/>
+          </a:prstGeom>
+          <a:noFill/>
+        </p:spPr>
+        <p:txBody>
+          <a:bodyPr wrap="square" rtlCol="0">
+            <a:spAutoFit/>
+          </a:bodyPr>
+          <a:lstStyle/>
+          <a:p>
+            <a:r>
+              <a:rPr lang="nl-NL" dirty="0" smtClean="0"/>
+              <a:t>Fax:</a:t>
+            </a:r>
+            <a:endParaRPr lang="nl-NL" dirty="0"/>
+          </a:p>
+        </p:txBody>
+      </p:sp>
+      <p:sp>
+        <p:nvSpPr>
+          <p:cNvPr id="45" name="Rectangle 44"/>
+          <p:cNvSpPr/>
+          <p:nvPr/>
+        </p:nvSpPr>
+        <p:spPr>
+          <a:xfrm>
+            <a:off x="4752020" y="5737052"/>
+            <a:ext cx="1944216" cy="363634"/>
+          </a:xfrm>
+          <a:prstGeom prst="rect">
+            <a:avLst/>
+          </a:prstGeom>
+          <a:noFill/>
+          <a:ln>
+            <a:solidFill>
+              <a:schemeClr val="tx1"/>
+            </a:solidFill>
+          </a:ln>
+        </p:spPr>
+        <p:style>
+          <a:lnRef idx="2">
+            <a:schemeClr val="accent1">
+              <a:shade val="50000"/>
+            </a:schemeClr>
+          </a:lnRef>
+          <a:fillRef idx="1">
+            <a:schemeClr val="accent1"/>
+          </a:fillRef>
+          <a:effectRef idx="0">
+            <a:schemeClr val="accent1"/>
+          </a:effectRef>
+          <a:fontRef idx="minor">
+            <a:schemeClr val="lt1"/>
+          </a:fontRef>
+        </p:style>
+        <p:txBody>
+          <a:bodyPr rtlCol="0" anchor="ctr"/>
+          <a:lstStyle/>
+          <a:p>
+            <a:pPr algn="ctr"/>
+            <a:endParaRPr lang="nl-NL"/>
+          </a:p>
+        </p:txBody>
+      </p:sp>
+      <p:sp>
+        <p:nvSpPr>
+          <p:cNvPr id="46" name="TextBox 45"/>
+          <p:cNvSpPr txBox="1"/>
+          <p:nvPr/>
+        </p:nvSpPr>
+        <p:spPr>
+          <a:xfrm>
+            <a:off x="5184068" y="5718956"/>
+            <a:ext cx="1224136" cy="369332"/>
+          </a:xfrm>
+          <a:prstGeom prst="rect">
+            <a:avLst/>
+          </a:prstGeom>
+          <a:noFill/>
+        </p:spPr>
+        <p:txBody>
+          <a:bodyPr wrap="square" rtlCol="0">
+            <a:spAutoFit/>
+          </a:bodyPr>
+          <a:lstStyle/>
+          <a:p>
+            <a:r>
+              <a:rPr lang="nl-NL" b="1" dirty="0" smtClean="0"/>
+              <a:t>  </a:t>
+            </a:r>
+            <a:r>
+              <a:rPr lang="nl-NL" b="1" dirty="0" smtClean="0"/>
+              <a:t>Add</a:t>
+            </a:r>
+            <a:endParaRPr lang="nl-NL" b="1" dirty="0"/>
+          </a:p>
+        </p:txBody>
+      </p:sp>
+      <p:sp>
+        <p:nvSpPr>
+          <p:cNvPr id="47" name="Rectangle 46"/>
+          <p:cNvSpPr/>
+          <p:nvPr/>
+        </p:nvSpPr>
+        <p:spPr>
+          <a:xfrm>
+            <a:off x="7452320" y="4000418"/>
+            <a:ext cx="1368152" cy="180020"/>
+          </a:xfrm>
+          <a:prstGeom prst="rect">
+            <a:avLst/>
+          </a:prstGeom>
+          <a:solidFill>
+            <a:schemeClr val="bg1"/>
+          </a:solidFill>
+          <a:ln>
+            <a:solidFill>
+              <a:schemeClr val="tx1"/>
+            </a:solidFill>
+          </a:ln>
+        </p:spPr>
+        <p:style>
+          <a:lnRef idx="2">
+            <a:schemeClr val="accent1">
+              <a:shade val="50000"/>
+            </a:schemeClr>
+          </a:lnRef>
+          <a:fillRef idx="1">
+            <a:schemeClr val="accent1"/>
+          </a:fillRef>
+          <a:effectRef idx="0">
+            <a:schemeClr val="accent1"/>
+          </a:effectRef>
+          <a:fontRef idx="minor">
+            <a:schemeClr val="lt1"/>
+          </a:fontRef>
+        </p:style>
+        <p:txBody>
+          <a:bodyPr rtlCol="0" anchor="ctr"/>
+          <a:lstStyle/>
+          <a:p>
+            <a:pPr algn="ctr"/>
+            <a:endParaRPr lang="nl-NL"/>
+          </a:p>
+        </p:txBody>
+      </p:sp>
+      <p:sp>
+        <p:nvSpPr>
+          <p:cNvPr id="48" name="TextBox 47"/>
+          <p:cNvSpPr txBox="1"/>
+          <p:nvPr/>
+        </p:nvSpPr>
+        <p:spPr>
+          <a:xfrm>
+            <a:off x="5724128" y="3955122"/>
+            <a:ext cx="1728192" cy="369332"/>
+          </a:xfrm>
+          <a:prstGeom prst="rect">
+            <a:avLst/>
+          </a:prstGeom>
+          <a:noFill/>
+        </p:spPr>
+        <p:txBody>
+          <a:bodyPr wrap="square" rtlCol="0">
+            <a:spAutoFit/>
+          </a:bodyPr>
+          <a:lstStyle/>
+          <a:p>
+            <a:r>
+              <a:rPr lang="nl-NL" dirty="0" smtClean="0"/>
+              <a:t>Offer numbers:</a:t>
+            </a:r>
+            <a:endParaRPr lang="nl-NL" dirty="0"/>
+          </a:p>
+        </p:txBody>
+      </p:sp>
+      <p:sp>
+        <p:nvSpPr>
+          <p:cNvPr id="49" name="Rectangle 48"/>
+          <p:cNvSpPr/>
+          <p:nvPr/>
+        </p:nvSpPr>
+        <p:spPr>
+          <a:xfrm>
+            <a:off x="4355976" y="4360458"/>
+            <a:ext cx="1368152" cy="180020"/>
+          </a:xfrm>
+          <a:prstGeom prst="rect">
+            <a:avLst/>
+          </a:prstGeom>
+          <a:solidFill>
+            <a:schemeClr val="bg1"/>
+          </a:solidFill>
+          <a:ln>
+            <a:solidFill>
+              <a:schemeClr val="tx1"/>
+            </a:solidFill>
+          </a:ln>
+        </p:spPr>
+        <p:style>
+          <a:lnRef idx="2">
+            <a:schemeClr val="accent1">
+              <a:shade val="50000"/>
+            </a:schemeClr>
+          </a:lnRef>
+          <a:fillRef idx="1">
+            <a:schemeClr val="accent1"/>
+          </a:fillRef>
+          <a:effectRef idx="0">
+            <a:schemeClr val="accent1"/>
+          </a:effectRef>
+          <a:fontRef idx="minor">
+            <a:schemeClr val="lt1"/>
+          </a:fontRef>
+        </p:style>
+        <p:txBody>
+          <a:bodyPr rtlCol="0" anchor="ctr"/>
+          <a:lstStyle/>
+          <a:p>
+            <a:pPr algn="ctr"/>
+            <a:endParaRPr lang="nl-NL"/>
+          </a:p>
+        </p:txBody>
+      </p:sp>
+      <p:sp>
+        <p:nvSpPr>
+          <p:cNvPr id="50" name="TextBox 49"/>
+          <p:cNvSpPr txBox="1"/>
+          <p:nvPr/>
+        </p:nvSpPr>
+        <p:spPr>
+          <a:xfrm>
+            <a:off x="2627784" y="4280611"/>
+            <a:ext cx="1728192" cy="369332"/>
+          </a:xfrm>
+          <a:prstGeom prst="rect">
+            <a:avLst/>
+          </a:prstGeom>
+          <a:noFill/>
+        </p:spPr>
+        <p:txBody>
+          <a:bodyPr wrap="square" rtlCol="0">
+            <a:spAutoFit/>
+          </a:bodyPr>
+          <a:lstStyle/>
+          <a:p>
+            <a:r>
+              <a:rPr lang="nl-NL" dirty="0" smtClean="0"/>
+              <a:t>Offer status:</a:t>
+            </a:r>
+            <a:endParaRPr lang="nl-NL" dirty="0"/>
+          </a:p>
+        </p:txBody>
+      </p:sp>
+      <p:sp>
+        <p:nvSpPr>
+          <p:cNvPr id="51" name="Rectangle 50"/>
+          <p:cNvSpPr/>
+          <p:nvPr/>
+        </p:nvSpPr>
+        <p:spPr>
+          <a:xfrm>
+            <a:off x="7452320" y="4360458"/>
+            <a:ext cx="1368152" cy="180020"/>
+          </a:xfrm>
+          <a:prstGeom prst="rect">
+            <a:avLst/>
+          </a:prstGeom>
+          <a:solidFill>
+            <a:schemeClr val="bg1"/>
+          </a:solidFill>
+          <a:ln>
+            <a:solidFill>
+              <a:schemeClr val="tx1"/>
+            </a:solidFill>
+          </a:ln>
+        </p:spPr>
+        <p:style>
+          <a:lnRef idx="2">
+            <a:schemeClr val="accent1">
+              <a:shade val="50000"/>
+            </a:schemeClr>
+          </a:lnRef>
+          <a:fillRef idx="1">
+            <a:schemeClr val="accent1"/>
+          </a:fillRef>
+          <a:effectRef idx="0">
+            <a:schemeClr val="accent1"/>
+          </a:effectRef>
+          <a:fontRef idx="minor">
+            <a:schemeClr val="lt1"/>
+          </a:fontRef>
+        </p:style>
+        <p:txBody>
+          <a:bodyPr rtlCol="0" anchor="ctr"/>
+          <a:lstStyle/>
+          <a:p>
+            <a:pPr algn="ctr"/>
+            <a:endParaRPr lang="nl-NL"/>
+          </a:p>
+        </p:txBody>
+      </p:sp>
+      <p:sp>
+        <p:nvSpPr>
+          <p:cNvPr id="52" name="TextBox 51"/>
+          <p:cNvSpPr txBox="1"/>
+          <p:nvPr/>
+        </p:nvSpPr>
+        <p:spPr>
+          <a:xfrm>
+            <a:off x="5724128" y="4315162"/>
+            <a:ext cx="1728192" cy="369332"/>
+          </a:xfrm>
+          <a:prstGeom prst="rect">
+            <a:avLst/>
+          </a:prstGeom>
+          <a:noFill/>
+        </p:spPr>
+        <p:txBody>
+          <a:bodyPr wrap="square" rtlCol="0">
+            <a:spAutoFit/>
+          </a:bodyPr>
+          <a:lstStyle/>
+          <a:p>
+            <a:r>
+              <a:rPr lang="nl-NL" dirty="0" smtClean="0"/>
+              <a:t>Prospect</a:t>
+            </a:r>
+            <a:r>
+              <a:rPr lang="nl-NL" dirty="0" smtClean="0"/>
+              <a:t>:</a:t>
+            </a:r>
+            <a:endParaRPr lang="nl-NL" dirty="0"/>
+          </a:p>
+        </p:txBody>
+      </p:sp>
+      <p:sp>
+        <p:nvSpPr>
+          <p:cNvPr id="53" name="Rectangle 52"/>
+          <p:cNvSpPr/>
+          <p:nvPr/>
+        </p:nvSpPr>
+        <p:spPr>
+          <a:xfrm>
+            <a:off x="4355976" y="4720498"/>
+            <a:ext cx="1368152" cy="180020"/>
+          </a:xfrm>
+          <a:prstGeom prst="rect">
+            <a:avLst/>
+          </a:prstGeom>
+          <a:solidFill>
+            <a:schemeClr val="bg1"/>
+          </a:solidFill>
+          <a:ln>
+            <a:solidFill>
+              <a:schemeClr val="tx1"/>
+            </a:solidFill>
+          </a:ln>
+        </p:spPr>
+        <p:style>
+          <a:lnRef idx="2">
+            <a:schemeClr val="accent1">
+              <a:shade val="50000"/>
+            </a:schemeClr>
+          </a:lnRef>
+          <a:fillRef idx="1">
+            <a:schemeClr val="accent1"/>
+          </a:fillRef>
+          <a:effectRef idx="0">
+            <a:schemeClr val="accent1"/>
+          </a:effectRef>
+          <a:fontRef idx="minor">
+            <a:schemeClr val="lt1"/>
+          </a:fontRef>
+        </p:style>
+        <p:txBody>
+          <a:bodyPr rtlCol="0" anchor="ctr"/>
+          <a:lstStyle/>
+          <a:p>
+            <a:pPr algn="ctr"/>
+            <a:endParaRPr lang="nl-NL"/>
+          </a:p>
+        </p:txBody>
+      </p:sp>
+      <p:sp>
+        <p:nvSpPr>
+          <p:cNvPr id="54" name="TextBox 53"/>
+          <p:cNvSpPr txBox="1"/>
+          <p:nvPr/>
+        </p:nvSpPr>
+        <p:spPr>
+          <a:xfrm>
+            <a:off x="2627784" y="4640651"/>
+            <a:ext cx="1728192" cy="369332"/>
+          </a:xfrm>
+          <a:prstGeom prst="rect">
+            <a:avLst/>
+          </a:prstGeom>
+          <a:noFill/>
+        </p:spPr>
+        <p:txBody>
+          <a:bodyPr wrap="square" rtlCol="0">
+            <a:spAutoFit/>
+          </a:bodyPr>
+          <a:lstStyle/>
+          <a:p>
+            <a:r>
+              <a:rPr lang="nl-NL" dirty="0" smtClean="0"/>
+              <a:t>Date of action:</a:t>
+            </a:r>
+            <a:endParaRPr lang="nl-NL" dirty="0"/>
+          </a:p>
+        </p:txBody>
+      </p:sp>
+      <p:sp>
+        <p:nvSpPr>
+          <p:cNvPr id="55" name="Rectangle 54"/>
+          <p:cNvSpPr/>
+          <p:nvPr/>
+        </p:nvSpPr>
+        <p:spPr>
+          <a:xfrm>
+            <a:off x="7452320" y="4720498"/>
+            <a:ext cx="1368152" cy="180020"/>
+          </a:xfrm>
+          <a:prstGeom prst="rect">
+            <a:avLst/>
+          </a:prstGeom>
+          <a:solidFill>
+            <a:schemeClr val="bg1"/>
+          </a:solidFill>
+          <a:ln>
+            <a:solidFill>
+              <a:schemeClr val="tx1"/>
+            </a:solidFill>
+          </a:ln>
+        </p:spPr>
+        <p:style>
+          <a:lnRef idx="2">
+            <a:schemeClr val="accent1">
+              <a:shade val="50000"/>
+            </a:schemeClr>
+          </a:lnRef>
+          <a:fillRef idx="1">
+            <a:schemeClr val="accent1"/>
+          </a:fillRef>
+          <a:effectRef idx="0">
+            <a:schemeClr val="accent1"/>
+          </a:effectRef>
+          <a:fontRef idx="minor">
+            <a:schemeClr val="lt1"/>
+          </a:fontRef>
+        </p:style>
+        <p:txBody>
+          <a:bodyPr rtlCol="0" anchor="ctr"/>
+          <a:lstStyle/>
+          <a:p>
+            <a:pPr algn="ctr"/>
+            <a:endParaRPr lang="nl-NL"/>
+          </a:p>
+        </p:txBody>
+      </p:sp>
+      <p:sp>
+        <p:nvSpPr>
+          <p:cNvPr id="56" name="TextBox 55"/>
+          <p:cNvSpPr txBox="1"/>
+          <p:nvPr/>
+        </p:nvSpPr>
+        <p:spPr>
+          <a:xfrm>
+            <a:off x="5724128" y="4675202"/>
+            <a:ext cx="1944216" cy="369332"/>
+          </a:xfrm>
+          <a:prstGeom prst="rect">
+            <a:avLst/>
+          </a:prstGeom>
+          <a:noFill/>
+        </p:spPr>
+        <p:txBody>
+          <a:bodyPr wrap="square" rtlCol="0">
+            <a:spAutoFit/>
+          </a:bodyPr>
+          <a:lstStyle/>
+          <a:p>
+            <a:r>
+              <a:rPr lang="nl-NL" dirty="0" smtClean="0"/>
+              <a:t>Last contact date:</a:t>
+            </a:r>
+            <a:endParaRPr lang="nl-NL" dirty="0"/>
+          </a:p>
+        </p:txBody>
+      </p:sp>
+      <p:sp>
+        <p:nvSpPr>
+          <p:cNvPr id="57" name="Rectangle 56"/>
+          <p:cNvSpPr/>
+          <p:nvPr/>
+        </p:nvSpPr>
+        <p:spPr>
+          <a:xfrm>
+            <a:off x="4355976" y="5080538"/>
+            <a:ext cx="1368152" cy="180020"/>
+          </a:xfrm>
+          <a:prstGeom prst="rect">
+            <a:avLst/>
+          </a:prstGeom>
+          <a:solidFill>
+            <a:schemeClr val="bg1"/>
+          </a:solidFill>
+          <a:ln>
+            <a:solidFill>
+              <a:schemeClr val="tx1"/>
+            </a:solidFill>
+          </a:ln>
+        </p:spPr>
+        <p:style>
+          <a:lnRef idx="2">
+            <a:schemeClr val="accent1">
+              <a:shade val="50000"/>
+            </a:schemeClr>
+          </a:lnRef>
+          <a:fillRef idx="1">
+            <a:schemeClr val="accent1"/>
+          </a:fillRef>
+          <a:effectRef idx="0">
+            <a:schemeClr val="accent1"/>
+          </a:effectRef>
+          <a:fontRef idx="minor">
+            <a:schemeClr val="lt1"/>
+          </a:fontRef>
+        </p:style>
+        <p:txBody>
+          <a:bodyPr rtlCol="0" anchor="ctr"/>
+          <a:lstStyle/>
+          <a:p>
+            <a:pPr algn="ctr"/>
+            <a:endParaRPr lang="nl-NL"/>
+          </a:p>
+        </p:txBody>
+      </p:sp>
+      <p:sp>
+        <p:nvSpPr>
+          <p:cNvPr id="58" name="TextBox 57"/>
+          <p:cNvSpPr txBox="1"/>
+          <p:nvPr/>
+        </p:nvSpPr>
+        <p:spPr>
+          <a:xfrm>
+            <a:off x="2627784" y="5000691"/>
+            <a:ext cx="1728192" cy="369332"/>
+          </a:xfrm>
+          <a:prstGeom prst="rect">
+            <a:avLst/>
+          </a:prstGeom>
+          <a:noFill/>
+        </p:spPr>
+        <p:txBody>
+          <a:bodyPr wrap="square" rtlCol="0">
+            <a:spAutoFit/>
+          </a:bodyPr>
+          <a:lstStyle/>
+          <a:p>
+            <a:r>
+              <a:rPr lang="nl-NL" dirty="0" smtClean="0"/>
+              <a:t>Next action:</a:t>
+            </a:r>
+            <a:endParaRPr lang="nl-NL" dirty="0"/>
+          </a:p>
+        </p:txBody>
+      </p:sp>
+      <p:sp>
+        <p:nvSpPr>
+          <p:cNvPr id="59" name="Rectangle 58"/>
+          <p:cNvSpPr/>
+          <p:nvPr/>
+        </p:nvSpPr>
+        <p:spPr>
+          <a:xfrm>
+            <a:off x="7452320" y="5089830"/>
+            <a:ext cx="1368152" cy="180020"/>
+          </a:xfrm>
+          <a:prstGeom prst="rect">
+            <a:avLst/>
+          </a:prstGeom>
+          <a:solidFill>
+            <a:schemeClr val="bg1"/>
+          </a:solidFill>
+          <a:ln>
+            <a:solidFill>
+              <a:schemeClr val="tx1"/>
+            </a:solidFill>
+          </a:ln>
+        </p:spPr>
+        <p:style>
+          <a:lnRef idx="2">
+            <a:schemeClr val="accent1">
+              <a:shade val="50000"/>
+            </a:schemeClr>
+          </a:lnRef>
+          <a:fillRef idx="1">
+            <a:schemeClr val="accent1"/>
+          </a:fillRef>
+          <a:effectRef idx="0">
+            <a:schemeClr val="accent1"/>
+          </a:effectRef>
+          <a:fontRef idx="minor">
+            <a:schemeClr val="lt1"/>
+          </a:fontRef>
+        </p:style>
+        <p:txBody>
+          <a:bodyPr rtlCol="0" anchor="ctr"/>
+          <a:lstStyle/>
+          <a:p>
+            <a:pPr algn="ctr"/>
+            <a:endParaRPr lang="nl-NL"/>
+          </a:p>
+        </p:txBody>
+      </p:sp>
+      <p:sp>
+        <p:nvSpPr>
+          <p:cNvPr id="60" name="TextBox 59"/>
+          <p:cNvSpPr txBox="1"/>
+          <p:nvPr/>
+        </p:nvSpPr>
+        <p:spPr>
+          <a:xfrm>
+            <a:off x="5724128" y="5044534"/>
+            <a:ext cx="1728192" cy="369332"/>
+          </a:xfrm>
+          <a:prstGeom prst="rect">
+            <a:avLst/>
+          </a:prstGeom>
+          <a:noFill/>
+        </p:spPr>
+        <p:txBody>
+          <a:bodyPr wrap="square" rtlCol="0">
+            <a:spAutoFit/>
+          </a:bodyPr>
+          <a:lstStyle/>
+          <a:p>
+            <a:r>
+              <a:rPr lang="nl-NL" dirty="0" smtClean="0"/>
+              <a:t>Sale percentage</a:t>
+            </a:r>
+            <a:r>
+              <a:rPr lang="nl-NL" dirty="0" smtClean="0"/>
+              <a:t>:</a:t>
+            </a:r>
+            <a:endParaRPr lang="nl-NL" dirty="0"/>
+          </a:p>
+        </p:txBody>
+      </p:sp>
+      <p:sp>
+        <p:nvSpPr>
+          <p:cNvPr id="61" name="Rectangle 60"/>
+          <p:cNvSpPr/>
+          <p:nvPr/>
+        </p:nvSpPr>
+        <p:spPr>
+          <a:xfrm>
+            <a:off x="4355976" y="5443771"/>
+            <a:ext cx="1368152" cy="180020"/>
+          </a:xfrm>
+          <a:prstGeom prst="rect">
+            <a:avLst/>
+          </a:prstGeom>
+          <a:solidFill>
+            <a:schemeClr val="bg1"/>
+          </a:solidFill>
+          <a:ln>
+            <a:solidFill>
+              <a:schemeClr val="tx1"/>
+            </a:solidFill>
+          </a:ln>
+        </p:spPr>
+        <p:style>
+          <a:lnRef idx="2">
+            <a:schemeClr val="accent1">
+              <a:shade val="50000"/>
+            </a:schemeClr>
+          </a:lnRef>
+          <a:fillRef idx="1">
+            <a:schemeClr val="accent1"/>
+          </a:fillRef>
+          <a:effectRef idx="0">
+            <a:schemeClr val="accent1"/>
+          </a:effectRef>
+          <a:fontRef idx="minor">
+            <a:schemeClr val="lt1"/>
+          </a:fontRef>
+        </p:style>
+        <p:txBody>
+          <a:bodyPr rtlCol="0" anchor="ctr"/>
+          <a:lstStyle/>
+          <a:p>
+            <a:pPr algn="ctr"/>
+            <a:endParaRPr lang="nl-NL"/>
+          </a:p>
+        </p:txBody>
+      </p:sp>
+      <p:sp>
+        <p:nvSpPr>
+          <p:cNvPr id="62" name="TextBox 61"/>
+          <p:cNvSpPr txBox="1"/>
+          <p:nvPr/>
+        </p:nvSpPr>
+        <p:spPr>
+          <a:xfrm>
+            <a:off x="2627784" y="5363924"/>
+            <a:ext cx="1728192" cy="369332"/>
+          </a:xfrm>
+          <a:prstGeom prst="rect">
+            <a:avLst/>
+          </a:prstGeom>
+          <a:noFill/>
+        </p:spPr>
+        <p:txBody>
+          <a:bodyPr wrap="square" rtlCol="0">
+            <a:spAutoFit/>
+          </a:bodyPr>
+          <a:lstStyle/>
+          <a:p>
+            <a:r>
+              <a:rPr lang="nl-NL" smtClean="0"/>
+              <a:t>Creditworthy:</a:t>
+            </a:r>
+            <a:endParaRPr lang="nl-NL" dirty="0"/>
+          </a:p>
+        </p:txBody>
+      </p:sp>
+    </p:spTree>
+    <p:extLst>
+      <p:ext uri="{BB962C8B-B14F-4D97-AF65-F5344CB8AC3E}">
+        <p14:creationId xmlns:p14="http://schemas.microsoft.com/office/powerpoint/2010/main" val="2079606193"/>
+      </p:ext>
+    </p:extLst>
+  </p:cSld>
+  <p:clrMapOvr>
+    <a:masterClrMapping/>
+  </p:clrMapOvr>
+  <p:timing>
+    <p:tnLst>
+      <p:par>
+        <p:cTn id="1" dur="indefinite" restart="never" nodeType="tmRoot"/>
+      </p:par>
+    </p:tnLst>
+  </p:timing>
+</p:sld>
+</file>
+
+<file path=ppt/slides/slide9.xml><?xml version="1.0" encoding="utf-8"?>
+<p:sld xmlns:a="http://schemas.openxmlformats.org/drawingml/2006/main" xmlns:r="http://schemas.openxmlformats.org/officeDocument/2006/relationships" xmlns:p="http://schemas.openxmlformats.org/presentationml/2006/main">
+  <p:cSld>
+    <p:spTree>
+      <p:nvGrpSpPr>
+        <p:cNvPr id="1" name=""/>
+        <p:cNvGrpSpPr/>
+        <p:nvPr/>
+      </p:nvGrpSpPr>
+      <p:grpSpPr>
+        <a:xfrm>
+          <a:off x="0" y="0"/>
+          <a:ext cx="0" cy="0"/>
+          <a:chOff x="0" y="0"/>
+          <a:chExt cx="0" cy="0"/>
+        </a:xfrm>
+      </p:grpSpPr>
+      <p:sp>
+        <p:nvSpPr>
+          <p:cNvPr id="13" name="Rectangle 12"/>
+          <p:cNvSpPr/>
+          <p:nvPr/>
+        </p:nvSpPr>
+        <p:spPr>
+          <a:xfrm>
+            <a:off x="251520" y="548680"/>
+            <a:ext cx="8640960" cy="576064"/>
+          </a:xfrm>
+          <a:prstGeom prst="rect">
+            <a:avLst/>
+          </a:prstGeom>
+          <a:noFill/>
+          <a:ln>
+            <a:solidFill>
+              <a:schemeClr val="tx1"/>
+            </a:solidFill>
+          </a:ln>
+        </p:spPr>
+        <p:style>
+          <a:lnRef idx="2">
+            <a:schemeClr val="accent1">
+              <a:shade val="50000"/>
+            </a:schemeClr>
+          </a:lnRef>
+          <a:fillRef idx="1">
+            <a:schemeClr val="accent1"/>
+          </a:fillRef>
+          <a:effectRef idx="0">
+            <a:schemeClr val="accent1"/>
+          </a:effectRef>
+          <a:fontRef idx="minor">
+            <a:schemeClr val="lt1"/>
+          </a:fontRef>
+        </p:style>
+        <p:txBody>
+          <a:bodyPr rtlCol="0" anchor="ctr"/>
+          <a:lstStyle/>
+          <a:p>
+            <a:pPr algn="ctr"/>
+            <a:endParaRPr lang="nl-NL"/>
+          </a:p>
+        </p:txBody>
+      </p:sp>
+      <p:sp>
+        <p:nvSpPr>
+          <p:cNvPr id="3" name="Content Placeholder 2"/>
+          <p:cNvSpPr>
+            <a:spLocks noGrp="1"/>
+          </p:cNvSpPr>
+          <p:nvPr>
+            <p:ph idx="1"/>
+          </p:nvPr>
+        </p:nvSpPr>
+        <p:spPr>
+          <a:xfrm>
+            <a:off x="457200" y="548681"/>
+            <a:ext cx="8229600" cy="648072"/>
+          </a:xfrm>
+        </p:spPr>
+        <p:txBody>
+          <a:bodyPr/>
+          <a:lstStyle/>
+          <a:p>
+            <a:pPr marL="0" indent="0" algn="ctr">
+              <a:buNone/>
+            </a:pPr>
+            <a:r>
+              <a:rPr lang="nl-NL" b="1" dirty="0" smtClean="0">
+                <a:solidFill>
+                  <a:schemeClr val="tx1">
+                    <a:lumMod val="75000"/>
+                    <a:lumOff val="25000"/>
+                  </a:schemeClr>
+                </a:solidFill>
+              </a:rPr>
+              <a:t>Sales</a:t>
+            </a:r>
+            <a:endParaRPr lang="nl-NL" b="1" dirty="0">
+              <a:solidFill>
+                <a:schemeClr val="tx1">
+                  <a:lumMod val="75000"/>
+                  <a:lumOff val="25000"/>
+                </a:schemeClr>
+              </a:solidFill>
+            </a:endParaRPr>
+          </a:p>
+        </p:txBody>
+      </p:sp>
+      <p:sp>
+        <p:nvSpPr>
+          <p:cNvPr id="5" name="Rectangle 4"/>
+          <p:cNvSpPr/>
+          <p:nvPr/>
+        </p:nvSpPr>
+        <p:spPr>
+          <a:xfrm>
+            <a:off x="251520" y="1124744"/>
+            <a:ext cx="2304256" cy="5112568"/>
+          </a:xfrm>
+          <a:prstGeom prst="rect">
+            <a:avLst/>
+          </a:prstGeom>
+          <a:noFill/>
+          <a:ln>
+            <a:solidFill>
+              <a:schemeClr val="tx1"/>
+            </a:solidFill>
+          </a:ln>
+        </p:spPr>
+        <p:style>
+          <a:lnRef idx="2">
+            <a:schemeClr val="accent1">
+              <a:shade val="50000"/>
+            </a:schemeClr>
+          </a:lnRef>
+          <a:fillRef idx="1">
+            <a:schemeClr val="accent1"/>
+          </a:fillRef>
+          <a:effectRef idx="0">
+            <a:schemeClr val="accent1"/>
+          </a:effectRef>
+          <a:fontRef idx="minor">
+            <a:schemeClr val="lt1"/>
+          </a:fontRef>
+        </p:style>
+        <p:txBody>
+          <a:bodyPr rtlCol="0" anchor="ctr"/>
+          <a:lstStyle/>
+          <a:p>
+            <a:pPr algn="ctr"/>
+            <a:endParaRPr lang="nl-NL"/>
+          </a:p>
+        </p:txBody>
+      </p:sp>
+      <p:sp>
+        <p:nvSpPr>
+          <p:cNvPr id="4" name="TextBox 3"/>
+          <p:cNvSpPr txBox="1"/>
+          <p:nvPr/>
+        </p:nvSpPr>
+        <p:spPr>
+          <a:xfrm>
+            <a:off x="431540" y="1299372"/>
+            <a:ext cx="1944216" cy="4801314"/>
+          </a:xfrm>
+          <a:prstGeom prst="rect">
+            <a:avLst/>
+          </a:prstGeom>
+          <a:noFill/>
+        </p:spPr>
+        <p:txBody>
+          <a:bodyPr wrap="square" rtlCol="0">
+            <a:spAutoFit/>
+          </a:bodyPr>
+          <a:lstStyle/>
+          <a:p>
+            <a:r>
+              <a:rPr lang="nl-NL" b="1" dirty="0" smtClean="0"/>
+              <a:t>Home</a:t>
+            </a:r>
+          </a:p>
+          <a:p>
+            <a:endParaRPr lang="nl-NL" b="1" dirty="0" smtClean="0"/>
+          </a:p>
+          <a:p>
+            <a:r>
+              <a:rPr lang="nl-NL" b="1" dirty="0" smtClean="0"/>
+              <a:t>Add Customer</a:t>
+            </a:r>
+            <a:endParaRPr lang="nl-NL" b="1" dirty="0" smtClean="0"/>
+          </a:p>
+          <a:p>
+            <a:endParaRPr lang="nl-NL" b="1" dirty="0" smtClean="0"/>
+          </a:p>
+          <a:p>
+            <a:r>
+              <a:rPr lang="nl-NL" b="1" dirty="0" smtClean="0"/>
+              <a:t>Manage Customer</a:t>
+            </a:r>
+            <a:endParaRPr lang="nl-NL" b="1" dirty="0" smtClean="0"/>
+          </a:p>
+          <a:p>
+            <a:endParaRPr lang="nl-NL" b="1" dirty="0" smtClean="0"/>
+          </a:p>
+          <a:p>
+            <a:r>
+              <a:rPr lang="nl-NL" b="1" dirty="0" smtClean="0"/>
+              <a:t>Manage Project</a:t>
+            </a:r>
+            <a:endParaRPr lang="nl-NL" b="1" dirty="0" smtClean="0"/>
+          </a:p>
+          <a:p>
+            <a:endParaRPr lang="nl-NL" b="1" dirty="0"/>
+          </a:p>
+          <a:p>
+            <a:r>
+              <a:rPr lang="nl-NL" b="1" dirty="0" smtClean="0"/>
+              <a:t>Deactivate Customer</a:t>
+            </a:r>
+            <a:endParaRPr lang="nl-NL" b="1" dirty="0"/>
+          </a:p>
+          <a:p>
+            <a:endParaRPr lang="nl-NL" b="1" dirty="0" smtClean="0"/>
+          </a:p>
+          <a:p>
+            <a:endParaRPr lang="nl-NL" b="1" dirty="0"/>
+          </a:p>
+          <a:p>
+            <a:endParaRPr lang="nl-NL" b="1" dirty="0" smtClean="0"/>
+          </a:p>
+          <a:p>
+            <a:endParaRPr lang="nl-NL" b="1" dirty="0"/>
+          </a:p>
+          <a:p>
+            <a:endParaRPr lang="nl-NL" b="1" dirty="0" smtClean="0"/>
+          </a:p>
+          <a:p>
+            <a:endParaRPr lang="nl-NL" b="1" dirty="0"/>
+          </a:p>
+          <a:p>
+            <a:r>
+              <a:rPr lang="nl-NL" b="1" dirty="0" smtClean="0"/>
+              <a:t>Logout</a:t>
+            </a:r>
+            <a:endParaRPr lang="nl-NL" b="1" dirty="0"/>
+          </a:p>
+        </p:txBody>
+      </p:sp>
+      <p:sp>
+        <p:nvSpPr>
+          <p:cNvPr id="7" name="Rectangle 6">
+            <a:hlinkClick r:id="rId2" action="ppaction://hlinksldjump"/>
+          </p:cNvPr>
+          <p:cNvSpPr/>
+          <p:nvPr/>
+        </p:nvSpPr>
+        <p:spPr>
+          <a:xfrm>
+            <a:off x="431540" y="2921350"/>
+            <a:ext cx="1944216" cy="363634"/>
+          </a:xfrm>
+          <a:prstGeom prst="rect">
+            <a:avLst/>
+          </a:prstGeom>
+          <a:noFill/>
+          <a:ln>
+            <a:solidFill>
+              <a:schemeClr val="tx1"/>
+            </a:solidFill>
+          </a:ln>
+        </p:spPr>
+        <p:style>
+          <a:lnRef idx="2">
+            <a:schemeClr val="accent1">
+              <a:shade val="50000"/>
+            </a:schemeClr>
+          </a:lnRef>
+          <a:fillRef idx="1">
+            <a:schemeClr val="accent1"/>
+          </a:fillRef>
+          <a:effectRef idx="0">
+            <a:schemeClr val="accent1"/>
+          </a:effectRef>
+          <a:fontRef idx="minor">
+            <a:schemeClr val="lt1"/>
+          </a:fontRef>
+        </p:style>
+        <p:txBody>
+          <a:bodyPr rtlCol="0" anchor="ctr"/>
+          <a:lstStyle/>
+          <a:p>
+            <a:pPr algn="ctr"/>
+            <a:endParaRPr lang="nl-NL"/>
+          </a:p>
+        </p:txBody>
+      </p:sp>
+      <p:sp>
+        <p:nvSpPr>
+          <p:cNvPr id="10" name="Rectangle 9">
+            <a:hlinkClick r:id="rId3" action="ppaction://hlinksldjump"/>
+          </p:cNvPr>
+          <p:cNvSpPr/>
+          <p:nvPr/>
+        </p:nvSpPr>
+        <p:spPr>
+          <a:xfrm>
+            <a:off x="431540" y="1337174"/>
+            <a:ext cx="1944216" cy="363634"/>
+          </a:xfrm>
+          <a:prstGeom prst="rect">
+            <a:avLst/>
+          </a:prstGeom>
+          <a:noFill/>
+          <a:ln>
+            <a:solidFill>
+              <a:schemeClr val="tx1"/>
+            </a:solidFill>
+          </a:ln>
+        </p:spPr>
+        <p:style>
+          <a:lnRef idx="2">
+            <a:schemeClr val="accent1">
+              <a:shade val="50000"/>
+            </a:schemeClr>
+          </a:lnRef>
+          <a:fillRef idx="1">
+            <a:schemeClr val="accent1"/>
+          </a:fillRef>
+          <a:effectRef idx="0">
+            <a:schemeClr val="accent1"/>
+          </a:effectRef>
+          <a:fontRef idx="minor">
+            <a:schemeClr val="lt1"/>
+          </a:fontRef>
+        </p:style>
+        <p:txBody>
+          <a:bodyPr rtlCol="0" anchor="ctr"/>
+          <a:lstStyle/>
+          <a:p>
+            <a:pPr algn="ctr"/>
+            <a:endParaRPr lang="nl-NL"/>
+          </a:p>
+        </p:txBody>
+      </p:sp>
+      <p:sp>
+        <p:nvSpPr>
+          <p:cNvPr id="11" name="Rectangle 10">
+            <a:hlinkClick r:id="rId4" action="ppaction://hlinksldjump"/>
+          </p:cNvPr>
+          <p:cNvSpPr/>
+          <p:nvPr/>
+        </p:nvSpPr>
+        <p:spPr>
+          <a:xfrm>
+            <a:off x="431540" y="1841230"/>
+            <a:ext cx="1944216" cy="363634"/>
+          </a:xfrm>
+          <a:prstGeom prst="rect">
+            <a:avLst/>
+          </a:prstGeom>
+          <a:noFill/>
+          <a:ln>
+            <a:solidFill>
+              <a:schemeClr val="tx1"/>
+            </a:solidFill>
+          </a:ln>
+        </p:spPr>
+        <p:style>
+          <a:lnRef idx="2">
+            <a:schemeClr val="accent1">
+              <a:shade val="50000"/>
+            </a:schemeClr>
+          </a:lnRef>
+          <a:fillRef idx="1">
+            <a:schemeClr val="accent1"/>
+          </a:fillRef>
+          <a:effectRef idx="0">
+            <a:schemeClr val="accent1"/>
+          </a:effectRef>
+          <a:fontRef idx="minor">
+            <a:schemeClr val="lt1"/>
+          </a:fontRef>
+        </p:style>
+        <p:txBody>
+          <a:bodyPr rtlCol="0" anchor="ctr"/>
+          <a:lstStyle/>
+          <a:p>
+            <a:pPr algn="ctr"/>
+            <a:endParaRPr lang="nl-NL" dirty="0"/>
+          </a:p>
+        </p:txBody>
+      </p:sp>
+      <p:sp>
+        <p:nvSpPr>
+          <p:cNvPr id="12" name="Rectangle 11">
+            <a:hlinkClick r:id="rId5" action="ppaction://hlinksldjump"/>
+          </p:cNvPr>
+          <p:cNvSpPr/>
+          <p:nvPr/>
+        </p:nvSpPr>
+        <p:spPr>
+          <a:xfrm>
+            <a:off x="431540" y="2417294"/>
+            <a:ext cx="1944216" cy="363634"/>
+          </a:xfrm>
+          <a:prstGeom prst="rect">
+            <a:avLst/>
+          </a:prstGeom>
+          <a:noFill/>
+          <a:ln>
+            <a:solidFill>
+              <a:schemeClr val="tx1"/>
+            </a:solidFill>
+          </a:ln>
+        </p:spPr>
+        <p:style>
+          <a:lnRef idx="2">
+            <a:schemeClr val="accent1">
+              <a:shade val="50000"/>
+            </a:schemeClr>
+          </a:lnRef>
+          <a:fillRef idx="1">
+            <a:schemeClr val="accent1"/>
+          </a:fillRef>
+          <a:effectRef idx="0">
+            <a:schemeClr val="accent1"/>
+          </a:effectRef>
+          <a:fontRef idx="minor">
+            <a:schemeClr val="lt1"/>
+          </a:fontRef>
+        </p:style>
+        <p:txBody>
+          <a:bodyPr rtlCol="0" anchor="ctr"/>
+          <a:lstStyle/>
+          <a:p>
+            <a:pPr algn="ctr"/>
+            <a:endParaRPr lang="nl-NL"/>
+          </a:p>
+        </p:txBody>
+      </p:sp>
+      <p:sp>
+        <p:nvSpPr>
+          <p:cNvPr id="14" name="Rectangle 13"/>
+          <p:cNvSpPr/>
+          <p:nvPr/>
+        </p:nvSpPr>
+        <p:spPr>
+          <a:xfrm>
+            <a:off x="2555776" y="1124744"/>
+            <a:ext cx="6336704" cy="5112568"/>
+          </a:xfrm>
+          <a:prstGeom prst="rect">
+            <a:avLst/>
+          </a:prstGeom>
+          <a:noFill/>
+          <a:ln>
+            <a:solidFill>
+              <a:schemeClr val="tx1"/>
+            </a:solidFill>
+          </a:ln>
+        </p:spPr>
+        <p:style>
+          <a:lnRef idx="2">
+            <a:schemeClr val="accent1">
+              <a:shade val="50000"/>
+            </a:schemeClr>
+          </a:lnRef>
+          <a:fillRef idx="1">
+            <a:schemeClr val="accent1"/>
+          </a:fillRef>
+          <a:effectRef idx="0">
+            <a:schemeClr val="accent1"/>
+          </a:effectRef>
+          <a:fontRef idx="minor">
+            <a:schemeClr val="lt1"/>
+          </a:fontRef>
+        </p:style>
+        <p:txBody>
+          <a:bodyPr rtlCol="0" anchor="ctr"/>
+          <a:lstStyle/>
+          <a:p>
+            <a:pPr algn="ctr"/>
+            <a:endParaRPr lang="nl-NL"/>
+          </a:p>
+        </p:txBody>
+      </p:sp>
+      <p:sp>
+        <p:nvSpPr>
+          <p:cNvPr id="16" name="Rectangle 15">
+            <a:hlinkClick r:id="rId6" action="ppaction://hlinksldjump"/>
+          </p:cNvPr>
+          <p:cNvSpPr/>
+          <p:nvPr/>
+        </p:nvSpPr>
+        <p:spPr>
+          <a:xfrm>
+            <a:off x="431540" y="5724654"/>
+            <a:ext cx="1944216" cy="363634"/>
+          </a:xfrm>
+          <a:prstGeom prst="rect">
+            <a:avLst/>
+          </a:prstGeom>
+          <a:noFill/>
+          <a:ln>
+            <a:solidFill>
+              <a:schemeClr val="tx1"/>
+            </a:solidFill>
+          </a:ln>
+        </p:spPr>
+        <p:style>
+          <a:lnRef idx="2">
+            <a:schemeClr val="accent1">
+              <a:shade val="50000"/>
+            </a:schemeClr>
+          </a:lnRef>
+          <a:fillRef idx="1">
+            <a:schemeClr val="accent1"/>
+          </a:fillRef>
+          <a:effectRef idx="0">
+            <a:schemeClr val="accent1"/>
+          </a:effectRef>
+          <a:fontRef idx="minor">
+            <a:schemeClr val="lt1"/>
+          </a:fontRef>
+        </p:style>
+        <p:txBody>
+          <a:bodyPr rtlCol="0" anchor="ctr"/>
+          <a:lstStyle/>
+          <a:p>
+            <a:pPr algn="ctr"/>
+            <a:endParaRPr lang="nl-NL"/>
+          </a:p>
+        </p:txBody>
+      </p:sp>
+      <p:sp>
+        <p:nvSpPr>
+          <p:cNvPr id="17" name="Rectangle 16">
+            <a:hlinkClick r:id="rId2" action="ppaction://hlinksldjump"/>
+          </p:cNvPr>
+          <p:cNvSpPr/>
+          <p:nvPr/>
+        </p:nvSpPr>
+        <p:spPr>
+          <a:xfrm>
+            <a:off x="449377" y="3480404"/>
+            <a:ext cx="1944216" cy="668676"/>
+          </a:xfrm>
+          <a:prstGeom prst="rect">
+            <a:avLst/>
+          </a:prstGeom>
+          <a:noFill/>
+          <a:ln>
+            <a:solidFill>
+              <a:schemeClr val="tx1"/>
+            </a:solidFill>
+          </a:ln>
+        </p:spPr>
+        <p:style>
+          <a:lnRef idx="2">
+            <a:schemeClr val="accent1">
+              <a:shade val="50000"/>
+            </a:schemeClr>
+          </a:lnRef>
+          <a:fillRef idx="1">
+            <a:schemeClr val="accent1"/>
+          </a:fillRef>
+          <a:effectRef idx="0">
+            <a:schemeClr val="accent1"/>
+          </a:effectRef>
+          <a:fontRef idx="minor">
+            <a:schemeClr val="lt1"/>
+          </a:fontRef>
+        </p:style>
+        <p:txBody>
+          <a:bodyPr rtlCol="0" anchor="ctr"/>
+          <a:lstStyle/>
+          <a:p>
+            <a:pPr algn="ctr"/>
+            <a:endParaRPr lang="nl-NL"/>
+          </a:p>
+        </p:txBody>
+      </p:sp>
+      <p:sp>
+        <p:nvSpPr>
+          <p:cNvPr id="18" name="TextBox 17"/>
+          <p:cNvSpPr txBox="1"/>
+          <p:nvPr/>
+        </p:nvSpPr>
+        <p:spPr>
+          <a:xfrm>
+            <a:off x="3203848" y="1268760"/>
+            <a:ext cx="5184576" cy="584775"/>
+          </a:xfrm>
+          <a:prstGeom prst="rect">
+            <a:avLst/>
+          </a:prstGeom>
+          <a:noFill/>
+        </p:spPr>
+        <p:txBody>
+          <a:bodyPr wrap="square" rtlCol="0">
+            <a:spAutoFit/>
+          </a:bodyPr>
+          <a:lstStyle/>
+          <a:p>
+            <a:pPr algn="ctr"/>
+            <a:r>
+              <a:rPr lang="nl-NL" sz="3200" b="1" dirty="0" smtClean="0">
+                <a:solidFill>
+                  <a:schemeClr val="tx1">
+                    <a:lumMod val="75000"/>
+                    <a:lumOff val="25000"/>
+                  </a:schemeClr>
+                </a:solidFill>
+              </a:rPr>
+              <a:t>Manage Customer</a:t>
+            </a:r>
+            <a:endParaRPr lang="nl-NL" sz="3200" b="1" dirty="0">
+              <a:solidFill>
+                <a:schemeClr val="tx1">
+                  <a:lumMod val="75000"/>
+                  <a:lumOff val="25000"/>
+                </a:schemeClr>
+              </a:solidFill>
+            </a:endParaRPr>
+          </a:p>
+        </p:txBody>
+      </p:sp>
+      <p:graphicFrame>
+        <p:nvGraphicFramePr>
+          <p:cNvPr id="2" name="Table 1"/>
+          <p:cNvGraphicFramePr>
+            <a:graphicFrameLocks noGrp="1"/>
+          </p:cNvGraphicFramePr>
+          <p:nvPr>
+            <p:extLst>
+              <p:ext uri="{D42A27DB-BD31-4B8C-83A1-F6EECF244321}">
+                <p14:modId xmlns:p14="http://schemas.microsoft.com/office/powerpoint/2010/main" val="106573353"/>
+              </p:ext>
+            </p:extLst>
+          </p:nvPr>
+        </p:nvGraphicFramePr>
+        <p:xfrm>
+          <a:off x="2676128" y="1967240"/>
+          <a:ext cx="5928320" cy="741680"/>
+        </p:xfrm>
+        <a:graphic>
+          <a:graphicData uri="http://schemas.openxmlformats.org/drawingml/2006/table">
+            <a:tbl>
+              <a:tblPr firstRow="1" bandRow="1">
+                <a:tableStyleId>{5940675A-B579-460E-94D1-54222C63F5DA}</a:tableStyleId>
+              </a:tblPr>
+              <a:tblGrid>
+                <a:gridCol w="383704"/>
+                <a:gridCol w="1224136"/>
+                <a:gridCol w="720080"/>
+                <a:gridCol w="864096"/>
+                <a:gridCol w="576064"/>
+                <a:gridCol w="936104"/>
+                <a:gridCol w="576064"/>
+                <a:gridCol w="648072"/>
+              </a:tblGrid>
+              <a:tr h="370840">
+                <a:tc>
+                  <a:txBody>
+                    <a:bodyPr/>
+                    <a:lstStyle/>
+                    <a:p>
+                      <a:r>
+                        <a:rPr lang="nl-NL" sz="1200" dirty="0" smtClean="0"/>
+                        <a:t>ID</a:t>
+                      </a:r>
+                      <a:endParaRPr lang="nl-NL" sz="1200" dirty="0"/>
+                    </a:p>
+                  </a:txBody>
+                  <a:tcPr/>
+                </a:tc>
+                <a:tc>
+                  <a:txBody>
+                    <a:bodyPr/>
+                    <a:lstStyle/>
+                    <a:p>
+                      <a:r>
+                        <a:rPr lang="nl-NL" sz="1200" dirty="0" smtClean="0"/>
+                        <a:t>Company Name</a:t>
+                      </a:r>
+                      <a:endParaRPr lang="nl-NL" sz="1200" dirty="0"/>
+                    </a:p>
+                  </a:txBody>
+                  <a:tcPr/>
+                </a:tc>
+                <a:tc>
+                  <a:txBody>
+                    <a:bodyPr/>
+                    <a:lstStyle/>
+                    <a:p>
+                      <a:r>
+                        <a:rPr lang="nl-NL" sz="1200" dirty="0" smtClean="0"/>
+                        <a:t>Zipcode</a:t>
+                      </a:r>
+                      <a:endParaRPr lang="nl-NL" sz="1200" dirty="0"/>
+                    </a:p>
+                  </a:txBody>
+                  <a:tcPr/>
+                </a:tc>
+                <a:tc>
+                  <a:txBody>
+                    <a:bodyPr/>
+                    <a:lstStyle/>
+                    <a:p>
+                      <a:r>
+                        <a:rPr lang="nl-NL" sz="1200" dirty="0" smtClean="0"/>
+                        <a:t>Residence</a:t>
+                      </a:r>
+                      <a:endParaRPr lang="nl-NL" sz="1200" dirty="0"/>
+                    </a:p>
+                  </a:txBody>
+                  <a:tcPr/>
+                </a:tc>
+                <a:tc>
+                  <a:txBody>
+                    <a:bodyPr/>
+                    <a:lstStyle/>
+                    <a:p>
+                      <a:r>
+                        <a:rPr lang="nl-NL" sz="1200" dirty="0" smtClean="0"/>
+                        <a:t>Street</a:t>
+                      </a:r>
+                      <a:endParaRPr lang="nl-NL" sz="1200" dirty="0"/>
+                    </a:p>
+                  </a:txBody>
+                  <a:tcPr/>
+                </a:tc>
+                <a:tc>
+                  <a:txBody>
+                    <a:bodyPr/>
+                    <a:lstStyle/>
+                    <a:p>
+                      <a:r>
+                        <a:rPr lang="nl-NL" sz="1200" dirty="0" smtClean="0"/>
+                        <a:t>BKR-Worthy</a:t>
+                      </a:r>
+                      <a:endParaRPr lang="nl-NL" sz="1200" dirty="0"/>
+                    </a:p>
+                  </a:txBody>
+                  <a:tcPr/>
+                </a:tc>
+                <a:tc>
+                  <a:txBody>
+                    <a:bodyPr/>
+                    <a:lstStyle/>
+                    <a:p>
+                      <a:r>
+                        <a:rPr lang="nl-NL" sz="1200" dirty="0" smtClean="0"/>
+                        <a:t>View</a:t>
+                      </a:r>
+                      <a:endParaRPr lang="nl-NL" sz="1200" dirty="0"/>
+                    </a:p>
+                  </a:txBody>
+                  <a:tcPr/>
+                </a:tc>
+                <a:tc>
+                  <a:txBody>
+                    <a:bodyPr/>
+                    <a:lstStyle/>
+                    <a:p>
+                      <a:r>
+                        <a:rPr lang="nl-NL" sz="1200" dirty="0" smtClean="0"/>
+                        <a:t>Edit</a:t>
+                      </a:r>
+                      <a:endParaRPr lang="nl-NL" sz="1200" dirty="0"/>
+                    </a:p>
+                  </a:txBody>
+                  <a:tcPr/>
+                </a:tc>
+              </a:tr>
+              <a:tr h="370840">
+                <a:tc>
+                  <a:txBody>
+                    <a:bodyPr/>
+                    <a:lstStyle/>
+                    <a:p>
+                      <a:endParaRPr lang="nl-NL"/>
+                    </a:p>
+                  </a:txBody>
+                  <a:tcPr/>
+                </a:tc>
+                <a:tc>
+                  <a:txBody>
+                    <a:bodyPr/>
+                    <a:lstStyle/>
+                    <a:p>
+                      <a:endParaRPr lang="nl-NL"/>
+                    </a:p>
+                  </a:txBody>
+                  <a:tcPr/>
+                </a:tc>
+                <a:tc>
+                  <a:txBody>
+                    <a:bodyPr/>
+                    <a:lstStyle/>
+                    <a:p>
+                      <a:endParaRPr lang="nl-NL"/>
+                    </a:p>
+                  </a:txBody>
+                  <a:tcPr/>
+                </a:tc>
+                <a:tc>
+                  <a:txBody>
+                    <a:bodyPr/>
+                    <a:lstStyle/>
+                    <a:p>
+                      <a:endParaRPr lang="nl-NL"/>
+                    </a:p>
+                  </a:txBody>
+                  <a:tcPr/>
+                </a:tc>
+                <a:tc>
+                  <a:txBody>
+                    <a:bodyPr/>
+                    <a:lstStyle/>
+                    <a:p>
+                      <a:endParaRPr lang="nl-NL"/>
+                    </a:p>
+                  </a:txBody>
+                  <a:tcPr/>
+                </a:tc>
+                <a:tc>
+                  <a:txBody>
+                    <a:bodyPr/>
+                    <a:lstStyle/>
+                    <a:p>
+                      <a:endParaRPr lang="nl-NL"/>
+                    </a:p>
+                  </a:txBody>
+                  <a:tcPr/>
+                </a:tc>
+                <a:tc>
+                  <a:txBody>
+                    <a:bodyPr/>
+                    <a:lstStyle/>
+                    <a:p>
+                      <a:endParaRPr lang="nl-NL"/>
+                    </a:p>
+                  </a:txBody>
+                  <a:tcPr/>
+                </a:tc>
+                <a:tc>
+                  <a:txBody>
+                    <a:bodyPr/>
+                    <a:lstStyle/>
+                    <a:p>
+                      <a:endParaRPr lang="nl-NL" dirty="0"/>
+                    </a:p>
+                  </a:txBody>
+                  <a:tcPr/>
+                </a:tc>
+              </a:tr>
+            </a:tbl>
+          </a:graphicData>
+        </a:graphic>
+      </p:graphicFrame>
+    </p:spTree>
+    <p:extLst>
+      <p:ext uri="{BB962C8B-B14F-4D97-AF65-F5344CB8AC3E}">
+        <p14:creationId xmlns:p14="http://schemas.microsoft.com/office/powerpoint/2010/main" val="2854454111"/>
       </p:ext>
     </p:extLst>
   </p:cSld>

--- a/Docs/Prototype_v0.1/Barroc-IT Prototype.pptx
+++ b/Docs/Prototype_v0.1/Barroc-IT Prototype.pptx
@@ -16,7 +16,9 @@
     <p:sldId id="265" r:id="rId10"/>
     <p:sldId id="266" r:id="rId11"/>
     <p:sldId id="267" r:id="rId12"/>
-    <p:sldId id="268" r:id="rId13"/>
+    <p:sldId id="269" r:id="rId13"/>
+    <p:sldId id="268" r:id="rId14"/>
+    <p:sldId id="270" r:id="rId15"/>
   </p:sldIdLst>
   <p:sldSz cx="9144000" cy="6858000" type="screen4x3"/>
   <p:notesSz cx="6858000" cy="9144000"/>
@@ -115,6 +117,22 @@
       </a:defRPr>
     </a:lvl9pPr>
   </p:defaultTextStyle>
+  <p:extLst>
+    <p:ext uri="{EFAFB233-063F-42B5-8137-9DF3F51BA10A}">
+      <p15:sldGuideLst xmlns:p15="http://schemas.microsoft.com/office/powerpoint/2012/main">
+        <p15:guide id="1" orient="horz" pos="2160">
+          <p15:clr>
+            <a:srgbClr val="A4A3A4"/>
+          </p15:clr>
+        </p15:guide>
+        <p15:guide id="2" pos="2880">
+          <p15:clr>
+            <a:srgbClr val="A4A3A4"/>
+          </p15:clr>
+        </p15:guide>
+      </p15:sldGuideLst>
+    </p:ext>
+  </p:extLst>
 </p:presentation>
 </file>
 
@@ -299,7 +317,7 @@
           <a:p>
             <a:fld id="{A4596DDB-5EBB-4D5B-8C35-D384F2E8AF16}" type="datetimeFigureOut">
               <a:rPr lang="nl-NL" smtClean="0"/>
-              <a:t>18-9-2014</a:t>
+              <a:t>19-9-2014</a:t>
             </a:fld>
             <a:endParaRPr lang="nl-NL"/>
           </a:p>
@@ -341,7 +359,7 @@
           <a:p>
             <a:fld id="{99C153BB-CDB5-4C6F-A0E4-487966CFD04B}" type="slidenum">
               <a:rPr lang="nl-NL" smtClean="0"/>
-              <a:t>‹#›</a:t>
+              <a:t>‹nr.›</a:t>
             </a:fld>
             <a:endParaRPr lang="nl-NL"/>
           </a:p>
@@ -469,7 +487,7 @@
           <a:p>
             <a:fld id="{A4596DDB-5EBB-4D5B-8C35-D384F2E8AF16}" type="datetimeFigureOut">
               <a:rPr lang="nl-NL" smtClean="0"/>
-              <a:t>18-9-2014</a:t>
+              <a:t>19-9-2014</a:t>
             </a:fld>
             <a:endParaRPr lang="nl-NL"/>
           </a:p>
@@ -511,7 +529,7 @@
           <a:p>
             <a:fld id="{99C153BB-CDB5-4C6F-A0E4-487966CFD04B}" type="slidenum">
               <a:rPr lang="nl-NL" smtClean="0"/>
-              <a:t>‹#›</a:t>
+              <a:t>‹nr.›</a:t>
             </a:fld>
             <a:endParaRPr lang="nl-NL"/>
           </a:p>
@@ -649,7 +667,7 @@
           <a:p>
             <a:fld id="{A4596DDB-5EBB-4D5B-8C35-D384F2E8AF16}" type="datetimeFigureOut">
               <a:rPr lang="nl-NL" smtClean="0"/>
-              <a:t>18-9-2014</a:t>
+              <a:t>19-9-2014</a:t>
             </a:fld>
             <a:endParaRPr lang="nl-NL"/>
           </a:p>
@@ -691,7 +709,7 @@
           <a:p>
             <a:fld id="{99C153BB-CDB5-4C6F-A0E4-487966CFD04B}" type="slidenum">
               <a:rPr lang="nl-NL" smtClean="0"/>
-              <a:t>‹#›</a:t>
+              <a:t>‹nr.›</a:t>
             </a:fld>
             <a:endParaRPr lang="nl-NL"/>
           </a:p>
@@ -819,7 +837,7 @@
           <a:p>
             <a:fld id="{A4596DDB-5EBB-4D5B-8C35-D384F2E8AF16}" type="datetimeFigureOut">
               <a:rPr lang="nl-NL" smtClean="0"/>
-              <a:t>18-9-2014</a:t>
+              <a:t>19-9-2014</a:t>
             </a:fld>
             <a:endParaRPr lang="nl-NL"/>
           </a:p>
@@ -861,7 +879,7 @@
           <a:p>
             <a:fld id="{99C153BB-CDB5-4C6F-A0E4-487966CFD04B}" type="slidenum">
               <a:rPr lang="nl-NL" smtClean="0"/>
-              <a:t>‹#›</a:t>
+              <a:t>‹nr.›</a:t>
             </a:fld>
             <a:endParaRPr lang="nl-NL"/>
           </a:p>
@@ -1065,7 +1083,7 @@
           <a:p>
             <a:fld id="{A4596DDB-5EBB-4D5B-8C35-D384F2E8AF16}" type="datetimeFigureOut">
               <a:rPr lang="nl-NL" smtClean="0"/>
-              <a:t>18-9-2014</a:t>
+              <a:t>19-9-2014</a:t>
             </a:fld>
             <a:endParaRPr lang="nl-NL"/>
           </a:p>
@@ -1107,7 +1125,7 @@
           <a:p>
             <a:fld id="{99C153BB-CDB5-4C6F-A0E4-487966CFD04B}" type="slidenum">
               <a:rPr lang="nl-NL" smtClean="0"/>
-              <a:t>‹#›</a:t>
+              <a:t>‹nr.›</a:t>
             </a:fld>
             <a:endParaRPr lang="nl-NL"/>
           </a:p>
@@ -1353,7 +1371,7 @@
           <a:p>
             <a:fld id="{A4596DDB-5EBB-4D5B-8C35-D384F2E8AF16}" type="datetimeFigureOut">
               <a:rPr lang="nl-NL" smtClean="0"/>
-              <a:t>18-9-2014</a:t>
+              <a:t>19-9-2014</a:t>
             </a:fld>
             <a:endParaRPr lang="nl-NL"/>
           </a:p>
@@ -1395,7 +1413,7 @@
           <a:p>
             <a:fld id="{99C153BB-CDB5-4C6F-A0E4-487966CFD04B}" type="slidenum">
               <a:rPr lang="nl-NL" smtClean="0"/>
-              <a:t>‹#›</a:t>
+              <a:t>‹nr.›</a:t>
             </a:fld>
             <a:endParaRPr lang="nl-NL"/>
           </a:p>
@@ -1775,7 +1793,7 @@
           <a:p>
             <a:fld id="{A4596DDB-5EBB-4D5B-8C35-D384F2E8AF16}" type="datetimeFigureOut">
               <a:rPr lang="nl-NL" smtClean="0"/>
-              <a:t>18-9-2014</a:t>
+              <a:t>19-9-2014</a:t>
             </a:fld>
             <a:endParaRPr lang="nl-NL"/>
           </a:p>
@@ -1817,7 +1835,7 @@
           <a:p>
             <a:fld id="{99C153BB-CDB5-4C6F-A0E4-487966CFD04B}" type="slidenum">
               <a:rPr lang="nl-NL" smtClean="0"/>
-              <a:t>‹#›</a:t>
+              <a:t>‹nr.›</a:t>
             </a:fld>
             <a:endParaRPr lang="nl-NL"/>
           </a:p>
@@ -1893,7 +1911,7 @@
           <a:p>
             <a:fld id="{A4596DDB-5EBB-4D5B-8C35-D384F2E8AF16}" type="datetimeFigureOut">
               <a:rPr lang="nl-NL" smtClean="0"/>
-              <a:t>18-9-2014</a:t>
+              <a:t>19-9-2014</a:t>
             </a:fld>
             <a:endParaRPr lang="nl-NL"/>
           </a:p>
@@ -1935,7 +1953,7 @@
           <a:p>
             <a:fld id="{99C153BB-CDB5-4C6F-A0E4-487966CFD04B}" type="slidenum">
               <a:rPr lang="nl-NL" smtClean="0"/>
-              <a:t>‹#›</a:t>
+              <a:t>‹nr.›</a:t>
             </a:fld>
             <a:endParaRPr lang="nl-NL"/>
           </a:p>
@@ -1988,7 +2006,7 @@
           <a:p>
             <a:fld id="{A4596DDB-5EBB-4D5B-8C35-D384F2E8AF16}" type="datetimeFigureOut">
               <a:rPr lang="nl-NL" smtClean="0"/>
-              <a:t>18-9-2014</a:t>
+              <a:t>19-9-2014</a:t>
             </a:fld>
             <a:endParaRPr lang="nl-NL"/>
           </a:p>
@@ -2030,7 +2048,7 @@
           <a:p>
             <a:fld id="{99C153BB-CDB5-4C6F-A0E4-487966CFD04B}" type="slidenum">
               <a:rPr lang="nl-NL" smtClean="0"/>
-              <a:t>‹#›</a:t>
+              <a:t>‹nr.›</a:t>
             </a:fld>
             <a:endParaRPr lang="nl-NL"/>
           </a:p>
@@ -2265,7 +2283,7 @@
           <a:p>
             <a:fld id="{A4596DDB-5EBB-4D5B-8C35-D384F2E8AF16}" type="datetimeFigureOut">
               <a:rPr lang="nl-NL" smtClean="0"/>
-              <a:t>18-9-2014</a:t>
+              <a:t>19-9-2014</a:t>
             </a:fld>
             <a:endParaRPr lang="nl-NL"/>
           </a:p>
@@ -2307,7 +2325,7 @@
           <a:p>
             <a:fld id="{99C153BB-CDB5-4C6F-A0E4-487966CFD04B}" type="slidenum">
               <a:rPr lang="nl-NL" smtClean="0"/>
-              <a:t>‹#›</a:t>
+              <a:t>‹nr.›</a:t>
             </a:fld>
             <a:endParaRPr lang="nl-NL"/>
           </a:p>
@@ -2518,7 +2536,7 @@
           <a:p>
             <a:fld id="{A4596DDB-5EBB-4D5B-8C35-D384F2E8AF16}" type="datetimeFigureOut">
               <a:rPr lang="nl-NL" smtClean="0"/>
-              <a:t>18-9-2014</a:t>
+              <a:t>19-9-2014</a:t>
             </a:fld>
             <a:endParaRPr lang="nl-NL"/>
           </a:p>
@@ -2560,7 +2578,7 @@
           <a:p>
             <a:fld id="{99C153BB-CDB5-4C6F-A0E4-487966CFD04B}" type="slidenum">
               <a:rPr lang="nl-NL" smtClean="0"/>
-              <a:t>‹#›</a:t>
+              <a:t>‹nr.›</a:t>
             </a:fld>
             <a:endParaRPr lang="nl-NL"/>
           </a:p>
@@ -2731,7 +2749,7 @@
           <a:p>
             <a:fld id="{A4596DDB-5EBB-4D5B-8C35-D384F2E8AF16}" type="datetimeFigureOut">
               <a:rPr lang="nl-NL" smtClean="0"/>
-              <a:t>18-9-2014</a:t>
+              <a:t>19-9-2014</a:t>
             </a:fld>
             <a:endParaRPr lang="nl-NL"/>
           </a:p>
@@ -2809,7 +2827,7 @@
           <a:p>
             <a:fld id="{99C153BB-CDB5-4C6F-A0E4-487966CFD04B}" type="slidenum">
               <a:rPr lang="nl-NL" smtClean="0"/>
-              <a:t>‹#›</a:t>
+              <a:t>‹nr.›</a:t>
             </a:fld>
             <a:endParaRPr lang="nl-NL"/>
           </a:p>
@@ -3554,7 +3572,7 @@
         <p:spPr>
           <a:xfrm>
             <a:off x="431540" y="1299372"/>
-            <a:ext cx="1944216" cy="4801314"/>
+            <a:ext cx="1944216" cy="4524315"/>
           </a:xfrm>
           <a:prstGeom prst="rect">
             <a:avLst/>
@@ -3580,7 +3598,6 @@
               <a:rPr lang="nl-NL" b="1" dirty="0" smtClean="0"/>
               <a:t>Add Customer</a:t>
             </a:r>
-            <a:endParaRPr lang="nl-NL" b="1" dirty="0" smtClean="0"/>
           </a:p>
           <a:p>
             <a:endParaRPr lang="nl-NL" b="1" dirty="0" smtClean="0"/>
@@ -3590,7 +3607,6 @@
               <a:rPr lang="nl-NL" b="1" dirty="0" smtClean="0"/>
               <a:t>Manage Customer</a:t>
             </a:r>
-            <a:endParaRPr lang="nl-NL" b="1" dirty="0" smtClean="0"/>
           </a:p>
           <a:p>
             <a:endParaRPr lang="nl-NL" b="1" dirty="0" smtClean="0"/>
@@ -3600,7 +3616,6 @@
               <a:rPr lang="nl-NL" b="1" dirty="0" smtClean="0"/>
               <a:t>Manage Project</a:t>
             </a:r>
-            <a:endParaRPr lang="nl-NL" b="1" dirty="0" smtClean="0"/>
           </a:p>
           <a:p>
             <a:endParaRPr lang="nl-NL" b="1" dirty="0"/>
@@ -3608,7 +3623,7 @@
           <a:p>
             <a:r>
               <a:rPr lang="nl-NL" b="1" dirty="0" smtClean="0"/>
-              <a:t>Deactivate Customer</a:t>
+              <a:t>Delete Customer</a:t>
             </a:r>
             <a:endParaRPr lang="nl-NL" b="1" dirty="0"/>
           </a:p>
@@ -3935,8 +3950,8 @@
         </p:nvSpPr>
         <p:spPr>
           <a:xfrm>
-            <a:off x="449377" y="3480404"/>
-            <a:ext cx="1944216" cy="668676"/>
+            <a:off x="457200" y="3531269"/>
+            <a:ext cx="1944216" cy="329778"/>
           </a:xfrm>
           <a:prstGeom prst="rect">
             <a:avLst/>
@@ -4385,7 +4400,7 @@
         <p:spPr>
           <a:xfrm>
             <a:off x="431540" y="1299372"/>
-            <a:ext cx="1944216" cy="4801314"/>
+            <a:ext cx="1944216" cy="4524315"/>
           </a:xfrm>
           <a:prstGeom prst="rect">
             <a:avLst/>
@@ -4411,7 +4426,6 @@
               <a:rPr lang="nl-NL" b="1" dirty="0" smtClean="0"/>
               <a:t>Add Customer</a:t>
             </a:r>
-            <a:endParaRPr lang="nl-NL" b="1" dirty="0" smtClean="0"/>
           </a:p>
           <a:p>
             <a:endParaRPr lang="nl-NL" b="1" dirty="0" smtClean="0"/>
@@ -4421,7 +4435,6 @@
               <a:rPr lang="nl-NL" b="1" dirty="0" smtClean="0"/>
               <a:t>Manage Customer</a:t>
             </a:r>
-            <a:endParaRPr lang="nl-NL" b="1" dirty="0" smtClean="0"/>
           </a:p>
           <a:p>
             <a:endParaRPr lang="nl-NL" b="1" dirty="0" smtClean="0"/>
@@ -4431,7 +4444,6 @@
               <a:rPr lang="nl-NL" b="1" dirty="0" smtClean="0"/>
               <a:t>Manage Project</a:t>
             </a:r>
-            <a:endParaRPr lang="nl-NL" b="1" dirty="0" smtClean="0"/>
           </a:p>
           <a:p>
             <a:endParaRPr lang="nl-NL" b="1" dirty="0"/>
@@ -4439,7 +4451,7 @@
           <a:p>
             <a:r>
               <a:rPr lang="nl-NL" b="1" dirty="0" smtClean="0"/>
-              <a:t>Deactivate Customer</a:t>
+              <a:t>Delete Customer</a:t>
             </a:r>
             <a:endParaRPr lang="nl-NL" b="1" dirty="0"/>
           </a:p>
@@ -4766,8 +4778,8 @@
         </p:nvSpPr>
         <p:spPr>
           <a:xfrm>
-            <a:off x="449377" y="3480404"/>
-            <a:ext cx="1944216" cy="668676"/>
+            <a:off x="460177" y="3513859"/>
+            <a:ext cx="1944216" cy="334338"/>
           </a:xfrm>
           <a:prstGeom prst="rect">
             <a:avLst/>
@@ -4827,6 +4839,17 @@
           <a:lstStyle/>
           <a:p>
             <a:pPr algn="ctr"/>
+            <a:r>
+              <a:rPr lang="nl-NL" sz="3200" b="1" dirty="0" err="1" smtClean="0">
+                <a:solidFill>
+                  <a:schemeClr val="tx1">
+                    <a:lumMod val="75000"/>
+                    <a:lumOff val="25000"/>
+                  </a:schemeClr>
+                </a:solidFill>
+              </a:rPr>
+              <a:t>Archive</a:t>
+            </a:r>
             <a:r>
               <a:rPr lang="nl-NL" sz="3200" b="1" dirty="0" smtClean="0">
                 <a:solidFill>
@@ -4836,7 +4859,18 @@
                   </a:schemeClr>
                 </a:solidFill>
               </a:rPr>
-              <a:t>Deactivated Customers</a:t>
+              <a:t> </a:t>
+            </a:r>
+            <a:r>
+              <a:rPr lang="nl-NL" sz="3200" b="1" dirty="0" err="1" smtClean="0">
+                <a:solidFill>
+                  <a:schemeClr val="tx1">
+                    <a:lumMod val="75000"/>
+                    <a:lumOff val="25000"/>
+                  </a:schemeClr>
+                </a:solidFill>
+              </a:rPr>
+              <a:t>Customers</a:t>
             </a:r>
             <a:endParaRPr lang="nl-NL" sz="3200" b="1" dirty="0">
               <a:solidFill>
@@ -5267,7 +5301,6 @@
               <a:rPr lang="nl-NL" b="1" dirty="0" smtClean="0"/>
               <a:t>Send Invoice</a:t>
             </a:r>
-            <a:endParaRPr lang="nl-NL" b="1" dirty="0" smtClean="0"/>
           </a:p>
           <a:p>
             <a:endParaRPr lang="nl-NL" b="1" dirty="0" smtClean="0"/>
@@ -5277,7 +5310,6 @@
               <a:rPr lang="nl-NL" b="1" dirty="0" smtClean="0"/>
               <a:t>Finance Info</a:t>
             </a:r>
-            <a:endParaRPr lang="nl-NL" b="1" dirty="0" smtClean="0"/>
           </a:p>
           <a:p>
             <a:endParaRPr lang="nl-NL" b="1" dirty="0" smtClean="0"/>
@@ -5287,7 +5319,6 @@
               <a:rPr lang="nl-NL" b="1" dirty="0" smtClean="0"/>
               <a:t>BKR-Check</a:t>
             </a:r>
-            <a:endParaRPr lang="nl-NL" b="1" dirty="0" smtClean="0"/>
           </a:p>
           <a:p>
             <a:endParaRPr lang="nl-NL" b="1" dirty="0"/>
@@ -5645,18 +5676,7 @@
                   </a:schemeClr>
                 </a:solidFill>
               </a:rPr>
-              <a:t>Welcome, </a:t>
-            </a:r>
-            <a:r>
-              <a:rPr lang="nl-NL" sz="2000" b="1" dirty="0" smtClean="0">
-                <a:solidFill>
-                  <a:schemeClr val="tx1">
-                    <a:lumMod val="75000"/>
-                    <a:lumOff val="25000"/>
-                  </a:schemeClr>
-                </a:solidFill>
-              </a:rPr>
-              <a:t>Finance.</a:t>
+              <a:t>Welcome, Finance.</a:t>
             </a:r>
             <a:endParaRPr lang="nl-NL" sz="2000" b="1" dirty="0">
               <a:solidFill>
@@ -5720,7 +5740,1623 @@
     </p:spTree>
     <p:extLst>
       <p:ext uri="{BB962C8B-B14F-4D97-AF65-F5344CB8AC3E}">
+        <p14:creationId xmlns:p14="http://schemas.microsoft.com/office/powerpoint/2010/main" val="594482946"/>
+      </p:ext>
+    </p:extLst>
+  </p:cSld>
+  <p:clrMapOvr>
+    <a:masterClrMapping/>
+  </p:clrMapOvr>
+  <p:timing>
+    <p:tnLst>
+      <p:par>
+        <p:cTn id="1" dur="indefinite" restart="never" nodeType="tmRoot"/>
+      </p:par>
+    </p:tnLst>
+  </p:timing>
+</p:sld>
+</file>
+
+<file path=ppt/slides/slide13.xml><?xml version="1.0" encoding="utf-8"?>
+<p:sld xmlns:a="http://schemas.openxmlformats.org/drawingml/2006/main" xmlns:r="http://schemas.openxmlformats.org/officeDocument/2006/relationships" xmlns:p="http://schemas.openxmlformats.org/presentationml/2006/main">
+  <p:cSld>
+    <p:spTree>
+      <p:nvGrpSpPr>
+        <p:cNvPr id="1" name=""/>
+        <p:cNvGrpSpPr/>
+        <p:nvPr/>
+      </p:nvGrpSpPr>
+      <p:grpSpPr>
+        <a:xfrm>
+          <a:off x="0" y="0"/>
+          <a:ext cx="0" cy="0"/>
+          <a:chOff x="0" y="0"/>
+          <a:chExt cx="0" cy="0"/>
+        </a:xfrm>
+      </p:grpSpPr>
+      <p:sp>
+        <p:nvSpPr>
+          <p:cNvPr id="13" name="Rectangle 12"/>
+          <p:cNvSpPr/>
+          <p:nvPr/>
+        </p:nvSpPr>
+        <p:spPr>
+          <a:xfrm>
+            <a:off x="251520" y="548680"/>
+            <a:ext cx="8640960" cy="576064"/>
+          </a:xfrm>
+          <a:prstGeom prst="rect">
+            <a:avLst/>
+          </a:prstGeom>
+          <a:noFill/>
+          <a:ln>
+            <a:solidFill>
+              <a:schemeClr val="tx1"/>
+            </a:solidFill>
+          </a:ln>
+        </p:spPr>
+        <p:style>
+          <a:lnRef idx="2">
+            <a:schemeClr val="accent1">
+              <a:shade val="50000"/>
+            </a:schemeClr>
+          </a:lnRef>
+          <a:fillRef idx="1">
+            <a:schemeClr val="accent1"/>
+          </a:fillRef>
+          <a:effectRef idx="0">
+            <a:schemeClr val="accent1"/>
+          </a:effectRef>
+          <a:fontRef idx="minor">
+            <a:schemeClr val="lt1"/>
+          </a:fontRef>
+        </p:style>
+        <p:txBody>
+          <a:bodyPr rtlCol="0" anchor="ctr"/>
+          <a:lstStyle/>
+          <a:p>
+            <a:pPr algn="ctr"/>
+            <a:endParaRPr lang="nl-NL"/>
+          </a:p>
+        </p:txBody>
+      </p:sp>
+      <p:sp>
+        <p:nvSpPr>
+          <p:cNvPr id="3" name="Content Placeholder 2"/>
+          <p:cNvSpPr>
+            <a:spLocks noGrp="1"/>
+          </p:cNvSpPr>
+          <p:nvPr>
+            <p:ph idx="1"/>
+          </p:nvPr>
+        </p:nvSpPr>
+        <p:spPr>
+          <a:xfrm>
+            <a:off x="457200" y="548681"/>
+            <a:ext cx="8229600" cy="648072"/>
+          </a:xfrm>
+        </p:spPr>
+        <p:txBody>
+          <a:bodyPr/>
+          <a:lstStyle/>
+          <a:p>
+            <a:pPr marL="0" indent="0" algn="ctr">
+              <a:buNone/>
+            </a:pPr>
+            <a:r>
+              <a:rPr lang="nl-NL" b="1" dirty="0" smtClean="0">
+                <a:solidFill>
+                  <a:schemeClr val="tx1">
+                    <a:lumMod val="75000"/>
+                    <a:lumOff val="25000"/>
+                  </a:schemeClr>
+                </a:solidFill>
+              </a:rPr>
+              <a:t>Finance</a:t>
+            </a:r>
+            <a:endParaRPr lang="nl-NL" b="1" dirty="0">
+              <a:solidFill>
+                <a:schemeClr val="tx1">
+                  <a:lumMod val="75000"/>
+                  <a:lumOff val="25000"/>
+                </a:schemeClr>
+              </a:solidFill>
+            </a:endParaRPr>
+          </a:p>
+        </p:txBody>
+      </p:sp>
+      <p:sp>
+        <p:nvSpPr>
+          <p:cNvPr id="5" name="Rectangle 4"/>
+          <p:cNvSpPr/>
+          <p:nvPr/>
+        </p:nvSpPr>
+        <p:spPr>
+          <a:xfrm>
+            <a:off x="251520" y="1124744"/>
+            <a:ext cx="2304256" cy="5112568"/>
+          </a:xfrm>
+          <a:prstGeom prst="rect">
+            <a:avLst/>
+          </a:prstGeom>
+          <a:noFill/>
+          <a:ln>
+            <a:solidFill>
+              <a:schemeClr val="tx1"/>
+            </a:solidFill>
+          </a:ln>
+        </p:spPr>
+        <p:style>
+          <a:lnRef idx="2">
+            <a:schemeClr val="accent1">
+              <a:shade val="50000"/>
+            </a:schemeClr>
+          </a:lnRef>
+          <a:fillRef idx="1">
+            <a:schemeClr val="accent1"/>
+          </a:fillRef>
+          <a:effectRef idx="0">
+            <a:schemeClr val="accent1"/>
+          </a:effectRef>
+          <a:fontRef idx="minor">
+            <a:schemeClr val="lt1"/>
+          </a:fontRef>
+        </p:style>
+        <p:txBody>
+          <a:bodyPr rtlCol="0" anchor="ctr"/>
+          <a:lstStyle/>
+          <a:p>
+            <a:pPr algn="ctr"/>
+            <a:endParaRPr lang="nl-NL"/>
+          </a:p>
+        </p:txBody>
+      </p:sp>
+      <p:sp>
+        <p:nvSpPr>
+          <p:cNvPr id="4" name="TextBox 3"/>
+          <p:cNvSpPr txBox="1"/>
+          <p:nvPr/>
+        </p:nvSpPr>
+        <p:spPr>
+          <a:xfrm>
+            <a:off x="431540" y="1299372"/>
+            <a:ext cx="1944216" cy="4801314"/>
+          </a:xfrm>
+          <a:prstGeom prst="rect">
+            <a:avLst/>
+          </a:prstGeom>
+          <a:noFill/>
+        </p:spPr>
+        <p:txBody>
+          <a:bodyPr wrap="square" rtlCol="0">
+            <a:spAutoFit/>
+          </a:bodyPr>
+          <a:lstStyle/>
+          <a:p>
+            <a:r>
+              <a:rPr lang="nl-NL" b="1" dirty="0" smtClean="0"/>
+              <a:t>Home</a:t>
+            </a:r>
+          </a:p>
+          <a:p>
+            <a:endParaRPr lang="nl-NL" b="1" dirty="0" smtClean="0"/>
+          </a:p>
+          <a:p>
+            <a:r>
+              <a:rPr lang="nl-NL" b="1" dirty="0" smtClean="0"/>
+              <a:t>Send Invoice</a:t>
+            </a:r>
+          </a:p>
+          <a:p>
+            <a:endParaRPr lang="nl-NL" b="1" dirty="0" smtClean="0"/>
+          </a:p>
+          <a:p>
+            <a:r>
+              <a:rPr lang="nl-NL" b="1" dirty="0" smtClean="0"/>
+              <a:t>Finance Info</a:t>
+            </a:r>
+          </a:p>
+          <a:p>
+            <a:endParaRPr lang="nl-NL" b="1" dirty="0" smtClean="0"/>
+          </a:p>
+          <a:p>
+            <a:r>
+              <a:rPr lang="nl-NL" b="1" dirty="0" smtClean="0"/>
+              <a:t>BKR-Check</a:t>
+            </a:r>
+          </a:p>
+          <a:p>
+            <a:endParaRPr lang="nl-NL" b="1" dirty="0"/>
+          </a:p>
+          <a:p>
+            <a:r>
+              <a:rPr lang="nl-NL" b="1" dirty="0" smtClean="0"/>
+              <a:t>Over Limit</a:t>
+            </a:r>
+          </a:p>
+          <a:p>
+            <a:endParaRPr lang="nl-NL" b="1" dirty="0"/>
+          </a:p>
+          <a:p>
+            <a:endParaRPr lang="nl-NL" b="1" dirty="0" smtClean="0"/>
+          </a:p>
+          <a:p>
+            <a:endParaRPr lang="nl-NL" b="1" dirty="0"/>
+          </a:p>
+          <a:p>
+            <a:endParaRPr lang="nl-NL" b="1" dirty="0" smtClean="0"/>
+          </a:p>
+          <a:p>
+            <a:endParaRPr lang="nl-NL" b="1" dirty="0"/>
+          </a:p>
+          <a:p>
+            <a:endParaRPr lang="nl-NL" b="1" dirty="0" smtClean="0"/>
+          </a:p>
+          <a:p>
+            <a:endParaRPr lang="nl-NL" b="1" dirty="0"/>
+          </a:p>
+          <a:p>
+            <a:r>
+              <a:rPr lang="nl-NL" b="1" dirty="0" smtClean="0"/>
+              <a:t>Logout</a:t>
+            </a:r>
+            <a:endParaRPr lang="nl-NL" b="1" dirty="0"/>
+          </a:p>
+        </p:txBody>
+      </p:sp>
+      <p:sp>
+        <p:nvSpPr>
+          <p:cNvPr id="7" name="Rectangle 6">
+            <a:hlinkClick r:id="rId2" action="ppaction://hlinksldjump"/>
+          </p:cNvPr>
+          <p:cNvSpPr/>
+          <p:nvPr/>
+        </p:nvSpPr>
+        <p:spPr>
+          <a:xfrm>
+            <a:off x="431540" y="2921350"/>
+            <a:ext cx="1944216" cy="363634"/>
+          </a:xfrm>
+          <a:prstGeom prst="rect">
+            <a:avLst/>
+          </a:prstGeom>
+          <a:noFill/>
+          <a:ln>
+            <a:solidFill>
+              <a:schemeClr val="tx1"/>
+            </a:solidFill>
+          </a:ln>
+        </p:spPr>
+        <p:style>
+          <a:lnRef idx="2">
+            <a:schemeClr val="accent1">
+              <a:shade val="50000"/>
+            </a:schemeClr>
+          </a:lnRef>
+          <a:fillRef idx="1">
+            <a:schemeClr val="accent1"/>
+          </a:fillRef>
+          <a:effectRef idx="0">
+            <a:schemeClr val="accent1"/>
+          </a:effectRef>
+          <a:fontRef idx="minor">
+            <a:schemeClr val="lt1"/>
+          </a:fontRef>
+        </p:style>
+        <p:txBody>
+          <a:bodyPr rtlCol="0" anchor="ctr"/>
+          <a:lstStyle/>
+          <a:p>
+            <a:pPr algn="ctr"/>
+            <a:endParaRPr lang="nl-NL"/>
+          </a:p>
+        </p:txBody>
+      </p:sp>
+      <p:sp>
+        <p:nvSpPr>
+          <p:cNvPr id="10" name="Rectangle 9">
+            <a:hlinkClick r:id="rId3" action="ppaction://hlinksldjump"/>
+          </p:cNvPr>
+          <p:cNvSpPr/>
+          <p:nvPr/>
+        </p:nvSpPr>
+        <p:spPr>
+          <a:xfrm>
+            <a:off x="431540" y="1337174"/>
+            <a:ext cx="1944216" cy="363634"/>
+          </a:xfrm>
+          <a:prstGeom prst="rect">
+            <a:avLst/>
+          </a:prstGeom>
+          <a:noFill/>
+          <a:ln>
+            <a:solidFill>
+              <a:schemeClr val="tx1"/>
+            </a:solidFill>
+          </a:ln>
+        </p:spPr>
+        <p:style>
+          <a:lnRef idx="2">
+            <a:schemeClr val="accent1">
+              <a:shade val="50000"/>
+            </a:schemeClr>
+          </a:lnRef>
+          <a:fillRef idx="1">
+            <a:schemeClr val="accent1"/>
+          </a:fillRef>
+          <a:effectRef idx="0">
+            <a:schemeClr val="accent1"/>
+          </a:effectRef>
+          <a:fontRef idx="minor">
+            <a:schemeClr val="lt1"/>
+          </a:fontRef>
+        </p:style>
+        <p:txBody>
+          <a:bodyPr rtlCol="0" anchor="ctr"/>
+          <a:lstStyle/>
+          <a:p>
+            <a:pPr algn="ctr"/>
+            <a:endParaRPr lang="nl-NL"/>
+          </a:p>
+        </p:txBody>
+      </p:sp>
+      <p:sp>
+        <p:nvSpPr>
+          <p:cNvPr id="11" name="Rectangle 10">
+            <a:hlinkClick r:id="rId4" action="ppaction://hlinksldjump"/>
+          </p:cNvPr>
+          <p:cNvSpPr/>
+          <p:nvPr/>
+        </p:nvSpPr>
+        <p:spPr>
+          <a:xfrm>
+            <a:off x="431540" y="1841230"/>
+            <a:ext cx="1944216" cy="363634"/>
+          </a:xfrm>
+          <a:prstGeom prst="rect">
+            <a:avLst/>
+          </a:prstGeom>
+          <a:noFill/>
+          <a:ln>
+            <a:solidFill>
+              <a:schemeClr val="tx1"/>
+            </a:solidFill>
+          </a:ln>
+        </p:spPr>
+        <p:style>
+          <a:lnRef idx="2">
+            <a:schemeClr val="accent1">
+              <a:shade val="50000"/>
+            </a:schemeClr>
+          </a:lnRef>
+          <a:fillRef idx="1">
+            <a:schemeClr val="accent1"/>
+          </a:fillRef>
+          <a:effectRef idx="0">
+            <a:schemeClr val="accent1"/>
+          </a:effectRef>
+          <a:fontRef idx="minor">
+            <a:schemeClr val="lt1"/>
+          </a:fontRef>
+        </p:style>
+        <p:txBody>
+          <a:bodyPr rtlCol="0" anchor="ctr"/>
+          <a:lstStyle/>
+          <a:p>
+            <a:pPr algn="ctr"/>
+            <a:endParaRPr lang="nl-NL" dirty="0"/>
+          </a:p>
+        </p:txBody>
+      </p:sp>
+      <p:sp>
+        <p:nvSpPr>
+          <p:cNvPr id="12" name="Rectangle 11">
+            <a:hlinkClick r:id="rId5" action="ppaction://hlinksldjump"/>
+          </p:cNvPr>
+          <p:cNvSpPr/>
+          <p:nvPr/>
+        </p:nvSpPr>
+        <p:spPr>
+          <a:xfrm>
+            <a:off x="431540" y="2417294"/>
+            <a:ext cx="1944216" cy="363634"/>
+          </a:xfrm>
+          <a:prstGeom prst="rect">
+            <a:avLst/>
+          </a:prstGeom>
+          <a:noFill/>
+          <a:ln>
+            <a:solidFill>
+              <a:schemeClr val="tx1"/>
+            </a:solidFill>
+          </a:ln>
+        </p:spPr>
+        <p:style>
+          <a:lnRef idx="2">
+            <a:schemeClr val="accent1">
+              <a:shade val="50000"/>
+            </a:schemeClr>
+          </a:lnRef>
+          <a:fillRef idx="1">
+            <a:schemeClr val="accent1"/>
+          </a:fillRef>
+          <a:effectRef idx="0">
+            <a:schemeClr val="accent1"/>
+          </a:effectRef>
+          <a:fontRef idx="minor">
+            <a:schemeClr val="lt1"/>
+          </a:fontRef>
+        </p:style>
+        <p:txBody>
+          <a:bodyPr rtlCol="0" anchor="ctr"/>
+          <a:lstStyle/>
+          <a:p>
+            <a:pPr algn="ctr"/>
+            <a:endParaRPr lang="nl-NL"/>
+          </a:p>
+        </p:txBody>
+      </p:sp>
+      <p:sp>
+        <p:nvSpPr>
+          <p:cNvPr id="14" name="Rectangle 13"/>
+          <p:cNvSpPr/>
+          <p:nvPr/>
+        </p:nvSpPr>
+        <p:spPr>
+          <a:xfrm>
+            <a:off x="2555776" y="1124744"/>
+            <a:ext cx="6336704" cy="5112568"/>
+          </a:xfrm>
+          <a:prstGeom prst="rect">
+            <a:avLst/>
+          </a:prstGeom>
+          <a:noFill/>
+          <a:ln>
+            <a:solidFill>
+              <a:schemeClr val="tx1"/>
+            </a:solidFill>
+          </a:ln>
+        </p:spPr>
+        <p:style>
+          <a:lnRef idx="2">
+            <a:schemeClr val="accent1">
+              <a:shade val="50000"/>
+            </a:schemeClr>
+          </a:lnRef>
+          <a:fillRef idx="1">
+            <a:schemeClr val="accent1"/>
+          </a:fillRef>
+          <a:effectRef idx="0">
+            <a:schemeClr val="accent1"/>
+          </a:effectRef>
+          <a:fontRef idx="minor">
+            <a:schemeClr val="lt1"/>
+          </a:fontRef>
+        </p:style>
+        <p:txBody>
+          <a:bodyPr rtlCol="0" anchor="ctr"/>
+          <a:lstStyle/>
+          <a:p>
+            <a:pPr algn="ctr"/>
+            <a:endParaRPr lang="nl-NL"/>
+          </a:p>
+        </p:txBody>
+      </p:sp>
+      <p:sp>
+        <p:nvSpPr>
+          <p:cNvPr id="16" name="Rectangle 15">
+            <a:hlinkClick r:id="rId6" action="ppaction://hlinksldjump"/>
+          </p:cNvPr>
+          <p:cNvSpPr/>
+          <p:nvPr/>
+        </p:nvSpPr>
+        <p:spPr>
+          <a:xfrm>
+            <a:off x="431540" y="5724654"/>
+            <a:ext cx="1944216" cy="363634"/>
+          </a:xfrm>
+          <a:prstGeom prst="rect">
+            <a:avLst/>
+          </a:prstGeom>
+          <a:noFill/>
+          <a:ln>
+            <a:solidFill>
+              <a:schemeClr val="tx1"/>
+            </a:solidFill>
+          </a:ln>
+        </p:spPr>
+        <p:style>
+          <a:lnRef idx="2">
+            <a:schemeClr val="accent1">
+              <a:shade val="50000"/>
+            </a:schemeClr>
+          </a:lnRef>
+          <a:fillRef idx="1">
+            <a:schemeClr val="accent1"/>
+          </a:fillRef>
+          <a:effectRef idx="0">
+            <a:schemeClr val="accent1"/>
+          </a:effectRef>
+          <a:fontRef idx="minor">
+            <a:schemeClr val="lt1"/>
+          </a:fontRef>
+        </p:style>
+        <p:txBody>
+          <a:bodyPr rtlCol="0" anchor="ctr"/>
+          <a:lstStyle/>
+          <a:p>
+            <a:pPr algn="ctr"/>
+            <a:endParaRPr lang="nl-NL"/>
+          </a:p>
+        </p:txBody>
+      </p:sp>
+      <p:sp>
+        <p:nvSpPr>
+          <p:cNvPr id="19" name="Rectangle 18">
+            <a:hlinkClick r:id="rId2" action="ppaction://hlinksldjump"/>
+          </p:cNvPr>
+          <p:cNvSpPr/>
+          <p:nvPr/>
+        </p:nvSpPr>
+        <p:spPr>
+          <a:xfrm>
+            <a:off x="395536" y="3497414"/>
+            <a:ext cx="1944216" cy="363634"/>
+          </a:xfrm>
+          <a:prstGeom prst="rect">
+            <a:avLst/>
+          </a:prstGeom>
+          <a:noFill/>
+          <a:ln>
+            <a:solidFill>
+              <a:schemeClr val="tx1"/>
+            </a:solidFill>
+          </a:ln>
+        </p:spPr>
+        <p:style>
+          <a:lnRef idx="2">
+            <a:schemeClr val="accent1">
+              <a:shade val="50000"/>
+            </a:schemeClr>
+          </a:lnRef>
+          <a:fillRef idx="1">
+            <a:schemeClr val="accent1"/>
+          </a:fillRef>
+          <a:effectRef idx="0">
+            <a:schemeClr val="accent1"/>
+          </a:effectRef>
+          <a:fontRef idx="minor">
+            <a:schemeClr val="lt1"/>
+          </a:fontRef>
+        </p:style>
+        <p:txBody>
+          <a:bodyPr rtlCol="0" anchor="ctr"/>
+          <a:lstStyle/>
+          <a:p>
+            <a:pPr algn="ctr"/>
+            <a:endParaRPr lang="nl-NL"/>
+          </a:p>
+        </p:txBody>
+      </p:sp>
+      <p:sp>
+        <p:nvSpPr>
+          <p:cNvPr id="8" name="Tekstvak 7"/>
+          <p:cNvSpPr txBox="1"/>
+          <p:nvPr/>
+        </p:nvSpPr>
+        <p:spPr>
+          <a:xfrm>
+            <a:off x="2824142" y="1488104"/>
+            <a:ext cx="2196244" cy="369332"/>
+          </a:xfrm>
+          <a:prstGeom prst="rect">
+            <a:avLst/>
+          </a:prstGeom>
+          <a:noFill/>
+        </p:spPr>
+        <p:txBody>
+          <a:bodyPr wrap="square" rtlCol="0">
+            <a:spAutoFit/>
+          </a:bodyPr>
+          <a:lstStyle/>
+          <a:p>
+            <a:r>
+              <a:rPr lang="nl-NL" dirty="0" smtClean="0"/>
+              <a:t>Customer Name </a:t>
+            </a:r>
+            <a:r>
+              <a:rPr lang="nl-NL" dirty="0" err="1" smtClean="0"/>
+              <a:t>Here</a:t>
+            </a:r>
+            <a:endParaRPr lang="nl-NL" dirty="0"/>
+          </a:p>
+        </p:txBody>
+      </p:sp>
+      <p:sp>
+        <p:nvSpPr>
+          <p:cNvPr id="17" name="Rechthoek 16"/>
+          <p:cNvSpPr/>
+          <p:nvPr/>
+        </p:nvSpPr>
+        <p:spPr>
+          <a:xfrm>
+            <a:off x="2926982" y="2896004"/>
+            <a:ext cx="5698976" cy="2828650"/>
+          </a:xfrm>
+          <a:prstGeom prst="rect">
+            <a:avLst/>
+          </a:prstGeom>
+          <a:noFill/>
+          <a:ln>
+            <a:solidFill>
+              <a:schemeClr val="tx1"/>
+            </a:solidFill>
+          </a:ln>
+        </p:spPr>
+        <p:style>
+          <a:lnRef idx="2">
+            <a:schemeClr val="accent1">
+              <a:shade val="50000"/>
+            </a:schemeClr>
+          </a:lnRef>
+          <a:fillRef idx="1">
+            <a:schemeClr val="accent1"/>
+          </a:fillRef>
+          <a:effectRef idx="0">
+            <a:schemeClr val="accent1"/>
+          </a:effectRef>
+          <a:fontRef idx="minor">
+            <a:schemeClr val="lt1"/>
+          </a:fontRef>
+        </p:style>
+        <p:txBody>
+          <a:bodyPr rtlCol="0" anchor="ctr"/>
+          <a:lstStyle/>
+          <a:p>
+            <a:pPr algn="ctr"/>
+            <a:endParaRPr lang="nl-NL"/>
+          </a:p>
+        </p:txBody>
+      </p:sp>
+      <p:sp>
+        <p:nvSpPr>
+          <p:cNvPr id="18" name="Tekstvak 17"/>
+          <p:cNvSpPr txBox="1"/>
+          <p:nvPr/>
+        </p:nvSpPr>
+        <p:spPr>
+          <a:xfrm>
+            <a:off x="2824142" y="1822076"/>
+            <a:ext cx="1044116" cy="369332"/>
+          </a:xfrm>
+          <a:prstGeom prst="rect">
+            <a:avLst/>
+          </a:prstGeom>
+          <a:noFill/>
+        </p:spPr>
+        <p:txBody>
+          <a:bodyPr wrap="square" rtlCol="0">
+            <a:spAutoFit/>
+          </a:bodyPr>
+          <a:lstStyle/>
+          <a:p>
+            <a:r>
+              <a:rPr lang="nl-NL" dirty="0" err="1" smtClean="0"/>
+              <a:t>Amount</a:t>
+            </a:r>
+            <a:r>
+              <a:rPr lang="nl-NL" dirty="0" smtClean="0"/>
+              <a:t>:</a:t>
+            </a:r>
+            <a:endParaRPr lang="nl-NL" dirty="0"/>
+          </a:p>
+        </p:txBody>
+      </p:sp>
+      <p:sp>
+        <p:nvSpPr>
+          <p:cNvPr id="20" name="Rechthoek 19"/>
+          <p:cNvSpPr/>
+          <p:nvPr/>
+        </p:nvSpPr>
+        <p:spPr>
+          <a:xfrm>
+            <a:off x="4624342" y="1860078"/>
+            <a:ext cx="1386154" cy="322239"/>
+          </a:xfrm>
+          <a:prstGeom prst="rect">
+            <a:avLst/>
+          </a:prstGeom>
+          <a:noFill/>
+          <a:ln>
+            <a:solidFill>
+              <a:schemeClr val="tx1"/>
+            </a:solidFill>
+          </a:ln>
+        </p:spPr>
+        <p:style>
+          <a:lnRef idx="2">
+            <a:schemeClr val="accent1">
+              <a:shade val="50000"/>
+            </a:schemeClr>
+          </a:lnRef>
+          <a:fillRef idx="1">
+            <a:schemeClr val="accent1"/>
+          </a:fillRef>
+          <a:effectRef idx="0">
+            <a:schemeClr val="accent1"/>
+          </a:effectRef>
+          <a:fontRef idx="minor">
+            <a:schemeClr val="lt1"/>
+          </a:fontRef>
+        </p:style>
+        <p:txBody>
+          <a:bodyPr rtlCol="0" anchor="ctr"/>
+          <a:lstStyle/>
+          <a:p>
+            <a:pPr algn="ctr"/>
+            <a:endParaRPr lang="nl-NL"/>
+          </a:p>
+        </p:txBody>
+      </p:sp>
+      <p:sp>
+        <p:nvSpPr>
+          <p:cNvPr id="21" name="Tekstvak 20"/>
+          <p:cNvSpPr txBox="1"/>
+          <p:nvPr/>
+        </p:nvSpPr>
+        <p:spPr>
+          <a:xfrm>
+            <a:off x="2831833" y="2194869"/>
+            <a:ext cx="1955943" cy="369332"/>
+          </a:xfrm>
+          <a:prstGeom prst="rect">
+            <a:avLst/>
+          </a:prstGeom>
+          <a:noFill/>
+        </p:spPr>
+        <p:txBody>
+          <a:bodyPr wrap="square" rtlCol="0">
+            <a:spAutoFit/>
+          </a:bodyPr>
+          <a:lstStyle/>
+          <a:p>
+            <a:r>
+              <a:rPr lang="nl-NL" dirty="0" err="1" smtClean="0"/>
+              <a:t>Expiriation</a:t>
+            </a:r>
+            <a:r>
+              <a:rPr lang="nl-NL" dirty="0" smtClean="0"/>
+              <a:t> Date:</a:t>
+            </a:r>
+            <a:endParaRPr lang="nl-NL" dirty="0"/>
+          </a:p>
+        </p:txBody>
+      </p:sp>
+      <p:sp>
+        <p:nvSpPr>
+          <p:cNvPr id="23" name="Rechthoek 22"/>
+          <p:cNvSpPr/>
+          <p:nvPr/>
+        </p:nvSpPr>
+        <p:spPr>
+          <a:xfrm>
+            <a:off x="4624342" y="2220395"/>
+            <a:ext cx="1386154" cy="297340"/>
+          </a:xfrm>
+          <a:prstGeom prst="rect">
+            <a:avLst/>
+          </a:prstGeom>
+          <a:noFill/>
+          <a:ln>
+            <a:solidFill>
+              <a:schemeClr val="tx1"/>
+            </a:solidFill>
+          </a:ln>
+        </p:spPr>
+        <p:style>
+          <a:lnRef idx="2">
+            <a:schemeClr val="accent1">
+              <a:shade val="50000"/>
+            </a:schemeClr>
+          </a:lnRef>
+          <a:fillRef idx="1">
+            <a:schemeClr val="accent1"/>
+          </a:fillRef>
+          <a:effectRef idx="0">
+            <a:schemeClr val="accent1"/>
+          </a:effectRef>
+          <a:fontRef idx="minor">
+            <a:schemeClr val="lt1"/>
+          </a:fontRef>
+        </p:style>
+        <p:txBody>
+          <a:bodyPr rtlCol="0" anchor="ctr"/>
+          <a:lstStyle/>
+          <a:p>
+            <a:pPr algn="ctr"/>
+            <a:endParaRPr lang="nl-NL"/>
+          </a:p>
+        </p:txBody>
+      </p:sp>
+      <p:sp>
+        <p:nvSpPr>
+          <p:cNvPr id="24" name="Tekstvak 23"/>
+          <p:cNvSpPr txBox="1"/>
+          <p:nvPr/>
+        </p:nvSpPr>
+        <p:spPr>
+          <a:xfrm>
+            <a:off x="2824142" y="2519750"/>
+            <a:ext cx="1800200" cy="369332"/>
+          </a:xfrm>
+          <a:prstGeom prst="rect">
+            <a:avLst/>
+          </a:prstGeom>
+          <a:noFill/>
+        </p:spPr>
+        <p:txBody>
+          <a:bodyPr wrap="square" rtlCol="0">
+            <a:spAutoFit/>
+          </a:bodyPr>
+          <a:lstStyle/>
+          <a:p>
+            <a:r>
+              <a:rPr lang="nl-NL" dirty="0" smtClean="0"/>
+              <a:t>Letter:</a:t>
+            </a:r>
+            <a:endParaRPr lang="nl-NL" dirty="0"/>
+          </a:p>
+        </p:txBody>
+      </p:sp>
+      <p:sp>
+        <p:nvSpPr>
+          <p:cNvPr id="25" name="Tekstvak 24"/>
+          <p:cNvSpPr txBox="1"/>
+          <p:nvPr/>
+        </p:nvSpPr>
+        <p:spPr>
+          <a:xfrm>
+            <a:off x="4355976" y="1086666"/>
+            <a:ext cx="3528392" cy="523220"/>
+          </a:xfrm>
+          <a:prstGeom prst="rect">
+            <a:avLst/>
+          </a:prstGeom>
+          <a:noFill/>
+        </p:spPr>
+        <p:txBody>
+          <a:bodyPr wrap="square" rtlCol="0">
+            <a:spAutoFit/>
+          </a:bodyPr>
+          <a:lstStyle/>
+          <a:p>
+            <a:r>
+              <a:rPr lang="nl-NL" sz="2800" dirty="0" err="1" smtClean="0"/>
+              <a:t>Send</a:t>
+            </a:r>
+            <a:r>
+              <a:rPr lang="nl-NL" sz="2800" dirty="0" smtClean="0"/>
+              <a:t> </a:t>
+            </a:r>
+            <a:r>
+              <a:rPr lang="nl-NL" sz="2800" dirty="0" err="1" smtClean="0"/>
+              <a:t>Invoice</a:t>
+            </a:r>
+            <a:endParaRPr lang="nl-NL" sz="2800" dirty="0"/>
+          </a:p>
+        </p:txBody>
+      </p:sp>
+      <p:sp>
+        <p:nvSpPr>
+          <p:cNvPr id="26" name="Rechthoek 25"/>
+          <p:cNvSpPr/>
+          <p:nvPr/>
+        </p:nvSpPr>
+        <p:spPr>
+          <a:xfrm>
+            <a:off x="7236296" y="5762732"/>
+            <a:ext cx="1450504" cy="337954"/>
+          </a:xfrm>
+          <a:prstGeom prst="rect">
+            <a:avLst/>
+          </a:prstGeom>
+          <a:noFill/>
+          <a:ln>
+            <a:solidFill>
+              <a:schemeClr val="tx1"/>
+            </a:solidFill>
+          </a:ln>
+        </p:spPr>
+        <p:style>
+          <a:lnRef idx="2">
+            <a:schemeClr val="accent1">
+              <a:shade val="50000"/>
+            </a:schemeClr>
+          </a:lnRef>
+          <a:fillRef idx="1">
+            <a:schemeClr val="accent1"/>
+          </a:fillRef>
+          <a:effectRef idx="0">
+            <a:schemeClr val="accent1"/>
+          </a:effectRef>
+          <a:fontRef idx="minor">
+            <a:schemeClr val="lt1"/>
+          </a:fontRef>
+        </p:style>
+        <p:txBody>
+          <a:bodyPr rtlCol="0" anchor="ctr"/>
+          <a:lstStyle/>
+          <a:p>
+            <a:pPr algn="ctr"/>
+            <a:endParaRPr lang="nl-NL"/>
+          </a:p>
+        </p:txBody>
+      </p:sp>
+      <p:sp>
+        <p:nvSpPr>
+          <p:cNvPr id="27" name="Tekstvak 26"/>
+          <p:cNvSpPr txBox="1"/>
+          <p:nvPr/>
+        </p:nvSpPr>
+        <p:spPr>
+          <a:xfrm>
+            <a:off x="7564969" y="5747043"/>
+            <a:ext cx="1152128" cy="369332"/>
+          </a:xfrm>
+          <a:prstGeom prst="rect">
+            <a:avLst/>
+          </a:prstGeom>
+          <a:noFill/>
+        </p:spPr>
+        <p:txBody>
+          <a:bodyPr wrap="square" rtlCol="0">
+            <a:spAutoFit/>
+          </a:bodyPr>
+          <a:lstStyle/>
+          <a:p>
+            <a:r>
+              <a:rPr lang="nl-NL" dirty="0" err="1" smtClean="0"/>
+              <a:t>Send</a:t>
+            </a:r>
+            <a:endParaRPr lang="nl-NL" dirty="0"/>
+          </a:p>
+        </p:txBody>
+      </p:sp>
+    </p:spTree>
+    <p:extLst>
+      <p:ext uri="{BB962C8B-B14F-4D97-AF65-F5344CB8AC3E}">
         <p14:creationId xmlns:p14="http://schemas.microsoft.com/office/powerpoint/2010/main" val="934066739"/>
+      </p:ext>
+    </p:extLst>
+  </p:cSld>
+  <p:clrMapOvr>
+    <a:masterClrMapping/>
+  </p:clrMapOvr>
+  <p:timing>
+    <p:tnLst>
+      <p:par>
+        <p:cTn id="1" dur="indefinite" restart="never" nodeType="tmRoot"/>
+      </p:par>
+    </p:tnLst>
+  </p:timing>
+</p:sld>
+</file>
+
+<file path=ppt/slides/slide14.xml><?xml version="1.0" encoding="utf-8"?>
+<p:sld xmlns:a="http://schemas.openxmlformats.org/drawingml/2006/main" xmlns:r="http://schemas.openxmlformats.org/officeDocument/2006/relationships" xmlns:p="http://schemas.openxmlformats.org/presentationml/2006/main">
+  <p:cSld>
+    <p:spTree>
+      <p:nvGrpSpPr>
+        <p:cNvPr id="1" name=""/>
+        <p:cNvGrpSpPr/>
+        <p:nvPr/>
+      </p:nvGrpSpPr>
+      <p:grpSpPr>
+        <a:xfrm>
+          <a:off x="0" y="0"/>
+          <a:ext cx="0" cy="0"/>
+          <a:chOff x="0" y="0"/>
+          <a:chExt cx="0" cy="0"/>
+        </a:xfrm>
+      </p:grpSpPr>
+      <p:sp>
+        <p:nvSpPr>
+          <p:cNvPr id="13" name="Rectangle 12"/>
+          <p:cNvSpPr/>
+          <p:nvPr/>
+        </p:nvSpPr>
+        <p:spPr>
+          <a:xfrm>
+            <a:off x="251520" y="548680"/>
+            <a:ext cx="8640960" cy="576064"/>
+          </a:xfrm>
+          <a:prstGeom prst="rect">
+            <a:avLst/>
+          </a:prstGeom>
+          <a:noFill/>
+          <a:ln>
+            <a:solidFill>
+              <a:schemeClr val="tx1"/>
+            </a:solidFill>
+          </a:ln>
+        </p:spPr>
+        <p:style>
+          <a:lnRef idx="2">
+            <a:schemeClr val="accent1">
+              <a:shade val="50000"/>
+            </a:schemeClr>
+          </a:lnRef>
+          <a:fillRef idx="1">
+            <a:schemeClr val="accent1"/>
+          </a:fillRef>
+          <a:effectRef idx="0">
+            <a:schemeClr val="accent1"/>
+          </a:effectRef>
+          <a:fontRef idx="minor">
+            <a:schemeClr val="lt1"/>
+          </a:fontRef>
+        </p:style>
+        <p:txBody>
+          <a:bodyPr rtlCol="0" anchor="ctr"/>
+          <a:lstStyle/>
+          <a:p>
+            <a:pPr algn="ctr"/>
+            <a:endParaRPr lang="nl-NL"/>
+          </a:p>
+        </p:txBody>
+      </p:sp>
+      <p:sp>
+        <p:nvSpPr>
+          <p:cNvPr id="3" name="Content Placeholder 2"/>
+          <p:cNvSpPr>
+            <a:spLocks noGrp="1"/>
+          </p:cNvSpPr>
+          <p:nvPr>
+            <p:ph idx="1"/>
+          </p:nvPr>
+        </p:nvSpPr>
+        <p:spPr>
+          <a:xfrm>
+            <a:off x="457200" y="548681"/>
+            <a:ext cx="8229600" cy="648072"/>
+          </a:xfrm>
+        </p:spPr>
+        <p:txBody>
+          <a:bodyPr/>
+          <a:lstStyle/>
+          <a:p>
+            <a:pPr marL="0" indent="0" algn="ctr">
+              <a:buNone/>
+            </a:pPr>
+            <a:r>
+              <a:rPr lang="nl-NL" b="1" dirty="0" smtClean="0">
+                <a:solidFill>
+                  <a:schemeClr val="tx1">
+                    <a:lumMod val="75000"/>
+                    <a:lumOff val="25000"/>
+                  </a:schemeClr>
+                </a:solidFill>
+              </a:rPr>
+              <a:t>Finance</a:t>
+            </a:r>
+            <a:endParaRPr lang="nl-NL" b="1" dirty="0">
+              <a:solidFill>
+                <a:schemeClr val="tx1">
+                  <a:lumMod val="75000"/>
+                  <a:lumOff val="25000"/>
+                </a:schemeClr>
+              </a:solidFill>
+            </a:endParaRPr>
+          </a:p>
+        </p:txBody>
+      </p:sp>
+      <p:sp>
+        <p:nvSpPr>
+          <p:cNvPr id="5" name="Rectangle 4"/>
+          <p:cNvSpPr/>
+          <p:nvPr/>
+        </p:nvSpPr>
+        <p:spPr>
+          <a:xfrm>
+            <a:off x="251520" y="1124744"/>
+            <a:ext cx="2304256" cy="5112568"/>
+          </a:xfrm>
+          <a:prstGeom prst="rect">
+            <a:avLst/>
+          </a:prstGeom>
+          <a:noFill/>
+          <a:ln>
+            <a:solidFill>
+              <a:schemeClr val="tx1"/>
+            </a:solidFill>
+          </a:ln>
+        </p:spPr>
+        <p:style>
+          <a:lnRef idx="2">
+            <a:schemeClr val="accent1">
+              <a:shade val="50000"/>
+            </a:schemeClr>
+          </a:lnRef>
+          <a:fillRef idx="1">
+            <a:schemeClr val="accent1"/>
+          </a:fillRef>
+          <a:effectRef idx="0">
+            <a:schemeClr val="accent1"/>
+          </a:effectRef>
+          <a:fontRef idx="minor">
+            <a:schemeClr val="lt1"/>
+          </a:fontRef>
+        </p:style>
+        <p:txBody>
+          <a:bodyPr rtlCol="0" anchor="ctr"/>
+          <a:lstStyle/>
+          <a:p>
+            <a:pPr algn="ctr"/>
+            <a:endParaRPr lang="nl-NL"/>
+          </a:p>
+        </p:txBody>
+      </p:sp>
+      <p:sp>
+        <p:nvSpPr>
+          <p:cNvPr id="4" name="TextBox 3"/>
+          <p:cNvSpPr txBox="1"/>
+          <p:nvPr/>
+        </p:nvSpPr>
+        <p:spPr>
+          <a:xfrm>
+            <a:off x="431540" y="1299372"/>
+            <a:ext cx="1944216" cy="4801314"/>
+          </a:xfrm>
+          <a:prstGeom prst="rect">
+            <a:avLst/>
+          </a:prstGeom>
+          <a:noFill/>
+        </p:spPr>
+        <p:txBody>
+          <a:bodyPr wrap="square" rtlCol="0">
+            <a:spAutoFit/>
+          </a:bodyPr>
+          <a:lstStyle/>
+          <a:p>
+            <a:r>
+              <a:rPr lang="nl-NL" b="1" dirty="0" smtClean="0"/>
+              <a:t>Home</a:t>
+            </a:r>
+          </a:p>
+          <a:p>
+            <a:endParaRPr lang="nl-NL" b="1" dirty="0" smtClean="0"/>
+          </a:p>
+          <a:p>
+            <a:r>
+              <a:rPr lang="nl-NL" b="1" dirty="0" smtClean="0"/>
+              <a:t>Send Invoice</a:t>
+            </a:r>
+          </a:p>
+          <a:p>
+            <a:endParaRPr lang="nl-NL" b="1" dirty="0" smtClean="0"/>
+          </a:p>
+          <a:p>
+            <a:r>
+              <a:rPr lang="nl-NL" b="1" dirty="0" smtClean="0"/>
+              <a:t>Finance Info</a:t>
+            </a:r>
+          </a:p>
+          <a:p>
+            <a:endParaRPr lang="nl-NL" b="1" dirty="0" smtClean="0"/>
+          </a:p>
+          <a:p>
+            <a:r>
+              <a:rPr lang="nl-NL" b="1" dirty="0" smtClean="0"/>
+              <a:t>BKR-Check</a:t>
+            </a:r>
+          </a:p>
+          <a:p>
+            <a:endParaRPr lang="nl-NL" b="1" dirty="0"/>
+          </a:p>
+          <a:p>
+            <a:r>
+              <a:rPr lang="nl-NL" b="1" dirty="0" smtClean="0"/>
+              <a:t>Over Limit</a:t>
+            </a:r>
+          </a:p>
+          <a:p>
+            <a:endParaRPr lang="nl-NL" b="1" dirty="0"/>
+          </a:p>
+          <a:p>
+            <a:endParaRPr lang="nl-NL" b="1" dirty="0" smtClean="0"/>
+          </a:p>
+          <a:p>
+            <a:endParaRPr lang="nl-NL" b="1" dirty="0"/>
+          </a:p>
+          <a:p>
+            <a:endParaRPr lang="nl-NL" b="1" dirty="0" smtClean="0"/>
+          </a:p>
+          <a:p>
+            <a:endParaRPr lang="nl-NL" b="1" dirty="0"/>
+          </a:p>
+          <a:p>
+            <a:endParaRPr lang="nl-NL" b="1" dirty="0" smtClean="0"/>
+          </a:p>
+          <a:p>
+            <a:endParaRPr lang="nl-NL" b="1" dirty="0"/>
+          </a:p>
+          <a:p>
+            <a:r>
+              <a:rPr lang="nl-NL" b="1" dirty="0" smtClean="0"/>
+              <a:t>Logout</a:t>
+            </a:r>
+            <a:endParaRPr lang="nl-NL" b="1" dirty="0"/>
+          </a:p>
+        </p:txBody>
+      </p:sp>
+      <p:sp>
+        <p:nvSpPr>
+          <p:cNvPr id="7" name="Rectangle 6">
+            <a:hlinkClick r:id="rId2" action="ppaction://hlinksldjump"/>
+          </p:cNvPr>
+          <p:cNvSpPr/>
+          <p:nvPr/>
+        </p:nvSpPr>
+        <p:spPr>
+          <a:xfrm>
+            <a:off x="431540" y="2921350"/>
+            <a:ext cx="1944216" cy="363634"/>
+          </a:xfrm>
+          <a:prstGeom prst="rect">
+            <a:avLst/>
+          </a:prstGeom>
+          <a:noFill/>
+          <a:ln>
+            <a:solidFill>
+              <a:schemeClr val="tx1"/>
+            </a:solidFill>
+          </a:ln>
+        </p:spPr>
+        <p:style>
+          <a:lnRef idx="2">
+            <a:schemeClr val="accent1">
+              <a:shade val="50000"/>
+            </a:schemeClr>
+          </a:lnRef>
+          <a:fillRef idx="1">
+            <a:schemeClr val="accent1"/>
+          </a:fillRef>
+          <a:effectRef idx="0">
+            <a:schemeClr val="accent1"/>
+          </a:effectRef>
+          <a:fontRef idx="minor">
+            <a:schemeClr val="lt1"/>
+          </a:fontRef>
+        </p:style>
+        <p:txBody>
+          <a:bodyPr rtlCol="0" anchor="ctr"/>
+          <a:lstStyle/>
+          <a:p>
+            <a:pPr algn="ctr"/>
+            <a:endParaRPr lang="nl-NL"/>
+          </a:p>
+        </p:txBody>
+      </p:sp>
+      <p:sp>
+        <p:nvSpPr>
+          <p:cNvPr id="10" name="Rectangle 9">
+            <a:hlinkClick r:id="rId3" action="ppaction://hlinksldjump"/>
+          </p:cNvPr>
+          <p:cNvSpPr/>
+          <p:nvPr/>
+        </p:nvSpPr>
+        <p:spPr>
+          <a:xfrm>
+            <a:off x="431540" y="1337174"/>
+            <a:ext cx="1944216" cy="363634"/>
+          </a:xfrm>
+          <a:prstGeom prst="rect">
+            <a:avLst/>
+          </a:prstGeom>
+          <a:noFill/>
+          <a:ln>
+            <a:solidFill>
+              <a:schemeClr val="tx1"/>
+            </a:solidFill>
+          </a:ln>
+        </p:spPr>
+        <p:style>
+          <a:lnRef idx="2">
+            <a:schemeClr val="accent1">
+              <a:shade val="50000"/>
+            </a:schemeClr>
+          </a:lnRef>
+          <a:fillRef idx="1">
+            <a:schemeClr val="accent1"/>
+          </a:fillRef>
+          <a:effectRef idx="0">
+            <a:schemeClr val="accent1"/>
+          </a:effectRef>
+          <a:fontRef idx="minor">
+            <a:schemeClr val="lt1"/>
+          </a:fontRef>
+        </p:style>
+        <p:txBody>
+          <a:bodyPr rtlCol="0" anchor="ctr"/>
+          <a:lstStyle/>
+          <a:p>
+            <a:pPr algn="ctr"/>
+            <a:endParaRPr lang="nl-NL"/>
+          </a:p>
+        </p:txBody>
+      </p:sp>
+      <p:sp>
+        <p:nvSpPr>
+          <p:cNvPr id="11" name="Rectangle 10">
+            <a:hlinkClick r:id="rId4" action="ppaction://hlinksldjump"/>
+          </p:cNvPr>
+          <p:cNvSpPr/>
+          <p:nvPr/>
+        </p:nvSpPr>
+        <p:spPr>
+          <a:xfrm>
+            <a:off x="431540" y="1841230"/>
+            <a:ext cx="1944216" cy="363634"/>
+          </a:xfrm>
+          <a:prstGeom prst="rect">
+            <a:avLst/>
+          </a:prstGeom>
+          <a:noFill/>
+          <a:ln>
+            <a:solidFill>
+              <a:schemeClr val="tx1"/>
+            </a:solidFill>
+          </a:ln>
+        </p:spPr>
+        <p:style>
+          <a:lnRef idx="2">
+            <a:schemeClr val="accent1">
+              <a:shade val="50000"/>
+            </a:schemeClr>
+          </a:lnRef>
+          <a:fillRef idx="1">
+            <a:schemeClr val="accent1"/>
+          </a:fillRef>
+          <a:effectRef idx="0">
+            <a:schemeClr val="accent1"/>
+          </a:effectRef>
+          <a:fontRef idx="minor">
+            <a:schemeClr val="lt1"/>
+          </a:fontRef>
+        </p:style>
+        <p:txBody>
+          <a:bodyPr rtlCol="0" anchor="ctr"/>
+          <a:lstStyle/>
+          <a:p>
+            <a:pPr algn="ctr"/>
+            <a:endParaRPr lang="nl-NL" dirty="0"/>
+          </a:p>
+        </p:txBody>
+      </p:sp>
+      <p:sp>
+        <p:nvSpPr>
+          <p:cNvPr id="12" name="Rectangle 11">
+            <a:hlinkClick r:id="rId5" action="ppaction://hlinksldjump"/>
+          </p:cNvPr>
+          <p:cNvSpPr/>
+          <p:nvPr/>
+        </p:nvSpPr>
+        <p:spPr>
+          <a:xfrm>
+            <a:off x="431540" y="2417294"/>
+            <a:ext cx="1944216" cy="363634"/>
+          </a:xfrm>
+          <a:prstGeom prst="rect">
+            <a:avLst/>
+          </a:prstGeom>
+          <a:noFill/>
+          <a:ln>
+            <a:solidFill>
+              <a:schemeClr val="tx1"/>
+            </a:solidFill>
+          </a:ln>
+        </p:spPr>
+        <p:style>
+          <a:lnRef idx="2">
+            <a:schemeClr val="accent1">
+              <a:shade val="50000"/>
+            </a:schemeClr>
+          </a:lnRef>
+          <a:fillRef idx="1">
+            <a:schemeClr val="accent1"/>
+          </a:fillRef>
+          <a:effectRef idx="0">
+            <a:schemeClr val="accent1"/>
+          </a:effectRef>
+          <a:fontRef idx="minor">
+            <a:schemeClr val="lt1"/>
+          </a:fontRef>
+        </p:style>
+        <p:txBody>
+          <a:bodyPr rtlCol="0" anchor="ctr"/>
+          <a:lstStyle/>
+          <a:p>
+            <a:pPr algn="ctr"/>
+            <a:endParaRPr lang="nl-NL"/>
+          </a:p>
+        </p:txBody>
+      </p:sp>
+      <p:sp>
+        <p:nvSpPr>
+          <p:cNvPr id="14" name="Rectangle 13"/>
+          <p:cNvSpPr/>
+          <p:nvPr/>
+        </p:nvSpPr>
+        <p:spPr>
+          <a:xfrm>
+            <a:off x="2555776" y="1124744"/>
+            <a:ext cx="6336704" cy="5112568"/>
+          </a:xfrm>
+          <a:prstGeom prst="rect">
+            <a:avLst/>
+          </a:prstGeom>
+          <a:noFill/>
+          <a:ln>
+            <a:solidFill>
+              <a:schemeClr val="tx1"/>
+            </a:solidFill>
+          </a:ln>
+        </p:spPr>
+        <p:style>
+          <a:lnRef idx="2">
+            <a:schemeClr val="accent1">
+              <a:shade val="50000"/>
+            </a:schemeClr>
+          </a:lnRef>
+          <a:fillRef idx="1">
+            <a:schemeClr val="accent1"/>
+          </a:fillRef>
+          <a:effectRef idx="0">
+            <a:schemeClr val="accent1"/>
+          </a:effectRef>
+          <a:fontRef idx="minor">
+            <a:schemeClr val="lt1"/>
+          </a:fontRef>
+        </p:style>
+        <p:txBody>
+          <a:bodyPr rtlCol="0" anchor="ctr"/>
+          <a:lstStyle/>
+          <a:p>
+            <a:pPr algn="ctr"/>
+            <a:endParaRPr lang="nl-NL"/>
+          </a:p>
+        </p:txBody>
+      </p:sp>
+      <p:sp>
+        <p:nvSpPr>
+          <p:cNvPr id="16" name="Rectangle 15">
+            <a:hlinkClick r:id="rId6" action="ppaction://hlinksldjump"/>
+          </p:cNvPr>
+          <p:cNvSpPr/>
+          <p:nvPr/>
+        </p:nvSpPr>
+        <p:spPr>
+          <a:xfrm>
+            <a:off x="431540" y="5724654"/>
+            <a:ext cx="1944216" cy="363634"/>
+          </a:xfrm>
+          <a:prstGeom prst="rect">
+            <a:avLst/>
+          </a:prstGeom>
+          <a:noFill/>
+          <a:ln>
+            <a:solidFill>
+              <a:schemeClr val="tx1"/>
+            </a:solidFill>
+          </a:ln>
+        </p:spPr>
+        <p:style>
+          <a:lnRef idx="2">
+            <a:schemeClr val="accent1">
+              <a:shade val="50000"/>
+            </a:schemeClr>
+          </a:lnRef>
+          <a:fillRef idx="1">
+            <a:schemeClr val="accent1"/>
+          </a:fillRef>
+          <a:effectRef idx="0">
+            <a:schemeClr val="accent1"/>
+          </a:effectRef>
+          <a:fontRef idx="minor">
+            <a:schemeClr val="lt1"/>
+          </a:fontRef>
+        </p:style>
+        <p:txBody>
+          <a:bodyPr rtlCol="0" anchor="ctr"/>
+          <a:lstStyle/>
+          <a:p>
+            <a:pPr algn="ctr"/>
+            <a:endParaRPr lang="nl-NL"/>
+          </a:p>
+        </p:txBody>
+      </p:sp>
+      <p:sp>
+        <p:nvSpPr>
+          <p:cNvPr id="19" name="Rectangle 18">
+            <a:hlinkClick r:id="rId2" action="ppaction://hlinksldjump"/>
+          </p:cNvPr>
+          <p:cNvSpPr/>
+          <p:nvPr/>
+        </p:nvSpPr>
+        <p:spPr>
+          <a:xfrm>
+            <a:off x="395536" y="3497414"/>
+            <a:ext cx="1944216" cy="363634"/>
+          </a:xfrm>
+          <a:prstGeom prst="rect">
+            <a:avLst/>
+          </a:prstGeom>
+          <a:noFill/>
+          <a:ln>
+            <a:solidFill>
+              <a:schemeClr val="tx1"/>
+            </a:solidFill>
+          </a:ln>
+        </p:spPr>
+        <p:style>
+          <a:lnRef idx="2">
+            <a:schemeClr val="accent1">
+              <a:shade val="50000"/>
+            </a:schemeClr>
+          </a:lnRef>
+          <a:fillRef idx="1">
+            <a:schemeClr val="accent1"/>
+          </a:fillRef>
+          <a:effectRef idx="0">
+            <a:schemeClr val="accent1"/>
+          </a:effectRef>
+          <a:fontRef idx="minor">
+            <a:schemeClr val="lt1"/>
+          </a:fontRef>
+        </p:style>
+        <p:txBody>
+          <a:bodyPr rtlCol="0" anchor="ctr"/>
+          <a:lstStyle/>
+          <a:p>
+            <a:pPr algn="ctr"/>
+            <a:endParaRPr lang="nl-NL"/>
+          </a:p>
+        </p:txBody>
+      </p:sp>
+      <p:sp>
+        <p:nvSpPr>
+          <p:cNvPr id="2" name="Tekstvak 1"/>
+          <p:cNvSpPr txBox="1"/>
+          <p:nvPr/>
+        </p:nvSpPr>
+        <p:spPr>
+          <a:xfrm>
+            <a:off x="4355976" y="1196753"/>
+            <a:ext cx="1728192" cy="461665"/>
+          </a:xfrm>
+          <a:prstGeom prst="rect">
+            <a:avLst/>
+          </a:prstGeom>
+          <a:noFill/>
+        </p:spPr>
+        <p:txBody>
+          <a:bodyPr wrap="square" rtlCol="0">
+            <a:spAutoFit/>
+          </a:bodyPr>
+          <a:lstStyle/>
+          <a:p>
+            <a:r>
+              <a:rPr lang="nl-NL" sz="2400" dirty="0" smtClean="0"/>
+              <a:t>Finance info</a:t>
+            </a:r>
+            <a:endParaRPr lang="nl-NL" sz="2400" dirty="0"/>
+          </a:p>
+        </p:txBody>
+      </p:sp>
+    </p:spTree>
+    <p:extLst>
+      <p:ext uri="{BB962C8B-B14F-4D97-AF65-F5344CB8AC3E}">
+        <p14:creationId xmlns:p14="http://schemas.microsoft.com/office/powerpoint/2010/main" val="4185995807"/>
       </p:ext>
     </p:extLst>
   </p:cSld>
@@ -6169,7 +7805,7 @@
           <a:lstStyle/>
           <a:p>
             <a:pPr algn="ctr"/>
-            <a:endParaRPr lang="nl-NL"/>
+            <a:endParaRPr lang="nl-NL" dirty="0"/>
           </a:p>
         </p:txBody>
       </p:sp>
@@ -10751,7 +12387,7 @@
         <p:spPr>
           <a:xfrm>
             <a:off x="431540" y="1299372"/>
-            <a:ext cx="1944216" cy="4801314"/>
+            <a:ext cx="1944216" cy="4524315"/>
           </a:xfrm>
           <a:prstGeom prst="rect">
             <a:avLst/>
@@ -10777,7 +12413,6 @@
               <a:rPr lang="nl-NL" b="1" dirty="0" smtClean="0"/>
               <a:t>Add Customer</a:t>
             </a:r>
-            <a:endParaRPr lang="nl-NL" b="1" dirty="0" smtClean="0"/>
           </a:p>
           <a:p>
             <a:endParaRPr lang="nl-NL" b="1" dirty="0" smtClean="0"/>
@@ -10787,7 +12422,6 @@
               <a:rPr lang="nl-NL" b="1" dirty="0" smtClean="0"/>
               <a:t>Manage Customer</a:t>
             </a:r>
-            <a:endParaRPr lang="nl-NL" b="1" dirty="0" smtClean="0"/>
           </a:p>
           <a:p>
             <a:endParaRPr lang="nl-NL" b="1" dirty="0" smtClean="0"/>
@@ -10797,15 +12431,18 @@
               <a:rPr lang="nl-NL" b="1" dirty="0" smtClean="0"/>
               <a:t>Manage Project</a:t>
             </a:r>
-            <a:endParaRPr lang="nl-NL" b="1" dirty="0" smtClean="0"/>
           </a:p>
           <a:p>
             <a:endParaRPr lang="nl-NL" b="1" dirty="0"/>
           </a:p>
           <a:p>
             <a:r>
+              <a:rPr lang="nl-NL" b="1" dirty="0" err="1" smtClean="0"/>
+              <a:t>Archive</a:t>
+            </a:r>
+            <a:r>
               <a:rPr lang="nl-NL" b="1" dirty="0" smtClean="0"/>
-              <a:t>Deactivate Customer</a:t>
+              <a:t> Customer</a:t>
             </a:r>
             <a:endParaRPr lang="nl-NL" b="1" dirty="0"/>
           </a:p>
@@ -11105,18 +12742,7 @@
                   </a:schemeClr>
                 </a:solidFill>
               </a:rPr>
-              <a:t>Welcome, </a:t>
-            </a:r>
-            <a:r>
-              <a:rPr lang="nl-NL" sz="2000" b="1" dirty="0" smtClean="0">
-                <a:solidFill>
-                  <a:schemeClr val="tx1">
-                    <a:lumMod val="75000"/>
-                    <a:lumOff val="25000"/>
-                  </a:schemeClr>
-                </a:solidFill>
-              </a:rPr>
-              <a:t>Sales.</a:t>
+              <a:t>Welcome, Sales.</a:t>
             </a:r>
             <a:endParaRPr lang="nl-NL" sz="2000" b="1" dirty="0">
               <a:solidFill>
@@ -11180,15 +12806,15 @@
       <p:sp>
         <p:nvSpPr>
           <p:cNvPr id="17" name="Rectangle 16">
-            <a:hlinkClick r:id="rId2" action="ppaction://hlinksldjump"/>
+            <a:hlinkClick r:id="rId7" action="ppaction://hlinksldjump"/>
           </p:cNvPr>
           <p:cNvSpPr/>
           <p:nvPr/>
         </p:nvSpPr>
         <p:spPr>
           <a:xfrm>
-            <a:off x="449377" y="3480404"/>
-            <a:ext cx="1944216" cy="668676"/>
+            <a:off x="457200" y="3535179"/>
+            <a:ext cx="1944216" cy="397877"/>
           </a:xfrm>
           <a:prstGeom prst="rect">
             <a:avLst/>
@@ -11221,7 +12847,7 @@
           <a:lstStyle/>
           <a:p>
             <a:pPr algn="ctr"/>
-            <a:endParaRPr lang="nl-NL"/>
+            <a:endParaRPr lang="nl-NL" dirty="0"/>
           </a:p>
         </p:txBody>
       </p:sp>
@@ -11408,7 +13034,7 @@
         <p:spPr>
           <a:xfrm>
             <a:off x="431540" y="1299372"/>
-            <a:ext cx="1944216" cy="4801314"/>
+            <a:ext cx="1944216" cy="4524315"/>
           </a:xfrm>
           <a:prstGeom prst="rect">
             <a:avLst/>
@@ -11434,7 +13060,6 @@
               <a:rPr lang="nl-NL" b="1" dirty="0" smtClean="0"/>
               <a:t>Add Customer</a:t>
             </a:r>
-            <a:endParaRPr lang="nl-NL" b="1" dirty="0" smtClean="0"/>
           </a:p>
           <a:p>
             <a:endParaRPr lang="nl-NL" b="1" dirty="0" smtClean="0"/>
@@ -11444,7 +13069,6 @@
               <a:rPr lang="nl-NL" b="1" dirty="0" smtClean="0"/>
               <a:t>Manage Customer</a:t>
             </a:r>
-            <a:endParaRPr lang="nl-NL" b="1" dirty="0" smtClean="0"/>
           </a:p>
           <a:p>
             <a:endParaRPr lang="nl-NL" b="1" dirty="0" smtClean="0"/>
@@ -11454,7 +13078,6 @@
               <a:rPr lang="nl-NL" b="1" dirty="0" smtClean="0"/>
               <a:t>Manage Project</a:t>
             </a:r>
-            <a:endParaRPr lang="nl-NL" b="1" dirty="0" smtClean="0"/>
           </a:p>
           <a:p>
             <a:endParaRPr lang="nl-NL" b="1" dirty="0"/>
@@ -11462,7 +13085,7 @@
           <a:p>
             <a:r>
               <a:rPr lang="nl-NL" b="1" dirty="0" smtClean="0"/>
-              <a:t>Deactivate Customer</a:t>
+              <a:t>Delete Customer</a:t>
             </a:r>
             <a:endParaRPr lang="nl-NL" b="1" dirty="0"/>
           </a:p>
@@ -11789,8 +13412,8 @@
         </p:nvSpPr>
         <p:spPr>
           <a:xfrm>
-            <a:off x="449377" y="3480404"/>
-            <a:ext cx="1944216" cy="668676"/>
+            <a:off x="431540" y="3532366"/>
+            <a:ext cx="1944216" cy="348721"/>
           </a:xfrm>
           <a:prstGeom prst="rect">
             <a:avLst/>
@@ -12956,11 +14579,7 @@
           <a:p>
             <a:r>
               <a:rPr lang="nl-NL" b="1" dirty="0" smtClean="0"/>
-              <a:t>  </a:t>
-            </a:r>
-            <a:r>
-              <a:rPr lang="nl-NL" b="1" dirty="0" smtClean="0"/>
-              <a:t>Add</a:t>
+              <a:t>  Add</a:t>
             </a:r>
             <a:endParaRPr lang="nl-NL" b="1" dirty="0"/>
           </a:p>
@@ -13194,11 +14813,7 @@
           <a:p>
             <a:r>
               <a:rPr lang="nl-NL" dirty="0" smtClean="0"/>
-              <a:t>Prospect</a:t>
-            </a:r>
-            <a:r>
-              <a:rPr lang="nl-NL" dirty="0" smtClean="0"/>
-              <a:t>:</a:t>
+              <a:t>Prospect:</a:t>
             </a:r>
             <a:endParaRPr lang="nl-NL" dirty="0"/>
           </a:p>
@@ -13510,11 +15125,7 @@
           <a:p>
             <a:r>
               <a:rPr lang="nl-NL" dirty="0" smtClean="0"/>
-              <a:t>Sale percentage</a:t>
-            </a:r>
-            <a:r>
-              <a:rPr lang="nl-NL" dirty="0" smtClean="0"/>
-              <a:t>:</a:t>
+              <a:t>Sale percentage:</a:t>
             </a:r>
             <a:endParaRPr lang="nl-NL" dirty="0"/>
           </a:p>
@@ -13781,7 +15392,7 @@
         <p:spPr>
           <a:xfrm>
             <a:off x="431540" y="1299372"/>
-            <a:ext cx="1944216" cy="4801314"/>
+            <a:ext cx="1944216" cy="4524315"/>
           </a:xfrm>
           <a:prstGeom prst="rect">
             <a:avLst/>
@@ -13807,7 +15418,6 @@
               <a:rPr lang="nl-NL" b="1" dirty="0" smtClean="0"/>
               <a:t>Add Customer</a:t>
             </a:r>
-            <a:endParaRPr lang="nl-NL" b="1" dirty="0" smtClean="0"/>
           </a:p>
           <a:p>
             <a:endParaRPr lang="nl-NL" b="1" dirty="0" smtClean="0"/>
@@ -13817,7 +15427,6 @@
               <a:rPr lang="nl-NL" b="1" dirty="0" smtClean="0"/>
               <a:t>Manage Customer</a:t>
             </a:r>
-            <a:endParaRPr lang="nl-NL" b="1" dirty="0" smtClean="0"/>
           </a:p>
           <a:p>
             <a:endParaRPr lang="nl-NL" b="1" dirty="0" smtClean="0"/>
@@ -13827,7 +15436,6 @@
               <a:rPr lang="nl-NL" b="1" dirty="0" smtClean="0"/>
               <a:t>Manage Project</a:t>
             </a:r>
-            <a:endParaRPr lang="nl-NL" b="1" dirty="0" smtClean="0"/>
           </a:p>
           <a:p>
             <a:endParaRPr lang="nl-NL" b="1" dirty="0"/>
@@ -13835,7 +15443,7 @@
           <a:p>
             <a:r>
               <a:rPr lang="nl-NL" b="1" dirty="0" smtClean="0"/>
-              <a:t>Deactivate Customer</a:t>
+              <a:t>Delete Customer</a:t>
             </a:r>
             <a:endParaRPr lang="nl-NL" b="1" dirty="0"/>
           </a:p>
@@ -14162,8 +15770,8 @@
         </p:nvSpPr>
         <p:spPr>
           <a:xfrm>
-            <a:off x="449377" y="3480404"/>
-            <a:ext cx="1944216" cy="668676"/>
+            <a:off x="457200" y="3505857"/>
+            <a:ext cx="1944216" cy="359242"/>
           </a:xfrm>
           <a:prstGeom prst="rect">
             <a:avLst/>

--- a/Docs/Prototype_v0.1/Barroc-IT Prototype.pptx
+++ b/Docs/Prototype_v0.1/Barroc-IT Prototype.pptx
@@ -19,6 +19,11 @@
     <p:sldId id="269" r:id="rId13"/>
     <p:sldId id="268" r:id="rId14"/>
     <p:sldId id="270" r:id="rId15"/>
+    <p:sldId id="271" r:id="rId16"/>
+    <p:sldId id="272" r:id="rId17"/>
+    <p:sldId id="273" r:id="rId18"/>
+    <p:sldId id="274" r:id="rId19"/>
+    <p:sldId id="275" r:id="rId20"/>
   </p:sldIdLst>
   <p:sldSz cx="9144000" cy="6858000" type="screen4x3"/>
   <p:notesSz cx="6858000" cy="9144000"/>
@@ -119,7 +124,7 @@
   </p:defaultTextStyle>
   <p:extLst>
     <p:ext uri="{EFAFB233-063F-42B5-8137-9DF3F51BA10A}">
-      <p15:sldGuideLst xmlns:p15="http://schemas.microsoft.com/office/powerpoint/2012/main">
+      <p15:sldGuideLst xmlns:p15="http://schemas.microsoft.com/office/powerpoint/2012/main" xmlns="">
         <p15:guide id="1" orient="horz" pos="2160">
           <p15:clr>
             <a:srgbClr val="A4A3A4"/>
@@ -317,7 +322,7 @@
           <a:p>
             <a:fld id="{A4596DDB-5EBB-4D5B-8C35-D384F2E8AF16}" type="datetimeFigureOut">
               <a:rPr lang="nl-NL" smtClean="0"/>
-              <a:t>19-9-2014</a:t>
+              <a:t>22-9-2014</a:t>
             </a:fld>
             <a:endParaRPr lang="nl-NL"/>
           </a:p>
@@ -359,7 +364,7 @@
           <a:p>
             <a:fld id="{99C153BB-CDB5-4C6F-A0E4-487966CFD04B}" type="slidenum">
               <a:rPr lang="nl-NL" smtClean="0"/>
-              <a:t>‹nr.›</a:t>
+              <a:t>‹#›</a:t>
             </a:fld>
             <a:endParaRPr lang="nl-NL"/>
           </a:p>
@@ -487,7 +492,7 @@
           <a:p>
             <a:fld id="{A4596DDB-5EBB-4D5B-8C35-D384F2E8AF16}" type="datetimeFigureOut">
               <a:rPr lang="nl-NL" smtClean="0"/>
-              <a:t>19-9-2014</a:t>
+              <a:t>22-9-2014</a:t>
             </a:fld>
             <a:endParaRPr lang="nl-NL"/>
           </a:p>
@@ -529,7 +534,7 @@
           <a:p>
             <a:fld id="{99C153BB-CDB5-4C6F-A0E4-487966CFD04B}" type="slidenum">
               <a:rPr lang="nl-NL" smtClean="0"/>
-              <a:t>‹nr.›</a:t>
+              <a:t>‹#›</a:t>
             </a:fld>
             <a:endParaRPr lang="nl-NL"/>
           </a:p>
@@ -667,7 +672,7 @@
           <a:p>
             <a:fld id="{A4596DDB-5EBB-4D5B-8C35-D384F2E8AF16}" type="datetimeFigureOut">
               <a:rPr lang="nl-NL" smtClean="0"/>
-              <a:t>19-9-2014</a:t>
+              <a:t>22-9-2014</a:t>
             </a:fld>
             <a:endParaRPr lang="nl-NL"/>
           </a:p>
@@ -709,7 +714,7 @@
           <a:p>
             <a:fld id="{99C153BB-CDB5-4C6F-A0E4-487966CFD04B}" type="slidenum">
               <a:rPr lang="nl-NL" smtClean="0"/>
-              <a:t>‹nr.›</a:t>
+              <a:t>‹#›</a:t>
             </a:fld>
             <a:endParaRPr lang="nl-NL"/>
           </a:p>
@@ -837,7 +842,7 @@
           <a:p>
             <a:fld id="{A4596DDB-5EBB-4D5B-8C35-D384F2E8AF16}" type="datetimeFigureOut">
               <a:rPr lang="nl-NL" smtClean="0"/>
-              <a:t>19-9-2014</a:t>
+              <a:t>22-9-2014</a:t>
             </a:fld>
             <a:endParaRPr lang="nl-NL"/>
           </a:p>
@@ -879,7 +884,7 @@
           <a:p>
             <a:fld id="{99C153BB-CDB5-4C6F-A0E4-487966CFD04B}" type="slidenum">
               <a:rPr lang="nl-NL" smtClean="0"/>
-              <a:t>‹nr.›</a:t>
+              <a:t>‹#›</a:t>
             </a:fld>
             <a:endParaRPr lang="nl-NL"/>
           </a:p>
@@ -1083,7 +1088,7 @@
           <a:p>
             <a:fld id="{A4596DDB-5EBB-4D5B-8C35-D384F2E8AF16}" type="datetimeFigureOut">
               <a:rPr lang="nl-NL" smtClean="0"/>
-              <a:t>19-9-2014</a:t>
+              <a:t>22-9-2014</a:t>
             </a:fld>
             <a:endParaRPr lang="nl-NL"/>
           </a:p>
@@ -1125,7 +1130,7 @@
           <a:p>
             <a:fld id="{99C153BB-CDB5-4C6F-A0E4-487966CFD04B}" type="slidenum">
               <a:rPr lang="nl-NL" smtClean="0"/>
-              <a:t>‹nr.›</a:t>
+              <a:t>‹#›</a:t>
             </a:fld>
             <a:endParaRPr lang="nl-NL"/>
           </a:p>
@@ -1371,7 +1376,7 @@
           <a:p>
             <a:fld id="{A4596DDB-5EBB-4D5B-8C35-D384F2E8AF16}" type="datetimeFigureOut">
               <a:rPr lang="nl-NL" smtClean="0"/>
-              <a:t>19-9-2014</a:t>
+              <a:t>22-9-2014</a:t>
             </a:fld>
             <a:endParaRPr lang="nl-NL"/>
           </a:p>
@@ -1413,7 +1418,7 @@
           <a:p>
             <a:fld id="{99C153BB-CDB5-4C6F-A0E4-487966CFD04B}" type="slidenum">
               <a:rPr lang="nl-NL" smtClean="0"/>
-              <a:t>‹nr.›</a:t>
+              <a:t>‹#›</a:t>
             </a:fld>
             <a:endParaRPr lang="nl-NL"/>
           </a:p>
@@ -1793,7 +1798,7 @@
           <a:p>
             <a:fld id="{A4596DDB-5EBB-4D5B-8C35-D384F2E8AF16}" type="datetimeFigureOut">
               <a:rPr lang="nl-NL" smtClean="0"/>
-              <a:t>19-9-2014</a:t>
+              <a:t>22-9-2014</a:t>
             </a:fld>
             <a:endParaRPr lang="nl-NL"/>
           </a:p>
@@ -1835,7 +1840,7 @@
           <a:p>
             <a:fld id="{99C153BB-CDB5-4C6F-A0E4-487966CFD04B}" type="slidenum">
               <a:rPr lang="nl-NL" smtClean="0"/>
-              <a:t>‹nr.›</a:t>
+              <a:t>‹#›</a:t>
             </a:fld>
             <a:endParaRPr lang="nl-NL"/>
           </a:p>
@@ -1911,7 +1916,7 @@
           <a:p>
             <a:fld id="{A4596DDB-5EBB-4D5B-8C35-D384F2E8AF16}" type="datetimeFigureOut">
               <a:rPr lang="nl-NL" smtClean="0"/>
-              <a:t>19-9-2014</a:t>
+              <a:t>22-9-2014</a:t>
             </a:fld>
             <a:endParaRPr lang="nl-NL"/>
           </a:p>
@@ -1953,7 +1958,7 @@
           <a:p>
             <a:fld id="{99C153BB-CDB5-4C6F-A0E4-487966CFD04B}" type="slidenum">
               <a:rPr lang="nl-NL" smtClean="0"/>
-              <a:t>‹nr.›</a:t>
+              <a:t>‹#›</a:t>
             </a:fld>
             <a:endParaRPr lang="nl-NL"/>
           </a:p>
@@ -2006,7 +2011,7 @@
           <a:p>
             <a:fld id="{A4596DDB-5EBB-4D5B-8C35-D384F2E8AF16}" type="datetimeFigureOut">
               <a:rPr lang="nl-NL" smtClean="0"/>
-              <a:t>19-9-2014</a:t>
+              <a:t>22-9-2014</a:t>
             </a:fld>
             <a:endParaRPr lang="nl-NL"/>
           </a:p>
@@ -2048,7 +2053,7 @@
           <a:p>
             <a:fld id="{99C153BB-CDB5-4C6F-A0E4-487966CFD04B}" type="slidenum">
               <a:rPr lang="nl-NL" smtClean="0"/>
-              <a:t>‹nr.›</a:t>
+              <a:t>‹#›</a:t>
             </a:fld>
             <a:endParaRPr lang="nl-NL"/>
           </a:p>
@@ -2283,7 +2288,7 @@
           <a:p>
             <a:fld id="{A4596DDB-5EBB-4D5B-8C35-D384F2E8AF16}" type="datetimeFigureOut">
               <a:rPr lang="nl-NL" smtClean="0"/>
-              <a:t>19-9-2014</a:t>
+              <a:t>22-9-2014</a:t>
             </a:fld>
             <a:endParaRPr lang="nl-NL"/>
           </a:p>
@@ -2325,7 +2330,7 @@
           <a:p>
             <a:fld id="{99C153BB-CDB5-4C6F-A0E4-487966CFD04B}" type="slidenum">
               <a:rPr lang="nl-NL" smtClean="0"/>
-              <a:t>‹nr.›</a:t>
+              <a:t>‹#›</a:t>
             </a:fld>
             <a:endParaRPr lang="nl-NL"/>
           </a:p>
@@ -2536,7 +2541,7 @@
           <a:p>
             <a:fld id="{A4596DDB-5EBB-4D5B-8C35-D384F2E8AF16}" type="datetimeFigureOut">
               <a:rPr lang="nl-NL" smtClean="0"/>
-              <a:t>19-9-2014</a:t>
+              <a:t>22-9-2014</a:t>
             </a:fld>
             <a:endParaRPr lang="nl-NL"/>
           </a:p>
@@ -2578,7 +2583,7 @@
           <a:p>
             <a:fld id="{99C153BB-CDB5-4C6F-A0E4-487966CFD04B}" type="slidenum">
               <a:rPr lang="nl-NL" smtClean="0"/>
-              <a:t>‹nr.›</a:t>
+              <a:t>‹#›</a:t>
             </a:fld>
             <a:endParaRPr lang="nl-NL"/>
           </a:p>
@@ -2749,7 +2754,7 @@
           <a:p>
             <a:fld id="{A4596DDB-5EBB-4D5B-8C35-D384F2E8AF16}" type="datetimeFigureOut">
               <a:rPr lang="nl-NL" smtClean="0"/>
-              <a:t>19-9-2014</a:t>
+              <a:t>22-9-2014</a:t>
             </a:fld>
             <a:endParaRPr lang="nl-NL"/>
           </a:p>
@@ -2827,7 +2832,7 @@
           <a:p>
             <a:fld id="{99C153BB-CDB5-4C6F-A0E4-487966CFD04B}" type="slidenum">
               <a:rPr lang="nl-NL" smtClean="0"/>
-              <a:t>‹nr.›</a:t>
+              <a:t>‹#›</a:t>
             </a:fld>
             <a:endParaRPr lang="nl-NL"/>
           </a:p>
@@ -3572,7 +3577,7 @@
         <p:spPr>
           <a:xfrm>
             <a:off x="431540" y="1299372"/>
-            <a:ext cx="1944216" cy="4524315"/>
+            <a:ext cx="1944216" cy="4801314"/>
           </a:xfrm>
           <a:prstGeom prst="rect">
             <a:avLst/>
@@ -3623,7 +3628,11 @@
           <a:p>
             <a:r>
               <a:rPr lang="nl-NL" b="1" dirty="0" smtClean="0"/>
-              <a:t>Delete Customer</a:t>
+              <a:t>Archive </a:t>
+            </a:r>
+            <a:r>
+              <a:rPr lang="nl-NL" b="1" dirty="0" smtClean="0"/>
+              <a:t>Customer</a:t>
             </a:r>
             <a:endParaRPr lang="nl-NL" b="1" dirty="0"/>
           </a:p>
@@ -3638,6 +3647,9 @@
           </a:p>
           <a:p>
             <a:endParaRPr lang="nl-NL" b="1" dirty="0"/>
+          </a:p>
+          <a:p>
+            <a:endParaRPr lang="nl-NL" b="1" dirty="0" smtClean="0"/>
           </a:p>
           <a:p>
             <a:endParaRPr lang="nl-NL" b="1" dirty="0" smtClean="0"/>
@@ -3943,7 +3955,7 @@
       <p:sp>
         <p:nvSpPr>
           <p:cNvPr id="17" name="Rectangle 16">
-            <a:hlinkClick r:id="rId2" action="ppaction://hlinksldjump"/>
+            <a:hlinkClick r:id="rId7" action="ppaction://hlinksldjump"/>
           </p:cNvPr>
           <p:cNvSpPr/>
           <p:nvPr/>
@@ -4400,7 +4412,7 @@
         <p:spPr>
           <a:xfrm>
             <a:off x="431540" y="1299372"/>
-            <a:ext cx="1944216" cy="4524315"/>
+            <a:ext cx="1944216" cy="4801314"/>
           </a:xfrm>
           <a:prstGeom prst="rect">
             <a:avLst/>
@@ -4451,7 +4463,11 @@
           <a:p>
             <a:r>
               <a:rPr lang="nl-NL" b="1" dirty="0" smtClean="0"/>
-              <a:t>Delete Customer</a:t>
+              <a:t>Archive </a:t>
+            </a:r>
+            <a:r>
+              <a:rPr lang="nl-NL" b="1" dirty="0" smtClean="0"/>
+              <a:t>Customer</a:t>
             </a:r>
             <a:endParaRPr lang="nl-NL" b="1" dirty="0"/>
           </a:p>
@@ -4466,6 +4482,9 @@
           </a:p>
           <a:p>
             <a:endParaRPr lang="nl-NL" b="1" dirty="0"/>
+          </a:p>
+          <a:p>
+            <a:endParaRPr lang="nl-NL" b="1" dirty="0" smtClean="0"/>
           </a:p>
           <a:p>
             <a:endParaRPr lang="nl-NL" b="1" dirty="0" smtClean="0"/>
@@ -4771,7 +4790,7 @@
       <p:sp>
         <p:nvSpPr>
           <p:cNvPr id="17" name="Rectangle 16">
-            <a:hlinkClick r:id="rId2" action="ppaction://hlinksldjump"/>
+            <a:hlinkClick r:id="rId7" action="ppaction://hlinksldjump"/>
           </p:cNvPr>
           <p:cNvSpPr/>
           <p:nvPr/>
@@ -5042,7 +5061,7 @@
                     <a:bodyPr/>
                     <a:lstStyle/>
                     <a:p>
-                      <a:endParaRPr lang="nl-NL"/>
+                      <a:endParaRPr lang="nl-NL" dirty="0"/>
                     </a:p>
                   </a:txBody>
                   <a:tcPr/>
@@ -5692,7 +5711,7 @@
       <p:sp>
         <p:nvSpPr>
           <p:cNvPr id="19" name="Rectangle 18">
-            <a:hlinkClick r:id="rId2" action="ppaction://hlinksldjump"/>
+            <a:hlinkClick r:id="rId7" action="ppaction://hlinksldjump"/>
           </p:cNvPr>
           <p:cNvSpPr/>
           <p:nvPr/>
@@ -6293,7 +6312,7 @@
       <p:sp>
         <p:nvSpPr>
           <p:cNvPr id="19" name="Rectangle 18">
-            <a:hlinkClick r:id="rId2" action="ppaction://hlinksldjump"/>
+            <a:hlinkClick r:id="rId7" action="ppaction://hlinksldjump"/>
           </p:cNvPr>
           <p:cNvSpPr/>
           <p:nvPr/>
@@ -6346,7 +6365,7 @@
         </p:nvSpPr>
         <p:spPr>
           <a:xfrm>
-            <a:off x="2824142" y="1488104"/>
+            <a:off x="2824142" y="1804174"/>
             <a:ext cx="2196244" cy="369332"/>
           </a:xfrm>
           <a:prstGeom prst="rect">
@@ -6380,8 +6399,8 @@
         </p:nvSpPr>
         <p:spPr>
           <a:xfrm>
-            <a:off x="2926982" y="2896004"/>
-            <a:ext cx="5698976" cy="2828650"/>
+            <a:off x="2926982" y="3497414"/>
+            <a:ext cx="5698976" cy="2227239"/>
           </a:xfrm>
           <a:prstGeom prst="rect">
             <a:avLst/>
@@ -6426,7 +6445,7 @@
         </p:nvSpPr>
         <p:spPr>
           <a:xfrm>
-            <a:off x="2824142" y="1822076"/>
+            <a:off x="2824142" y="2236222"/>
             <a:ext cx="1044116" cy="369332"/>
           </a:xfrm>
           <a:prstGeom prst="rect">
@@ -6454,14 +6473,78 @@
       </p:sp>
       <p:sp>
         <p:nvSpPr>
-          <p:cNvPr id="20" name="Rechthoek 19"/>
+          <p:cNvPr id="21" name="Tekstvak 20"/>
+          <p:cNvSpPr txBox="1"/>
+          <p:nvPr/>
+        </p:nvSpPr>
+        <p:spPr>
+          <a:xfrm>
+            <a:off x="2813960" y="2596262"/>
+            <a:ext cx="1955943" cy="369332"/>
+          </a:xfrm>
+          <a:prstGeom prst="rect">
+            <a:avLst/>
+          </a:prstGeom>
+          <a:noFill/>
+        </p:spPr>
+        <p:txBody>
+          <a:bodyPr wrap="square" rtlCol="0">
+            <a:spAutoFit/>
+          </a:bodyPr>
+          <a:lstStyle/>
+          <a:p>
+            <a:r>
+              <a:rPr lang="nl-NL" dirty="0" err="1" smtClean="0"/>
+              <a:t>Expiriation</a:t>
+            </a:r>
+            <a:r>
+              <a:rPr lang="nl-NL" dirty="0" smtClean="0"/>
+              <a:t> Date:</a:t>
+            </a:r>
+            <a:endParaRPr lang="nl-NL" dirty="0"/>
+          </a:p>
+        </p:txBody>
+      </p:sp>
+      <p:sp>
+        <p:nvSpPr>
+          <p:cNvPr id="24" name="Tekstvak 23"/>
+          <p:cNvSpPr txBox="1"/>
+          <p:nvPr/>
+        </p:nvSpPr>
+        <p:spPr>
+          <a:xfrm>
+            <a:off x="2835664" y="2997614"/>
+            <a:ext cx="1800200" cy="369332"/>
+          </a:xfrm>
+          <a:prstGeom prst="rect">
+            <a:avLst/>
+          </a:prstGeom>
+          <a:noFill/>
+        </p:spPr>
+        <p:txBody>
+          <a:bodyPr wrap="square" rtlCol="0">
+            <a:spAutoFit/>
+          </a:bodyPr>
+          <a:lstStyle/>
+          <a:p>
+            <a:r>
+              <a:rPr lang="nl-NL" dirty="0" smtClean="0"/>
+              <a:t>Letter:</a:t>
+            </a:r>
+            <a:endParaRPr lang="nl-NL" dirty="0"/>
+          </a:p>
+        </p:txBody>
+      </p:sp>
+      <p:sp>
+        <p:nvSpPr>
+          <p:cNvPr id="26" name="Rechthoek 25"/>
           <p:cNvSpPr/>
           <p:nvPr/>
         </p:nvSpPr>
         <p:spPr>
           <a:xfrm>
-            <a:off x="4624342" y="1860078"/>
-            <a:ext cx="1386154" cy="322239"/>
+            <a:off x="7236296" y="5762732"/>
+            <a:ext cx="1450504" cy="337954"/>
           </a:xfrm>
           <a:prstGeom prst="rect">
             <a:avLst/>
@@ -6500,14 +6583,14 @@
       </p:sp>
       <p:sp>
         <p:nvSpPr>
-          <p:cNvPr id="21" name="Tekstvak 20"/>
+          <p:cNvPr id="27" name="Tekstvak 26"/>
           <p:cNvSpPr txBox="1"/>
           <p:nvPr/>
         </p:nvSpPr>
         <p:spPr>
           <a:xfrm>
-            <a:off x="2831833" y="2194869"/>
-            <a:ext cx="1955943" cy="369332"/>
+            <a:off x="7564969" y="5747043"/>
+            <a:ext cx="1152128" cy="369332"/>
           </a:xfrm>
           <a:prstGeom prst="rect">
             <a:avLst/>
@@ -6522,11 +6605,7 @@
           <a:p>
             <a:r>
               <a:rPr lang="nl-NL" dirty="0" err="1" smtClean="0"/>
-              <a:t>Expiriation</a:t>
-            </a:r>
-            <a:r>
-              <a:rPr lang="nl-NL" dirty="0" smtClean="0"/>
-              <a:t> Date:</a:t>
+              <a:t>Send</a:t>
             </a:r>
             <a:endParaRPr lang="nl-NL" dirty="0"/>
           </a:p>
@@ -6534,19 +6613,58 @@
       </p:sp>
       <p:sp>
         <p:nvSpPr>
-          <p:cNvPr id="23" name="Rechthoek 22"/>
+          <p:cNvPr id="28" name="TextBox 27"/>
+          <p:cNvSpPr txBox="1"/>
+          <p:nvPr/>
+        </p:nvSpPr>
+        <p:spPr>
+          <a:xfrm>
+            <a:off x="3203848" y="1290180"/>
+            <a:ext cx="5184576" cy="584775"/>
+          </a:xfrm>
+          <a:prstGeom prst="rect">
+            <a:avLst/>
+          </a:prstGeom>
+          <a:noFill/>
+        </p:spPr>
+        <p:txBody>
+          <a:bodyPr wrap="square" rtlCol="0">
+            <a:spAutoFit/>
+          </a:bodyPr>
+          <a:lstStyle/>
+          <a:p>
+            <a:pPr algn="ctr"/>
+            <a:r>
+              <a:rPr lang="nl-NL" sz="3200" b="1" dirty="0" smtClean="0">
+                <a:solidFill>
+                  <a:schemeClr val="tx1">
+                    <a:lumMod val="75000"/>
+                    <a:lumOff val="25000"/>
+                  </a:schemeClr>
+                </a:solidFill>
+              </a:rPr>
+              <a:t>Send Invoice</a:t>
+            </a:r>
+          </a:p>
+        </p:txBody>
+      </p:sp>
+      <p:sp>
+        <p:nvSpPr>
+          <p:cNvPr id="29" name="Rectangle 28"/>
           <p:cNvSpPr/>
           <p:nvPr/>
         </p:nvSpPr>
         <p:spPr>
           <a:xfrm>
-            <a:off x="4624342" y="2220395"/>
-            <a:ext cx="1386154" cy="297340"/>
-          </a:xfrm>
-          <a:prstGeom prst="rect">
-            <a:avLst/>
-          </a:prstGeom>
-          <a:noFill/>
+            <a:off x="5078942" y="1916832"/>
+            <a:ext cx="1368152" cy="180020"/>
+          </a:xfrm>
+          <a:prstGeom prst="rect">
+            <a:avLst/>
+          </a:prstGeom>
+          <a:solidFill>
+            <a:schemeClr val="bg1"/>
+          </a:solidFill>
           <a:ln>
             <a:solidFill>
               <a:schemeClr val="tx1"/>
@@ -6580,87 +6698,21 @@
       </p:sp>
       <p:sp>
         <p:nvSpPr>
-          <p:cNvPr id="24" name="Tekstvak 23"/>
-          <p:cNvSpPr txBox="1"/>
-          <p:nvPr/>
-        </p:nvSpPr>
-        <p:spPr>
-          <a:xfrm>
-            <a:off x="2824142" y="2519750"/>
-            <a:ext cx="1800200" cy="369332"/>
-          </a:xfrm>
-          <a:prstGeom prst="rect">
-            <a:avLst/>
-          </a:prstGeom>
-          <a:noFill/>
-        </p:spPr>
-        <p:txBody>
-          <a:bodyPr wrap="square" rtlCol="0">
-            <a:spAutoFit/>
-          </a:bodyPr>
-          <a:lstStyle/>
-          <a:p>
-            <a:r>
-              <a:rPr lang="nl-NL" dirty="0" smtClean="0"/>
-              <a:t>Letter:</a:t>
-            </a:r>
-            <a:endParaRPr lang="nl-NL" dirty="0"/>
-          </a:p>
-        </p:txBody>
-      </p:sp>
-      <p:sp>
-        <p:nvSpPr>
-          <p:cNvPr id="25" name="Tekstvak 24"/>
-          <p:cNvSpPr txBox="1"/>
-          <p:nvPr/>
-        </p:nvSpPr>
-        <p:spPr>
-          <a:xfrm>
-            <a:off x="4355976" y="1086666"/>
-            <a:ext cx="3528392" cy="523220"/>
-          </a:xfrm>
-          <a:prstGeom prst="rect">
-            <a:avLst/>
-          </a:prstGeom>
-          <a:noFill/>
-        </p:spPr>
-        <p:txBody>
-          <a:bodyPr wrap="square" rtlCol="0">
-            <a:spAutoFit/>
-          </a:bodyPr>
-          <a:lstStyle/>
-          <a:p>
-            <a:r>
-              <a:rPr lang="nl-NL" sz="2800" dirty="0" err="1" smtClean="0"/>
-              <a:t>Send</a:t>
-            </a:r>
-            <a:r>
-              <a:rPr lang="nl-NL" sz="2800" dirty="0" smtClean="0"/>
-              <a:t> </a:t>
-            </a:r>
-            <a:r>
-              <a:rPr lang="nl-NL" sz="2800" dirty="0" err="1" smtClean="0"/>
-              <a:t>Invoice</a:t>
-            </a:r>
-            <a:endParaRPr lang="nl-NL" sz="2800" dirty="0"/>
-          </a:p>
-        </p:txBody>
-      </p:sp>
-      <p:sp>
-        <p:nvSpPr>
-          <p:cNvPr id="26" name="Rechthoek 25"/>
+          <p:cNvPr id="30" name="Rectangle 29"/>
           <p:cNvSpPr/>
           <p:nvPr/>
         </p:nvSpPr>
         <p:spPr>
           <a:xfrm>
-            <a:off x="7236296" y="5762732"/>
-            <a:ext cx="1450504" cy="337954"/>
-          </a:xfrm>
-          <a:prstGeom prst="rect">
-            <a:avLst/>
-          </a:prstGeom>
-          <a:noFill/>
+            <a:off x="5092394" y="2330878"/>
+            <a:ext cx="1368152" cy="180020"/>
+          </a:xfrm>
+          <a:prstGeom prst="rect">
+            <a:avLst/>
+          </a:prstGeom>
+          <a:solidFill>
+            <a:schemeClr val="bg1"/>
+          </a:solidFill>
           <a:ln>
             <a:solidFill>
               <a:schemeClr val="tx1"/>
@@ -6694,31 +6746,49 @@
       </p:sp>
       <p:sp>
         <p:nvSpPr>
-          <p:cNvPr id="27" name="Tekstvak 26"/>
-          <p:cNvSpPr txBox="1"/>
-          <p:nvPr/>
-        </p:nvSpPr>
-        <p:spPr>
-          <a:xfrm>
-            <a:off x="7564969" y="5747043"/>
-            <a:ext cx="1152128" cy="369332"/>
-          </a:xfrm>
-          <a:prstGeom prst="rect">
-            <a:avLst/>
-          </a:prstGeom>
-          <a:noFill/>
-        </p:spPr>
-        <p:txBody>
-          <a:bodyPr wrap="square" rtlCol="0">
-            <a:spAutoFit/>
-          </a:bodyPr>
-          <a:lstStyle/>
-          <a:p>
-            <a:r>
-              <a:rPr lang="nl-NL" dirty="0" err="1" smtClean="0"/>
-              <a:t>Send</a:t>
-            </a:r>
-            <a:endParaRPr lang="nl-NL" dirty="0"/>
+          <p:cNvPr id="31" name="Rectangle 30"/>
+          <p:cNvSpPr/>
+          <p:nvPr/>
+        </p:nvSpPr>
+        <p:spPr>
+          <a:xfrm>
+            <a:off x="5078942" y="2690918"/>
+            <a:ext cx="1368152" cy="180020"/>
+          </a:xfrm>
+          <a:prstGeom prst="rect">
+            <a:avLst/>
+          </a:prstGeom>
+          <a:solidFill>
+            <a:schemeClr val="bg1"/>
+          </a:solidFill>
+          <a:ln>
+            <a:solidFill>
+              <a:schemeClr val="tx1"/>
+            </a:solidFill>
+          </a:ln>
+        </p:spPr>
+        <p:style>
+          <a:lnRef idx="2">
+            <a:schemeClr val="accent1">
+              <a:shade val="50000"/>
+            </a:schemeClr>
+          </a:lnRef>
+          <a:fillRef idx="1">
+            <a:schemeClr val="accent1"/>
+          </a:fillRef>
+          <a:effectRef idx="0">
+            <a:schemeClr val="accent1"/>
+          </a:effectRef>
+          <a:fontRef idx="minor">
+            <a:schemeClr val="lt1"/>
+          </a:fontRef>
+        </p:style>
+        <p:txBody>
+          <a:bodyPr rtlCol="0" anchor="ctr"/>
+          <a:lstStyle/>
+          <a:p>
+            <a:pPr algn="ctr"/>
+            <a:endParaRPr lang="nl-NL"/>
           </a:p>
         </p:txBody>
       </p:sp>
@@ -7278,7 +7348,7 @@
       <p:sp>
         <p:nvSpPr>
           <p:cNvPr id="19" name="Rectangle 18">
-            <a:hlinkClick r:id="rId2" action="ppaction://hlinksldjump"/>
+            <a:hlinkClick r:id="rId7" action="ppaction://hlinksldjump"/>
           </p:cNvPr>
           <p:cNvSpPr/>
           <p:nvPr/>
@@ -7325,14 +7395,14 @@
       </p:sp>
       <p:sp>
         <p:nvSpPr>
-          <p:cNvPr id="2" name="Tekstvak 1"/>
+          <p:cNvPr id="15" name="TextBox 14"/>
           <p:cNvSpPr txBox="1"/>
           <p:nvPr/>
         </p:nvSpPr>
         <p:spPr>
           <a:xfrm>
-            <a:off x="4355976" y="1196753"/>
-            <a:ext cx="1728192" cy="461665"/>
+            <a:off x="3203848" y="1290180"/>
+            <a:ext cx="5184576" cy="584775"/>
           </a:xfrm>
           <a:prstGeom prst="rect">
             <a:avLst/>
@@ -7345,18 +7415,4219 @@
           </a:bodyPr>
           <a:lstStyle/>
           <a:p>
-            <a:r>
-              <a:rPr lang="nl-NL" sz="2400" dirty="0" smtClean="0"/>
-              <a:t>Finance info</a:t>
-            </a:r>
-            <a:endParaRPr lang="nl-NL" sz="2400" dirty="0"/>
-          </a:p>
-        </p:txBody>
-      </p:sp>
+            <a:pPr algn="ctr"/>
+            <a:r>
+              <a:rPr lang="nl-NL" sz="3200" b="1" dirty="0" smtClean="0">
+                <a:solidFill>
+                  <a:schemeClr val="tx1">
+                    <a:lumMod val="75000"/>
+                    <a:lumOff val="25000"/>
+                  </a:schemeClr>
+                </a:solidFill>
+              </a:rPr>
+              <a:t>Send Invoice</a:t>
+            </a:r>
+          </a:p>
+        </p:txBody>
+      </p:sp>
+      <p:graphicFrame>
+        <p:nvGraphicFramePr>
+          <p:cNvPr id="17" name="Table 16"/>
+          <p:cNvGraphicFramePr>
+            <a:graphicFrameLocks noGrp="1"/>
+          </p:cNvGraphicFramePr>
+          <p:nvPr>
+            <p:extLst>
+              <p:ext uri="{D42A27DB-BD31-4B8C-83A1-F6EECF244321}">
+                <p14:modId xmlns:p14="http://schemas.microsoft.com/office/powerpoint/2010/main" val="2186797625"/>
+              </p:ext>
+            </p:extLst>
+          </p:nvPr>
+        </p:nvGraphicFramePr>
+        <p:xfrm>
+          <a:off x="2699793" y="2023047"/>
+          <a:ext cx="6048671" cy="741680"/>
+        </p:xfrm>
+        <a:graphic>
+          <a:graphicData uri="http://schemas.openxmlformats.org/drawingml/2006/table">
+            <a:tbl>
+              <a:tblPr firstRow="1" bandRow="1">
+                <a:tableStyleId>{5940675A-B579-460E-94D1-54222C63F5DA}</a:tableStyleId>
+              </a:tblPr>
+              <a:tblGrid>
+                <a:gridCol w="527537"/>
+                <a:gridCol w="1250357"/>
+                <a:gridCol w="1083642"/>
+                <a:gridCol w="1333713"/>
+                <a:gridCol w="916928"/>
+                <a:gridCol w="936494"/>
+              </a:tblGrid>
+              <a:tr h="370840">
+                <a:tc>
+                  <a:txBody>
+                    <a:bodyPr/>
+                    <a:lstStyle/>
+                    <a:p>
+                      <a:r>
+                        <a:rPr lang="nl-NL" sz="1200" dirty="0" smtClean="0"/>
+                        <a:t>ID</a:t>
+                      </a:r>
+                      <a:endParaRPr lang="nl-NL" sz="1200" dirty="0"/>
+                    </a:p>
+                  </a:txBody>
+                  <a:tcPr/>
+                </a:tc>
+                <a:tc>
+                  <a:txBody>
+                    <a:bodyPr/>
+                    <a:lstStyle/>
+                    <a:p>
+                      <a:r>
+                        <a:rPr lang="nl-NL" sz="1200" dirty="0" smtClean="0"/>
+                        <a:t>Company name</a:t>
+                      </a:r>
+                      <a:endParaRPr lang="nl-NL" sz="1200" dirty="0"/>
+                    </a:p>
+                  </a:txBody>
+                  <a:tcPr/>
+                </a:tc>
+                <a:tc>
+                  <a:txBody>
+                    <a:bodyPr/>
+                    <a:lstStyle/>
+                    <a:p>
+                      <a:r>
+                        <a:rPr lang="nl-NL" sz="1200" dirty="0" smtClean="0"/>
+                        <a:t>Invoice</a:t>
+                      </a:r>
+                      <a:r>
+                        <a:rPr lang="nl-NL" sz="1200" baseline="0" dirty="0" smtClean="0"/>
+                        <a:t> ID</a:t>
+                      </a:r>
+                      <a:endParaRPr lang="nl-NL" sz="1200" dirty="0"/>
+                    </a:p>
+                  </a:txBody>
+                  <a:tcPr/>
+                </a:tc>
+                <a:tc>
+                  <a:txBody>
+                    <a:bodyPr/>
+                    <a:lstStyle/>
+                    <a:p>
+                      <a:r>
+                        <a:rPr lang="nl-NL" sz="1200" dirty="0" smtClean="0"/>
+                        <a:t>Send</a:t>
+                      </a:r>
+                      <a:r>
+                        <a:rPr lang="nl-NL" sz="1200" baseline="0" dirty="0" smtClean="0"/>
+                        <a:t> Date</a:t>
+                      </a:r>
+                      <a:endParaRPr lang="nl-NL" sz="1200" dirty="0"/>
+                    </a:p>
+                  </a:txBody>
+                  <a:tcPr/>
+                </a:tc>
+                <a:tc>
+                  <a:txBody>
+                    <a:bodyPr/>
+                    <a:lstStyle/>
+                    <a:p>
+                      <a:r>
+                        <a:rPr lang="nl-NL" sz="1200" dirty="0" smtClean="0"/>
+                        <a:t>Paydate</a:t>
+                      </a:r>
+                      <a:endParaRPr lang="nl-NL" sz="1200" dirty="0"/>
+                    </a:p>
+                  </a:txBody>
+                  <a:tcPr/>
+                </a:tc>
+                <a:tc>
+                  <a:txBody>
+                    <a:bodyPr/>
+                    <a:lstStyle/>
+                    <a:p>
+                      <a:r>
+                        <a:rPr lang="nl-NL" sz="1200" dirty="0" smtClean="0"/>
+                        <a:t>Send</a:t>
+                      </a:r>
+                      <a:endParaRPr lang="nl-NL" sz="1200" dirty="0"/>
+                    </a:p>
+                  </a:txBody>
+                  <a:tcPr/>
+                </a:tc>
+              </a:tr>
+              <a:tr h="370840">
+                <a:tc>
+                  <a:txBody>
+                    <a:bodyPr/>
+                    <a:lstStyle/>
+                    <a:p>
+                      <a:endParaRPr lang="nl-NL"/>
+                    </a:p>
+                  </a:txBody>
+                  <a:tcPr/>
+                </a:tc>
+                <a:tc>
+                  <a:txBody>
+                    <a:bodyPr/>
+                    <a:lstStyle/>
+                    <a:p>
+                      <a:endParaRPr lang="nl-NL"/>
+                    </a:p>
+                  </a:txBody>
+                  <a:tcPr/>
+                </a:tc>
+                <a:tc>
+                  <a:txBody>
+                    <a:bodyPr/>
+                    <a:lstStyle/>
+                    <a:p>
+                      <a:endParaRPr lang="nl-NL"/>
+                    </a:p>
+                  </a:txBody>
+                  <a:tcPr/>
+                </a:tc>
+                <a:tc>
+                  <a:txBody>
+                    <a:bodyPr/>
+                    <a:lstStyle/>
+                    <a:p>
+                      <a:endParaRPr lang="nl-NL" dirty="0"/>
+                    </a:p>
+                  </a:txBody>
+                  <a:tcPr/>
+                </a:tc>
+                <a:tc>
+                  <a:txBody>
+                    <a:bodyPr/>
+                    <a:lstStyle/>
+                    <a:p>
+                      <a:endParaRPr lang="nl-NL"/>
+                    </a:p>
+                  </a:txBody>
+                  <a:tcPr/>
+                </a:tc>
+                <a:tc>
+                  <a:txBody>
+                    <a:bodyPr/>
+                    <a:lstStyle/>
+                    <a:p>
+                      <a:endParaRPr lang="nl-NL" dirty="0"/>
+                    </a:p>
+                  </a:txBody>
+                  <a:tcPr/>
+                </a:tc>
+              </a:tr>
+            </a:tbl>
+          </a:graphicData>
+        </a:graphic>
+      </p:graphicFrame>
     </p:spTree>
     <p:extLst>
       <p:ext uri="{BB962C8B-B14F-4D97-AF65-F5344CB8AC3E}">
         <p14:creationId xmlns:p14="http://schemas.microsoft.com/office/powerpoint/2010/main" val="4185995807"/>
+      </p:ext>
+    </p:extLst>
+  </p:cSld>
+  <p:clrMapOvr>
+    <a:masterClrMapping/>
+  </p:clrMapOvr>
+  <p:timing>
+    <p:tnLst>
+      <p:par>
+        <p:cTn id="1" dur="indefinite" restart="never" nodeType="tmRoot"/>
+      </p:par>
+    </p:tnLst>
+  </p:timing>
+</p:sld>
+</file>
+
+<file path=ppt/slides/slide15.xml><?xml version="1.0" encoding="utf-8"?>
+<p:sld xmlns:a="http://schemas.openxmlformats.org/drawingml/2006/main" xmlns:r="http://schemas.openxmlformats.org/officeDocument/2006/relationships" xmlns:p="http://schemas.openxmlformats.org/presentationml/2006/main">
+  <p:cSld>
+    <p:spTree>
+      <p:nvGrpSpPr>
+        <p:cNvPr id="1" name=""/>
+        <p:cNvGrpSpPr/>
+        <p:nvPr/>
+      </p:nvGrpSpPr>
+      <p:grpSpPr>
+        <a:xfrm>
+          <a:off x="0" y="0"/>
+          <a:ext cx="0" cy="0"/>
+          <a:chOff x="0" y="0"/>
+          <a:chExt cx="0" cy="0"/>
+        </a:xfrm>
+      </p:grpSpPr>
+      <p:sp>
+        <p:nvSpPr>
+          <p:cNvPr id="13" name="Rectangle 12"/>
+          <p:cNvSpPr/>
+          <p:nvPr/>
+        </p:nvSpPr>
+        <p:spPr>
+          <a:xfrm>
+            <a:off x="251520" y="548680"/>
+            <a:ext cx="8640960" cy="576064"/>
+          </a:xfrm>
+          <a:prstGeom prst="rect">
+            <a:avLst/>
+          </a:prstGeom>
+          <a:noFill/>
+          <a:ln>
+            <a:solidFill>
+              <a:schemeClr val="tx1"/>
+            </a:solidFill>
+          </a:ln>
+        </p:spPr>
+        <p:style>
+          <a:lnRef idx="2">
+            <a:schemeClr val="accent1">
+              <a:shade val="50000"/>
+            </a:schemeClr>
+          </a:lnRef>
+          <a:fillRef idx="1">
+            <a:schemeClr val="accent1"/>
+          </a:fillRef>
+          <a:effectRef idx="0">
+            <a:schemeClr val="accent1"/>
+          </a:effectRef>
+          <a:fontRef idx="minor">
+            <a:schemeClr val="lt1"/>
+          </a:fontRef>
+        </p:style>
+        <p:txBody>
+          <a:bodyPr rtlCol="0" anchor="ctr"/>
+          <a:lstStyle/>
+          <a:p>
+            <a:pPr algn="ctr"/>
+            <a:endParaRPr lang="nl-NL"/>
+          </a:p>
+        </p:txBody>
+      </p:sp>
+      <p:sp>
+        <p:nvSpPr>
+          <p:cNvPr id="3" name="Content Placeholder 2"/>
+          <p:cNvSpPr>
+            <a:spLocks noGrp="1"/>
+          </p:cNvSpPr>
+          <p:nvPr>
+            <p:ph idx="1"/>
+          </p:nvPr>
+        </p:nvSpPr>
+        <p:spPr>
+          <a:xfrm>
+            <a:off x="457200" y="548681"/>
+            <a:ext cx="8229600" cy="648072"/>
+          </a:xfrm>
+        </p:spPr>
+        <p:txBody>
+          <a:bodyPr/>
+          <a:lstStyle/>
+          <a:p>
+            <a:pPr marL="0" indent="0" algn="ctr">
+              <a:buNone/>
+            </a:pPr>
+            <a:r>
+              <a:rPr lang="nl-NL" b="1" dirty="0" smtClean="0">
+                <a:solidFill>
+                  <a:schemeClr val="tx1">
+                    <a:lumMod val="75000"/>
+                    <a:lumOff val="25000"/>
+                  </a:schemeClr>
+                </a:solidFill>
+              </a:rPr>
+              <a:t>Finance</a:t>
+            </a:r>
+            <a:endParaRPr lang="nl-NL" b="1" dirty="0">
+              <a:solidFill>
+                <a:schemeClr val="tx1">
+                  <a:lumMod val="75000"/>
+                  <a:lumOff val="25000"/>
+                </a:schemeClr>
+              </a:solidFill>
+            </a:endParaRPr>
+          </a:p>
+        </p:txBody>
+      </p:sp>
+      <p:sp>
+        <p:nvSpPr>
+          <p:cNvPr id="5" name="Rectangle 4"/>
+          <p:cNvSpPr/>
+          <p:nvPr/>
+        </p:nvSpPr>
+        <p:spPr>
+          <a:xfrm>
+            <a:off x="251520" y="1124744"/>
+            <a:ext cx="2304256" cy="5112568"/>
+          </a:xfrm>
+          <a:prstGeom prst="rect">
+            <a:avLst/>
+          </a:prstGeom>
+          <a:noFill/>
+          <a:ln>
+            <a:solidFill>
+              <a:schemeClr val="tx1"/>
+            </a:solidFill>
+          </a:ln>
+        </p:spPr>
+        <p:style>
+          <a:lnRef idx="2">
+            <a:schemeClr val="accent1">
+              <a:shade val="50000"/>
+            </a:schemeClr>
+          </a:lnRef>
+          <a:fillRef idx="1">
+            <a:schemeClr val="accent1"/>
+          </a:fillRef>
+          <a:effectRef idx="0">
+            <a:schemeClr val="accent1"/>
+          </a:effectRef>
+          <a:fontRef idx="minor">
+            <a:schemeClr val="lt1"/>
+          </a:fontRef>
+        </p:style>
+        <p:txBody>
+          <a:bodyPr rtlCol="0" anchor="ctr"/>
+          <a:lstStyle/>
+          <a:p>
+            <a:pPr algn="ctr"/>
+            <a:endParaRPr lang="nl-NL"/>
+          </a:p>
+        </p:txBody>
+      </p:sp>
+      <p:sp>
+        <p:nvSpPr>
+          <p:cNvPr id="4" name="TextBox 3"/>
+          <p:cNvSpPr txBox="1"/>
+          <p:nvPr/>
+        </p:nvSpPr>
+        <p:spPr>
+          <a:xfrm>
+            <a:off x="431540" y="1299372"/>
+            <a:ext cx="1944216" cy="4801314"/>
+          </a:xfrm>
+          <a:prstGeom prst="rect">
+            <a:avLst/>
+          </a:prstGeom>
+          <a:noFill/>
+        </p:spPr>
+        <p:txBody>
+          <a:bodyPr wrap="square" rtlCol="0">
+            <a:spAutoFit/>
+          </a:bodyPr>
+          <a:lstStyle/>
+          <a:p>
+            <a:r>
+              <a:rPr lang="nl-NL" b="1" dirty="0" smtClean="0"/>
+              <a:t>Home</a:t>
+            </a:r>
+          </a:p>
+          <a:p>
+            <a:endParaRPr lang="nl-NL" b="1" dirty="0" smtClean="0"/>
+          </a:p>
+          <a:p>
+            <a:r>
+              <a:rPr lang="nl-NL" b="1" dirty="0" smtClean="0"/>
+              <a:t>Send Invoice</a:t>
+            </a:r>
+          </a:p>
+          <a:p>
+            <a:endParaRPr lang="nl-NL" b="1" dirty="0" smtClean="0"/>
+          </a:p>
+          <a:p>
+            <a:r>
+              <a:rPr lang="nl-NL" b="1" dirty="0" smtClean="0"/>
+              <a:t>Finance Info</a:t>
+            </a:r>
+          </a:p>
+          <a:p>
+            <a:endParaRPr lang="nl-NL" b="1" dirty="0" smtClean="0"/>
+          </a:p>
+          <a:p>
+            <a:r>
+              <a:rPr lang="nl-NL" b="1" dirty="0" smtClean="0"/>
+              <a:t>BKR-Check</a:t>
+            </a:r>
+          </a:p>
+          <a:p>
+            <a:endParaRPr lang="nl-NL" b="1" dirty="0"/>
+          </a:p>
+          <a:p>
+            <a:r>
+              <a:rPr lang="nl-NL" b="1" dirty="0" smtClean="0"/>
+              <a:t>Over Limit</a:t>
+            </a:r>
+          </a:p>
+          <a:p>
+            <a:endParaRPr lang="nl-NL" b="1" dirty="0"/>
+          </a:p>
+          <a:p>
+            <a:endParaRPr lang="nl-NL" b="1" dirty="0" smtClean="0"/>
+          </a:p>
+          <a:p>
+            <a:endParaRPr lang="nl-NL" b="1" dirty="0"/>
+          </a:p>
+          <a:p>
+            <a:endParaRPr lang="nl-NL" b="1" dirty="0" smtClean="0"/>
+          </a:p>
+          <a:p>
+            <a:endParaRPr lang="nl-NL" b="1" dirty="0"/>
+          </a:p>
+          <a:p>
+            <a:endParaRPr lang="nl-NL" b="1" dirty="0" smtClean="0"/>
+          </a:p>
+          <a:p>
+            <a:endParaRPr lang="nl-NL" b="1" dirty="0"/>
+          </a:p>
+          <a:p>
+            <a:r>
+              <a:rPr lang="nl-NL" b="1" dirty="0" smtClean="0"/>
+              <a:t>Logout</a:t>
+            </a:r>
+            <a:endParaRPr lang="nl-NL" b="1" dirty="0"/>
+          </a:p>
+        </p:txBody>
+      </p:sp>
+      <p:sp>
+        <p:nvSpPr>
+          <p:cNvPr id="7" name="Rectangle 6">
+            <a:hlinkClick r:id="rId2" action="ppaction://hlinksldjump"/>
+          </p:cNvPr>
+          <p:cNvSpPr/>
+          <p:nvPr/>
+        </p:nvSpPr>
+        <p:spPr>
+          <a:xfrm>
+            <a:off x="431540" y="2921350"/>
+            <a:ext cx="1944216" cy="363634"/>
+          </a:xfrm>
+          <a:prstGeom prst="rect">
+            <a:avLst/>
+          </a:prstGeom>
+          <a:noFill/>
+          <a:ln>
+            <a:solidFill>
+              <a:schemeClr val="tx1"/>
+            </a:solidFill>
+          </a:ln>
+        </p:spPr>
+        <p:style>
+          <a:lnRef idx="2">
+            <a:schemeClr val="accent1">
+              <a:shade val="50000"/>
+            </a:schemeClr>
+          </a:lnRef>
+          <a:fillRef idx="1">
+            <a:schemeClr val="accent1"/>
+          </a:fillRef>
+          <a:effectRef idx="0">
+            <a:schemeClr val="accent1"/>
+          </a:effectRef>
+          <a:fontRef idx="minor">
+            <a:schemeClr val="lt1"/>
+          </a:fontRef>
+        </p:style>
+        <p:txBody>
+          <a:bodyPr rtlCol="0" anchor="ctr"/>
+          <a:lstStyle/>
+          <a:p>
+            <a:pPr algn="ctr"/>
+            <a:endParaRPr lang="nl-NL"/>
+          </a:p>
+        </p:txBody>
+      </p:sp>
+      <p:sp>
+        <p:nvSpPr>
+          <p:cNvPr id="10" name="Rectangle 9">
+            <a:hlinkClick r:id="rId3" action="ppaction://hlinksldjump"/>
+          </p:cNvPr>
+          <p:cNvSpPr/>
+          <p:nvPr/>
+        </p:nvSpPr>
+        <p:spPr>
+          <a:xfrm>
+            <a:off x="431540" y="1337174"/>
+            <a:ext cx="1944216" cy="363634"/>
+          </a:xfrm>
+          <a:prstGeom prst="rect">
+            <a:avLst/>
+          </a:prstGeom>
+          <a:noFill/>
+          <a:ln>
+            <a:solidFill>
+              <a:schemeClr val="tx1"/>
+            </a:solidFill>
+          </a:ln>
+        </p:spPr>
+        <p:style>
+          <a:lnRef idx="2">
+            <a:schemeClr val="accent1">
+              <a:shade val="50000"/>
+            </a:schemeClr>
+          </a:lnRef>
+          <a:fillRef idx="1">
+            <a:schemeClr val="accent1"/>
+          </a:fillRef>
+          <a:effectRef idx="0">
+            <a:schemeClr val="accent1"/>
+          </a:effectRef>
+          <a:fontRef idx="minor">
+            <a:schemeClr val="lt1"/>
+          </a:fontRef>
+        </p:style>
+        <p:txBody>
+          <a:bodyPr rtlCol="0" anchor="ctr"/>
+          <a:lstStyle/>
+          <a:p>
+            <a:pPr algn="ctr"/>
+            <a:endParaRPr lang="nl-NL"/>
+          </a:p>
+        </p:txBody>
+      </p:sp>
+      <p:sp>
+        <p:nvSpPr>
+          <p:cNvPr id="11" name="Rectangle 10">
+            <a:hlinkClick r:id="rId4" action="ppaction://hlinksldjump"/>
+          </p:cNvPr>
+          <p:cNvSpPr/>
+          <p:nvPr/>
+        </p:nvSpPr>
+        <p:spPr>
+          <a:xfrm>
+            <a:off x="431540" y="1841230"/>
+            <a:ext cx="1944216" cy="363634"/>
+          </a:xfrm>
+          <a:prstGeom prst="rect">
+            <a:avLst/>
+          </a:prstGeom>
+          <a:noFill/>
+          <a:ln>
+            <a:solidFill>
+              <a:schemeClr val="tx1"/>
+            </a:solidFill>
+          </a:ln>
+        </p:spPr>
+        <p:style>
+          <a:lnRef idx="2">
+            <a:schemeClr val="accent1">
+              <a:shade val="50000"/>
+            </a:schemeClr>
+          </a:lnRef>
+          <a:fillRef idx="1">
+            <a:schemeClr val="accent1"/>
+          </a:fillRef>
+          <a:effectRef idx="0">
+            <a:schemeClr val="accent1"/>
+          </a:effectRef>
+          <a:fontRef idx="minor">
+            <a:schemeClr val="lt1"/>
+          </a:fontRef>
+        </p:style>
+        <p:txBody>
+          <a:bodyPr rtlCol="0" anchor="ctr"/>
+          <a:lstStyle/>
+          <a:p>
+            <a:pPr algn="ctr"/>
+            <a:endParaRPr lang="nl-NL" dirty="0"/>
+          </a:p>
+        </p:txBody>
+      </p:sp>
+      <p:sp>
+        <p:nvSpPr>
+          <p:cNvPr id="12" name="Rectangle 11">
+            <a:hlinkClick r:id="rId5" action="ppaction://hlinksldjump"/>
+          </p:cNvPr>
+          <p:cNvSpPr/>
+          <p:nvPr/>
+        </p:nvSpPr>
+        <p:spPr>
+          <a:xfrm>
+            <a:off x="431540" y="2417294"/>
+            <a:ext cx="1944216" cy="363634"/>
+          </a:xfrm>
+          <a:prstGeom prst="rect">
+            <a:avLst/>
+          </a:prstGeom>
+          <a:noFill/>
+          <a:ln>
+            <a:solidFill>
+              <a:schemeClr val="tx1"/>
+            </a:solidFill>
+          </a:ln>
+        </p:spPr>
+        <p:style>
+          <a:lnRef idx="2">
+            <a:schemeClr val="accent1">
+              <a:shade val="50000"/>
+            </a:schemeClr>
+          </a:lnRef>
+          <a:fillRef idx="1">
+            <a:schemeClr val="accent1"/>
+          </a:fillRef>
+          <a:effectRef idx="0">
+            <a:schemeClr val="accent1"/>
+          </a:effectRef>
+          <a:fontRef idx="minor">
+            <a:schemeClr val="lt1"/>
+          </a:fontRef>
+        </p:style>
+        <p:txBody>
+          <a:bodyPr rtlCol="0" anchor="ctr"/>
+          <a:lstStyle/>
+          <a:p>
+            <a:pPr algn="ctr"/>
+            <a:endParaRPr lang="nl-NL"/>
+          </a:p>
+        </p:txBody>
+      </p:sp>
+      <p:sp>
+        <p:nvSpPr>
+          <p:cNvPr id="14" name="Rectangle 13"/>
+          <p:cNvSpPr/>
+          <p:nvPr/>
+        </p:nvSpPr>
+        <p:spPr>
+          <a:xfrm>
+            <a:off x="2555776" y="1124744"/>
+            <a:ext cx="6336704" cy="5112568"/>
+          </a:xfrm>
+          <a:prstGeom prst="rect">
+            <a:avLst/>
+          </a:prstGeom>
+          <a:noFill/>
+          <a:ln>
+            <a:solidFill>
+              <a:schemeClr val="tx1"/>
+            </a:solidFill>
+          </a:ln>
+        </p:spPr>
+        <p:style>
+          <a:lnRef idx="2">
+            <a:schemeClr val="accent1">
+              <a:shade val="50000"/>
+            </a:schemeClr>
+          </a:lnRef>
+          <a:fillRef idx="1">
+            <a:schemeClr val="accent1"/>
+          </a:fillRef>
+          <a:effectRef idx="0">
+            <a:schemeClr val="accent1"/>
+          </a:effectRef>
+          <a:fontRef idx="minor">
+            <a:schemeClr val="lt1"/>
+          </a:fontRef>
+        </p:style>
+        <p:txBody>
+          <a:bodyPr rtlCol="0" anchor="ctr"/>
+          <a:lstStyle/>
+          <a:p>
+            <a:pPr algn="ctr"/>
+            <a:endParaRPr lang="nl-NL"/>
+          </a:p>
+        </p:txBody>
+      </p:sp>
+      <p:sp>
+        <p:nvSpPr>
+          <p:cNvPr id="16" name="Rectangle 15">
+            <a:hlinkClick r:id="rId6" action="ppaction://hlinksldjump"/>
+          </p:cNvPr>
+          <p:cNvSpPr/>
+          <p:nvPr/>
+        </p:nvSpPr>
+        <p:spPr>
+          <a:xfrm>
+            <a:off x="431540" y="5724654"/>
+            <a:ext cx="1944216" cy="363634"/>
+          </a:xfrm>
+          <a:prstGeom prst="rect">
+            <a:avLst/>
+          </a:prstGeom>
+          <a:noFill/>
+          <a:ln>
+            <a:solidFill>
+              <a:schemeClr val="tx1"/>
+            </a:solidFill>
+          </a:ln>
+        </p:spPr>
+        <p:style>
+          <a:lnRef idx="2">
+            <a:schemeClr val="accent1">
+              <a:shade val="50000"/>
+            </a:schemeClr>
+          </a:lnRef>
+          <a:fillRef idx="1">
+            <a:schemeClr val="accent1"/>
+          </a:fillRef>
+          <a:effectRef idx="0">
+            <a:schemeClr val="accent1"/>
+          </a:effectRef>
+          <a:fontRef idx="minor">
+            <a:schemeClr val="lt1"/>
+          </a:fontRef>
+        </p:style>
+        <p:txBody>
+          <a:bodyPr rtlCol="0" anchor="ctr"/>
+          <a:lstStyle/>
+          <a:p>
+            <a:pPr algn="ctr"/>
+            <a:endParaRPr lang="nl-NL"/>
+          </a:p>
+        </p:txBody>
+      </p:sp>
+      <p:sp>
+        <p:nvSpPr>
+          <p:cNvPr id="19" name="Rectangle 18">
+            <a:hlinkClick r:id="rId7" action="ppaction://hlinksldjump"/>
+          </p:cNvPr>
+          <p:cNvSpPr/>
+          <p:nvPr/>
+        </p:nvSpPr>
+        <p:spPr>
+          <a:xfrm>
+            <a:off x="395536" y="3497414"/>
+            <a:ext cx="1944216" cy="363634"/>
+          </a:xfrm>
+          <a:prstGeom prst="rect">
+            <a:avLst/>
+          </a:prstGeom>
+          <a:noFill/>
+          <a:ln>
+            <a:solidFill>
+              <a:schemeClr val="tx1"/>
+            </a:solidFill>
+          </a:ln>
+        </p:spPr>
+        <p:style>
+          <a:lnRef idx="2">
+            <a:schemeClr val="accent1">
+              <a:shade val="50000"/>
+            </a:schemeClr>
+          </a:lnRef>
+          <a:fillRef idx="1">
+            <a:schemeClr val="accent1"/>
+          </a:fillRef>
+          <a:effectRef idx="0">
+            <a:schemeClr val="accent1"/>
+          </a:effectRef>
+          <a:fontRef idx="minor">
+            <a:schemeClr val="lt1"/>
+          </a:fontRef>
+        </p:style>
+        <p:txBody>
+          <a:bodyPr rtlCol="0" anchor="ctr"/>
+          <a:lstStyle/>
+          <a:p>
+            <a:pPr algn="ctr"/>
+            <a:endParaRPr lang="nl-NL"/>
+          </a:p>
+        </p:txBody>
+      </p:sp>
+      <p:sp>
+        <p:nvSpPr>
+          <p:cNvPr id="15" name="TextBox 14"/>
+          <p:cNvSpPr txBox="1"/>
+          <p:nvPr/>
+        </p:nvSpPr>
+        <p:spPr>
+          <a:xfrm>
+            <a:off x="3203848" y="1290180"/>
+            <a:ext cx="5184576" cy="584775"/>
+          </a:xfrm>
+          <a:prstGeom prst="rect">
+            <a:avLst/>
+          </a:prstGeom>
+          <a:noFill/>
+        </p:spPr>
+        <p:txBody>
+          <a:bodyPr wrap="square" rtlCol="0">
+            <a:spAutoFit/>
+          </a:bodyPr>
+          <a:lstStyle/>
+          <a:p>
+            <a:pPr algn="ctr"/>
+            <a:r>
+              <a:rPr lang="nl-NL" sz="3200" b="1" dirty="0" smtClean="0">
+                <a:solidFill>
+                  <a:schemeClr val="tx1">
+                    <a:lumMod val="75000"/>
+                    <a:lumOff val="25000"/>
+                  </a:schemeClr>
+                </a:solidFill>
+              </a:rPr>
+              <a:t>Finance Info</a:t>
+            </a:r>
+          </a:p>
+        </p:txBody>
+      </p:sp>
+      <p:graphicFrame>
+        <p:nvGraphicFramePr>
+          <p:cNvPr id="18" name="Table 17"/>
+          <p:cNvGraphicFramePr>
+            <a:graphicFrameLocks noGrp="1"/>
+          </p:cNvGraphicFramePr>
+          <p:nvPr>
+            <p:extLst>
+              <p:ext uri="{D42A27DB-BD31-4B8C-83A1-F6EECF244321}">
+                <p14:modId xmlns:p14="http://schemas.microsoft.com/office/powerpoint/2010/main" val="2853766587"/>
+              </p:ext>
+            </p:extLst>
+          </p:nvPr>
+        </p:nvGraphicFramePr>
+        <p:xfrm>
+          <a:off x="2676128" y="2046454"/>
+          <a:ext cx="6072336" cy="741680"/>
+        </p:xfrm>
+        <a:graphic>
+          <a:graphicData uri="http://schemas.openxmlformats.org/drawingml/2006/table">
+            <a:tbl>
+              <a:tblPr firstRow="1" bandRow="1">
+                <a:tableStyleId>{5940675A-B579-460E-94D1-54222C63F5DA}</a:tableStyleId>
+              </a:tblPr>
+              <a:tblGrid>
+                <a:gridCol w="529600"/>
+                <a:gridCol w="1255248"/>
+                <a:gridCol w="1087882"/>
+                <a:gridCol w="1338932"/>
+                <a:gridCol w="920516"/>
+                <a:gridCol w="940158"/>
+              </a:tblGrid>
+              <a:tr h="370840">
+                <a:tc>
+                  <a:txBody>
+                    <a:bodyPr/>
+                    <a:lstStyle/>
+                    <a:p>
+                      <a:r>
+                        <a:rPr lang="nl-NL" sz="1200" dirty="0" smtClean="0"/>
+                        <a:t>ID</a:t>
+                      </a:r>
+                      <a:endParaRPr lang="nl-NL" sz="1200" dirty="0"/>
+                    </a:p>
+                  </a:txBody>
+                  <a:tcPr/>
+                </a:tc>
+                <a:tc>
+                  <a:txBody>
+                    <a:bodyPr/>
+                    <a:lstStyle/>
+                    <a:p>
+                      <a:r>
+                        <a:rPr lang="nl-NL" sz="1200" dirty="0" smtClean="0"/>
+                        <a:t>Company name</a:t>
+                      </a:r>
+                      <a:endParaRPr lang="nl-NL" sz="1200" dirty="0"/>
+                    </a:p>
+                  </a:txBody>
+                  <a:tcPr/>
+                </a:tc>
+                <a:tc>
+                  <a:txBody>
+                    <a:bodyPr/>
+                    <a:lstStyle/>
+                    <a:p>
+                      <a:r>
+                        <a:rPr lang="nl-NL" sz="1200" dirty="0" smtClean="0"/>
+                        <a:t>Zipcode</a:t>
+                      </a:r>
+                      <a:endParaRPr lang="nl-NL" sz="1200" dirty="0"/>
+                    </a:p>
+                  </a:txBody>
+                  <a:tcPr/>
+                </a:tc>
+                <a:tc>
+                  <a:txBody>
+                    <a:bodyPr/>
+                    <a:lstStyle/>
+                    <a:p>
+                      <a:r>
+                        <a:rPr lang="nl-NL" sz="1200" dirty="0" smtClean="0"/>
+                        <a:t>Residence</a:t>
+                      </a:r>
+                      <a:endParaRPr lang="nl-NL" sz="1200" dirty="0"/>
+                    </a:p>
+                  </a:txBody>
+                  <a:tcPr/>
+                </a:tc>
+                <a:tc>
+                  <a:txBody>
+                    <a:bodyPr/>
+                    <a:lstStyle/>
+                    <a:p>
+                      <a:r>
+                        <a:rPr lang="nl-NL" sz="1200" dirty="0" smtClean="0"/>
+                        <a:t>Street</a:t>
+                      </a:r>
+                      <a:endParaRPr lang="nl-NL" sz="1200" dirty="0"/>
+                    </a:p>
+                  </a:txBody>
+                  <a:tcPr/>
+                </a:tc>
+                <a:tc>
+                  <a:txBody>
+                    <a:bodyPr/>
+                    <a:lstStyle/>
+                    <a:p>
+                      <a:r>
+                        <a:rPr lang="nl-NL" sz="1200" dirty="0" smtClean="0"/>
+                        <a:t>View</a:t>
+                      </a:r>
+                      <a:endParaRPr lang="nl-NL" sz="1200" dirty="0"/>
+                    </a:p>
+                  </a:txBody>
+                  <a:tcPr/>
+                </a:tc>
+              </a:tr>
+              <a:tr h="370840">
+                <a:tc>
+                  <a:txBody>
+                    <a:bodyPr/>
+                    <a:lstStyle/>
+                    <a:p>
+                      <a:endParaRPr lang="nl-NL" dirty="0"/>
+                    </a:p>
+                  </a:txBody>
+                  <a:tcPr/>
+                </a:tc>
+                <a:tc>
+                  <a:txBody>
+                    <a:bodyPr/>
+                    <a:lstStyle/>
+                    <a:p>
+                      <a:endParaRPr lang="nl-NL"/>
+                    </a:p>
+                  </a:txBody>
+                  <a:tcPr/>
+                </a:tc>
+                <a:tc>
+                  <a:txBody>
+                    <a:bodyPr/>
+                    <a:lstStyle/>
+                    <a:p>
+                      <a:endParaRPr lang="nl-NL" dirty="0"/>
+                    </a:p>
+                  </a:txBody>
+                  <a:tcPr/>
+                </a:tc>
+                <a:tc>
+                  <a:txBody>
+                    <a:bodyPr/>
+                    <a:lstStyle/>
+                    <a:p>
+                      <a:endParaRPr lang="nl-NL"/>
+                    </a:p>
+                  </a:txBody>
+                  <a:tcPr/>
+                </a:tc>
+                <a:tc>
+                  <a:txBody>
+                    <a:bodyPr/>
+                    <a:lstStyle/>
+                    <a:p>
+                      <a:endParaRPr lang="nl-NL"/>
+                    </a:p>
+                  </a:txBody>
+                  <a:tcPr/>
+                </a:tc>
+                <a:tc>
+                  <a:txBody>
+                    <a:bodyPr/>
+                    <a:lstStyle/>
+                    <a:p>
+                      <a:endParaRPr lang="nl-NL" dirty="0"/>
+                    </a:p>
+                  </a:txBody>
+                  <a:tcPr/>
+                </a:tc>
+              </a:tr>
+            </a:tbl>
+          </a:graphicData>
+        </a:graphic>
+      </p:graphicFrame>
+    </p:spTree>
+    <p:extLst>
+      <p:ext uri="{BB962C8B-B14F-4D97-AF65-F5344CB8AC3E}">
+        <p14:creationId xmlns:p14="http://schemas.microsoft.com/office/powerpoint/2010/main" val="1160103252"/>
+      </p:ext>
+    </p:extLst>
+  </p:cSld>
+  <p:clrMapOvr>
+    <a:masterClrMapping/>
+  </p:clrMapOvr>
+  <p:timing>
+    <p:tnLst>
+      <p:par>
+        <p:cTn id="1" dur="indefinite" restart="never" nodeType="tmRoot"/>
+      </p:par>
+    </p:tnLst>
+  </p:timing>
+</p:sld>
+</file>
+
+<file path=ppt/slides/slide16.xml><?xml version="1.0" encoding="utf-8"?>
+<p:sld xmlns:a="http://schemas.openxmlformats.org/drawingml/2006/main" xmlns:r="http://schemas.openxmlformats.org/officeDocument/2006/relationships" xmlns:p="http://schemas.openxmlformats.org/presentationml/2006/main">
+  <p:cSld>
+    <p:spTree>
+      <p:nvGrpSpPr>
+        <p:cNvPr id="1" name=""/>
+        <p:cNvGrpSpPr/>
+        <p:nvPr/>
+      </p:nvGrpSpPr>
+      <p:grpSpPr>
+        <a:xfrm>
+          <a:off x="0" y="0"/>
+          <a:ext cx="0" cy="0"/>
+          <a:chOff x="0" y="0"/>
+          <a:chExt cx="0" cy="0"/>
+        </a:xfrm>
+      </p:grpSpPr>
+      <p:sp>
+        <p:nvSpPr>
+          <p:cNvPr id="13" name="Rectangle 12"/>
+          <p:cNvSpPr/>
+          <p:nvPr/>
+        </p:nvSpPr>
+        <p:spPr>
+          <a:xfrm>
+            <a:off x="251520" y="548680"/>
+            <a:ext cx="8640960" cy="576064"/>
+          </a:xfrm>
+          <a:prstGeom prst="rect">
+            <a:avLst/>
+          </a:prstGeom>
+          <a:noFill/>
+          <a:ln>
+            <a:solidFill>
+              <a:schemeClr val="tx1"/>
+            </a:solidFill>
+          </a:ln>
+        </p:spPr>
+        <p:style>
+          <a:lnRef idx="2">
+            <a:schemeClr val="accent1">
+              <a:shade val="50000"/>
+            </a:schemeClr>
+          </a:lnRef>
+          <a:fillRef idx="1">
+            <a:schemeClr val="accent1"/>
+          </a:fillRef>
+          <a:effectRef idx="0">
+            <a:schemeClr val="accent1"/>
+          </a:effectRef>
+          <a:fontRef idx="minor">
+            <a:schemeClr val="lt1"/>
+          </a:fontRef>
+        </p:style>
+        <p:txBody>
+          <a:bodyPr rtlCol="0" anchor="ctr"/>
+          <a:lstStyle/>
+          <a:p>
+            <a:pPr algn="ctr"/>
+            <a:endParaRPr lang="nl-NL"/>
+          </a:p>
+        </p:txBody>
+      </p:sp>
+      <p:sp>
+        <p:nvSpPr>
+          <p:cNvPr id="3" name="Content Placeholder 2"/>
+          <p:cNvSpPr>
+            <a:spLocks noGrp="1"/>
+          </p:cNvSpPr>
+          <p:nvPr>
+            <p:ph idx="1"/>
+          </p:nvPr>
+        </p:nvSpPr>
+        <p:spPr>
+          <a:xfrm>
+            <a:off x="457200" y="548681"/>
+            <a:ext cx="8229600" cy="648072"/>
+          </a:xfrm>
+        </p:spPr>
+        <p:txBody>
+          <a:bodyPr/>
+          <a:lstStyle/>
+          <a:p>
+            <a:pPr marL="0" indent="0" algn="ctr">
+              <a:buNone/>
+            </a:pPr>
+            <a:r>
+              <a:rPr lang="nl-NL" b="1" dirty="0" smtClean="0">
+                <a:solidFill>
+                  <a:schemeClr val="tx1">
+                    <a:lumMod val="75000"/>
+                    <a:lumOff val="25000"/>
+                  </a:schemeClr>
+                </a:solidFill>
+              </a:rPr>
+              <a:t>Finance</a:t>
+            </a:r>
+            <a:endParaRPr lang="nl-NL" b="1" dirty="0">
+              <a:solidFill>
+                <a:schemeClr val="tx1">
+                  <a:lumMod val="75000"/>
+                  <a:lumOff val="25000"/>
+                </a:schemeClr>
+              </a:solidFill>
+            </a:endParaRPr>
+          </a:p>
+        </p:txBody>
+      </p:sp>
+      <p:sp>
+        <p:nvSpPr>
+          <p:cNvPr id="5" name="Rectangle 4"/>
+          <p:cNvSpPr/>
+          <p:nvPr/>
+        </p:nvSpPr>
+        <p:spPr>
+          <a:xfrm>
+            <a:off x="251520" y="1124744"/>
+            <a:ext cx="2304256" cy="5112568"/>
+          </a:xfrm>
+          <a:prstGeom prst="rect">
+            <a:avLst/>
+          </a:prstGeom>
+          <a:noFill/>
+          <a:ln>
+            <a:solidFill>
+              <a:schemeClr val="tx1"/>
+            </a:solidFill>
+          </a:ln>
+        </p:spPr>
+        <p:style>
+          <a:lnRef idx="2">
+            <a:schemeClr val="accent1">
+              <a:shade val="50000"/>
+            </a:schemeClr>
+          </a:lnRef>
+          <a:fillRef idx="1">
+            <a:schemeClr val="accent1"/>
+          </a:fillRef>
+          <a:effectRef idx="0">
+            <a:schemeClr val="accent1"/>
+          </a:effectRef>
+          <a:fontRef idx="minor">
+            <a:schemeClr val="lt1"/>
+          </a:fontRef>
+        </p:style>
+        <p:txBody>
+          <a:bodyPr rtlCol="0" anchor="ctr"/>
+          <a:lstStyle/>
+          <a:p>
+            <a:pPr algn="ctr"/>
+            <a:endParaRPr lang="nl-NL"/>
+          </a:p>
+        </p:txBody>
+      </p:sp>
+      <p:sp>
+        <p:nvSpPr>
+          <p:cNvPr id="4" name="TextBox 3"/>
+          <p:cNvSpPr txBox="1"/>
+          <p:nvPr/>
+        </p:nvSpPr>
+        <p:spPr>
+          <a:xfrm>
+            <a:off x="431540" y="1299372"/>
+            <a:ext cx="1944216" cy="4801314"/>
+          </a:xfrm>
+          <a:prstGeom prst="rect">
+            <a:avLst/>
+          </a:prstGeom>
+          <a:noFill/>
+        </p:spPr>
+        <p:txBody>
+          <a:bodyPr wrap="square" rtlCol="0">
+            <a:spAutoFit/>
+          </a:bodyPr>
+          <a:lstStyle/>
+          <a:p>
+            <a:r>
+              <a:rPr lang="nl-NL" b="1" dirty="0" smtClean="0"/>
+              <a:t>Home</a:t>
+            </a:r>
+          </a:p>
+          <a:p>
+            <a:endParaRPr lang="nl-NL" b="1" dirty="0" smtClean="0"/>
+          </a:p>
+          <a:p>
+            <a:r>
+              <a:rPr lang="nl-NL" b="1" dirty="0" smtClean="0"/>
+              <a:t>Send Invoice</a:t>
+            </a:r>
+          </a:p>
+          <a:p>
+            <a:endParaRPr lang="nl-NL" b="1" dirty="0" smtClean="0"/>
+          </a:p>
+          <a:p>
+            <a:r>
+              <a:rPr lang="nl-NL" b="1" dirty="0" smtClean="0"/>
+              <a:t>Finance Info</a:t>
+            </a:r>
+          </a:p>
+          <a:p>
+            <a:endParaRPr lang="nl-NL" b="1" dirty="0" smtClean="0"/>
+          </a:p>
+          <a:p>
+            <a:r>
+              <a:rPr lang="nl-NL" b="1" dirty="0" smtClean="0"/>
+              <a:t>BKR-Check</a:t>
+            </a:r>
+          </a:p>
+          <a:p>
+            <a:endParaRPr lang="nl-NL" b="1" dirty="0"/>
+          </a:p>
+          <a:p>
+            <a:r>
+              <a:rPr lang="nl-NL" b="1" dirty="0" smtClean="0"/>
+              <a:t>Over Limit</a:t>
+            </a:r>
+          </a:p>
+          <a:p>
+            <a:endParaRPr lang="nl-NL" b="1" dirty="0"/>
+          </a:p>
+          <a:p>
+            <a:endParaRPr lang="nl-NL" b="1" dirty="0" smtClean="0"/>
+          </a:p>
+          <a:p>
+            <a:endParaRPr lang="nl-NL" b="1" dirty="0"/>
+          </a:p>
+          <a:p>
+            <a:endParaRPr lang="nl-NL" b="1" dirty="0" smtClean="0"/>
+          </a:p>
+          <a:p>
+            <a:endParaRPr lang="nl-NL" b="1" dirty="0"/>
+          </a:p>
+          <a:p>
+            <a:endParaRPr lang="nl-NL" b="1" dirty="0" smtClean="0"/>
+          </a:p>
+          <a:p>
+            <a:endParaRPr lang="nl-NL" b="1" dirty="0"/>
+          </a:p>
+          <a:p>
+            <a:r>
+              <a:rPr lang="nl-NL" b="1" dirty="0" smtClean="0"/>
+              <a:t>Logout</a:t>
+            </a:r>
+            <a:endParaRPr lang="nl-NL" b="1" dirty="0"/>
+          </a:p>
+        </p:txBody>
+      </p:sp>
+      <p:sp>
+        <p:nvSpPr>
+          <p:cNvPr id="7" name="Rectangle 6">
+            <a:hlinkClick r:id="rId2" action="ppaction://hlinksldjump"/>
+          </p:cNvPr>
+          <p:cNvSpPr/>
+          <p:nvPr/>
+        </p:nvSpPr>
+        <p:spPr>
+          <a:xfrm>
+            <a:off x="431540" y="2921350"/>
+            <a:ext cx="1944216" cy="363634"/>
+          </a:xfrm>
+          <a:prstGeom prst="rect">
+            <a:avLst/>
+          </a:prstGeom>
+          <a:noFill/>
+          <a:ln>
+            <a:solidFill>
+              <a:schemeClr val="tx1"/>
+            </a:solidFill>
+          </a:ln>
+        </p:spPr>
+        <p:style>
+          <a:lnRef idx="2">
+            <a:schemeClr val="accent1">
+              <a:shade val="50000"/>
+            </a:schemeClr>
+          </a:lnRef>
+          <a:fillRef idx="1">
+            <a:schemeClr val="accent1"/>
+          </a:fillRef>
+          <a:effectRef idx="0">
+            <a:schemeClr val="accent1"/>
+          </a:effectRef>
+          <a:fontRef idx="minor">
+            <a:schemeClr val="lt1"/>
+          </a:fontRef>
+        </p:style>
+        <p:txBody>
+          <a:bodyPr rtlCol="0" anchor="ctr"/>
+          <a:lstStyle/>
+          <a:p>
+            <a:pPr algn="ctr"/>
+            <a:endParaRPr lang="nl-NL"/>
+          </a:p>
+        </p:txBody>
+      </p:sp>
+      <p:sp>
+        <p:nvSpPr>
+          <p:cNvPr id="10" name="Rectangle 9">
+            <a:hlinkClick r:id="rId3" action="ppaction://hlinksldjump"/>
+          </p:cNvPr>
+          <p:cNvSpPr/>
+          <p:nvPr/>
+        </p:nvSpPr>
+        <p:spPr>
+          <a:xfrm>
+            <a:off x="431540" y="1337174"/>
+            <a:ext cx="1944216" cy="363634"/>
+          </a:xfrm>
+          <a:prstGeom prst="rect">
+            <a:avLst/>
+          </a:prstGeom>
+          <a:noFill/>
+          <a:ln>
+            <a:solidFill>
+              <a:schemeClr val="tx1"/>
+            </a:solidFill>
+          </a:ln>
+        </p:spPr>
+        <p:style>
+          <a:lnRef idx="2">
+            <a:schemeClr val="accent1">
+              <a:shade val="50000"/>
+            </a:schemeClr>
+          </a:lnRef>
+          <a:fillRef idx="1">
+            <a:schemeClr val="accent1"/>
+          </a:fillRef>
+          <a:effectRef idx="0">
+            <a:schemeClr val="accent1"/>
+          </a:effectRef>
+          <a:fontRef idx="minor">
+            <a:schemeClr val="lt1"/>
+          </a:fontRef>
+        </p:style>
+        <p:txBody>
+          <a:bodyPr rtlCol="0" anchor="ctr"/>
+          <a:lstStyle/>
+          <a:p>
+            <a:pPr algn="ctr"/>
+            <a:endParaRPr lang="nl-NL"/>
+          </a:p>
+        </p:txBody>
+      </p:sp>
+      <p:sp>
+        <p:nvSpPr>
+          <p:cNvPr id="11" name="Rectangle 10">
+            <a:hlinkClick r:id="rId4" action="ppaction://hlinksldjump"/>
+          </p:cNvPr>
+          <p:cNvSpPr/>
+          <p:nvPr/>
+        </p:nvSpPr>
+        <p:spPr>
+          <a:xfrm>
+            <a:off x="431540" y="1841230"/>
+            <a:ext cx="1944216" cy="363634"/>
+          </a:xfrm>
+          <a:prstGeom prst="rect">
+            <a:avLst/>
+          </a:prstGeom>
+          <a:noFill/>
+          <a:ln>
+            <a:solidFill>
+              <a:schemeClr val="tx1"/>
+            </a:solidFill>
+          </a:ln>
+        </p:spPr>
+        <p:style>
+          <a:lnRef idx="2">
+            <a:schemeClr val="accent1">
+              <a:shade val="50000"/>
+            </a:schemeClr>
+          </a:lnRef>
+          <a:fillRef idx="1">
+            <a:schemeClr val="accent1"/>
+          </a:fillRef>
+          <a:effectRef idx="0">
+            <a:schemeClr val="accent1"/>
+          </a:effectRef>
+          <a:fontRef idx="minor">
+            <a:schemeClr val="lt1"/>
+          </a:fontRef>
+        </p:style>
+        <p:txBody>
+          <a:bodyPr rtlCol="0" anchor="ctr"/>
+          <a:lstStyle/>
+          <a:p>
+            <a:pPr algn="ctr"/>
+            <a:endParaRPr lang="nl-NL" dirty="0"/>
+          </a:p>
+        </p:txBody>
+      </p:sp>
+      <p:sp>
+        <p:nvSpPr>
+          <p:cNvPr id="12" name="Rectangle 11">
+            <a:hlinkClick r:id="rId5" action="ppaction://hlinksldjump"/>
+          </p:cNvPr>
+          <p:cNvSpPr/>
+          <p:nvPr/>
+        </p:nvSpPr>
+        <p:spPr>
+          <a:xfrm>
+            <a:off x="431540" y="2417294"/>
+            <a:ext cx="1944216" cy="363634"/>
+          </a:xfrm>
+          <a:prstGeom prst="rect">
+            <a:avLst/>
+          </a:prstGeom>
+          <a:noFill/>
+          <a:ln>
+            <a:solidFill>
+              <a:schemeClr val="tx1"/>
+            </a:solidFill>
+          </a:ln>
+        </p:spPr>
+        <p:style>
+          <a:lnRef idx="2">
+            <a:schemeClr val="accent1">
+              <a:shade val="50000"/>
+            </a:schemeClr>
+          </a:lnRef>
+          <a:fillRef idx="1">
+            <a:schemeClr val="accent1"/>
+          </a:fillRef>
+          <a:effectRef idx="0">
+            <a:schemeClr val="accent1"/>
+          </a:effectRef>
+          <a:fontRef idx="minor">
+            <a:schemeClr val="lt1"/>
+          </a:fontRef>
+        </p:style>
+        <p:txBody>
+          <a:bodyPr rtlCol="0" anchor="ctr"/>
+          <a:lstStyle/>
+          <a:p>
+            <a:pPr algn="ctr"/>
+            <a:endParaRPr lang="nl-NL"/>
+          </a:p>
+        </p:txBody>
+      </p:sp>
+      <p:sp>
+        <p:nvSpPr>
+          <p:cNvPr id="14" name="Rectangle 13"/>
+          <p:cNvSpPr/>
+          <p:nvPr/>
+        </p:nvSpPr>
+        <p:spPr>
+          <a:xfrm>
+            <a:off x="2555776" y="1124744"/>
+            <a:ext cx="6336704" cy="5112568"/>
+          </a:xfrm>
+          <a:prstGeom prst="rect">
+            <a:avLst/>
+          </a:prstGeom>
+          <a:noFill/>
+          <a:ln>
+            <a:solidFill>
+              <a:schemeClr val="tx1"/>
+            </a:solidFill>
+          </a:ln>
+        </p:spPr>
+        <p:style>
+          <a:lnRef idx="2">
+            <a:schemeClr val="accent1">
+              <a:shade val="50000"/>
+            </a:schemeClr>
+          </a:lnRef>
+          <a:fillRef idx="1">
+            <a:schemeClr val="accent1"/>
+          </a:fillRef>
+          <a:effectRef idx="0">
+            <a:schemeClr val="accent1"/>
+          </a:effectRef>
+          <a:fontRef idx="minor">
+            <a:schemeClr val="lt1"/>
+          </a:fontRef>
+        </p:style>
+        <p:txBody>
+          <a:bodyPr rtlCol="0" anchor="ctr"/>
+          <a:lstStyle/>
+          <a:p>
+            <a:pPr algn="ctr"/>
+            <a:endParaRPr lang="nl-NL"/>
+          </a:p>
+        </p:txBody>
+      </p:sp>
+      <p:sp>
+        <p:nvSpPr>
+          <p:cNvPr id="16" name="Rectangle 15">
+            <a:hlinkClick r:id="rId6" action="ppaction://hlinksldjump"/>
+          </p:cNvPr>
+          <p:cNvSpPr/>
+          <p:nvPr/>
+        </p:nvSpPr>
+        <p:spPr>
+          <a:xfrm>
+            <a:off x="431540" y="5724654"/>
+            <a:ext cx="1944216" cy="363634"/>
+          </a:xfrm>
+          <a:prstGeom prst="rect">
+            <a:avLst/>
+          </a:prstGeom>
+          <a:noFill/>
+          <a:ln>
+            <a:solidFill>
+              <a:schemeClr val="tx1"/>
+            </a:solidFill>
+          </a:ln>
+        </p:spPr>
+        <p:style>
+          <a:lnRef idx="2">
+            <a:schemeClr val="accent1">
+              <a:shade val="50000"/>
+            </a:schemeClr>
+          </a:lnRef>
+          <a:fillRef idx="1">
+            <a:schemeClr val="accent1"/>
+          </a:fillRef>
+          <a:effectRef idx="0">
+            <a:schemeClr val="accent1"/>
+          </a:effectRef>
+          <a:fontRef idx="minor">
+            <a:schemeClr val="lt1"/>
+          </a:fontRef>
+        </p:style>
+        <p:txBody>
+          <a:bodyPr rtlCol="0" anchor="ctr"/>
+          <a:lstStyle/>
+          <a:p>
+            <a:pPr algn="ctr"/>
+            <a:endParaRPr lang="nl-NL"/>
+          </a:p>
+        </p:txBody>
+      </p:sp>
+      <p:sp>
+        <p:nvSpPr>
+          <p:cNvPr id="19" name="Rectangle 18">
+            <a:hlinkClick r:id="rId7" action="ppaction://hlinksldjump"/>
+          </p:cNvPr>
+          <p:cNvSpPr/>
+          <p:nvPr/>
+        </p:nvSpPr>
+        <p:spPr>
+          <a:xfrm>
+            <a:off x="395536" y="3497414"/>
+            <a:ext cx="1944216" cy="363634"/>
+          </a:xfrm>
+          <a:prstGeom prst="rect">
+            <a:avLst/>
+          </a:prstGeom>
+          <a:noFill/>
+          <a:ln>
+            <a:solidFill>
+              <a:schemeClr val="tx1"/>
+            </a:solidFill>
+          </a:ln>
+        </p:spPr>
+        <p:style>
+          <a:lnRef idx="2">
+            <a:schemeClr val="accent1">
+              <a:shade val="50000"/>
+            </a:schemeClr>
+          </a:lnRef>
+          <a:fillRef idx="1">
+            <a:schemeClr val="accent1"/>
+          </a:fillRef>
+          <a:effectRef idx="0">
+            <a:schemeClr val="accent1"/>
+          </a:effectRef>
+          <a:fontRef idx="minor">
+            <a:schemeClr val="lt1"/>
+          </a:fontRef>
+        </p:style>
+        <p:txBody>
+          <a:bodyPr rtlCol="0" anchor="ctr"/>
+          <a:lstStyle/>
+          <a:p>
+            <a:pPr algn="ctr"/>
+            <a:endParaRPr lang="nl-NL"/>
+          </a:p>
+        </p:txBody>
+      </p:sp>
+      <p:sp>
+        <p:nvSpPr>
+          <p:cNvPr id="15" name="TextBox 14"/>
+          <p:cNvSpPr txBox="1"/>
+          <p:nvPr/>
+        </p:nvSpPr>
+        <p:spPr>
+          <a:xfrm>
+            <a:off x="3203848" y="1290180"/>
+            <a:ext cx="5184576" cy="584775"/>
+          </a:xfrm>
+          <a:prstGeom prst="rect">
+            <a:avLst/>
+          </a:prstGeom>
+          <a:noFill/>
+        </p:spPr>
+        <p:txBody>
+          <a:bodyPr wrap="square" rtlCol="0">
+            <a:spAutoFit/>
+          </a:bodyPr>
+          <a:lstStyle/>
+          <a:p>
+            <a:pPr algn="ctr"/>
+            <a:r>
+              <a:rPr lang="nl-NL" sz="3200" b="1" dirty="0" smtClean="0">
+                <a:solidFill>
+                  <a:schemeClr val="tx1">
+                    <a:lumMod val="75000"/>
+                    <a:lumOff val="25000"/>
+                  </a:schemeClr>
+                </a:solidFill>
+              </a:rPr>
+              <a:t>BKR Check</a:t>
+            </a:r>
+          </a:p>
+        </p:txBody>
+      </p:sp>
+      <p:graphicFrame>
+        <p:nvGraphicFramePr>
+          <p:cNvPr id="18" name="Table 17"/>
+          <p:cNvGraphicFramePr>
+            <a:graphicFrameLocks noGrp="1"/>
+          </p:cNvGraphicFramePr>
+          <p:nvPr>
+            <p:extLst>
+              <p:ext uri="{D42A27DB-BD31-4B8C-83A1-F6EECF244321}">
+                <p14:modId xmlns:p14="http://schemas.microsoft.com/office/powerpoint/2010/main" val="1212074480"/>
+              </p:ext>
+            </p:extLst>
+          </p:nvPr>
+        </p:nvGraphicFramePr>
+        <p:xfrm>
+          <a:off x="2676128" y="2046454"/>
+          <a:ext cx="6072336" cy="828040"/>
+        </p:xfrm>
+        <a:graphic>
+          <a:graphicData uri="http://schemas.openxmlformats.org/drawingml/2006/table">
+            <a:tbl>
+              <a:tblPr firstRow="1" bandRow="1">
+                <a:tableStyleId>{5940675A-B579-460E-94D1-54222C63F5DA}</a:tableStyleId>
+              </a:tblPr>
+              <a:tblGrid>
+                <a:gridCol w="404382"/>
+                <a:gridCol w="958458"/>
+                <a:gridCol w="830665"/>
+                <a:gridCol w="1022357"/>
+                <a:gridCol w="702870"/>
+                <a:gridCol w="717868"/>
+                <a:gridCol w="717868"/>
+                <a:gridCol w="717868"/>
+              </a:tblGrid>
+              <a:tr h="370840">
+                <a:tc>
+                  <a:txBody>
+                    <a:bodyPr/>
+                    <a:lstStyle/>
+                    <a:p>
+                      <a:r>
+                        <a:rPr lang="nl-NL" sz="1200" dirty="0" smtClean="0"/>
+                        <a:t>ID</a:t>
+                      </a:r>
+                      <a:endParaRPr lang="nl-NL" sz="1200" dirty="0"/>
+                    </a:p>
+                  </a:txBody>
+                  <a:tcPr/>
+                </a:tc>
+                <a:tc>
+                  <a:txBody>
+                    <a:bodyPr/>
+                    <a:lstStyle/>
+                    <a:p>
+                      <a:r>
+                        <a:rPr lang="nl-NL" sz="1200" dirty="0" smtClean="0"/>
+                        <a:t>Company name</a:t>
+                      </a:r>
+                      <a:endParaRPr lang="nl-NL" sz="1200" dirty="0"/>
+                    </a:p>
+                  </a:txBody>
+                  <a:tcPr/>
+                </a:tc>
+                <a:tc>
+                  <a:txBody>
+                    <a:bodyPr/>
+                    <a:lstStyle/>
+                    <a:p>
+                      <a:r>
+                        <a:rPr lang="nl-NL" sz="1200" dirty="0" smtClean="0"/>
+                        <a:t>Zipcode</a:t>
+                      </a:r>
+                      <a:endParaRPr lang="nl-NL" sz="1200" dirty="0"/>
+                    </a:p>
+                  </a:txBody>
+                  <a:tcPr/>
+                </a:tc>
+                <a:tc>
+                  <a:txBody>
+                    <a:bodyPr/>
+                    <a:lstStyle/>
+                    <a:p>
+                      <a:r>
+                        <a:rPr lang="nl-NL" sz="1200" dirty="0" smtClean="0"/>
+                        <a:t>Residence</a:t>
+                      </a:r>
+                      <a:endParaRPr lang="nl-NL" sz="1200" dirty="0"/>
+                    </a:p>
+                  </a:txBody>
+                  <a:tcPr/>
+                </a:tc>
+                <a:tc>
+                  <a:txBody>
+                    <a:bodyPr/>
+                    <a:lstStyle/>
+                    <a:p>
+                      <a:r>
+                        <a:rPr lang="nl-NL" sz="1200" dirty="0" smtClean="0"/>
+                        <a:t>Street</a:t>
+                      </a:r>
+                      <a:endParaRPr lang="nl-NL" sz="1200" dirty="0"/>
+                    </a:p>
+                  </a:txBody>
+                  <a:tcPr/>
+                </a:tc>
+                <a:tc>
+                  <a:txBody>
+                    <a:bodyPr/>
+                    <a:lstStyle/>
+                    <a:p>
+                      <a:r>
+                        <a:rPr lang="nl-NL" sz="1200" dirty="0" smtClean="0"/>
+                        <a:t>Credit Check</a:t>
+                      </a:r>
+                      <a:endParaRPr lang="nl-NL" sz="1200" dirty="0"/>
+                    </a:p>
+                  </a:txBody>
+                  <a:tcPr/>
+                </a:tc>
+                <a:tc>
+                  <a:txBody>
+                    <a:bodyPr/>
+                    <a:lstStyle/>
+                    <a:p>
+                      <a:r>
+                        <a:rPr lang="nl-NL" sz="1200" dirty="0" smtClean="0"/>
+                        <a:t>Credit Worthy</a:t>
+                      </a:r>
+                      <a:endParaRPr lang="nl-NL" sz="1200" dirty="0"/>
+                    </a:p>
+                  </a:txBody>
+                  <a:tcPr/>
+                </a:tc>
+                <a:tc>
+                  <a:txBody>
+                    <a:bodyPr/>
+                    <a:lstStyle/>
+                    <a:p>
+                      <a:r>
+                        <a:rPr lang="nl-NL" sz="1200" dirty="0" smtClean="0"/>
+                        <a:t>BKR</a:t>
+                      </a:r>
+                      <a:endParaRPr lang="nl-NL" sz="1200" dirty="0"/>
+                    </a:p>
+                  </a:txBody>
+                  <a:tcPr/>
+                </a:tc>
+              </a:tr>
+              <a:tr h="370840">
+                <a:tc>
+                  <a:txBody>
+                    <a:bodyPr/>
+                    <a:lstStyle/>
+                    <a:p>
+                      <a:endParaRPr lang="nl-NL" dirty="0"/>
+                    </a:p>
+                  </a:txBody>
+                  <a:tcPr/>
+                </a:tc>
+                <a:tc>
+                  <a:txBody>
+                    <a:bodyPr/>
+                    <a:lstStyle/>
+                    <a:p>
+                      <a:endParaRPr lang="nl-NL"/>
+                    </a:p>
+                  </a:txBody>
+                  <a:tcPr/>
+                </a:tc>
+                <a:tc>
+                  <a:txBody>
+                    <a:bodyPr/>
+                    <a:lstStyle/>
+                    <a:p>
+                      <a:endParaRPr lang="nl-NL" dirty="0"/>
+                    </a:p>
+                  </a:txBody>
+                  <a:tcPr/>
+                </a:tc>
+                <a:tc>
+                  <a:txBody>
+                    <a:bodyPr/>
+                    <a:lstStyle/>
+                    <a:p>
+                      <a:endParaRPr lang="nl-NL"/>
+                    </a:p>
+                  </a:txBody>
+                  <a:tcPr/>
+                </a:tc>
+                <a:tc>
+                  <a:txBody>
+                    <a:bodyPr/>
+                    <a:lstStyle/>
+                    <a:p>
+                      <a:endParaRPr lang="nl-NL"/>
+                    </a:p>
+                  </a:txBody>
+                  <a:tcPr/>
+                </a:tc>
+                <a:tc>
+                  <a:txBody>
+                    <a:bodyPr/>
+                    <a:lstStyle/>
+                    <a:p>
+                      <a:endParaRPr lang="nl-NL" dirty="0"/>
+                    </a:p>
+                  </a:txBody>
+                  <a:tcPr/>
+                </a:tc>
+                <a:tc>
+                  <a:txBody>
+                    <a:bodyPr/>
+                    <a:lstStyle/>
+                    <a:p>
+                      <a:endParaRPr lang="nl-NL" dirty="0"/>
+                    </a:p>
+                  </a:txBody>
+                  <a:tcPr/>
+                </a:tc>
+                <a:tc>
+                  <a:txBody>
+                    <a:bodyPr/>
+                    <a:lstStyle/>
+                    <a:p>
+                      <a:endParaRPr lang="nl-NL" dirty="0"/>
+                    </a:p>
+                  </a:txBody>
+                  <a:tcPr/>
+                </a:tc>
+              </a:tr>
+            </a:tbl>
+          </a:graphicData>
+        </a:graphic>
+      </p:graphicFrame>
+    </p:spTree>
+    <p:extLst>
+      <p:ext uri="{BB962C8B-B14F-4D97-AF65-F5344CB8AC3E}">
+        <p14:creationId xmlns:p14="http://schemas.microsoft.com/office/powerpoint/2010/main" val="966037088"/>
+      </p:ext>
+    </p:extLst>
+  </p:cSld>
+  <p:clrMapOvr>
+    <a:masterClrMapping/>
+  </p:clrMapOvr>
+  <p:timing>
+    <p:tnLst>
+      <p:par>
+        <p:cTn id="1" dur="indefinite" restart="never" nodeType="tmRoot"/>
+      </p:par>
+    </p:tnLst>
+  </p:timing>
+</p:sld>
+</file>
+
+<file path=ppt/slides/slide17.xml><?xml version="1.0" encoding="utf-8"?>
+<p:sld xmlns:a="http://schemas.openxmlformats.org/drawingml/2006/main" xmlns:r="http://schemas.openxmlformats.org/officeDocument/2006/relationships" xmlns:p="http://schemas.openxmlformats.org/presentationml/2006/main">
+  <p:cSld>
+    <p:spTree>
+      <p:nvGrpSpPr>
+        <p:cNvPr id="1" name=""/>
+        <p:cNvGrpSpPr/>
+        <p:nvPr/>
+      </p:nvGrpSpPr>
+      <p:grpSpPr>
+        <a:xfrm>
+          <a:off x="0" y="0"/>
+          <a:ext cx="0" cy="0"/>
+          <a:chOff x="0" y="0"/>
+          <a:chExt cx="0" cy="0"/>
+        </a:xfrm>
+      </p:grpSpPr>
+      <p:sp>
+        <p:nvSpPr>
+          <p:cNvPr id="13" name="Rectangle 12"/>
+          <p:cNvSpPr/>
+          <p:nvPr/>
+        </p:nvSpPr>
+        <p:spPr>
+          <a:xfrm>
+            <a:off x="251520" y="548680"/>
+            <a:ext cx="8640960" cy="576064"/>
+          </a:xfrm>
+          <a:prstGeom prst="rect">
+            <a:avLst/>
+          </a:prstGeom>
+          <a:noFill/>
+          <a:ln>
+            <a:solidFill>
+              <a:schemeClr val="tx1"/>
+            </a:solidFill>
+          </a:ln>
+        </p:spPr>
+        <p:style>
+          <a:lnRef idx="2">
+            <a:schemeClr val="accent1">
+              <a:shade val="50000"/>
+            </a:schemeClr>
+          </a:lnRef>
+          <a:fillRef idx="1">
+            <a:schemeClr val="accent1"/>
+          </a:fillRef>
+          <a:effectRef idx="0">
+            <a:schemeClr val="accent1"/>
+          </a:effectRef>
+          <a:fontRef idx="minor">
+            <a:schemeClr val="lt1"/>
+          </a:fontRef>
+        </p:style>
+        <p:txBody>
+          <a:bodyPr rtlCol="0" anchor="ctr"/>
+          <a:lstStyle/>
+          <a:p>
+            <a:pPr algn="ctr"/>
+            <a:endParaRPr lang="nl-NL"/>
+          </a:p>
+        </p:txBody>
+      </p:sp>
+      <p:sp>
+        <p:nvSpPr>
+          <p:cNvPr id="3" name="Content Placeholder 2"/>
+          <p:cNvSpPr>
+            <a:spLocks noGrp="1"/>
+          </p:cNvSpPr>
+          <p:nvPr>
+            <p:ph idx="1"/>
+          </p:nvPr>
+        </p:nvSpPr>
+        <p:spPr>
+          <a:xfrm>
+            <a:off x="457200" y="548681"/>
+            <a:ext cx="8229600" cy="648072"/>
+          </a:xfrm>
+        </p:spPr>
+        <p:txBody>
+          <a:bodyPr/>
+          <a:lstStyle/>
+          <a:p>
+            <a:pPr marL="0" indent="0" algn="ctr">
+              <a:buNone/>
+            </a:pPr>
+            <a:r>
+              <a:rPr lang="nl-NL" b="1" dirty="0" smtClean="0">
+                <a:solidFill>
+                  <a:schemeClr val="tx1">
+                    <a:lumMod val="75000"/>
+                    <a:lumOff val="25000"/>
+                  </a:schemeClr>
+                </a:solidFill>
+              </a:rPr>
+              <a:t>Finance</a:t>
+            </a:r>
+            <a:endParaRPr lang="nl-NL" b="1" dirty="0">
+              <a:solidFill>
+                <a:schemeClr val="tx1">
+                  <a:lumMod val="75000"/>
+                  <a:lumOff val="25000"/>
+                </a:schemeClr>
+              </a:solidFill>
+            </a:endParaRPr>
+          </a:p>
+        </p:txBody>
+      </p:sp>
+      <p:sp>
+        <p:nvSpPr>
+          <p:cNvPr id="5" name="Rectangle 4"/>
+          <p:cNvSpPr/>
+          <p:nvPr/>
+        </p:nvSpPr>
+        <p:spPr>
+          <a:xfrm>
+            <a:off x="251520" y="1124744"/>
+            <a:ext cx="2304256" cy="5112568"/>
+          </a:xfrm>
+          <a:prstGeom prst="rect">
+            <a:avLst/>
+          </a:prstGeom>
+          <a:noFill/>
+          <a:ln>
+            <a:solidFill>
+              <a:schemeClr val="tx1"/>
+            </a:solidFill>
+          </a:ln>
+        </p:spPr>
+        <p:style>
+          <a:lnRef idx="2">
+            <a:schemeClr val="accent1">
+              <a:shade val="50000"/>
+            </a:schemeClr>
+          </a:lnRef>
+          <a:fillRef idx="1">
+            <a:schemeClr val="accent1"/>
+          </a:fillRef>
+          <a:effectRef idx="0">
+            <a:schemeClr val="accent1"/>
+          </a:effectRef>
+          <a:fontRef idx="minor">
+            <a:schemeClr val="lt1"/>
+          </a:fontRef>
+        </p:style>
+        <p:txBody>
+          <a:bodyPr rtlCol="0" anchor="ctr"/>
+          <a:lstStyle/>
+          <a:p>
+            <a:pPr algn="ctr"/>
+            <a:endParaRPr lang="nl-NL"/>
+          </a:p>
+        </p:txBody>
+      </p:sp>
+      <p:sp>
+        <p:nvSpPr>
+          <p:cNvPr id="4" name="TextBox 3"/>
+          <p:cNvSpPr txBox="1"/>
+          <p:nvPr/>
+        </p:nvSpPr>
+        <p:spPr>
+          <a:xfrm>
+            <a:off x="431540" y="1299372"/>
+            <a:ext cx="1944216" cy="4801314"/>
+          </a:xfrm>
+          <a:prstGeom prst="rect">
+            <a:avLst/>
+          </a:prstGeom>
+          <a:noFill/>
+        </p:spPr>
+        <p:txBody>
+          <a:bodyPr wrap="square" rtlCol="0">
+            <a:spAutoFit/>
+          </a:bodyPr>
+          <a:lstStyle/>
+          <a:p>
+            <a:r>
+              <a:rPr lang="nl-NL" b="1" dirty="0" smtClean="0"/>
+              <a:t>Home</a:t>
+            </a:r>
+          </a:p>
+          <a:p>
+            <a:endParaRPr lang="nl-NL" b="1" dirty="0" smtClean="0"/>
+          </a:p>
+          <a:p>
+            <a:r>
+              <a:rPr lang="nl-NL" b="1" dirty="0" smtClean="0"/>
+              <a:t>Send Invoice</a:t>
+            </a:r>
+          </a:p>
+          <a:p>
+            <a:endParaRPr lang="nl-NL" b="1" dirty="0" smtClean="0"/>
+          </a:p>
+          <a:p>
+            <a:r>
+              <a:rPr lang="nl-NL" b="1" dirty="0" smtClean="0"/>
+              <a:t>Finance Info</a:t>
+            </a:r>
+          </a:p>
+          <a:p>
+            <a:endParaRPr lang="nl-NL" b="1" dirty="0" smtClean="0"/>
+          </a:p>
+          <a:p>
+            <a:r>
+              <a:rPr lang="nl-NL" b="1" dirty="0" smtClean="0"/>
+              <a:t>BKR-Check</a:t>
+            </a:r>
+          </a:p>
+          <a:p>
+            <a:endParaRPr lang="nl-NL" b="1" dirty="0"/>
+          </a:p>
+          <a:p>
+            <a:r>
+              <a:rPr lang="nl-NL" b="1" dirty="0" smtClean="0"/>
+              <a:t>Over Limit</a:t>
+            </a:r>
+          </a:p>
+          <a:p>
+            <a:endParaRPr lang="nl-NL" b="1" dirty="0"/>
+          </a:p>
+          <a:p>
+            <a:endParaRPr lang="nl-NL" b="1" dirty="0" smtClean="0"/>
+          </a:p>
+          <a:p>
+            <a:endParaRPr lang="nl-NL" b="1" dirty="0"/>
+          </a:p>
+          <a:p>
+            <a:endParaRPr lang="nl-NL" b="1" dirty="0" smtClean="0"/>
+          </a:p>
+          <a:p>
+            <a:endParaRPr lang="nl-NL" b="1" dirty="0"/>
+          </a:p>
+          <a:p>
+            <a:endParaRPr lang="nl-NL" b="1" dirty="0" smtClean="0"/>
+          </a:p>
+          <a:p>
+            <a:endParaRPr lang="nl-NL" b="1" dirty="0"/>
+          </a:p>
+          <a:p>
+            <a:r>
+              <a:rPr lang="nl-NL" b="1" dirty="0" smtClean="0"/>
+              <a:t>Logout</a:t>
+            </a:r>
+            <a:endParaRPr lang="nl-NL" b="1" dirty="0"/>
+          </a:p>
+        </p:txBody>
+      </p:sp>
+      <p:sp>
+        <p:nvSpPr>
+          <p:cNvPr id="7" name="Rectangle 6">
+            <a:hlinkClick r:id="rId2" action="ppaction://hlinksldjump"/>
+          </p:cNvPr>
+          <p:cNvSpPr/>
+          <p:nvPr/>
+        </p:nvSpPr>
+        <p:spPr>
+          <a:xfrm>
+            <a:off x="431540" y="2921350"/>
+            <a:ext cx="1944216" cy="363634"/>
+          </a:xfrm>
+          <a:prstGeom prst="rect">
+            <a:avLst/>
+          </a:prstGeom>
+          <a:noFill/>
+          <a:ln>
+            <a:solidFill>
+              <a:schemeClr val="tx1"/>
+            </a:solidFill>
+          </a:ln>
+        </p:spPr>
+        <p:style>
+          <a:lnRef idx="2">
+            <a:schemeClr val="accent1">
+              <a:shade val="50000"/>
+            </a:schemeClr>
+          </a:lnRef>
+          <a:fillRef idx="1">
+            <a:schemeClr val="accent1"/>
+          </a:fillRef>
+          <a:effectRef idx="0">
+            <a:schemeClr val="accent1"/>
+          </a:effectRef>
+          <a:fontRef idx="minor">
+            <a:schemeClr val="lt1"/>
+          </a:fontRef>
+        </p:style>
+        <p:txBody>
+          <a:bodyPr rtlCol="0" anchor="ctr"/>
+          <a:lstStyle/>
+          <a:p>
+            <a:pPr algn="ctr"/>
+            <a:endParaRPr lang="nl-NL"/>
+          </a:p>
+        </p:txBody>
+      </p:sp>
+      <p:sp>
+        <p:nvSpPr>
+          <p:cNvPr id="10" name="Rectangle 9">
+            <a:hlinkClick r:id="rId3" action="ppaction://hlinksldjump"/>
+          </p:cNvPr>
+          <p:cNvSpPr/>
+          <p:nvPr/>
+        </p:nvSpPr>
+        <p:spPr>
+          <a:xfrm>
+            <a:off x="431540" y="1337174"/>
+            <a:ext cx="1944216" cy="363634"/>
+          </a:xfrm>
+          <a:prstGeom prst="rect">
+            <a:avLst/>
+          </a:prstGeom>
+          <a:noFill/>
+          <a:ln>
+            <a:solidFill>
+              <a:schemeClr val="tx1"/>
+            </a:solidFill>
+          </a:ln>
+        </p:spPr>
+        <p:style>
+          <a:lnRef idx="2">
+            <a:schemeClr val="accent1">
+              <a:shade val="50000"/>
+            </a:schemeClr>
+          </a:lnRef>
+          <a:fillRef idx="1">
+            <a:schemeClr val="accent1"/>
+          </a:fillRef>
+          <a:effectRef idx="0">
+            <a:schemeClr val="accent1"/>
+          </a:effectRef>
+          <a:fontRef idx="minor">
+            <a:schemeClr val="lt1"/>
+          </a:fontRef>
+        </p:style>
+        <p:txBody>
+          <a:bodyPr rtlCol="0" anchor="ctr"/>
+          <a:lstStyle/>
+          <a:p>
+            <a:pPr algn="ctr"/>
+            <a:endParaRPr lang="nl-NL"/>
+          </a:p>
+        </p:txBody>
+      </p:sp>
+      <p:sp>
+        <p:nvSpPr>
+          <p:cNvPr id="11" name="Rectangle 10">
+            <a:hlinkClick r:id="rId4" action="ppaction://hlinksldjump"/>
+          </p:cNvPr>
+          <p:cNvSpPr/>
+          <p:nvPr/>
+        </p:nvSpPr>
+        <p:spPr>
+          <a:xfrm>
+            <a:off x="431540" y="1841230"/>
+            <a:ext cx="1944216" cy="363634"/>
+          </a:xfrm>
+          <a:prstGeom prst="rect">
+            <a:avLst/>
+          </a:prstGeom>
+          <a:noFill/>
+          <a:ln>
+            <a:solidFill>
+              <a:schemeClr val="tx1"/>
+            </a:solidFill>
+          </a:ln>
+        </p:spPr>
+        <p:style>
+          <a:lnRef idx="2">
+            <a:schemeClr val="accent1">
+              <a:shade val="50000"/>
+            </a:schemeClr>
+          </a:lnRef>
+          <a:fillRef idx="1">
+            <a:schemeClr val="accent1"/>
+          </a:fillRef>
+          <a:effectRef idx="0">
+            <a:schemeClr val="accent1"/>
+          </a:effectRef>
+          <a:fontRef idx="minor">
+            <a:schemeClr val="lt1"/>
+          </a:fontRef>
+        </p:style>
+        <p:txBody>
+          <a:bodyPr rtlCol="0" anchor="ctr"/>
+          <a:lstStyle/>
+          <a:p>
+            <a:pPr algn="ctr"/>
+            <a:endParaRPr lang="nl-NL" dirty="0"/>
+          </a:p>
+        </p:txBody>
+      </p:sp>
+      <p:sp>
+        <p:nvSpPr>
+          <p:cNvPr id="12" name="Rectangle 11">
+            <a:hlinkClick r:id="rId5" action="ppaction://hlinksldjump"/>
+          </p:cNvPr>
+          <p:cNvSpPr/>
+          <p:nvPr/>
+        </p:nvSpPr>
+        <p:spPr>
+          <a:xfrm>
+            <a:off x="431540" y="2417294"/>
+            <a:ext cx="1944216" cy="363634"/>
+          </a:xfrm>
+          <a:prstGeom prst="rect">
+            <a:avLst/>
+          </a:prstGeom>
+          <a:noFill/>
+          <a:ln>
+            <a:solidFill>
+              <a:schemeClr val="tx1"/>
+            </a:solidFill>
+          </a:ln>
+        </p:spPr>
+        <p:style>
+          <a:lnRef idx="2">
+            <a:schemeClr val="accent1">
+              <a:shade val="50000"/>
+            </a:schemeClr>
+          </a:lnRef>
+          <a:fillRef idx="1">
+            <a:schemeClr val="accent1"/>
+          </a:fillRef>
+          <a:effectRef idx="0">
+            <a:schemeClr val="accent1"/>
+          </a:effectRef>
+          <a:fontRef idx="minor">
+            <a:schemeClr val="lt1"/>
+          </a:fontRef>
+        </p:style>
+        <p:txBody>
+          <a:bodyPr rtlCol="0" anchor="ctr"/>
+          <a:lstStyle/>
+          <a:p>
+            <a:pPr algn="ctr"/>
+            <a:endParaRPr lang="nl-NL"/>
+          </a:p>
+        </p:txBody>
+      </p:sp>
+      <p:sp>
+        <p:nvSpPr>
+          <p:cNvPr id="14" name="Rectangle 13"/>
+          <p:cNvSpPr/>
+          <p:nvPr/>
+        </p:nvSpPr>
+        <p:spPr>
+          <a:xfrm>
+            <a:off x="2555776" y="1124744"/>
+            <a:ext cx="6336704" cy="5112568"/>
+          </a:xfrm>
+          <a:prstGeom prst="rect">
+            <a:avLst/>
+          </a:prstGeom>
+          <a:noFill/>
+          <a:ln>
+            <a:solidFill>
+              <a:schemeClr val="tx1"/>
+            </a:solidFill>
+          </a:ln>
+        </p:spPr>
+        <p:style>
+          <a:lnRef idx="2">
+            <a:schemeClr val="accent1">
+              <a:shade val="50000"/>
+            </a:schemeClr>
+          </a:lnRef>
+          <a:fillRef idx="1">
+            <a:schemeClr val="accent1"/>
+          </a:fillRef>
+          <a:effectRef idx="0">
+            <a:schemeClr val="accent1"/>
+          </a:effectRef>
+          <a:fontRef idx="minor">
+            <a:schemeClr val="lt1"/>
+          </a:fontRef>
+        </p:style>
+        <p:txBody>
+          <a:bodyPr rtlCol="0" anchor="ctr"/>
+          <a:lstStyle/>
+          <a:p>
+            <a:pPr algn="ctr"/>
+            <a:endParaRPr lang="nl-NL"/>
+          </a:p>
+        </p:txBody>
+      </p:sp>
+      <p:sp>
+        <p:nvSpPr>
+          <p:cNvPr id="16" name="Rectangle 15">
+            <a:hlinkClick r:id="rId6" action="ppaction://hlinksldjump"/>
+          </p:cNvPr>
+          <p:cNvSpPr/>
+          <p:nvPr/>
+        </p:nvSpPr>
+        <p:spPr>
+          <a:xfrm>
+            <a:off x="431540" y="5724654"/>
+            <a:ext cx="1944216" cy="363634"/>
+          </a:xfrm>
+          <a:prstGeom prst="rect">
+            <a:avLst/>
+          </a:prstGeom>
+          <a:noFill/>
+          <a:ln>
+            <a:solidFill>
+              <a:schemeClr val="tx1"/>
+            </a:solidFill>
+          </a:ln>
+        </p:spPr>
+        <p:style>
+          <a:lnRef idx="2">
+            <a:schemeClr val="accent1">
+              <a:shade val="50000"/>
+            </a:schemeClr>
+          </a:lnRef>
+          <a:fillRef idx="1">
+            <a:schemeClr val="accent1"/>
+          </a:fillRef>
+          <a:effectRef idx="0">
+            <a:schemeClr val="accent1"/>
+          </a:effectRef>
+          <a:fontRef idx="minor">
+            <a:schemeClr val="lt1"/>
+          </a:fontRef>
+        </p:style>
+        <p:txBody>
+          <a:bodyPr rtlCol="0" anchor="ctr"/>
+          <a:lstStyle/>
+          <a:p>
+            <a:pPr algn="ctr"/>
+            <a:endParaRPr lang="nl-NL"/>
+          </a:p>
+        </p:txBody>
+      </p:sp>
+      <p:sp>
+        <p:nvSpPr>
+          <p:cNvPr id="19" name="Rectangle 18">
+            <a:hlinkClick r:id="rId7" action="ppaction://hlinksldjump"/>
+          </p:cNvPr>
+          <p:cNvSpPr/>
+          <p:nvPr/>
+        </p:nvSpPr>
+        <p:spPr>
+          <a:xfrm>
+            <a:off x="395536" y="3497414"/>
+            <a:ext cx="1944216" cy="363634"/>
+          </a:xfrm>
+          <a:prstGeom prst="rect">
+            <a:avLst/>
+          </a:prstGeom>
+          <a:noFill/>
+          <a:ln>
+            <a:solidFill>
+              <a:schemeClr val="tx1"/>
+            </a:solidFill>
+          </a:ln>
+        </p:spPr>
+        <p:style>
+          <a:lnRef idx="2">
+            <a:schemeClr val="accent1">
+              <a:shade val="50000"/>
+            </a:schemeClr>
+          </a:lnRef>
+          <a:fillRef idx="1">
+            <a:schemeClr val="accent1"/>
+          </a:fillRef>
+          <a:effectRef idx="0">
+            <a:schemeClr val="accent1"/>
+          </a:effectRef>
+          <a:fontRef idx="minor">
+            <a:schemeClr val="lt1"/>
+          </a:fontRef>
+        </p:style>
+        <p:txBody>
+          <a:bodyPr rtlCol="0" anchor="ctr"/>
+          <a:lstStyle/>
+          <a:p>
+            <a:pPr algn="ctr"/>
+            <a:endParaRPr lang="nl-NL"/>
+          </a:p>
+        </p:txBody>
+      </p:sp>
+      <p:sp>
+        <p:nvSpPr>
+          <p:cNvPr id="15" name="TextBox 14"/>
+          <p:cNvSpPr txBox="1"/>
+          <p:nvPr/>
+        </p:nvSpPr>
+        <p:spPr>
+          <a:xfrm>
+            <a:off x="3203848" y="1290180"/>
+            <a:ext cx="5184576" cy="584775"/>
+          </a:xfrm>
+          <a:prstGeom prst="rect">
+            <a:avLst/>
+          </a:prstGeom>
+          <a:noFill/>
+        </p:spPr>
+        <p:txBody>
+          <a:bodyPr wrap="square" rtlCol="0">
+            <a:spAutoFit/>
+          </a:bodyPr>
+          <a:lstStyle/>
+          <a:p>
+            <a:pPr algn="ctr"/>
+            <a:r>
+              <a:rPr lang="nl-NL" sz="3200" b="1" smtClean="0">
+                <a:solidFill>
+                  <a:schemeClr val="tx1">
+                    <a:lumMod val="75000"/>
+                    <a:lumOff val="25000"/>
+                  </a:schemeClr>
+                </a:solidFill>
+              </a:rPr>
+              <a:t>Over Limit</a:t>
+            </a:r>
+            <a:endParaRPr lang="nl-NL" sz="3200" b="1" dirty="0" smtClean="0">
+              <a:solidFill>
+                <a:schemeClr val="tx1">
+                  <a:lumMod val="75000"/>
+                  <a:lumOff val="25000"/>
+                </a:schemeClr>
+              </a:solidFill>
+            </a:endParaRPr>
+          </a:p>
+        </p:txBody>
+      </p:sp>
+      <p:graphicFrame>
+        <p:nvGraphicFramePr>
+          <p:cNvPr id="17" name="Table 16"/>
+          <p:cNvGraphicFramePr>
+            <a:graphicFrameLocks noGrp="1"/>
+          </p:cNvGraphicFramePr>
+          <p:nvPr>
+            <p:extLst>
+              <p:ext uri="{D42A27DB-BD31-4B8C-83A1-F6EECF244321}">
+                <p14:modId xmlns:p14="http://schemas.microsoft.com/office/powerpoint/2010/main" val="2530217459"/>
+              </p:ext>
+            </p:extLst>
+          </p:nvPr>
+        </p:nvGraphicFramePr>
+        <p:xfrm>
+          <a:off x="2676128" y="2046454"/>
+          <a:ext cx="6072335" cy="828040"/>
+        </p:xfrm>
+        <a:graphic>
+          <a:graphicData uri="http://schemas.openxmlformats.org/drawingml/2006/table">
+            <a:tbl>
+              <a:tblPr firstRow="1" bandRow="1">
+                <a:tableStyleId>{5940675A-B579-460E-94D1-54222C63F5DA}</a:tableStyleId>
+              </a:tblPr>
+              <a:tblGrid>
+                <a:gridCol w="458597"/>
+                <a:gridCol w="1086957"/>
+                <a:gridCol w="942031"/>
+                <a:gridCol w="1159423"/>
+                <a:gridCol w="797103"/>
+                <a:gridCol w="908145"/>
+                <a:gridCol w="720079"/>
+              </a:tblGrid>
+              <a:tr h="370840">
+                <a:tc>
+                  <a:txBody>
+                    <a:bodyPr/>
+                    <a:lstStyle/>
+                    <a:p>
+                      <a:r>
+                        <a:rPr lang="nl-NL" sz="1200" dirty="0" smtClean="0"/>
+                        <a:t>ID</a:t>
+                      </a:r>
+                      <a:endParaRPr lang="nl-NL" sz="1200" dirty="0"/>
+                    </a:p>
+                  </a:txBody>
+                  <a:tcPr/>
+                </a:tc>
+                <a:tc>
+                  <a:txBody>
+                    <a:bodyPr/>
+                    <a:lstStyle/>
+                    <a:p>
+                      <a:r>
+                        <a:rPr lang="nl-NL" sz="1200" dirty="0" smtClean="0"/>
+                        <a:t>Company name</a:t>
+                      </a:r>
+                      <a:endParaRPr lang="nl-NL" sz="1200" dirty="0"/>
+                    </a:p>
+                  </a:txBody>
+                  <a:tcPr/>
+                </a:tc>
+                <a:tc>
+                  <a:txBody>
+                    <a:bodyPr/>
+                    <a:lstStyle/>
+                    <a:p>
+                      <a:r>
+                        <a:rPr lang="nl-NL" sz="1200" dirty="0" smtClean="0"/>
+                        <a:t>Zipcode</a:t>
+                      </a:r>
+                      <a:endParaRPr lang="nl-NL" sz="1200" dirty="0"/>
+                    </a:p>
+                  </a:txBody>
+                  <a:tcPr/>
+                </a:tc>
+                <a:tc>
+                  <a:txBody>
+                    <a:bodyPr/>
+                    <a:lstStyle/>
+                    <a:p>
+                      <a:r>
+                        <a:rPr lang="nl-NL" sz="1200" dirty="0" smtClean="0"/>
+                        <a:t>Residence</a:t>
+                      </a:r>
+                      <a:endParaRPr lang="nl-NL" sz="1200" dirty="0"/>
+                    </a:p>
+                  </a:txBody>
+                  <a:tcPr/>
+                </a:tc>
+                <a:tc>
+                  <a:txBody>
+                    <a:bodyPr/>
+                    <a:lstStyle/>
+                    <a:p>
+                      <a:r>
+                        <a:rPr lang="nl-NL" sz="1200" dirty="0" smtClean="0"/>
+                        <a:t>Street</a:t>
+                      </a:r>
+                      <a:endParaRPr lang="nl-NL" sz="1200" dirty="0"/>
+                    </a:p>
+                  </a:txBody>
+                  <a:tcPr/>
+                </a:tc>
+                <a:tc>
+                  <a:txBody>
+                    <a:bodyPr/>
+                    <a:lstStyle/>
+                    <a:p>
+                      <a:r>
+                        <a:rPr lang="nl-NL" sz="1200" dirty="0" smtClean="0"/>
+                        <a:t>Telephone</a:t>
+                      </a:r>
+                      <a:endParaRPr lang="nl-NL" sz="1200" dirty="0"/>
+                    </a:p>
+                  </a:txBody>
+                  <a:tcPr/>
+                </a:tc>
+                <a:tc>
+                  <a:txBody>
+                    <a:bodyPr/>
+                    <a:lstStyle/>
+                    <a:p>
+                      <a:r>
+                        <a:rPr lang="nl-NL" sz="1200" dirty="0" smtClean="0"/>
+                        <a:t>Status</a:t>
+                      </a:r>
+                      <a:endParaRPr lang="nl-NL" sz="1200" dirty="0"/>
+                    </a:p>
+                  </a:txBody>
+                  <a:tcPr/>
+                </a:tc>
+              </a:tr>
+              <a:tr h="370840">
+                <a:tc>
+                  <a:txBody>
+                    <a:bodyPr/>
+                    <a:lstStyle/>
+                    <a:p>
+                      <a:endParaRPr lang="nl-NL" dirty="0"/>
+                    </a:p>
+                  </a:txBody>
+                  <a:tcPr/>
+                </a:tc>
+                <a:tc>
+                  <a:txBody>
+                    <a:bodyPr/>
+                    <a:lstStyle/>
+                    <a:p>
+                      <a:endParaRPr lang="nl-NL"/>
+                    </a:p>
+                  </a:txBody>
+                  <a:tcPr/>
+                </a:tc>
+                <a:tc>
+                  <a:txBody>
+                    <a:bodyPr/>
+                    <a:lstStyle/>
+                    <a:p>
+                      <a:endParaRPr lang="nl-NL" dirty="0"/>
+                    </a:p>
+                  </a:txBody>
+                  <a:tcPr/>
+                </a:tc>
+                <a:tc>
+                  <a:txBody>
+                    <a:bodyPr/>
+                    <a:lstStyle/>
+                    <a:p>
+                      <a:endParaRPr lang="nl-NL"/>
+                    </a:p>
+                  </a:txBody>
+                  <a:tcPr/>
+                </a:tc>
+                <a:tc>
+                  <a:txBody>
+                    <a:bodyPr/>
+                    <a:lstStyle/>
+                    <a:p>
+                      <a:endParaRPr lang="nl-NL"/>
+                    </a:p>
+                  </a:txBody>
+                  <a:tcPr/>
+                </a:tc>
+                <a:tc>
+                  <a:txBody>
+                    <a:bodyPr/>
+                    <a:lstStyle/>
+                    <a:p>
+                      <a:endParaRPr lang="nl-NL" dirty="0"/>
+                    </a:p>
+                  </a:txBody>
+                  <a:tcPr/>
+                </a:tc>
+                <a:tc>
+                  <a:txBody>
+                    <a:bodyPr/>
+                    <a:lstStyle/>
+                    <a:p>
+                      <a:endParaRPr lang="nl-NL" dirty="0"/>
+                    </a:p>
+                  </a:txBody>
+                  <a:tcPr/>
+                </a:tc>
+              </a:tr>
+            </a:tbl>
+          </a:graphicData>
+        </a:graphic>
+      </p:graphicFrame>
+    </p:spTree>
+    <p:extLst>
+      <p:ext uri="{BB962C8B-B14F-4D97-AF65-F5344CB8AC3E}">
+        <p14:creationId xmlns:p14="http://schemas.microsoft.com/office/powerpoint/2010/main" val="1988246155"/>
+      </p:ext>
+    </p:extLst>
+  </p:cSld>
+  <p:clrMapOvr>
+    <a:masterClrMapping/>
+  </p:clrMapOvr>
+  <p:timing>
+    <p:tnLst>
+      <p:par>
+        <p:cTn id="1" dur="indefinite" restart="never" nodeType="tmRoot"/>
+      </p:par>
+    </p:tnLst>
+  </p:timing>
+</p:sld>
+</file>
+
+<file path=ppt/slides/slide18.xml><?xml version="1.0" encoding="utf-8"?>
+<p:sld xmlns:a="http://schemas.openxmlformats.org/drawingml/2006/main" xmlns:r="http://schemas.openxmlformats.org/officeDocument/2006/relationships" xmlns:p="http://schemas.openxmlformats.org/presentationml/2006/main">
+  <p:cSld>
+    <p:spTree>
+      <p:nvGrpSpPr>
+        <p:cNvPr id="1" name=""/>
+        <p:cNvGrpSpPr/>
+        <p:nvPr/>
+      </p:nvGrpSpPr>
+      <p:grpSpPr>
+        <a:xfrm>
+          <a:off x="0" y="0"/>
+          <a:ext cx="0" cy="0"/>
+          <a:chOff x="0" y="0"/>
+          <a:chExt cx="0" cy="0"/>
+        </a:xfrm>
+      </p:grpSpPr>
+      <p:sp>
+        <p:nvSpPr>
+          <p:cNvPr id="13" name="Rectangle 12"/>
+          <p:cNvSpPr/>
+          <p:nvPr/>
+        </p:nvSpPr>
+        <p:spPr>
+          <a:xfrm>
+            <a:off x="251520" y="548680"/>
+            <a:ext cx="8640960" cy="576064"/>
+          </a:xfrm>
+          <a:prstGeom prst="rect">
+            <a:avLst/>
+          </a:prstGeom>
+          <a:noFill/>
+          <a:ln>
+            <a:solidFill>
+              <a:schemeClr val="tx1"/>
+            </a:solidFill>
+          </a:ln>
+        </p:spPr>
+        <p:style>
+          <a:lnRef idx="2">
+            <a:schemeClr val="accent1">
+              <a:shade val="50000"/>
+            </a:schemeClr>
+          </a:lnRef>
+          <a:fillRef idx="1">
+            <a:schemeClr val="accent1"/>
+          </a:fillRef>
+          <a:effectRef idx="0">
+            <a:schemeClr val="accent1"/>
+          </a:effectRef>
+          <a:fontRef idx="minor">
+            <a:schemeClr val="lt1"/>
+          </a:fontRef>
+        </p:style>
+        <p:txBody>
+          <a:bodyPr rtlCol="0" anchor="ctr"/>
+          <a:lstStyle/>
+          <a:p>
+            <a:pPr algn="ctr"/>
+            <a:endParaRPr lang="nl-NL"/>
+          </a:p>
+        </p:txBody>
+      </p:sp>
+      <p:sp>
+        <p:nvSpPr>
+          <p:cNvPr id="3" name="Content Placeholder 2"/>
+          <p:cNvSpPr>
+            <a:spLocks noGrp="1"/>
+          </p:cNvSpPr>
+          <p:nvPr>
+            <p:ph idx="1"/>
+          </p:nvPr>
+        </p:nvSpPr>
+        <p:spPr>
+          <a:xfrm>
+            <a:off x="457200" y="548681"/>
+            <a:ext cx="8229600" cy="648072"/>
+          </a:xfrm>
+        </p:spPr>
+        <p:txBody>
+          <a:bodyPr/>
+          <a:lstStyle/>
+          <a:p>
+            <a:pPr marL="0" indent="0" algn="ctr">
+              <a:buNone/>
+            </a:pPr>
+            <a:r>
+              <a:rPr lang="nl-NL" b="1" dirty="0" smtClean="0">
+                <a:solidFill>
+                  <a:schemeClr val="tx1">
+                    <a:lumMod val="75000"/>
+                    <a:lumOff val="25000"/>
+                  </a:schemeClr>
+                </a:solidFill>
+              </a:rPr>
+              <a:t>Development</a:t>
+            </a:r>
+            <a:endParaRPr lang="nl-NL" b="1" dirty="0">
+              <a:solidFill>
+                <a:schemeClr val="tx1">
+                  <a:lumMod val="75000"/>
+                  <a:lumOff val="25000"/>
+                </a:schemeClr>
+              </a:solidFill>
+            </a:endParaRPr>
+          </a:p>
+        </p:txBody>
+      </p:sp>
+      <p:sp>
+        <p:nvSpPr>
+          <p:cNvPr id="5" name="Rectangle 4"/>
+          <p:cNvSpPr/>
+          <p:nvPr/>
+        </p:nvSpPr>
+        <p:spPr>
+          <a:xfrm>
+            <a:off x="251520" y="1124744"/>
+            <a:ext cx="2304256" cy="5112568"/>
+          </a:xfrm>
+          <a:prstGeom prst="rect">
+            <a:avLst/>
+          </a:prstGeom>
+          <a:noFill/>
+          <a:ln>
+            <a:solidFill>
+              <a:schemeClr val="tx1"/>
+            </a:solidFill>
+          </a:ln>
+        </p:spPr>
+        <p:style>
+          <a:lnRef idx="2">
+            <a:schemeClr val="accent1">
+              <a:shade val="50000"/>
+            </a:schemeClr>
+          </a:lnRef>
+          <a:fillRef idx="1">
+            <a:schemeClr val="accent1"/>
+          </a:fillRef>
+          <a:effectRef idx="0">
+            <a:schemeClr val="accent1"/>
+          </a:effectRef>
+          <a:fontRef idx="minor">
+            <a:schemeClr val="lt1"/>
+          </a:fontRef>
+        </p:style>
+        <p:txBody>
+          <a:bodyPr rtlCol="0" anchor="ctr"/>
+          <a:lstStyle/>
+          <a:p>
+            <a:pPr algn="ctr"/>
+            <a:endParaRPr lang="nl-NL"/>
+          </a:p>
+        </p:txBody>
+      </p:sp>
+      <p:sp>
+        <p:nvSpPr>
+          <p:cNvPr id="4" name="TextBox 3"/>
+          <p:cNvSpPr txBox="1"/>
+          <p:nvPr/>
+        </p:nvSpPr>
+        <p:spPr>
+          <a:xfrm>
+            <a:off x="431540" y="1299372"/>
+            <a:ext cx="1944216" cy="4801314"/>
+          </a:xfrm>
+          <a:prstGeom prst="rect">
+            <a:avLst/>
+          </a:prstGeom>
+          <a:noFill/>
+        </p:spPr>
+        <p:txBody>
+          <a:bodyPr wrap="square" rtlCol="0">
+            <a:spAutoFit/>
+          </a:bodyPr>
+          <a:lstStyle/>
+          <a:p>
+            <a:r>
+              <a:rPr lang="nl-NL" b="1" dirty="0" smtClean="0"/>
+              <a:t>Home</a:t>
+            </a:r>
+          </a:p>
+          <a:p>
+            <a:endParaRPr lang="nl-NL" b="1" dirty="0" smtClean="0"/>
+          </a:p>
+          <a:p>
+            <a:r>
+              <a:rPr lang="nl-NL" b="1" dirty="0" smtClean="0"/>
+              <a:t>Manage Project</a:t>
+            </a:r>
+            <a:br>
+              <a:rPr lang="nl-NL" b="1" dirty="0" smtClean="0"/>
+            </a:br>
+            <a:r>
+              <a:rPr lang="nl-NL" b="1" dirty="0" smtClean="0"/>
+              <a:t/>
+            </a:r>
+            <a:br>
+              <a:rPr lang="nl-NL" b="1" dirty="0" smtClean="0"/>
+            </a:br>
+            <a:endParaRPr lang="nl-NL" b="1" dirty="0" smtClean="0"/>
+          </a:p>
+          <a:p>
+            <a:endParaRPr lang="nl-NL" b="1" dirty="0" smtClean="0"/>
+          </a:p>
+          <a:p>
+            <a:endParaRPr lang="nl-NL" b="1" dirty="0" smtClean="0"/>
+          </a:p>
+          <a:p>
+            <a:endParaRPr lang="nl-NL" b="1" dirty="0"/>
+          </a:p>
+          <a:p>
+            <a:endParaRPr lang="nl-NL" b="1" dirty="0" smtClean="0"/>
+          </a:p>
+          <a:p>
+            <a:endParaRPr lang="nl-NL" b="1" dirty="0"/>
+          </a:p>
+          <a:p>
+            <a:endParaRPr lang="nl-NL" b="1" dirty="0" smtClean="0"/>
+          </a:p>
+          <a:p>
+            <a:endParaRPr lang="nl-NL" b="1" dirty="0"/>
+          </a:p>
+          <a:p>
+            <a:endParaRPr lang="nl-NL" b="1" dirty="0" smtClean="0"/>
+          </a:p>
+          <a:p>
+            <a:endParaRPr lang="nl-NL" b="1" dirty="0"/>
+          </a:p>
+          <a:p>
+            <a:endParaRPr lang="nl-NL" b="1" dirty="0" smtClean="0"/>
+          </a:p>
+          <a:p>
+            <a:endParaRPr lang="nl-NL" b="1" dirty="0"/>
+          </a:p>
+          <a:p>
+            <a:r>
+              <a:rPr lang="nl-NL" b="1" dirty="0" smtClean="0"/>
+              <a:t>Logout</a:t>
+            </a:r>
+            <a:endParaRPr lang="nl-NL" b="1" dirty="0"/>
+          </a:p>
+        </p:txBody>
+      </p:sp>
+      <p:sp>
+        <p:nvSpPr>
+          <p:cNvPr id="10" name="Rectangle 9">
+            <a:hlinkClick r:id="rId2" action="ppaction://hlinksldjump"/>
+          </p:cNvPr>
+          <p:cNvSpPr/>
+          <p:nvPr/>
+        </p:nvSpPr>
+        <p:spPr>
+          <a:xfrm>
+            <a:off x="431540" y="1337174"/>
+            <a:ext cx="1944216" cy="363634"/>
+          </a:xfrm>
+          <a:prstGeom prst="rect">
+            <a:avLst/>
+          </a:prstGeom>
+          <a:noFill/>
+          <a:ln>
+            <a:solidFill>
+              <a:schemeClr val="tx1"/>
+            </a:solidFill>
+          </a:ln>
+        </p:spPr>
+        <p:style>
+          <a:lnRef idx="2">
+            <a:schemeClr val="accent1">
+              <a:shade val="50000"/>
+            </a:schemeClr>
+          </a:lnRef>
+          <a:fillRef idx="1">
+            <a:schemeClr val="accent1"/>
+          </a:fillRef>
+          <a:effectRef idx="0">
+            <a:schemeClr val="accent1"/>
+          </a:effectRef>
+          <a:fontRef idx="minor">
+            <a:schemeClr val="lt1"/>
+          </a:fontRef>
+        </p:style>
+        <p:txBody>
+          <a:bodyPr rtlCol="0" anchor="ctr"/>
+          <a:lstStyle/>
+          <a:p>
+            <a:pPr algn="ctr"/>
+            <a:endParaRPr lang="nl-NL"/>
+          </a:p>
+        </p:txBody>
+      </p:sp>
+      <p:sp>
+        <p:nvSpPr>
+          <p:cNvPr id="11" name="Rectangle 10">
+            <a:hlinkClick r:id="rId3" action="ppaction://hlinksldjump"/>
+          </p:cNvPr>
+          <p:cNvSpPr/>
+          <p:nvPr/>
+        </p:nvSpPr>
+        <p:spPr>
+          <a:xfrm>
+            <a:off x="431540" y="1841230"/>
+            <a:ext cx="1944216" cy="363634"/>
+          </a:xfrm>
+          <a:prstGeom prst="rect">
+            <a:avLst/>
+          </a:prstGeom>
+          <a:noFill/>
+          <a:ln>
+            <a:solidFill>
+              <a:schemeClr val="tx1"/>
+            </a:solidFill>
+          </a:ln>
+        </p:spPr>
+        <p:style>
+          <a:lnRef idx="2">
+            <a:schemeClr val="accent1">
+              <a:shade val="50000"/>
+            </a:schemeClr>
+          </a:lnRef>
+          <a:fillRef idx="1">
+            <a:schemeClr val="accent1"/>
+          </a:fillRef>
+          <a:effectRef idx="0">
+            <a:schemeClr val="accent1"/>
+          </a:effectRef>
+          <a:fontRef idx="minor">
+            <a:schemeClr val="lt1"/>
+          </a:fontRef>
+        </p:style>
+        <p:txBody>
+          <a:bodyPr rtlCol="0" anchor="ctr"/>
+          <a:lstStyle/>
+          <a:p>
+            <a:pPr algn="ctr"/>
+            <a:endParaRPr lang="nl-NL" dirty="0"/>
+          </a:p>
+        </p:txBody>
+      </p:sp>
+      <p:sp>
+        <p:nvSpPr>
+          <p:cNvPr id="14" name="Rectangle 13"/>
+          <p:cNvSpPr/>
+          <p:nvPr/>
+        </p:nvSpPr>
+        <p:spPr>
+          <a:xfrm>
+            <a:off x="2555776" y="1124744"/>
+            <a:ext cx="6336704" cy="5112568"/>
+          </a:xfrm>
+          <a:prstGeom prst="rect">
+            <a:avLst/>
+          </a:prstGeom>
+          <a:noFill/>
+          <a:ln>
+            <a:solidFill>
+              <a:schemeClr val="tx1"/>
+            </a:solidFill>
+          </a:ln>
+        </p:spPr>
+        <p:style>
+          <a:lnRef idx="2">
+            <a:schemeClr val="accent1">
+              <a:shade val="50000"/>
+            </a:schemeClr>
+          </a:lnRef>
+          <a:fillRef idx="1">
+            <a:schemeClr val="accent1"/>
+          </a:fillRef>
+          <a:effectRef idx="0">
+            <a:schemeClr val="accent1"/>
+          </a:effectRef>
+          <a:fontRef idx="minor">
+            <a:schemeClr val="lt1"/>
+          </a:fontRef>
+        </p:style>
+        <p:txBody>
+          <a:bodyPr rtlCol="0" anchor="ctr"/>
+          <a:lstStyle/>
+          <a:p>
+            <a:pPr algn="ctr"/>
+            <a:endParaRPr lang="nl-NL"/>
+          </a:p>
+        </p:txBody>
+      </p:sp>
+      <p:sp>
+        <p:nvSpPr>
+          <p:cNvPr id="16" name="Rectangle 15">
+            <a:hlinkClick r:id="rId4" action="ppaction://hlinksldjump"/>
+          </p:cNvPr>
+          <p:cNvSpPr/>
+          <p:nvPr/>
+        </p:nvSpPr>
+        <p:spPr>
+          <a:xfrm>
+            <a:off x="431540" y="5724654"/>
+            <a:ext cx="1944216" cy="363634"/>
+          </a:xfrm>
+          <a:prstGeom prst="rect">
+            <a:avLst/>
+          </a:prstGeom>
+          <a:noFill/>
+          <a:ln>
+            <a:solidFill>
+              <a:schemeClr val="tx1"/>
+            </a:solidFill>
+          </a:ln>
+        </p:spPr>
+        <p:style>
+          <a:lnRef idx="2">
+            <a:schemeClr val="accent1">
+              <a:shade val="50000"/>
+            </a:schemeClr>
+          </a:lnRef>
+          <a:fillRef idx="1">
+            <a:schemeClr val="accent1"/>
+          </a:fillRef>
+          <a:effectRef idx="0">
+            <a:schemeClr val="accent1"/>
+          </a:effectRef>
+          <a:fontRef idx="minor">
+            <a:schemeClr val="lt1"/>
+          </a:fontRef>
+        </p:style>
+        <p:txBody>
+          <a:bodyPr rtlCol="0" anchor="ctr"/>
+          <a:lstStyle/>
+          <a:p>
+            <a:pPr algn="ctr"/>
+            <a:endParaRPr lang="nl-NL"/>
+          </a:p>
+        </p:txBody>
+      </p:sp>
+      <p:sp>
+        <p:nvSpPr>
+          <p:cNvPr id="18" name="TextBox 17"/>
+          <p:cNvSpPr txBox="1"/>
+          <p:nvPr/>
+        </p:nvSpPr>
+        <p:spPr>
+          <a:xfrm>
+            <a:off x="2987824" y="1337174"/>
+            <a:ext cx="5544616" cy="400110"/>
+          </a:xfrm>
+          <a:prstGeom prst="rect">
+            <a:avLst/>
+          </a:prstGeom>
+          <a:noFill/>
+        </p:spPr>
+        <p:txBody>
+          <a:bodyPr wrap="square" rtlCol="0">
+            <a:spAutoFit/>
+          </a:bodyPr>
+          <a:lstStyle/>
+          <a:p>
+            <a:r>
+              <a:rPr lang="nl-NL" sz="2000" b="1" dirty="0" smtClean="0">
+                <a:solidFill>
+                  <a:schemeClr val="tx1">
+                    <a:lumMod val="75000"/>
+                    <a:lumOff val="25000"/>
+                  </a:schemeClr>
+                </a:solidFill>
+              </a:rPr>
+              <a:t>Welcome</a:t>
+            </a:r>
+            <a:r>
+              <a:rPr lang="nl-NL" sz="2000" b="1" smtClean="0">
+                <a:solidFill>
+                  <a:schemeClr val="tx1">
+                    <a:lumMod val="75000"/>
+                    <a:lumOff val="25000"/>
+                  </a:schemeClr>
+                </a:solidFill>
+              </a:rPr>
+              <a:t>, </a:t>
+            </a:r>
+            <a:r>
+              <a:rPr lang="nl-NL" sz="2000" b="1" smtClean="0">
+                <a:solidFill>
+                  <a:schemeClr val="tx1">
+                    <a:lumMod val="75000"/>
+                    <a:lumOff val="25000"/>
+                  </a:schemeClr>
+                </a:solidFill>
+              </a:rPr>
+              <a:t>Development</a:t>
+            </a:r>
+            <a:r>
+              <a:rPr lang="nl-NL" sz="2000" b="1" smtClean="0">
+                <a:solidFill>
+                  <a:schemeClr val="tx1">
+                    <a:lumMod val="75000"/>
+                    <a:lumOff val="25000"/>
+                  </a:schemeClr>
+                </a:solidFill>
+              </a:rPr>
+              <a:t>.</a:t>
+            </a:r>
+            <a:endParaRPr lang="nl-NL" sz="2000" b="1" dirty="0">
+              <a:solidFill>
+                <a:schemeClr val="tx1">
+                  <a:lumMod val="75000"/>
+                  <a:lumOff val="25000"/>
+                </a:schemeClr>
+              </a:solidFill>
+            </a:endParaRPr>
+          </a:p>
+        </p:txBody>
+      </p:sp>
+      <p:graphicFrame>
+        <p:nvGraphicFramePr>
+          <p:cNvPr id="20" name="Table 19"/>
+          <p:cNvGraphicFramePr>
+            <a:graphicFrameLocks noGrp="1"/>
+          </p:cNvGraphicFramePr>
+          <p:nvPr>
+            <p:extLst>
+              <p:ext uri="{D42A27DB-BD31-4B8C-83A1-F6EECF244321}">
+                <p14:modId xmlns:p14="http://schemas.microsoft.com/office/powerpoint/2010/main" val="3642938850"/>
+              </p:ext>
+            </p:extLst>
+          </p:nvPr>
+        </p:nvGraphicFramePr>
+        <p:xfrm>
+          <a:off x="2676128" y="2046454"/>
+          <a:ext cx="6072335" cy="828040"/>
+        </p:xfrm>
+        <a:graphic>
+          <a:graphicData uri="http://schemas.openxmlformats.org/drawingml/2006/table">
+            <a:tbl>
+              <a:tblPr firstRow="1" bandRow="1">
+                <a:tableStyleId>{5940675A-B579-460E-94D1-54222C63F5DA}</a:tableStyleId>
+              </a:tblPr>
+              <a:tblGrid>
+                <a:gridCol w="458597"/>
+                <a:gridCol w="1086957"/>
+                <a:gridCol w="942031"/>
+                <a:gridCol w="1159423"/>
+                <a:gridCol w="797103"/>
+                <a:gridCol w="908145"/>
+                <a:gridCol w="720079"/>
+              </a:tblGrid>
+              <a:tr h="370840">
+                <a:tc>
+                  <a:txBody>
+                    <a:bodyPr/>
+                    <a:lstStyle/>
+                    <a:p>
+                      <a:r>
+                        <a:rPr lang="nl-NL" sz="1200" dirty="0" smtClean="0"/>
+                        <a:t>ID</a:t>
+                      </a:r>
+                      <a:endParaRPr lang="nl-NL" sz="1200" dirty="0"/>
+                    </a:p>
+                  </a:txBody>
+                  <a:tcPr/>
+                </a:tc>
+                <a:tc>
+                  <a:txBody>
+                    <a:bodyPr/>
+                    <a:lstStyle/>
+                    <a:p>
+                      <a:r>
+                        <a:rPr lang="nl-NL" sz="1200" dirty="0" smtClean="0"/>
+                        <a:t>Company name</a:t>
+                      </a:r>
+                      <a:endParaRPr lang="nl-NL" sz="1200" dirty="0"/>
+                    </a:p>
+                  </a:txBody>
+                  <a:tcPr/>
+                </a:tc>
+                <a:tc>
+                  <a:txBody>
+                    <a:bodyPr/>
+                    <a:lstStyle/>
+                    <a:p>
+                      <a:r>
+                        <a:rPr lang="nl-NL" sz="1200" dirty="0" smtClean="0"/>
+                        <a:t>Zipcode</a:t>
+                      </a:r>
+                      <a:endParaRPr lang="nl-NL" sz="1200" dirty="0"/>
+                    </a:p>
+                  </a:txBody>
+                  <a:tcPr/>
+                </a:tc>
+                <a:tc>
+                  <a:txBody>
+                    <a:bodyPr/>
+                    <a:lstStyle/>
+                    <a:p>
+                      <a:r>
+                        <a:rPr lang="nl-NL" sz="1200" dirty="0" smtClean="0"/>
+                        <a:t>Residence</a:t>
+                      </a:r>
+                      <a:endParaRPr lang="nl-NL" sz="1200" dirty="0"/>
+                    </a:p>
+                  </a:txBody>
+                  <a:tcPr/>
+                </a:tc>
+                <a:tc>
+                  <a:txBody>
+                    <a:bodyPr/>
+                    <a:lstStyle/>
+                    <a:p>
+                      <a:r>
+                        <a:rPr lang="nl-NL" sz="1200" dirty="0" smtClean="0"/>
+                        <a:t>Street</a:t>
+                      </a:r>
+                      <a:endParaRPr lang="nl-NL" sz="1200" dirty="0"/>
+                    </a:p>
+                  </a:txBody>
+                  <a:tcPr/>
+                </a:tc>
+                <a:tc>
+                  <a:txBody>
+                    <a:bodyPr/>
+                    <a:lstStyle/>
+                    <a:p>
+                      <a:r>
+                        <a:rPr lang="nl-NL" sz="1200" dirty="0" smtClean="0"/>
+                        <a:t>Telephone</a:t>
+                      </a:r>
+                      <a:endParaRPr lang="nl-NL" sz="1200" dirty="0"/>
+                    </a:p>
+                  </a:txBody>
+                  <a:tcPr/>
+                </a:tc>
+                <a:tc>
+                  <a:txBody>
+                    <a:bodyPr/>
+                    <a:lstStyle/>
+                    <a:p>
+                      <a:r>
+                        <a:rPr lang="nl-NL" sz="1200" dirty="0" smtClean="0"/>
+                        <a:t>Status</a:t>
+                      </a:r>
+                      <a:endParaRPr lang="nl-NL" sz="1200" dirty="0"/>
+                    </a:p>
+                  </a:txBody>
+                  <a:tcPr/>
+                </a:tc>
+              </a:tr>
+              <a:tr h="370840">
+                <a:tc>
+                  <a:txBody>
+                    <a:bodyPr/>
+                    <a:lstStyle/>
+                    <a:p>
+                      <a:endParaRPr lang="nl-NL" dirty="0"/>
+                    </a:p>
+                  </a:txBody>
+                  <a:tcPr/>
+                </a:tc>
+                <a:tc>
+                  <a:txBody>
+                    <a:bodyPr/>
+                    <a:lstStyle/>
+                    <a:p>
+                      <a:endParaRPr lang="nl-NL"/>
+                    </a:p>
+                  </a:txBody>
+                  <a:tcPr/>
+                </a:tc>
+                <a:tc>
+                  <a:txBody>
+                    <a:bodyPr/>
+                    <a:lstStyle/>
+                    <a:p>
+                      <a:endParaRPr lang="nl-NL" dirty="0"/>
+                    </a:p>
+                  </a:txBody>
+                  <a:tcPr/>
+                </a:tc>
+                <a:tc>
+                  <a:txBody>
+                    <a:bodyPr/>
+                    <a:lstStyle/>
+                    <a:p>
+                      <a:endParaRPr lang="nl-NL"/>
+                    </a:p>
+                  </a:txBody>
+                  <a:tcPr/>
+                </a:tc>
+                <a:tc>
+                  <a:txBody>
+                    <a:bodyPr/>
+                    <a:lstStyle/>
+                    <a:p>
+                      <a:endParaRPr lang="nl-NL"/>
+                    </a:p>
+                  </a:txBody>
+                  <a:tcPr/>
+                </a:tc>
+                <a:tc>
+                  <a:txBody>
+                    <a:bodyPr/>
+                    <a:lstStyle/>
+                    <a:p>
+                      <a:endParaRPr lang="nl-NL" dirty="0"/>
+                    </a:p>
+                  </a:txBody>
+                  <a:tcPr/>
+                </a:tc>
+                <a:tc>
+                  <a:txBody>
+                    <a:bodyPr/>
+                    <a:lstStyle/>
+                    <a:p>
+                      <a:endParaRPr lang="nl-NL" dirty="0"/>
+                    </a:p>
+                  </a:txBody>
+                  <a:tcPr/>
+                </a:tc>
+              </a:tr>
+            </a:tbl>
+          </a:graphicData>
+        </a:graphic>
+      </p:graphicFrame>
+    </p:spTree>
+    <p:extLst>
+      <p:ext uri="{BB962C8B-B14F-4D97-AF65-F5344CB8AC3E}">
+        <p14:creationId xmlns:p14="http://schemas.microsoft.com/office/powerpoint/2010/main" val="3413730406"/>
+      </p:ext>
+    </p:extLst>
+  </p:cSld>
+  <p:clrMapOvr>
+    <a:masterClrMapping/>
+  </p:clrMapOvr>
+  <p:timing>
+    <p:tnLst>
+      <p:par>
+        <p:cTn id="1" dur="indefinite" restart="never" nodeType="tmRoot"/>
+      </p:par>
+    </p:tnLst>
+  </p:timing>
+</p:sld>
+</file>
+
+<file path=ppt/slides/slide19.xml><?xml version="1.0" encoding="utf-8"?>
+<p:sld xmlns:a="http://schemas.openxmlformats.org/drawingml/2006/main" xmlns:r="http://schemas.openxmlformats.org/officeDocument/2006/relationships" xmlns:p="http://schemas.openxmlformats.org/presentationml/2006/main">
+  <p:cSld>
+    <p:spTree>
+      <p:nvGrpSpPr>
+        <p:cNvPr id="1" name=""/>
+        <p:cNvGrpSpPr/>
+        <p:nvPr/>
+      </p:nvGrpSpPr>
+      <p:grpSpPr>
+        <a:xfrm>
+          <a:off x="0" y="0"/>
+          <a:ext cx="0" cy="0"/>
+          <a:chOff x="0" y="0"/>
+          <a:chExt cx="0" cy="0"/>
+        </a:xfrm>
+      </p:grpSpPr>
+      <p:sp>
+        <p:nvSpPr>
+          <p:cNvPr id="13" name="Rectangle 12"/>
+          <p:cNvSpPr/>
+          <p:nvPr/>
+        </p:nvSpPr>
+        <p:spPr>
+          <a:xfrm>
+            <a:off x="251520" y="548680"/>
+            <a:ext cx="8640960" cy="576064"/>
+          </a:xfrm>
+          <a:prstGeom prst="rect">
+            <a:avLst/>
+          </a:prstGeom>
+          <a:noFill/>
+          <a:ln>
+            <a:solidFill>
+              <a:schemeClr val="tx1"/>
+            </a:solidFill>
+          </a:ln>
+        </p:spPr>
+        <p:style>
+          <a:lnRef idx="2">
+            <a:schemeClr val="accent1">
+              <a:shade val="50000"/>
+            </a:schemeClr>
+          </a:lnRef>
+          <a:fillRef idx="1">
+            <a:schemeClr val="accent1"/>
+          </a:fillRef>
+          <a:effectRef idx="0">
+            <a:schemeClr val="accent1"/>
+          </a:effectRef>
+          <a:fontRef idx="minor">
+            <a:schemeClr val="lt1"/>
+          </a:fontRef>
+        </p:style>
+        <p:txBody>
+          <a:bodyPr rtlCol="0" anchor="ctr"/>
+          <a:lstStyle/>
+          <a:p>
+            <a:pPr algn="ctr"/>
+            <a:endParaRPr lang="nl-NL"/>
+          </a:p>
+        </p:txBody>
+      </p:sp>
+      <p:sp>
+        <p:nvSpPr>
+          <p:cNvPr id="3" name="Content Placeholder 2"/>
+          <p:cNvSpPr>
+            <a:spLocks noGrp="1"/>
+          </p:cNvSpPr>
+          <p:nvPr>
+            <p:ph idx="1"/>
+          </p:nvPr>
+        </p:nvSpPr>
+        <p:spPr>
+          <a:xfrm>
+            <a:off x="457200" y="548681"/>
+            <a:ext cx="8229600" cy="648072"/>
+          </a:xfrm>
+        </p:spPr>
+        <p:txBody>
+          <a:bodyPr/>
+          <a:lstStyle/>
+          <a:p>
+            <a:pPr marL="0" indent="0" algn="ctr">
+              <a:buNone/>
+            </a:pPr>
+            <a:r>
+              <a:rPr lang="nl-NL" b="1" dirty="0" smtClean="0">
+                <a:solidFill>
+                  <a:schemeClr val="tx1">
+                    <a:lumMod val="75000"/>
+                    <a:lumOff val="25000"/>
+                  </a:schemeClr>
+                </a:solidFill>
+              </a:rPr>
+              <a:t>Development</a:t>
+            </a:r>
+            <a:endParaRPr lang="nl-NL" b="1" dirty="0">
+              <a:solidFill>
+                <a:schemeClr val="tx1">
+                  <a:lumMod val="75000"/>
+                  <a:lumOff val="25000"/>
+                </a:schemeClr>
+              </a:solidFill>
+            </a:endParaRPr>
+          </a:p>
+        </p:txBody>
+      </p:sp>
+      <p:sp>
+        <p:nvSpPr>
+          <p:cNvPr id="5" name="Rectangle 4"/>
+          <p:cNvSpPr/>
+          <p:nvPr/>
+        </p:nvSpPr>
+        <p:spPr>
+          <a:xfrm>
+            <a:off x="251520" y="1124744"/>
+            <a:ext cx="2304256" cy="5112568"/>
+          </a:xfrm>
+          <a:prstGeom prst="rect">
+            <a:avLst/>
+          </a:prstGeom>
+          <a:noFill/>
+          <a:ln>
+            <a:solidFill>
+              <a:schemeClr val="tx1"/>
+            </a:solidFill>
+          </a:ln>
+        </p:spPr>
+        <p:style>
+          <a:lnRef idx="2">
+            <a:schemeClr val="accent1">
+              <a:shade val="50000"/>
+            </a:schemeClr>
+          </a:lnRef>
+          <a:fillRef idx="1">
+            <a:schemeClr val="accent1"/>
+          </a:fillRef>
+          <a:effectRef idx="0">
+            <a:schemeClr val="accent1"/>
+          </a:effectRef>
+          <a:fontRef idx="minor">
+            <a:schemeClr val="lt1"/>
+          </a:fontRef>
+        </p:style>
+        <p:txBody>
+          <a:bodyPr rtlCol="0" anchor="ctr"/>
+          <a:lstStyle/>
+          <a:p>
+            <a:pPr algn="ctr"/>
+            <a:endParaRPr lang="nl-NL"/>
+          </a:p>
+        </p:txBody>
+      </p:sp>
+      <p:sp>
+        <p:nvSpPr>
+          <p:cNvPr id="4" name="TextBox 3"/>
+          <p:cNvSpPr txBox="1"/>
+          <p:nvPr/>
+        </p:nvSpPr>
+        <p:spPr>
+          <a:xfrm>
+            <a:off x="431540" y="1299372"/>
+            <a:ext cx="1944216" cy="4801314"/>
+          </a:xfrm>
+          <a:prstGeom prst="rect">
+            <a:avLst/>
+          </a:prstGeom>
+          <a:noFill/>
+        </p:spPr>
+        <p:txBody>
+          <a:bodyPr wrap="square" rtlCol="0">
+            <a:spAutoFit/>
+          </a:bodyPr>
+          <a:lstStyle/>
+          <a:p>
+            <a:r>
+              <a:rPr lang="nl-NL" b="1" dirty="0" smtClean="0"/>
+              <a:t>Home</a:t>
+            </a:r>
+          </a:p>
+          <a:p>
+            <a:endParaRPr lang="nl-NL" b="1" dirty="0" smtClean="0"/>
+          </a:p>
+          <a:p>
+            <a:r>
+              <a:rPr lang="nl-NL" b="1" dirty="0" smtClean="0"/>
+              <a:t>Manage Project</a:t>
+            </a:r>
+            <a:br>
+              <a:rPr lang="nl-NL" b="1" dirty="0" smtClean="0"/>
+            </a:br>
+            <a:r>
+              <a:rPr lang="nl-NL" b="1" dirty="0" smtClean="0"/>
+              <a:t/>
+            </a:r>
+            <a:br>
+              <a:rPr lang="nl-NL" b="1" dirty="0" smtClean="0"/>
+            </a:br>
+            <a:endParaRPr lang="nl-NL" b="1" dirty="0" smtClean="0"/>
+          </a:p>
+          <a:p>
+            <a:endParaRPr lang="nl-NL" b="1" dirty="0" smtClean="0"/>
+          </a:p>
+          <a:p>
+            <a:endParaRPr lang="nl-NL" b="1" dirty="0" smtClean="0"/>
+          </a:p>
+          <a:p>
+            <a:endParaRPr lang="nl-NL" b="1" dirty="0"/>
+          </a:p>
+          <a:p>
+            <a:endParaRPr lang="nl-NL" b="1" dirty="0" smtClean="0"/>
+          </a:p>
+          <a:p>
+            <a:endParaRPr lang="nl-NL" b="1" dirty="0"/>
+          </a:p>
+          <a:p>
+            <a:endParaRPr lang="nl-NL" b="1" dirty="0" smtClean="0"/>
+          </a:p>
+          <a:p>
+            <a:endParaRPr lang="nl-NL" b="1" dirty="0"/>
+          </a:p>
+          <a:p>
+            <a:endParaRPr lang="nl-NL" b="1" dirty="0" smtClean="0"/>
+          </a:p>
+          <a:p>
+            <a:endParaRPr lang="nl-NL" b="1" dirty="0"/>
+          </a:p>
+          <a:p>
+            <a:endParaRPr lang="nl-NL" b="1" dirty="0" smtClean="0"/>
+          </a:p>
+          <a:p>
+            <a:endParaRPr lang="nl-NL" b="1" dirty="0"/>
+          </a:p>
+          <a:p>
+            <a:r>
+              <a:rPr lang="nl-NL" b="1" dirty="0" smtClean="0"/>
+              <a:t>Logout</a:t>
+            </a:r>
+            <a:endParaRPr lang="nl-NL" b="1" dirty="0"/>
+          </a:p>
+        </p:txBody>
+      </p:sp>
+      <p:sp>
+        <p:nvSpPr>
+          <p:cNvPr id="10" name="Rectangle 9">
+            <a:hlinkClick r:id="rId2" action="ppaction://hlinksldjump"/>
+          </p:cNvPr>
+          <p:cNvSpPr/>
+          <p:nvPr/>
+        </p:nvSpPr>
+        <p:spPr>
+          <a:xfrm>
+            <a:off x="431540" y="1337174"/>
+            <a:ext cx="1944216" cy="363634"/>
+          </a:xfrm>
+          <a:prstGeom prst="rect">
+            <a:avLst/>
+          </a:prstGeom>
+          <a:noFill/>
+          <a:ln>
+            <a:solidFill>
+              <a:schemeClr val="tx1"/>
+            </a:solidFill>
+          </a:ln>
+        </p:spPr>
+        <p:style>
+          <a:lnRef idx="2">
+            <a:schemeClr val="accent1">
+              <a:shade val="50000"/>
+            </a:schemeClr>
+          </a:lnRef>
+          <a:fillRef idx="1">
+            <a:schemeClr val="accent1"/>
+          </a:fillRef>
+          <a:effectRef idx="0">
+            <a:schemeClr val="accent1"/>
+          </a:effectRef>
+          <a:fontRef idx="minor">
+            <a:schemeClr val="lt1"/>
+          </a:fontRef>
+        </p:style>
+        <p:txBody>
+          <a:bodyPr rtlCol="0" anchor="ctr"/>
+          <a:lstStyle/>
+          <a:p>
+            <a:pPr algn="ctr"/>
+            <a:endParaRPr lang="nl-NL"/>
+          </a:p>
+        </p:txBody>
+      </p:sp>
+      <p:sp>
+        <p:nvSpPr>
+          <p:cNvPr id="11" name="Rectangle 10">
+            <a:hlinkClick r:id="rId3" action="ppaction://hlinksldjump"/>
+          </p:cNvPr>
+          <p:cNvSpPr/>
+          <p:nvPr/>
+        </p:nvSpPr>
+        <p:spPr>
+          <a:xfrm>
+            <a:off x="431540" y="1841230"/>
+            <a:ext cx="1944216" cy="363634"/>
+          </a:xfrm>
+          <a:prstGeom prst="rect">
+            <a:avLst/>
+          </a:prstGeom>
+          <a:noFill/>
+          <a:ln>
+            <a:solidFill>
+              <a:schemeClr val="tx1"/>
+            </a:solidFill>
+          </a:ln>
+        </p:spPr>
+        <p:style>
+          <a:lnRef idx="2">
+            <a:schemeClr val="accent1">
+              <a:shade val="50000"/>
+            </a:schemeClr>
+          </a:lnRef>
+          <a:fillRef idx="1">
+            <a:schemeClr val="accent1"/>
+          </a:fillRef>
+          <a:effectRef idx="0">
+            <a:schemeClr val="accent1"/>
+          </a:effectRef>
+          <a:fontRef idx="minor">
+            <a:schemeClr val="lt1"/>
+          </a:fontRef>
+        </p:style>
+        <p:txBody>
+          <a:bodyPr rtlCol="0" anchor="ctr"/>
+          <a:lstStyle/>
+          <a:p>
+            <a:pPr algn="ctr"/>
+            <a:endParaRPr lang="nl-NL" dirty="0"/>
+          </a:p>
+        </p:txBody>
+      </p:sp>
+      <p:sp>
+        <p:nvSpPr>
+          <p:cNvPr id="14" name="Rectangle 13"/>
+          <p:cNvSpPr/>
+          <p:nvPr/>
+        </p:nvSpPr>
+        <p:spPr>
+          <a:xfrm>
+            <a:off x="2555776" y="1124744"/>
+            <a:ext cx="6336704" cy="5112568"/>
+          </a:xfrm>
+          <a:prstGeom prst="rect">
+            <a:avLst/>
+          </a:prstGeom>
+          <a:noFill/>
+          <a:ln>
+            <a:solidFill>
+              <a:schemeClr val="tx1"/>
+            </a:solidFill>
+          </a:ln>
+        </p:spPr>
+        <p:style>
+          <a:lnRef idx="2">
+            <a:schemeClr val="accent1">
+              <a:shade val="50000"/>
+            </a:schemeClr>
+          </a:lnRef>
+          <a:fillRef idx="1">
+            <a:schemeClr val="accent1"/>
+          </a:fillRef>
+          <a:effectRef idx="0">
+            <a:schemeClr val="accent1"/>
+          </a:effectRef>
+          <a:fontRef idx="minor">
+            <a:schemeClr val="lt1"/>
+          </a:fontRef>
+        </p:style>
+        <p:txBody>
+          <a:bodyPr rtlCol="0" anchor="ctr"/>
+          <a:lstStyle/>
+          <a:p>
+            <a:pPr algn="ctr"/>
+            <a:endParaRPr lang="nl-NL"/>
+          </a:p>
+        </p:txBody>
+      </p:sp>
+      <p:sp>
+        <p:nvSpPr>
+          <p:cNvPr id="16" name="Rectangle 15">
+            <a:hlinkClick r:id="rId4" action="ppaction://hlinksldjump"/>
+          </p:cNvPr>
+          <p:cNvSpPr/>
+          <p:nvPr/>
+        </p:nvSpPr>
+        <p:spPr>
+          <a:xfrm>
+            <a:off x="431540" y="5724654"/>
+            <a:ext cx="1944216" cy="363634"/>
+          </a:xfrm>
+          <a:prstGeom prst="rect">
+            <a:avLst/>
+          </a:prstGeom>
+          <a:noFill/>
+          <a:ln>
+            <a:solidFill>
+              <a:schemeClr val="tx1"/>
+            </a:solidFill>
+          </a:ln>
+        </p:spPr>
+        <p:style>
+          <a:lnRef idx="2">
+            <a:schemeClr val="accent1">
+              <a:shade val="50000"/>
+            </a:schemeClr>
+          </a:lnRef>
+          <a:fillRef idx="1">
+            <a:schemeClr val="accent1"/>
+          </a:fillRef>
+          <a:effectRef idx="0">
+            <a:schemeClr val="accent1"/>
+          </a:effectRef>
+          <a:fontRef idx="minor">
+            <a:schemeClr val="lt1"/>
+          </a:fontRef>
+        </p:style>
+        <p:txBody>
+          <a:bodyPr rtlCol="0" anchor="ctr"/>
+          <a:lstStyle/>
+          <a:p>
+            <a:pPr algn="ctr"/>
+            <a:endParaRPr lang="nl-NL"/>
+          </a:p>
+        </p:txBody>
+      </p:sp>
+      <p:sp>
+        <p:nvSpPr>
+          <p:cNvPr id="18" name="TextBox 17"/>
+          <p:cNvSpPr txBox="1"/>
+          <p:nvPr/>
+        </p:nvSpPr>
+        <p:spPr>
+          <a:xfrm>
+            <a:off x="2987824" y="1337174"/>
+            <a:ext cx="5544616" cy="400110"/>
+          </a:xfrm>
+          <a:prstGeom prst="rect">
+            <a:avLst/>
+          </a:prstGeom>
+          <a:noFill/>
+        </p:spPr>
+        <p:txBody>
+          <a:bodyPr wrap="square" rtlCol="0">
+            <a:spAutoFit/>
+          </a:bodyPr>
+          <a:lstStyle/>
+          <a:p>
+            <a:r>
+              <a:rPr lang="nl-NL" sz="2000" b="1" dirty="0" smtClean="0">
+                <a:solidFill>
+                  <a:schemeClr val="tx1">
+                    <a:lumMod val="75000"/>
+                    <a:lumOff val="25000"/>
+                  </a:schemeClr>
+                </a:solidFill>
+              </a:rPr>
+              <a:t>Welcome</a:t>
+            </a:r>
+            <a:r>
+              <a:rPr lang="nl-NL" sz="2000" b="1" smtClean="0">
+                <a:solidFill>
+                  <a:schemeClr val="tx1">
+                    <a:lumMod val="75000"/>
+                    <a:lumOff val="25000"/>
+                  </a:schemeClr>
+                </a:solidFill>
+              </a:rPr>
+              <a:t>, </a:t>
+            </a:r>
+            <a:r>
+              <a:rPr lang="nl-NL" sz="2000" b="1" smtClean="0">
+                <a:solidFill>
+                  <a:schemeClr val="tx1">
+                    <a:lumMod val="75000"/>
+                    <a:lumOff val="25000"/>
+                  </a:schemeClr>
+                </a:solidFill>
+              </a:rPr>
+              <a:t>Development</a:t>
+            </a:r>
+            <a:r>
+              <a:rPr lang="nl-NL" sz="2000" b="1" smtClean="0">
+                <a:solidFill>
+                  <a:schemeClr val="tx1">
+                    <a:lumMod val="75000"/>
+                    <a:lumOff val="25000"/>
+                  </a:schemeClr>
+                </a:solidFill>
+              </a:rPr>
+              <a:t>.</a:t>
+            </a:r>
+            <a:endParaRPr lang="nl-NL" sz="2000" b="1" dirty="0">
+              <a:solidFill>
+                <a:schemeClr val="tx1">
+                  <a:lumMod val="75000"/>
+                  <a:lumOff val="25000"/>
+                </a:schemeClr>
+              </a:solidFill>
+            </a:endParaRPr>
+          </a:p>
+        </p:txBody>
+      </p:sp>
+      <p:graphicFrame>
+        <p:nvGraphicFramePr>
+          <p:cNvPr id="20" name="Table 19"/>
+          <p:cNvGraphicFramePr>
+            <a:graphicFrameLocks noGrp="1"/>
+          </p:cNvGraphicFramePr>
+          <p:nvPr>
+            <p:extLst>
+              <p:ext uri="{D42A27DB-BD31-4B8C-83A1-F6EECF244321}">
+                <p14:modId xmlns:p14="http://schemas.microsoft.com/office/powerpoint/2010/main" val="1702836323"/>
+              </p:ext>
+            </p:extLst>
+          </p:nvPr>
+        </p:nvGraphicFramePr>
+        <p:xfrm>
+          <a:off x="2676128" y="2046454"/>
+          <a:ext cx="6072335" cy="828040"/>
+        </p:xfrm>
+        <a:graphic>
+          <a:graphicData uri="http://schemas.openxmlformats.org/drawingml/2006/table">
+            <a:tbl>
+              <a:tblPr firstRow="1" bandRow="1">
+                <a:tableStyleId>{5940675A-B579-460E-94D1-54222C63F5DA}</a:tableStyleId>
+              </a:tblPr>
+              <a:tblGrid>
+                <a:gridCol w="539243"/>
+                <a:gridCol w="1278103"/>
+                <a:gridCol w="1107691"/>
+                <a:gridCol w="1363313"/>
+                <a:gridCol w="937277"/>
+                <a:gridCol w="846708"/>
+              </a:tblGrid>
+              <a:tr h="370840">
+                <a:tc>
+                  <a:txBody>
+                    <a:bodyPr/>
+                    <a:lstStyle/>
+                    <a:p>
+                      <a:r>
+                        <a:rPr lang="nl-NL" sz="1200" dirty="0" smtClean="0"/>
+                        <a:t>ID</a:t>
+                      </a:r>
+                      <a:endParaRPr lang="nl-NL" sz="1200" dirty="0"/>
+                    </a:p>
+                  </a:txBody>
+                  <a:tcPr/>
+                </a:tc>
+                <a:tc>
+                  <a:txBody>
+                    <a:bodyPr/>
+                    <a:lstStyle/>
+                    <a:p>
+                      <a:r>
+                        <a:rPr lang="nl-NL" sz="1200" dirty="0" smtClean="0"/>
+                        <a:t>Company name</a:t>
+                      </a:r>
+                      <a:endParaRPr lang="nl-NL" sz="1200" dirty="0"/>
+                    </a:p>
+                  </a:txBody>
+                  <a:tcPr/>
+                </a:tc>
+                <a:tc>
+                  <a:txBody>
+                    <a:bodyPr/>
+                    <a:lstStyle/>
+                    <a:p>
+                      <a:r>
+                        <a:rPr lang="nl-NL" sz="1200" dirty="0" smtClean="0"/>
+                        <a:t>Zipcode</a:t>
+                      </a:r>
+                      <a:endParaRPr lang="nl-NL" sz="1200" dirty="0"/>
+                    </a:p>
+                  </a:txBody>
+                  <a:tcPr/>
+                </a:tc>
+                <a:tc>
+                  <a:txBody>
+                    <a:bodyPr/>
+                    <a:lstStyle/>
+                    <a:p>
+                      <a:r>
+                        <a:rPr lang="nl-NL" sz="1200" dirty="0" smtClean="0"/>
+                        <a:t>Residence</a:t>
+                      </a:r>
+                      <a:endParaRPr lang="nl-NL" sz="1200" dirty="0"/>
+                    </a:p>
+                  </a:txBody>
+                  <a:tcPr/>
+                </a:tc>
+                <a:tc>
+                  <a:txBody>
+                    <a:bodyPr/>
+                    <a:lstStyle/>
+                    <a:p>
+                      <a:r>
+                        <a:rPr lang="nl-NL" sz="1200" dirty="0" smtClean="0"/>
+                        <a:t>Street</a:t>
+                      </a:r>
+                      <a:endParaRPr lang="nl-NL" sz="1200" dirty="0"/>
+                    </a:p>
+                  </a:txBody>
+                  <a:tcPr/>
+                </a:tc>
+                <a:tc>
+                  <a:txBody>
+                    <a:bodyPr/>
+                    <a:lstStyle/>
+                    <a:p>
+                      <a:r>
+                        <a:rPr lang="nl-NL" sz="1200" dirty="0" smtClean="0"/>
+                        <a:t>View Project</a:t>
+                      </a:r>
+                      <a:endParaRPr lang="nl-NL" sz="1200" dirty="0"/>
+                    </a:p>
+                  </a:txBody>
+                  <a:tcPr/>
+                </a:tc>
+              </a:tr>
+              <a:tr h="370840">
+                <a:tc>
+                  <a:txBody>
+                    <a:bodyPr/>
+                    <a:lstStyle/>
+                    <a:p>
+                      <a:endParaRPr lang="nl-NL" dirty="0"/>
+                    </a:p>
+                  </a:txBody>
+                  <a:tcPr/>
+                </a:tc>
+                <a:tc>
+                  <a:txBody>
+                    <a:bodyPr/>
+                    <a:lstStyle/>
+                    <a:p>
+                      <a:endParaRPr lang="nl-NL"/>
+                    </a:p>
+                  </a:txBody>
+                  <a:tcPr/>
+                </a:tc>
+                <a:tc>
+                  <a:txBody>
+                    <a:bodyPr/>
+                    <a:lstStyle/>
+                    <a:p>
+                      <a:endParaRPr lang="nl-NL" dirty="0"/>
+                    </a:p>
+                  </a:txBody>
+                  <a:tcPr/>
+                </a:tc>
+                <a:tc>
+                  <a:txBody>
+                    <a:bodyPr/>
+                    <a:lstStyle/>
+                    <a:p>
+                      <a:endParaRPr lang="nl-NL"/>
+                    </a:p>
+                  </a:txBody>
+                  <a:tcPr/>
+                </a:tc>
+                <a:tc>
+                  <a:txBody>
+                    <a:bodyPr/>
+                    <a:lstStyle/>
+                    <a:p>
+                      <a:endParaRPr lang="nl-NL"/>
+                    </a:p>
+                  </a:txBody>
+                  <a:tcPr/>
+                </a:tc>
+                <a:tc>
+                  <a:txBody>
+                    <a:bodyPr/>
+                    <a:lstStyle/>
+                    <a:p>
+                      <a:endParaRPr lang="nl-NL" dirty="0"/>
+                    </a:p>
+                  </a:txBody>
+                  <a:tcPr/>
+                </a:tc>
+              </a:tr>
+            </a:tbl>
+          </a:graphicData>
+        </a:graphic>
+      </p:graphicFrame>
+    </p:spTree>
+    <p:extLst>
+      <p:ext uri="{BB962C8B-B14F-4D97-AF65-F5344CB8AC3E}">
+        <p14:creationId xmlns:p14="http://schemas.microsoft.com/office/powerpoint/2010/main" val="1969687969"/>
       </p:ext>
     </p:extLst>
   </p:cSld>
@@ -12387,7 +16658,7 @@
         <p:spPr>
           <a:xfrm>
             <a:off x="431540" y="1299372"/>
-            <a:ext cx="1944216" cy="4524315"/>
+            <a:ext cx="1944216" cy="4801314"/>
           </a:xfrm>
           <a:prstGeom prst="rect">
             <a:avLst/>
@@ -12457,6 +16728,9 @@
           </a:p>
           <a:p>
             <a:endParaRPr lang="nl-NL" b="1" dirty="0"/>
+          </a:p>
+          <a:p>
+            <a:endParaRPr lang="nl-NL" b="1" dirty="0" smtClean="0"/>
           </a:p>
           <a:p>
             <a:endParaRPr lang="nl-NL" b="1" dirty="0" smtClean="0"/>
@@ -12805,7 +17079,7 @@
       </p:sp>
       <p:sp>
         <p:nvSpPr>
-          <p:cNvPr id="17" name="Rectangle 16">
+          <p:cNvPr id="18" name="Rectangle 17">
             <a:hlinkClick r:id="rId7" action="ppaction://hlinksldjump"/>
           </p:cNvPr>
           <p:cNvSpPr/>
@@ -12813,8 +17087,8 @@
         </p:nvSpPr>
         <p:spPr>
           <a:xfrm>
-            <a:off x="457200" y="3535179"/>
-            <a:ext cx="1944216" cy="397877"/>
+            <a:off x="431540" y="3532366"/>
+            <a:ext cx="1944216" cy="348721"/>
           </a:xfrm>
           <a:prstGeom prst="rect">
             <a:avLst/>
@@ -12847,7 +17121,7 @@
           <a:lstStyle/>
           <a:p>
             <a:pPr algn="ctr"/>
-            <a:endParaRPr lang="nl-NL" dirty="0"/>
+            <a:endParaRPr lang="nl-NL"/>
           </a:p>
         </p:txBody>
       </p:sp>
@@ -13034,7 +17308,7 @@
         <p:spPr>
           <a:xfrm>
             <a:off x="431540" y="1299372"/>
-            <a:ext cx="1944216" cy="4524315"/>
+            <a:ext cx="1944216" cy="4801314"/>
           </a:xfrm>
           <a:prstGeom prst="rect">
             <a:avLst/>
@@ -13085,9 +17359,12 @@
           <a:p>
             <a:r>
               <a:rPr lang="nl-NL" b="1" dirty="0" smtClean="0"/>
-              <a:t>Delete Customer</a:t>
+              <a:t>Archive Customer</a:t>
             </a:r>
             <a:endParaRPr lang="nl-NL" b="1" dirty="0"/>
+          </a:p>
+          <a:p>
+            <a:endParaRPr lang="nl-NL" b="1" dirty="0" smtClean="0"/>
           </a:p>
           <a:p>
             <a:endParaRPr lang="nl-NL" b="1" dirty="0" smtClean="0"/>
@@ -13405,7 +17682,7 @@
       <p:sp>
         <p:nvSpPr>
           <p:cNvPr id="17" name="Rectangle 16">
-            <a:hlinkClick r:id="rId2" action="ppaction://hlinksldjump"/>
+            <a:hlinkClick r:id="rId7" action="ppaction://hlinksldjump"/>
           </p:cNvPr>
           <p:cNvSpPr/>
           <p:nvPr/>
@@ -15392,7 +19669,7 @@
         <p:spPr>
           <a:xfrm>
             <a:off x="431540" y="1299372"/>
-            <a:ext cx="1944216" cy="4524315"/>
+            <a:ext cx="1944216" cy="4801314"/>
           </a:xfrm>
           <a:prstGeom prst="rect">
             <a:avLst/>
@@ -15443,7 +19720,11 @@
           <a:p>
             <a:r>
               <a:rPr lang="nl-NL" b="1" dirty="0" smtClean="0"/>
-              <a:t>Delete Customer</a:t>
+              <a:t>Archive </a:t>
+            </a:r>
+            <a:r>
+              <a:rPr lang="nl-NL" b="1" dirty="0" smtClean="0"/>
+              <a:t>Customer</a:t>
             </a:r>
             <a:endParaRPr lang="nl-NL" b="1" dirty="0"/>
           </a:p>
@@ -15458,6 +19739,9 @@
           </a:p>
           <a:p>
             <a:endParaRPr lang="nl-NL" b="1" dirty="0"/>
+          </a:p>
+          <a:p>
+            <a:endParaRPr lang="nl-NL" b="1" dirty="0" smtClean="0"/>
           </a:p>
           <a:p>
             <a:endParaRPr lang="nl-NL" b="1" dirty="0" smtClean="0"/>
@@ -15763,7 +20047,7 @@
       <p:sp>
         <p:nvSpPr>
           <p:cNvPr id="17" name="Rectangle 16">
-            <a:hlinkClick r:id="rId2" action="ppaction://hlinksldjump"/>
+            <a:hlinkClick r:id="rId7" action="ppaction://hlinksldjump"/>
           </p:cNvPr>
           <p:cNvSpPr/>
           <p:nvPr/>
